--- a/PPT/專題報告PPT.pptx
+++ b/PPT/專題報告PPT.pptx
@@ -288,7 +288,7 @@
           <a:p>
             <a:fld id="{412C2DBA-5A09-482C-AF80-365ECB728354}" type="datetimeFigureOut">
               <a:rPr lang="zh-TW" altLang="en-US" smtClean="0"/>
-              <a:t>2024/6/1</a:t>
+              <a:t>2024/6/2</a:t>
             </a:fld>
             <a:endParaRPr lang="zh-TW" altLang="en-US"/>
           </a:p>
@@ -456,7 +456,7 @@
           <a:p>
             <a:fld id="{412C2DBA-5A09-482C-AF80-365ECB728354}" type="datetimeFigureOut">
               <a:rPr lang="zh-TW" altLang="en-US" smtClean="0"/>
-              <a:t>2024/6/1</a:t>
+              <a:t>2024/6/2</a:t>
             </a:fld>
             <a:endParaRPr lang="zh-TW" altLang="en-US"/>
           </a:p>
@@ -634,7 +634,7 @@
           <a:p>
             <a:fld id="{412C2DBA-5A09-482C-AF80-365ECB728354}" type="datetimeFigureOut">
               <a:rPr lang="zh-TW" altLang="en-US" smtClean="0"/>
-              <a:t>2024/6/1</a:t>
+              <a:t>2024/6/2</a:t>
             </a:fld>
             <a:endParaRPr lang="zh-TW" altLang="en-US"/>
           </a:p>
@@ -802,7 +802,7 @@
           <a:p>
             <a:fld id="{412C2DBA-5A09-482C-AF80-365ECB728354}" type="datetimeFigureOut">
               <a:rPr lang="zh-TW" altLang="en-US" smtClean="0"/>
-              <a:t>2024/6/1</a:t>
+              <a:t>2024/6/2</a:t>
             </a:fld>
             <a:endParaRPr lang="zh-TW" altLang="en-US"/>
           </a:p>
@@ -1047,7 +1047,7 @@
           <a:p>
             <a:fld id="{412C2DBA-5A09-482C-AF80-365ECB728354}" type="datetimeFigureOut">
               <a:rPr lang="zh-TW" altLang="en-US" smtClean="0"/>
-              <a:t>2024/6/1</a:t>
+              <a:t>2024/6/2</a:t>
             </a:fld>
             <a:endParaRPr lang="zh-TW" altLang="en-US"/>
           </a:p>
@@ -1276,7 +1276,7 @@
           <a:p>
             <a:fld id="{412C2DBA-5A09-482C-AF80-365ECB728354}" type="datetimeFigureOut">
               <a:rPr lang="zh-TW" altLang="en-US" smtClean="0"/>
-              <a:t>2024/6/1</a:t>
+              <a:t>2024/6/2</a:t>
             </a:fld>
             <a:endParaRPr lang="zh-TW" altLang="en-US"/>
           </a:p>
@@ -1640,7 +1640,7 @@
           <a:p>
             <a:fld id="{412C2DBA-5A09-482C-AF80-365ECB728354}" type="datetimeFigureOut">
               <a:rPr lang="zh-TW" altLang="en-US" smtClean="0"/>
-              <a:t>2024/6/1</a:t>
+              <a:t>2024/6/2</a:t>
             </a:fld>
             <a:endParaRPr lang="zh-TW" altLang="en-US"/>
           </a:p>
@@ -1757,7 +1757,7 @@
           <a:p>
             <a:fld id="{412C2DBA-5A09-482C-AF80-365ECB728354}" type="datetimeFigureOut">
               <a:rPr lang="zh-TW" altLang="en-US" smtClean="0"/>
-              <a:t>2024/6/1</a:t>
+              <a:t>2024/6/2</a:t>
             </a:fld>
             <a:endParaRPr lang="zh-TW" altLang="en-US"/>
           </a:p>
@@ -1852,7 +1852,7 @@
           <a:p>
             <a:fld id="{412C2DBA-5A09-482C-AF80-365ECB728354}" type="datetimeFigureOut">
               <a:rPr lang="zh-TW" altLang="en-US" smtClean="0"/>
-              <a:t>2024/6/1</a:t>
+              <a:t>2024/6/2</a:t>
             </a:fld>
             <a:endParaRPr lang="zh-TW" altLang="en-US"/>
           </a:p>
@@ -2127,7 +2127,7 @@
           <a:p>
             <a:fld id="{412C2DBA-5A09-482C-AF80-365ECB728354}" type="datetimeFigureOut">
               <a:rPr lang="zh-TW" altLang="en-US" smtClean="0"/>
-              <a:t>2024/6/1</a:t>
+              <a:t>2024/6/2</a:t>
             </a:fld>
             <a:endParaRPr lang="zh-TW" altLang="en-US"/>
           </a:p>
@@ -2379,7 +2379,7 @@
           <a:p>
             <a:fld id="{412C2DBA-5A09-482C-AF80-365ECB728354}" type="datetimeFigureOut">
               <a:rPr lang="zh-TW" altLang="en-US" smtClean="0"/>
-              <a:t>2024/6/1</a:t>
+              <a:t>2024/6/2</a:t>
             </a:fld>
             <a:endParaRPr lang="zh-TW" altLang="en-US"/>
           </a:p>
@@ -2590,7 +2590,7 @@
           <a:p>
             <a:fld id="{412C2DBA-5A09-482C-AF80-365ECB728354}" type="datetimeFigureOut">
               <a:rPr lang="zh-TW" altLang="en-US" smtClean="0"/>
-              <a:t>2024/6/1</a:t>
+              <a:t>2024/6/2</a:t>
             </a:fld>
             <a:endParaRPr lang="zh-TW" altLang="en-US"/>
           </a:p>
@@ -3257,6 +3257,107 @@
           </a:p>
         </p:txBody>
       </p:sp>
+      <p:grpSp>
+        <p:nvGrpSpPr>
+          <p:cNvPr id="7" name="群組 6"/>
+          <p:cNvGrpSpPr/>
+          <p:nvPr/>
+        </p:nvGrpSpPr>
+        <p:grpSpPr>
+          <a:xfrm>
+            <a:off x="728583" y="6083025"/>
+            <a:ext cx="4377730" cy="646331"/>
+            <a:chOff x="793422" y="5945045"/>
+            <a:chExt cx="4377730" cy="646331"/>
+          </a:xfrm>
+        </p:grpSpPr>
+        <p:pic>
+          <p:nvPicPr>
+            <p:cNvPr id="5" name="圖片 4"/>
+            <p:cNvPicPr>
+              <a:picLocks noChangeAspect="1"/>
+            </p:cNvPicPr>
+            <p:nvPr/>
+          </p:nvPicPr>
+          <p:blipFill>
+            <a:blip r:embed="rId2" cstate="print">
+              <a:extLst>
+                <a:ext uri="{28A0092B-C50C-407E-A947-70E740481C1C}">
+                  <a14:useLocalDpi xmlns:a14="http://schemas.microsoft.com/office/drawing/2010/main" val="0"/>
+                </a:ext>
+              </a:extLst>
+            </a:blip>
+            <a:stretch>
+              <a:fillRect/>
+            </a:stretch>
+          </p:blipFill>
+          <p:spPr>
+            <a:xfrm>
+              <a:off x="793422" y="6031991"/>
+              <a:ext cx="730578" cy="472440"/>
+            </a:xfrm>
+            <a:prstGeom prst="rect">
+              <a:avLst/>
+            </a:prstGeom>
+          </p:spPr>
+        </p:pic>
+        <p:sp>
+          <p:nvSpPr>
+            <p:cNvPr id="6" name="文字方塊 5"/>
+            <p:cNvSpPr txBox="1"/>
+            <p:nvPr/>
+          </p:nvSpPr>
+          <p:spPr>
+            <a:xfrm>
+              <a:off x="1524000" y="5945045"/>
+              <a:ext cx="3647152" cy="646331"/>
+            </a:xfrm>
+            <a:prstGeom prst="rect">
+              <a:avLst/>
+            </a:prstGeom>
+            <a:noFill/>
+          </p:spPr>
+          <p:txBody>
+            <a:bodyPr wrap="none" rtlCol="0">
+              <a:spAutoFit/>
+            </a:bodyPr>
+            <a:lstStyle/>
+            <a:p>
+              <a:r>
+                <a:rPr lang="zh-TW" altLang="en-US" dirty="0" smtClean="0">
+                  <a:latin typeface="標楷體" panose="03000509000000000000" pitchFamily="65" charset="-120"/>
+                  <a:ea typeface="標楷體" panose="03000509000000000000" pitchFamily="65" charset="-120"/>
+                </a:rPr>
+                <a:t>國立虎尾科技大學</a:t>
+              </a:r>
+              <a:endParaRPr lang="en-US" altLang="zh-TW" dirty="0" smtClean="0">
+                <a:latin typeface="標楷體" panose="03000509000000000000" pitchFamily="65" charset="-120"/>
+                <a:ea typeface="標楷體" panose="03000509000000000000" pitchFamily="65" charset="-120"/>
+              </a:endParaRPr>
+            </a:p>
+            <a:p>
+              <a:r>
+                <a:rPr lang="zh-TW" altLang="en-US" dirty="0">
+                  <a:latin typeface="標楷體" panose="03000509000000000000" pitchFamily="65" charset="-120"/>
+                  <a:ea typeface="標楷體" panose="03000509000000000000" pitchFamily="65" charset="-120"/>
+                </a:rPr>
+                <a:t>機械設計工程</a:t>
+              </a:r>
+              <a:r>
+                <a:rPr lang="zh-TW" altLang="en-US" dirty="0" smtClean="0">
+                  <a:latin typeface="標楷體" panose="03000509000000000000" pitchFamily="65" charset="-120"/>
+                  <a:ea typeface="標楷體" panose="03000509000000000000" pitchFamily="65" charset="-120"/>
+                </a:rPr>
+                <a:t>系暨精密機械工程科</a:t>
+              </a:r>
+              <a:endParaRPr lang="zh-TW" altLang="en-US" dirty="0">
+                <a:latin typeface="標楷體" panose="03000509000000000000" pitchFamily="65" charset="-120"/>
+                <a:ea typeface="標楷體" panose="03000509000000000000" pitchFamily="65" charset="-120"/>
+              </a:endParaRPr>
+            </a:p>
+          </p:txBody>
+        </p:sp>
+      </p:grpSp>
     </p:spTree>
     <p:extLst>
       <p:ext uri="{BB962C8B-B14F-4D97-AF65-F5344CB8AC3E}">
@@ -3916,6 +4017,107 @@
           </a:prstGeom>
         </p:spPr>
       </p:pic>
+      <p:grpSp>
+        <p:nvGrpSpPr>
+          <p:cNvPr id="5" name="群組 4"/>
+          <p:cNvGrpSpPr/>
+          <p:nvPr/>
+        </p:nvGrpSpPr>
+        <p:grpSpPr>
+          <a:xfrm>
+            <a:off x="728583" y="6083025"/>
+            <a:ext cx="4377730" cy="646331"/>
+            <a:chOff x="793422" y="5945045"/>
+            <a:chExt cx="4377730" cy="646331"/>
+          </a:xfrm>
+        </p:grpSpPr>
+        <p:pic>
+          <p:nvPicPr>
+            <p:cNvPr id="6" name="圖片 5"/>
+            <p:cNvPicPr>
+              <a:picLocks noChangeAspect="1"/>
+            </p:cNvPicPr>
+            <p:nvPr/>
+          </p:nvPicPr>
+          <p:blipFill>
+            <a:blip r:embed="rId4" cstate="print">
+              <a:extLst>
+                <a:ext uri="{28A0092B-C50C-407E-A947-70E740481C1C}">
+                  <a14:useLocalDpi xmlns:a14="http://schemas.microsoft.com/office/drawing/2010/main" val="0"/>
+                </a:ext>
+              </a:extLst>
+            </a:blip>
+            <a:stretch>
+              <a:fillRect/>
+            </a:stretch>
+          </p:blipFill>
+          <p:spPr>
+            <a:xfrm>
+              <a:off x="793422" y="6031991"/>
+              <a:ext cx="730578" cy="472440"/>
+            </a:xfrm>
+            <a:prstGeom prst="rect">
+              <a:avLst/>
+            </a:prstGeom>
+          </p:spPr>
+        </p:pic>
+        <p:sp>
+          <p:nvSpPr>
+            <p:cNvPr id="8" name="文字方塊 7"/>
+            <p:cNvSpPr txBox="1"/>
+            <p:nvPr/>
+          </p:nvSpPr>
+          <p:spPr>
+            <a:xfrm>
+              <a:off x="1524000" y="5945045"/>
+              <a:ext cx="3647152" cy="646331"/>
+            </a:xfrm>
+            <a:prstGeom prst="rect">
+              <a:avLst/>
+            </a:prstGeom>
+            <a:noFill/>
+          </p:spPr>
+          <p:txBody>
+            <a:bodyPr wrap="none" rtlCol="0">
+              <a:spAutoFit/>
+            </a:bodyPr>
+            <a:lstStyle/>
+            <a:p>
+              <a:r>
+                <a:rPr lang="zh-TW" altLang="en-US" dirty="0" smtClean="0">
+                  <a:latin typeface="標楷體" panose="03000509000000000000" pitchFamily="65" charset="-120"/>
+                  <a:ea typeface="標楷體" panose="03000509000000000000" pitchFamily="65" charset="-120"/>
+                </a:rPr>
+                <a:t>國立虎尾科技大學</a:t>
+              </a:r>
+              <a:endParaRPr lang="en-US" altLang="zh-TW" dirty="0" smtClean="0">
+                <a:latin typeface="標楷體" panose="03000509000000000000" pitchFamily="65" charset="-120"/>
+                <a:ea typeface="標楷體" panose="03000509000000000000" pitchFamily="65" charset="-120"/>
+              </a:endParaRPr>
+            </a:p>
+            <a:p>
+              <a:r>
+                <a:rPr lang="zh-TW" altLang="en-US" dirty="0">
+                  <a:latin typeface="標楷體" panose="03000509000000000000" pitchFamily="65" charset="-120"/>
+                  <a:ea typeface="標楷體" panose="03000509000000000000" pitchFamily="65" charset="-120"/>
+                </a:rPr>
+                <a:t>機械設計工程</a:t>
+              </a:r>
+              <a:r>
+                <a:rPr lang="zh-TW" altLang="en-US" dirty="0" smtClean="0">
+                  <a:latin typeface="標楷體" panose="03000509000000000000" pitchFamily="65" charset="-120"/>
+                  <a:ea typeface="標楷體" panose="03000509000000000000" pitchFamily="65" charset="-120"/>
+                </a:rPr>
+                <a:t>系暨精密機械工程科</a:t>
+              </a:r>
+              <a:endParaRPr lang="zh-TW" altLang="en-US" dirty="0">
+                <a:latin typeface="標楷體" panose="03000509000000000000" pitchFamily="65" charset="-120"/>
+                <a:ea typeface="標楷體" panose="03000509000000000000" pitchFamily="65" charset="-120"/>
+              </a:endParaRPr>
+            </a:p>
+          </p:txBody>
+        </p:sp>
+      </p:grpSp>
     </p:spTree>
     <p:extLst>
       <p:ext uri="{BB962C8B-B14F-4D97-AF65-F5344CB8AC3E}">
@@ -4142,7 +4344,7 @@
         </p:blipFill>
         <p:spPr>
           <a:xfrm>
-            <a:off x="3148065" y="3633467"/>
+            <a:off x="4843863" y="3633467"/>
             <a:ext cx="5870171" cy="2643155"/>
           </a:xfrm>
           <a:prstGeom prst="rect">
@@ -4207,7 +4409,7 @@
         </p:nvSpPr>
         <p:spPr>
           <a:xfrm>
-            <a:off x="3784491" y="6276622"/>
+            <a:off x="5480289" y="6276622"/>
             <a:ext cx="3972098" cy="369332"/>
           </a:xfrm>
           <a:prstGeom prst="rect">
@@ -4260,6 +4462,107 @@
           </a:p>
         </p:txBody>
       </p:sp>
+      <p:grpSp>
+        <p:nvGrpSpPr>
+          <p:cNvPr id="10" name="群組 9"/>
+          <p:cNvGrpSpPr/>
+          <p:nvPr/>
+        </p:nvGrpSpPr>
+        <p:grpSpPr>
+          <a:xfrm>
+            <a:off x="728583" y="6083025"/>
+            <a:ext cx="4377730" cy="646331"/>
+            <a:chOff x="793422" y="5945045"/>
+            <a:chExt cx="4377730" cy="646331"/>
+          </a:xfrm>
+        </p:grpSpPr>
+        <p:pic>
+          <p:nvPicPr>
+            <p:cNvPr id="11" name="圖片 10"/>
+            <p:cNvPicPr>
+              <a:picLocks noChangeAspect="1"/>
+            </p:cNvPicPr>
+            <p:nvPr/>
+          </p:nvPicPr>
+          <p:blipFill>
+            <a:blip r:embed="rId5" cstate="print">
+              <a:extLst>
+                <a:ext uri="{28A0092B-C50C-407E-A947-70E740481C1C}">
+                  <a14:useLocalDpi xmlns:a14="http://schemas.microsoft.com/office/drawing/2010/main" val="0"/>
+                </a:ext>
+              </a:extLst>
+            </a:blip>
+            <a:stretch>
+              <a:fillRect/>
+            </a:stretch>
+          </p:blipFill>
+          <p:spPr>
+            <a:xfrm>
+              <a:off x="793422" y="6031991"/>
+              <a:ext cx="730578" cy="472440"/>
+            </a:xfrm>
+            <a:prstGeom prst="rect">
+              <a:avLst/>
+            </a:prstGeom>
+          </p:spPr>
+        </p:pic>
+        <p:sp>
+          <p:nvSpPr>
+            <p:cNvPr id="12" name="文字方塊 11"/>
+            <p:cNvSpPr txBox="1"/>
+            <p:nvPr/>
+          </p:nvSpPr>
+          <p:spPr>
+            <a:xfrm>
+              <a:off x="1524000" y="5945045"/>
+              <a:ext cx="3647152" cy="646331"/>
+            </a:xfrm>
+            <a:prstGeom prst="rect">
+              <a:avLst/>
+            </a:prstGeom>
+            <a:noFill/>
+          </p:spPr>
+          <p:txBody>
+            <a:bodyPr wrap="none" rtlCol="0">
+              <a:spAutoFit/>
+            </a:bodyPr>
+            <a:lstStyle/>
+            <a:p>
+              <a:r>
+                <a:rPr lang="zh-TW" altLang="en-US" dirty="0" smtClean="0">
+                  <a:latin typeface="標楷體" panose="03000509000000000000" pitchFamily="65" charset="-120"/>
+                  <a:ea typeface="標楷體" panose="03000509000000000000" pitchFamily="65" charset="-120"/>
+                </a:rPr>
+                <a:t>國立虎尾科技大學</a:t>
+              </a:r>
+              <a:endParaRPr lang="en-US" altLang="zh-TW" dirty="0" smtClean="0">
+                <a:latin typeface="標楷體" panose="03000509000000000000" pitchFamily="65" charset="-120"/>
+                <a:ea typeface="標楷體" panose="03000509000000000000" pitchFamily="65" charset="-120"/>
+              </a:endParaRPr>
+            </a:p>
+            <a:p>
+              <a:r>
+                <a:rPr lang="zh-TW" altLang="en-US" dirty="0">
+                  <a:latin typeface="標楷體" panose="03000509000000000000" pitchFamily="65" charset="-120"/>
+                  <a:ea typeface="標楷體" panose="03000509000000000000" pitchFamily="65" charset="-120"/>
+                </a:rPr>
+                <a:t>機械設計工程</a:t>
+              </a:r>
+              <a:r>
+                <a:rPr lang="zh-TW" altLang="en-US" dirty="0" smtClean="0">
+                  <a:latin typeface="標楷體" panose="03000509000000000000" pitchFamily="65" charset="-120"/>
+                  <a:ea typeface="標楷體" panose="03000509000000000000" pitchFamily="65" charset="-120"/>
+                </a:rPr>
+                <a:t>系暨精密機械工程科</a:t>
+              </a:r>
+              <a:endParaRPr lang="zh-TW" altLang="en-US" dirty="0">
+                <a:latin typeface="標楷體" panose="03000509000000000000" pitchFamily="65" charset="-120"/>
+                <a:ea typeface="標楷體" panose="03000509000000000000" pitchFamily="65" charset="-120"/>
+              </a:endParaRPr>
+            </a:p>
+          </p:txBody>
+        </p:sp>
+      </p:grpSp>
     </p:spTree>
     <p:extLst>
       <p:ext uri="{BB962C8B-B14F-4D97-AF65-F5344CB8AC3E}">
@@ -4321,8 +4624,8 @@
           </a:p>
         </p:txBody>
       </p:sp>
-      <mc:AlternateContent xmlns:mc="http://schemas.openxmlformats.org/markup-compatibility/2006">
-        <mc:Choice xmlns:a14="http://schemas.microsoft.com/office/drawing/2010/main" Requires="a14">
+      <mc:AlternateContent xmlns:mc="http://schemas.openxmlformats.org/markup-compatibility/2006" xmlns:a14="http://schemas.microsoft.com/office/drawing/2010/main">
+        <mc:Choice Requires="a14">
           <p:sp>
             <p:nvSpPr>
               <p:cNvPr id="3" name="內容版面配置區 2">
@@ -4561,7 +4864,7 @@
             </p:txBody>
           </p:sp>
         </mc:Choice>
-        <mc:Fallback>
+        <mc:Fallback xmlns="">
           <p:sp>
             <p:nvSpPr>
               <p:cNvPr id="3" name="內容版面配置區 2">
@@ -5341,6 +5644,107 @@
           </p:sp>
         </mc:Fallback>
       </mc:AlternateContent>
+      <p:grpSp>
+        <p:nvGrpSpPr>
+          <p:cNvPr id="11" name="群組 10"/>
+          <p:cNvGrpSpPr/>
+          <p:nvPr/>
+        </p:nvGrpSpPr>
+        <p:grpSpPr>
+          <a:xfrm>
+            <a:off x="728583" y="6083025"/>
+            <a:ext cx="4377730" cy="646331"/>
+            <a:chOff x="793422" y="5945045"/>
+            <a:chExt cx="4377730" cy="646331"/>
+          </a:xfrm>
+        </p:grpSpPr>
+        <p:pic>
+          <p:nvPicPr>
+            <p:cNvPr id="12" name="圖片 11"/>
+            <p:cNvPicPr>
+              <a:picLocks noChangeAspect="1"/>
+            </p:cNvPicPr>
+            <p:nvPr/>
+          </p:nvPicPr>
+          <p:blipFill>
+            <a:blip r:embed="rId7" cstate="print">
+              <a:extLst>
+                <a:ext uri="{28A0092B-C50C-407E-A947-70E740481C1C}">
+                  <a14:useLocalDpi xmlns:a14="http://schemas.microsoft.com/office/drawing/2010/main" val="0"/>
+                </a:ext>
+              </a:extLst>
+            </a:blip>
+            <a:stretch>
+              <a:fillRect/>
+            </a:stretch>
+          </p:blipFill>
+          <p:spPr>
+            <a:xfrm>
+              <a:off x="793422" y="6031991"/>
+              <a:ext cx="730578" cy="472440"/>
+            </a:xfrm>
+            <a:prstGeom prst="rect">
+              <a:avLst/>
+            </a:prstGeom>
+          </p:spPr>
+        </p:pic>
+        <p:sp>
+          <p:nvSpPr>
+            <p:cNvPr id="13" name="文字方塊 12"/>
+            <p:cNvSpPr txBox="1"/>
+            <p:nvPr/>
+          </p:nvSpPr>
+          <p:spPr>
+            <a:xfrm>
+              <a:off x="1524000" y="5945045"/>
+              <a:ext cx="3647152" cy="646331"/>
+            </a:xfrm>
+            <a:prstGeom prst="rect">
+              <a:avLst/>
+            </a:prstGeom>
+            <a:noFill/>
+          </p:spPr>
+          <p:txBody>
+            <a:bodyPr wrap="none" rtlCol="0">
+              <a:spAutoFit/>
+            </a:bodyPr>
+            <a:lstStyle/>
+            <a:p>
+              <a:r>
+                <a:rPr lang="zh-TW" altLang="en-US" dirty="0" smtClean="0">
+                  <a:latin typeface="標楷體" panose="03000509000000000000" pitchFamily="65" charset="-120"/>
+                  <a:ea typeface="標楷體" panose="03000509000000000000" pitchFamily="65" charset="-120"/>
+                </a:rPr>
+                <a:t>國立虎尾科技大學</a:t>
+              </a:r>
+              <a:endParaRPr lang="en-US" altLang="zh-TW" dirty="0" smtClean="0">
+                <a:latin typeface="標楷體" panose="03000509000000000000" pitchFamily="65" charset="-120"/>
+                <a:ea typeface="標楷體" panose="03000509000000000000" pitchFamily="65" charset="-120"/>
+              </a:endParaRPr>
+            </a:p>
+            <a:p>
+              <a:r>
+                <a:rPr lang="zh-TW" altLang="en-US" dirty="0">
+                  <a:latin typeface="標楷體" panose="03000509000000000000" pitchFamily="65" charset="-120"/>
+                  <a:ea typeface="標楷體" panose="03000509000000000000" pitchFamily="65" charset="-120"/>
+                </a:rPr>
+                <a:t>機械設計工程</a:t>
+              </a:r>
+              <a:r>
+                <a:rPr lang="zh-TW" altLang="en-US" dirty="0" smtClean="0">
+                  <a:latin typeface="標楷體" panose="03000509000000000000" pitchFamily="65" charset="-120"/>
+                  <a:ea typeface="標楷體" panose="03000509000000000000" pitchFamily="65" charset="-120"/>
+                </a:rPr>
+                <a:t>系暨精密機械工程科</a:t>
+              </a:r>
+              <a:endParaRPr lang="zh-TW" altLang="en-US" dirty="0">
+                <a:latin typeface="標楷體" panose="03000509000000000000" pitchFamily="65" charset="-120"/>
+                <a:ea typeface="標楷體" panose="03000509000000000000" pitchFamily="65" charset="-120"/>
+              </a:endParaRPr>
+            </a:p>
+          </p:txBody>
+        </p:sp>
+      </p:grpSp>
     </p:spTree>
     <p:extLst>
       <p:ext uri="{BB962C8B-B14F-4D97-AF65-F5344CB8AC3E}">
@@ -5615,6 +6019,107 @@
           </a:p>
         </p:txBody>
       </p:sp>
+      <p:grpSp>
+        <p:nvGrpSpPr>
+          <p:cNvPr id="8" name="群組 7"/>
+          <p:cNvGrpSpPr/>
+          <p:nvPr/>
+        </p:nvGrpSpPr>
+        <p:grpSpPr>
+          <a:xfrm>
+            <a:off x="728583" y="6083025"/>
+            <a:ext cx="4377730" cy="646331"/>
+            <a:chOff x="793422" y="5945045"/>
+            <a:chExt cx="4377730" cy="646331"/>
+          </a:xfrm>
+        </p:grpSpPr>
+        <p:pic>
+          <p:nvPicPr>
+            <p:cNvPr id="9" name="圖片 8"/>
+            <p:cNvPicPr>
+              <a:picLocks noChangeAspect="1"/>
+            </p:cNvPicPr>
+            <p:nvPr/>
+          </p:nvPicPr>
+          <p:blipFill>
+            <a:blip r:embed="rId4" cstate="print">
+              <a:extLst>
+                <a:ext uri="{28A0092B-C50C-407E-A947-70E740481C1C}">
+                  <a14:useLocalDpi xmlns:a14="http://schemas.microsoft.com/office/drawing/2010/main" val="0"/>
+                </a:ext>
+              </a:extLst>
+            </a:blip>
+            <a:stretch>
+              <a:fillRect/>
+            </a:stretch>
+          </p:blipFill>
+          <p:spPr>
+            <a:xfrm>
+              <a:off x="793422" y="6031991"/>
+              <a:ext cx="730578" cy="472440"/>
+            </a:xfrm>
+            <a:prstGeom prst="rect">
+              <a:avLst/>
+            </a:prstGeom>
+          </p:spPr>
+        </p:pic>
+        <p:sp>
+          <p:nvSpPr>
+            <p:cNvPr id="10" name="文字方塊 9"/>
+            <p:cNvSpPr txBox="1"/>
+            <p:nvPr/>
+          </p:nvSpPr>
+          <p:spPr>
+            <a:xfrm>
+              <a:off x="1524000" y="5945045"/>
+              <a:ext cx="3647152" cy="646331"/>
+            </a:xfrm>
+            <a:prstGeom prst="rect">
+              <a:avLst/>
+            </a:prstGeom>
+            <a:noFill/>
+          </p:spPr>
+          <p:txBody>
+            <a:bodyPr wrap="none" rtlCol="0">
+              <a:spAutoFit/>
+            </a:bodyPr>
+            <a:lstStyle/>
+            <a:p>
+              <a:r>
+                <a:rPr lang="zh-TW" altLang="en-US" dirty="0" smtClean="0">
+                  <a:latin typeface="標楷體" panose="03000509000000000000" pitchFamily="65" charset="-120"/>
+                  <a:ea typeface="標楷體" panose="03000509000000000000" pitchFamily="65" charset="-120"/>
+                </a:rPr>
+                <a:t>國立虎尾科技大學</a:t>
+              </a:r>
+              <a:endParaRPr lang="en-US" altLang="zh-TW" dirty="0" smtClean="0">
+                <a:latin typeface="標楷體" panose="03000509000000000000" pitchFamily="65" charset="-120"/>
+                <a:ea typeface="標楷體" panose="03000509000000000000" pitchFamily="65" charset="-120"/>
+              </a:endParaRPr>
+            </a:p>
+            <a:p>
+              <a:r>
+                <a:rPr lang="zh-TW" altLang="en-US" dirty="0">
+                  <a:latin typeface="標楷體" panose="03000509000000000000" pitchFamily="65" charset="-120"/>
+                  <a:ea typeface="標楷體" panose="03000509000000000000" pitchFamily="65" charset="-120"/>
+                </a:rPr>
+                <a:t>機械設計工程</a:t>
+              </a:r>
+              <a:r>
+                <a:rPr lang="zh-TW" altLang="en-US" dirty="0" smtClean="0">
+                  <a:latin typeface="標楷體" panose="03000509000000000000" pitchFamily="65" charset="-120"/>
+                  <a:ea typeface="標楷體" panose="03000509000000000000" pitchFamily="65" charset="-120"/>
+                </a:rPr>
+                <a:t>系暨精密機械工程科</a:t>
+              </a:r>
+              <a:endParaRPr lang="zh-TW" altLang="en-US" dirty="0">
+                <a:latin typeface="標楷體" panose="03000509000000000000" pitchFamily="65" charset="-120"/>
+                <a:ea typeface="標楷體" panose="03000509000000000000" pitchFamily="65" charset="-120"/>
+              </a:endParaRPr>
+            </a:p>
+          </p:txBody>
+        </p:sp>
+      </p:grpSp>
     </p:spTree>
     <p:extLst>
       <p:ext uri="{BB962C8B-B14F-4D97-AF65-F5344CB8AC3E}">
@@ -5676,8 +6181,8 @@
           </a:p>
         </p:txBody>
       </p:sp>
-      <mc:AlternateContent xmlns:mc="http://schemas.openxmlformats.org/markup-compatibility/2006">
-        <mc:Choice xmlns:a14="http://schemas.microsoft.com/office/drawing/2010/main" Requires="a14">
+      <mc:AlternateContent xmlns:mc="http://schemas.openxmlformats.org/markup-compatibility/2006" xmlns:a14="http://schemas.microsoft.com/office/drawing/2010/main">
+        <mc:Choice Requires="a14">
           <p:sp>
             <p:nvSpPr>
               <p:cNvPr id="3" name="內容版面配置區 2">
@@ -5862,7 +6367,7 @@
             </p:txBody>
           </p:sp>
         </mc:Choice>
-        <mc:Fallback>
+        <mc:Fallback xmlns="">
           <p:sp>
             <p:nvSpPr>
               <p:cNvPr id="3" name="內容版面配置區 2">
@@ -6557,6 +7062,107 @@
           </a:p>
         </p:txBody>
       </p:sp>
+      <p:grpSp>
+        <p:nvGrpSpPr>
+          <p:cNvPr id="10" name="群組 9"/>
+          <p:cNvGrpSpPr/>
+          <p:nvPr/>
+        </p:nvGrpSpPr>
+        <p:grpSpPr>
+          <a:xfrm>
+            <a:off x="7662786" y="6105677"/>
+            <a:ext cx="4377730" cy="646331"/>
+            <a:chOff x="793422" y="5945045"/>
+            <a:chExt cx="4377730" cy="646331"/>
+          </a:xfrm>
+        </p:grpSpPr>
+        <p:pic>
+          <p:nvPicPr>
+            <p:cNvPr id="14" name="圖片 13"/>
+            <p:cNvPicPr>
+              <a:picLocks noChangeAspect="1"/>
+            </p:cNvPicPr>
+            <p:nvPr/>
+          </p:nvPicPr>
+          <p:blipFill>
+            <a:blip r:embed="rId7" cstate="print">
+              <a:extLst>
+                <a:ext uri="{28A0092B-C50C-407E-A947-70E740481C1C}">
+                  <a14:useLocalDpi xmlns:a14="http://schemas.microsoft.com/office/drawing/2010/main" val="0"/>
+                </a:ext>
+              </a:extLst>
+            </a:blip>
+            <a:stretch>
+              <a:fillRect/>
+            </a:stretch>
+          </p:blipFill>
+          <p:spPr>
+            <a:xfrm>
+              <a:off x="793422" y="6031991"/>
+              <a:ext cx="730578" cy="472440"/>
+            </a:xfrm>
+            <a:prstGeom prst="rect">
+              <a:avLst/>
+            </a:prstGeom>
+          </p:spPr>
+        </p:pic>
+        <p:sp>
+          <p:nvSpPr>
+            <p:cNvPr id="15" name="文字方塊 14"/>
+            <p:cNvSpPr txBox="1"/>
+            <p:nvPr/>
+          </p:nvSpPr>
+          <p:spPr>
+            <a:xfrm>
+              <a:off x="1524000" y="5945045"/>
+              <a:ext cx="3647152" cy="646331"/>
+            </a:xfrm>
+            <a:prstGeom prst="rect">
+              <a:avLst/>
+            </a:prstGeom>
+            <a:noFill/>
+          </p:spPr>
+          <p:txBody>
+            <a:bodyPr wrap="none" rtlCol="0">
+              <a:spAutoFit/>
+            </a:bodyPr>
+            <a:lstStyle/>
+            <a:p>
+              <a:r>
+                <a:rPr lang="zh-TW" altLang="en-US" dirty="0" smtClean="0">
+                  <a:latin typeface="標楷體" panose="03000509000000000000" pitchFamily="65" charset="-120"/>
+                  <a:ea typeface="標楷體" panose="03000509000000000000" pitchFamily="65" charset="-120"/>
+                </a:rPr>
+                <a:t>國立虎尾科技大學</a:t>
+              </a:r>
+              <a:endParaRPr lang="en-US" altLang="zh-TW" dirty="0" smtClean="0">
+                <a:latin typeface="標楷體" panose="03000509000000000000" pitchFamily="65" charset="-120"/>
+                <a:ea typeface="標楷體" panose="03000509000000000000" pitchFamily="65" charset="-120"/>
+              </a:endParaRPr>
+            </a:p>
+            <a:p>
+              <a:r>
+                <a:rPr lang="zh-TW" altLang="en-US" dirty="0">
+                  <a:latin typeface="標楷體" panose="03000509000000000000" pitchFamily="65" charset="-120"/>
+                  <a:ea typeface="標楷體" panose="03000509000000000000" pitchFamily="65" charset="-120"/>
+                </a:rPr>
+                <a:t>機械設計工程</a:t>
+              </a:r>
+              <a:r>
+                <a:rPr lang="zh-TW" altLang="en-US" dirty="0" smtClean="0">
+                  <a:latin typeface="標楷體" panose="03000509000000000000" pitchFamily="65" charset="-120"/>
+                  <a:ea typeface="標楷體" panose="03000509000000000000" pitchFamily="65" charset="-120"/>
+                </a:rPr>
+                <a:t>系暨精密機械工程科</a:t>
+              </a:r>
+              <a:endParaRPr lang="zh-TW" altLang="en-US" dirty="0">
+                <a:latin typeface="標楷體" panose="03000509000000000000" pitchFamily="65" charset="-120"/>
+                <a:ea typeface="標楷體" panose="03000509000000000000" pitchFamily="65" charset="-120"/>
+              </a:endParaRPr>
+            </a:p>
+          </p:txBody>
+        </p:sp>
+      </p:grpSp>
     </p:spTree>
     <p:extLst>
       <p:ext uri="{BB962C8B-B14F-4D97-AF65-F5344CB8AC3E}">
@@ -6723,7 +7329,7 @@
         </p:blipFill>
         <p:spPr>
           <a:xfrm>
-            <a:off x="3739342" y="3060283"/>
+            <a:off x="5551518" y="3060283"/>
             <a:ext cx="4713316" cy="3116680"/>
           </a:xfrm>
           <a:prstGeom prst="rect">
@@ -6739,7 +7345,7 @@
         </p:nvSpPr>
         <p:spPr>
           <a:xfrm>
-            <a:off x="4109951" y="6311900"/>
+            <a:off x="5922127" y="6311900"/>
             <a:ext cx="3972098" cy="369332"/>
           </a:xfrm>
           <a:prstGeom prst="rect">
@@ -6792,6 +7398,107 @@
           </a:p>
         </p:txBody>
       </p:sp>
+      <p:grpSp>
+        <p:nvGrpSpPr>
+          <p:cNvPr id="6" name="群組 5"/>
+          <p:cNvGrpSpPr/>
+          <p:nvPr/>
+        </p:nvGrpSpPr>
+        <p:grpSpPr>
+          <a:xfrm>
+            <a:off x="728583" y="6083025"/>
+            <a:ext cx="4377730" cy="646331"/>
+            <a:chOff x="793422" y="5945045"/>
+            <a:chExt cx="4377730" cy="646331"/>
+          </a:xfrm>
+        </p:grpSpPr>
+        <p:pic>
+          <p:nvPicPr>
+            <p:cNvPr id="7" name="圖片 6"/>
+            <p:cNvPicPr>
+              <a:picLocks noChangeAspect="1"/>
+            </p:cNvPicPr>
+            <p:nvPr/>
+          </p:nvPicPr>
+          <p:blipFill>
+            <a:blip r:embed="rId3" cstate="print">
+              <a:extLst>
+                <a:ext uri="{28A0092B-C50C-407E-A947-70E740481C1C}">
+                  <a14:useLocalDpi xmlns:a14="http://schemas.microsoft.com/office/drawing/2010/main" val="0"/>
+                </a:ext>
+              </a:extLst>
+            </a:blip>
+            <a:stretch>
+              <a:fillRect/>
+            </a:stretch>
+          </p:blipFill>
+          <p:spPr>
+            <a:xfrm>
+              <a:off x="793422" y="6031991"/>
+              <a:ext cx="730578" cy="472440"/>
+            </a:xfrm>
+            <a:prstGeom prst="rect">
+              <a:avLst/>
+            </a:prstGeom>
+          </p:spPr>
+        </p:pic>
+        <p:sp>
+          <p:nvSpPr>
+            <p:cNvPr id="8" name="文字方塊 7"/>
+            <p:cNvSpPr txBox="1"/>
+            <p:nvPr/>
+          </p:nvSpPr>
+          <p:spPr>
+            <a:xfrm>
+              <a:off x="1524000" y="5945045"/>
+              <a:ext cx="3647152" cy="646331"/>
+            </a:xfrm>
+            <a:prstGeom prst="rect">
+              <a:avLst/>
+            </a:prstGeom>
+            <a:noFill/>
+          </p:spPr>
+          <p:txBody>
+            <a:bodyPr wrap="none" rtlCol="0">
+              <a:spAutoFit/>
+            </a:bodyPr>
+            <a:lstStyle/>
+            <a:p>
+              <a:r>
+                <a:rPr lang="zh-TW" altLang="en-US" dirty="0" smtClean="0">
+                  <a:latin typeface="標楷體" panose="03000509000000000000" pitchFamily="65" charset="-120"/>
+                  <a:ea typeface="標楷體" panose="03000509000000000000" pitchFamily="65" charset="-120"/>
+                </a:rPr>
+                <a:t>國立虎尾科技大學</a:t>
+              </a:r>
+              <a:endParaRPr lang="en-US" altLang="zh-TW" dirty="0" smtClean="0">
+                <a:latin typeface="標楷體" panose="03000509000000000000" pitchFamily="65" charset="-120"/>
+                <a:ea typeface="標楷體" panose="03000509000000000000" pitchFamily="65" charset="-120"/>
+              </a:endParaRPr>
+            </a:p>
+            <a:p>
+              <a:r>
+                <a:rPr lang="zh-TW" altLang="en-US" dirty="0">
+                  <a:latin typeface="標楷體" panose="03000509000000000000" pitchFamily="65" charset="-120"/>
+                  <a:ea typeface="標楷體" panose="03000509000000000000" pitchFamily="65" charset="-120"/>
+                </a:rPr>
+                <a:t>機械設計工程</a:t>
+              </a:r>
+              <a:r>
+                <a:rPr lang="zh-TW" altLang="en-US" dirty="0" smtClean="0">
+                  <a:latin typeface="標楷體" panose="03000509000000000000" pitchFamily="65" charset="-120"/>
+                  <a:ea typeface="標楷體" panose="03000509000000000000" pitchFamily="65" charset="-120"/>
+                </a:rPr>
+                <a:t>系暨精密機械工程科</a:t>
+              </a:r>
+              <a:endParaRPr lang="zh-TW" altLang="en-US" dirty="0">
+                <a:latin typeface="標楷體" panose="03000509000000000000" pitchFamily="65" charset="-120"/>
+                <a:ea typeface="標楷體" panose="03000509000000000000" pitchFamily="65" charset="-120"/>
+              </a:endParaRPr>
+            </a:p>
+          </p:txBody>
+        </p:sp>
+      </p:grpSp>
     </p:spTree>
     <p:extLst>
       <p:ext uri="{BB962C8B-B14F-4D97-AF65-F5344CB8AC3E}">
@@ -7186,6 +7893,107 @@
           </a:p>
         </p:txBody>
       </p:sp>
+      <p:grpSp>
+        <p:nvGrpSpPr>
+          <p:cNvPr id="8" name="群組 7"/>
+          <p:cNvGrpSpPr/>
+          <p:nvPr/>
+        </p:nvGrpSpPr>
+        <p:grpSpPr>
+          <a:xfrm>
+            <a:off x="728583" y="6083025"/>
+            <a:ext cx="4377730" cy="646331"/>
+            <a:chOff x="793422" y="5945045"/>
+            <a:chExt cx="4377730" cy="646331"/>
+          </a:xfrm>
+        </p:grpSpPr>
+        <p:pic>
+          <p:nvPicPr>
+            <p:cNvPr id="10" name="圖片 9"/>
+            <p:cNvPicPr>
+              <a:picLocks noChangeAspect="1"/>
+            </p:cNvPicPr>
+            <p:nvPr/>
+          </p:nvPicPr>
+          <p:blipFill>
+            <a:blip r:embed="rId4" cstate="print">
+              <a:extLst>
+                <a:ext uri="{28A0092B-C50C-407E-A947-70E740481C1C}">
+                  <a14:useLocalDpi xmlns:a14="http://schemas.microsoft.com/office/drawing/2010/main" val="0"/>
+                </a:ext>
+              </a:extLst>
+            </a:blip>
+            <a:stretch>
+              <a:fillRect/>
+            </a:stretch>
+          </p:blipFill>
+          <p:spPr>
+            <a:xfrm>
+              <a:off x="793422" y="6031991"/>
+              <a:ext cx="730578" cy="472440"/>
+            </a:xfrm>
+            <a:prstGeom prst="rect">
+              <a:avLst/>
+            </a:prstGeom>
+          </p:spPr>
+        </p:pic>
+        <p:sp>
+          <p:nvSpPr>
+            <p:cNvPr id="11" name="文字方塊 10"/>
+            <p:cNvSpPr txBox="1"/>
+            <p:nvPr/>
+          </p:nvSpPr>
+          <p:spPr>
+            <a:xfrm>
+              <a:off x="1524000" y="5945045"/>
+              <a:ext cx="3647152" cy="646331"/>
+            </a:xfrm>
+            <a:prstGeom prst="rect">
+              <a:avLst/>
+            </a:prstGeom>
+            <a:noFill/>
+          </p:spPr>
+          <p:txBody>
+            <a:bodyPr wrap="none" rtlCol="0">
+              <a:spAutoFit/>
+            </a:bodyPr>
+            <a:lstStyle/>
+            <a:p>
+              <a:r>
+                <a:rPr lang="zh-TW" altLang="en-US" dirty="0" smtClean="0">
+                  <a:latin typeface="標楷體" panose="03000509000000000000" pitchFamily="65" charset="-120"/>
+                  <a:ea typeface="標楷體" panose="03000509000000000000" pitchFamily="65" charset="-120"/>
+                </a:rPr>
+                <a:t>國立虎尾科技大學</a:t>
+              </a:r>
+              <a:endParaRPr lang="en-US" altLang="zh-TW" dirty="0" smtClean="0">
+                <a:latin typeface="標楷體" panose="03000509000000000000" pitchFamily="65" charset="-120"/>
+                <a:ea typeface="標楷體" panose="03000509000000000000" pitchFamily="65" charset="-120"/>
+              </a:endParaRPr>
+            </a:p>
+            <a:p>
+              <a:r>
+                <a:rPr lang="zh-TW" altLang="en-US" dirty="0">
+                  <a:latin typeface="標楷體" panose="03000509000000000000" pitchFamily="65" charset="-120"/>
+                  <a:ea typeface="標楷體" panose="03000509000000000000" pitchFamily="65" charset="-120"/>
+                </a:rPr>
+                <a:t>機械設計工程</a:t>
+              </a:r>
+              <a:r>
+                <a:rPr lang="zh-TW" altLang="en-US" dirty="0" smtClean="0">
+                  <a:latin typeface="標楷體" panose="03000509000000000000" pitchFamily="65" charset="-120"/>
+                  <a:ea typeface="標楷體" panose="03000509000000000000" pitchFamily="65" charset="-120"/>
+                </a:rPr>
+                <a:t>系暨精密機械工程科</a:t>
+              </a:r>
+              <a:endParaRPr lang="zh-TW" altLang="en-US" dirty="0">
+                <a:latin typeface="標楷體" panose="03000509000000000000" pitchFamily="65" charset="-120"/>
+                <a:ea typeface="標楷體" panose="03000509000000000000" pitchFamily="65" charset="-120"/>
+              </a:endParaRPr>
+            </a:p>
+          </p:txBody>
+        </p:sp>
+      </p:grpSp>
     </p:spTree>
     <p:extLst>
       <p:ext uri="{BB962C8B-B14F-4D97-AF65-F5344CB8AC3E}">
@@ -7269,7 +8077,7 @@
         </p:blipFill>
         <p:spPr>
           <a:xfrm>
-            <a:off x="838200" y="2337019"/>
+            <a:off x="838200" y="2212327"/>
             <a:ext cx="5181600" cy="3899154"/>
           </a:xfrm>
         </p:spPr>
@@ -7298,7 +8106,7 @@
         </p:blipFill>
         <p:spPr>
           <a:xfrm>
-            <a:off x="6172200" y="2451170"/>
+            <a:off x="6172200" y="2326478"/>
             <a:ext cx="5181600" cy="3670852"/>
           </a:xfrm>
         </p:spPr>
@@ -7412,6 +8220,107 @@
           </a:p>
         </p:txBody>
       </p:sp>
+      <p:grpSp>
+        <p:nvGrpSpPr>
+          <p:cNvPr id="6" name="群組 5"/>
+          <p:cNvGrpSpPr/>
+          <p:nvPr/>
+        </p:nvGrpSpPr>
+        <p:grpSpPr>
+          <a:xfrm>
+            <a:off x="728583" y="6132903"/>
+            <a:ext cx="4377730" cy="646331"/>
+            <a:chOff x="793422" y="5945045"/>
+            <a:chExt cx="4377730" cy="646331"/>
+          </a:xfrm>
+        </p:grpSpPr>
+        <p:pic>
+          <p:nvPicPr>
+            <p:cNvPr id="10" name="圖片 9"/>
+            <p:cNvPicPr>
+              <a:picLocks noChangeAspect="1"/>
+            </p:cNvPicPr>
+            <p:nvPr/>
+          </p:nvPicPr>
+          <p:blipFill>
+            <a:blip r:embed="rId4" cstate="print">
+              <a:extLst>
+                <a:ext uri="{28A0092B-C50C-407E-A947-70E740481C1C}">
+                  <a14:useLocalDpi xmlns:a14="http://schemas.microsoft.com/office/drawing/2010/main" val="0"/>
+                </a:ext>
+              </a:extLst>
+            </a:blip>
+            <a:stretch>
+              <a:fillRect/>
+            </a:stretch>
+          </p:blipFill>
+          <p:spPr>
+            <a:xfrm>
+              <a:off x="793422" y="6031991"/>
+              <a:ext cx="730578" cy="472440"/>
+            </a:xfrm>
+            <a:prstGeom prst="rect">
+              <a:avLst/>
+            </a:prstGeom>
+          </p:spPr>
+        </p:pic>
+        <p:sp>
+          <p:nvSpPr>
+            <p:cNvPr id="11" name="文字方塊 10"/>
+            <p:cNvSpPr txBox="1"/>
+            <p:nvPr/>
+          </p:nvSpPr>
+          <p:spPr>
+            <a:xfrm>
+              <a:off x="1524000" y="5945045"/>
+              <a:ext cx="3647152" cy="646331"/>
+            </a:xfrm>
+            <a:prstGeom prst="rect">
+              <a:avLst/>
+            </a:prstGeom>
+            <a:noFill/>
+          </p:spPr>
+          <p:txBody>
+            <a:bodyPr wrap="none" rtlCol="0">
+              <a:spAutoFit/>
+            </a:bodyPr>
+            <a:lstStyle/>
+            <a:p>
+              <a:r>
+                <a:rPr lang="zh-TW" altLang="en-US" dirty="0" smtClean="0">
+                  <a:latin typeface="標楷體" panose="03000509000000000000" pitchFamily="65" charset="-120"/>
+                  <a:ea typeface="標楷體" panose="03000509000000000000" pitchFamily="65" charset="-120"/>
+                </a:rPr>
+                <a:t>國立虎尾科技大學</a:t>
+              </a:r>
+              <a:endParaRPr lang="en-US" altLang="zh-TW" dirty="0" smtClean="0">
+                <a:latin typeface="標楷體" panose="03000509000000000000" pitchFamily="65" charset="-120"/>
+                <a:ea typeface="標楷體" panose="03000509000000000000" pitchFamily="65" charset="-120"/>
+              </a:endParaRPr>
+            </a:p>
+            <a:p>
+              <a:r>
+                <a:rPr lang="zh-TW" altLang="en-US" dirty="0">
+                  <a:latin typeface="標楷體" panose="03000509000000000000" pitchFamily="65" charset="-120"/>
+                  <a:ea typeface="標楷體" panose="03000509000000000000" pitchFamily="65" charset="-120"/>
+                </a:rPr>
+                <a:t>機械設計工程</a:t>
+              </a:r>
+              <a:r>
+                <a:rPr lang="zh-TW" altLang="en-US" dirty="0" smtClean="0">
+                  <a:latin typeface="標楷體" panose="03000509000000000000" pitchFamily="65" charset="-120"/>
+                  <a:ea typeface="標楷體" panose="03000509000000000000" pitchFamily="65" charset="-120"/>
+                </a:rPr>
+                <a:t>系暨精密機械工程科</a:t>
+              </a:r>
+              <a:endParaRPr lang="zh-TW" altLang="en-US" dirty="0">
+                <a:latin typeface="標楷體" panose="03000509000000000000" pitchFamily="65" charset="-120"/>
+                <a:ea typeface="標楷體" panose="03000509000000000000" pitchFamily="65" charset="-120"/>
+              </a:endParaRPr>
+            </a:p>
+          </p:txBody>
+        </p:sp>
+      </p:grpSp>
     </p:spTree>
     <p:extLst>
       <p:ext uri="{BB962C8B-B14F-4D97-AF65-F5344CB8AC3E}">
@@ -7596,6 +8505,107 @@
           </a:prstGeom>
         </p:spPr>
       </p:pic>
+      <p:grpSp>
+        <p:nvGrpSpPr>
+          <p:cNvPr id="8" name="群組 7"/>
+          <p:cNvGrpSpPr/>
+          <p:nvPr/>
+        </p:nvGrpSpPr>
+        <p:grpSpPr>
+          <a:xfrm>
+            <a:off x="728583" y="6083025"/>
+            <a:ext cx="4377730" cy="646331"/>
+            <a:chOff x="793422" y="5945045"/>
+            <a:chExt cx="4377730" cy="646331"/>
+          </a:xfrm>
+        </p:grpSpPr>
+        <p:pic>
+          <p:nvPicPr>
+            <p:cNvPr id="9" name="圖片 8"/>
+            <p:cNvPicPr>
+              <a:picLocks noChangeAspect="1"/>
+            </p:cNvPicPr>
+            <p:nvPr/>
+          </p:nvPicPr>
+          <p:blipFill>
+            <a:blip r:embed="rId4" cstate="print">
+              <a:extLst>
+                <a:ext uri="{28A0092B-C50C-407E-A947-70E740481C1C}">
+                  <a14:useLocalDpi xmlns:a14="http://schemas.microsoft.com/office/drawing/2010/main" val="0"/>
+                </a:ext>
+              </a:extLst>
+            </a:blip>
+            <a:stretch>
+              <a:fillRect/>
+            </a:stretch>
+          </p:blipFill>
+          <p:spPr>
+            <a:xfrm>
+              <a:off x="793422" y="6031991"/>
+              <a:ext cx="730578" cy="472440"/>
+            </a:xfrm>
+            <a:prstGeom prst="rect">
+              <a:avLst/>
+            </a:prstGeom>
+          </p:spPr>
+        </p:pic>
+        <p:sp>
+          <p:nvSpPr>
+            <p:cNvPr id="10" name="文字方塊 9"/>
+            <p:cNvSpPr txBox="1"/>
+            <p:nvPr/>
+          </p:nvSpPr>
+          <p:spPr>
+            <a:xfrm>
+              <a:off x="1524000" y="5945045"/>
+              <a:ext cx="3647152" cy="646331"/>
+            </a:xfrm>
+            <a:prstGeom prst="rect">
+              <a:avLst/>
+            </a:prstGeom>
+            <a:noFill/>
+          </p:spPr>
+          <p:txBody>
+            <a:bodyPr wrap="none" rtlCol="0">
+              <a:spAutoFit/>
+            </a:bodyPr>
+            <a:lstStyle/>
+            <a:p>
+              <a:r>
+                <a:rPr lang="zh-TW" altLang="en-US" dirty="0" smtClean="0">
+                  <a:latin typeface="標楷體" panose="03000509000000000000" pitchFamily="65" charset="-120"/>
+                  <a:ea typeface="標楷體" panose="03000509000000000000" pitchFamily="65" charset="-120"/>
+                </a:rPr>
+                <a:t>國立虎尾科技大學</a:t>
+              </a:r>
+              <a:endParaRPr lang="en-US" altLang="zh-TW" dirty="0" smtClean="0">
+                <a:latin typeface="標楷體" panose="03000509000000000000" pitchFamily="65" charset="-120"/>
+                <a:ea typeface="標楷體" panose="03000509000000000000" pitchFamily="65" charset="-120"/>
+              </a:endParaRPr>
+            </a:p>
+            <a:p>
+              <a:r>
+                <a:rPr lang="zh-TW" altLang="en-US" dirty="0">
+                  <a:latin typeface="標楷體" panose="03000509000000000000" pitchFamily="65" charset="-120"/>
+                  <a:ea typeface="標楷體" panose="03000509000000000000" pitchFamily="65" charset="-120"/>
+                </a:rPr>
+                <a:t>機械設計工程</a:t>
+              </a:r>
+              <a:r>
+                <a:rPr lang="zh-TW" altLang="en-US" dirty="0" smtClean="0">
+                  <a:latin typeface="標楷體" panose="03000509000000000000" pitchFamily="65" charset="-120"/>
+                  <a:ea typeface="標楷體" panose="03000509000000000000" pitchFamily="65" charset="-120"/>
+                </a:rPr>
+                <a:t>系暨精密機械工程科</a:t>
+              </a:r>
+              <a:endParaRPr lang="zh-TW" altLang="en-US" dirty="0">
+                <a:latin typeface="標楷體" panose="03000509000000000000" pitchFamily="65" charset="-120"/>
+                <a:ea typeface="標楷體" panose="03000509000000000000" pitchFamily="65" charset="-120"/>
+              </a:endParaRPr>
+            </a:p>
+          </p:txBody>
+        </p:sp>
+      </p:grpSp>
     </p:spTree>
     <p:extLst>
       <p:ext uri="{BB962C8B-B14F-4D97-AF65-F5344CB8AC3E}">
@@ -8169,6 +9179,107 @@
           </p:sp>
         </mc:Fallback>
       </mc:AlternateContent>
+      <p:grpSp>
+        <p:nvGrpSpPr>
+          <p:cNvPr id="7" name="群組 6"/>
+          <p:cNvGrpSpPr/>
+          <p:nvPr/>
+        </p:nvGrpSpPr>
+        <p:grpSpPr>
+          <a:xfrm>
+            <a:off x="728583" y="6083025"/>
+            <a:ext cx="4377730" cy="646331"/>
+            <a:chOff x="793422" y="5945045"/>
+            <a:chExt cx="4377730" cy="646331"/>
+          </a:xfrm>
+        </p:grpSpPr>
+        <p:pic>
+          <p:nvPicPr>
+            <p:cNvPr id="8" name="圖片 7"/>
+            <p:cNvPicPr>
+              <a:picLocks noChangeAspect="1"/>
+            </p:cNvPicPr>
+            <p:nvPr/>
+          </p:nvPicPr>
+          <p:blipFill>
+            <a:blip r:embed="rId3" cstate="print">
+              <a:extLst>
+                <a:ext uri="{28A0092B-C50C-407E-A947-70E740481C1C}">
+                  <a14:useLocalDpi xmlns:a14="http://schemas.microsoft.com/office/drawing/2010/main" val="0"/>
+                </a:ext>
+              </a:extLst>
+            </a:blip>
+            <a:stretch>
+              <a:fillRect/>
+            </a:stretch>
+          </p:blipFill>
+          <p:spPr>
+            <a:xfrm>
+              <a:off x="793422" y="6031991"/>
+              <a:ext cx="730578" cy="472440"/>
+            </a:xfrm>
+            <a:prstGeom prst="rect">
+              <a:avLst/>
+            </a:prstGeom>
+          </p:spPr>
+        </p:pic>
+        <p:sp>
+          <p:nvSpPr>
+            <p:cNvPr id="9" name="文字方塊 8"/>
+            <p:cNvSpPr txBox="1"/>
+            <p:nvPr/>
+          </p:nvSpPr>
+          <p:spPr>
+            <a:xfrm>
+              <a:off x="1524000" y="5945045"/>
+              <a:ext cx="3647152" cy="646331"/>
+            </a:xfrm>
+            <a:prstGeom prst="rect">
+              <a:avLst/>
+            </a:prstGeom>
+            <a:noFill/>
+          </p:spPr>
+          <p:txBody>
+            <a:bodyPr wrap="none" rtlCol="0">
+              <a:spAutoFit/>
+            </a:bodyPr>
+            <a:lstStyle/>
+            <a:p>
+              <a:r>
+                <a:rPr lang="zh-TW" altLang="en-US" dirty="0" smtClean="0">
+                  <a:latin typeface="標楷體" panose="03000509000000000000" pitchFamily="65" charset="-120"/>
+                  <a:ea typeface="標楷體" panose="03000509000000000000" pitchFamily="65" charset="-120"/>
+                </a:rPr>
+                <a:t>國立虎尾科技大學</a:t>
+              </a:r>
+              <a:endParaRPr lang="en-US" altLang="zh-TW" dirty="0" smtClean="0">
+                <a:latin typeface="標楷體" panose="03000509000000000000" pitchFamily="65" charset="-120"/>
+                <a:ea typeface="標楷體" panose="03000509000000000000" pitchFamily="65" charset="-120"/>
+              </a:endParaRPr>
+            </a:p>
+            <a:p>
+              <a:r>
+                <a:rPr lang="zh-TW" altLang="en-US" dirty="0">
+                  <a:latin typeface="標楷體" panose="03000509000000000000" pitchFamily="65" charset="-120"/>
+                  <a:ea typeface="標楷體" panose="03000509000000000000" pitchFamily="65" charset="-120"/>
+                </a:rPr>
+                <a:t>機械設計工程</a:t>
+              </a:r>
+              <a:r>
+                <a:rPr lang="zh-TW" altLang="en-US" dirty="0" smtClean="0">
+                  <a:latin typeface="標楷體" panose="03000509000000000000" pitchFamily="65" charset="-120"/>
+                  <a:ea typeface="標楷體" panose="03000509000000000000" pitchFamily="65" charset="-120"/>
+                </a:rPr>
+                <a:t>系暨精密機械工程科</a:t>
+              </a:r>
+              <a:endParaRPr lang="zh-TW" altLang="en-US" dirty="0">
+                <a:latin typeface="標楷體" panose="03000509000000000000" pitchFamily="65" charset="-120"/>
+                <a:ea typeface="標楷體" panose="03000509000000000000" pitchFamily="65" charset="-120"/>
+              </a:endParaRPr>
+            </a:p>
+          </p:txBody>
+        </p:sp>
+      </p:grpSp>
     </p:spTree>
     <p:extLst>
       <p:ext uri="{BB962C8B-B14F-4D97-AF65-F5344CB8AC3E}">
@@ -8435,6 +9546,107 @@
           </a:p>
         </p:txBody>
       </p:sp>
+      <p:grpSp>
+        <p:nvGrpSpPr>
+          <p:cNvPr id="4" name="群組 3"/>
+          <p:cNvGrpSpPr/>
+          <p:nvPr/>
+        </p:nvGrpSpPr>
+        <p:grpSpPr>
+          <a:xfrm>
+            <a:off x="728583" y="6083025"/>
+            <a:ext cx="4377730" cy="646331"/>
+            <a:chOff x="793422" y="5945045"/>
+            <a:chExt cx="4377730" cy="646331"/>
+          </a:xfrm>
+        </p:grpSpPr>
+        <p:pic>
+          <p:nvPicPr>
+            <p:cNvPr id="5" name="圖片 4"/>
+            <p:cNvPicPr>
+              <a:picLocks noChangeAspect="1"/>
+            </p:cNvPicPr>
+            <p:nvPr/>
+          </p:nvPicPr>
+          <p:blipFill>
+            <a:blip r:embed="rId2" cstate="print">
+              <a:extLst>
+                <a:ext uri="{28A0092B-C50C-407E-A947-70E740481C1C}">
+                  <a14:useLocalDpi xmlns:a14="http://schemas.microsoft.com/office/drawing/2010/main" val="0"/>
+                </a:ext>
+              </a:extLst>
+            </a:blip>
+            <a:stretch>
+              <a:fillRect/>
+            </a:stretch>
+          </p:blipFill>
+          <p:spPr>
+            <a:xfrm>
+              <a:off x="793422" y="6031991"/>
+              <a:ext cx="730578" cy="472440"/>
+            </a:xfrm>
+            <a:prstGeom prst="rect">
+              <a:avLst/>
+            </a:prstGeom>
+          </p:spPr>
+        </p:pic>
+        <p:sp>
+          <p:nvSpPr>
+            <p:cNvPr id="6" name="文字方塊 5"/>
+            <p:cNvSpPr txBox="1"/>
+            <p:nvPr/>
+          </p:nvSpPr>
+          <p:spPr>
+            <a:xfrm>
+              <a:off x="1524000" y="5945045"/>
+              <a:ext cx="3647152" cy="646331"/>
+            </a:xfrm>
+            <a:prstGeom prst="rect">
+              <a:avLst/>
+            </a:prstGeom>
+            <a:noFill/>
+          </p:spPr>
+          <p:txBody>
+            <a:bodyPr wrap="none" rtlCol="0">
+              <a:spAutoFit/>
+            </a:bodyPr>
+            <a:lstStyle/>
+            <a:p>
+              <a:r>
+                <a:rPr lang="zh-TW" altLang="en-US" dirty="0" smtClean="0">
+                  <a:latin typeface="標楷體" panose="03000509000000000000" pitchFamily="65" charset="-120"/>
+                  <a:ea typeface="標楷體" panose="03000509000000000000" pitchFamily="65" charset="-120"/>
+                </a:rPr>
+                <a:t>國立虎尾科技大學</a:t>
+              </a:r>
+              <a:endParaRPr lang="en-US" altLang="zh-TW" dirty="0" smtClean="0">
+                <a:latin typeface="標楷體" panose="03000509000000000000" pitchFamily="65" charset="-120"/>
+                <a:ea typeface="標楷體" panose="03000509000000000000" pitchFamily="65" charset="-120"/>
+              </a:endParaRPr>
+            </a:p>
+            <a:p>
+              <a:r>
+                <a:rPr lang="zh-TW" altLang="en-US" dirty="0">
+                  <a:latin typeface="標楷體" panose="03000509000000000000" pitchFamily="65" charset="-120"/>
+                  <a:ea typeface="標楷體" panose="03000509000000000000" pitchFamily="65" charset="-120"/>
+                </a:rPr>
+                <a:t>機械設計工程</a:t>
+              </a:r>
+              <a:r>
+                <a:rPr lang="zh-TW" altLang="en-US" dirty="0" smtClean="0">
+                  <a:latin typeface="標楷體" panose="03000509000000000000" pitchFamily="65" charset="-120"/>
+                  <a:ea typeface="標楷體" panose="03000509000000000000" pitchFamily="65" charset="-120"/>
+                </a:rPr>
+                <a:t>系暨精密機械工程科</a:t>
+              </a:r>
+              <a:endParaRPr lang="zh-TW" altLang="en-US" dirty="0">
+                <a:latin typeface="標楷體" panose="03000509000000000000" pitchFamily="65" charset="-120"/>
+                <a:ea typeface="標楷體" panose="03000509000000000000" pitchFamily="65" charset="-120"/>
+              </a:endParaRPr>
+            </a:p>
+          </p:txBody>
+        </p:sp>
+      </p:grpSp>
     </p:spTree>
     <p:extLst>
       <p:ext uri="{BB962C8B-B14F-4D97-AF65-F5344CB8AC3E}">
@@ -8519,48 +9731,50 @@
           </a:xfrm>
         </p:spPr>
         <p:txBody>
-          <a:bodyPr/>
+          <a:bodyPr>
+            <a:normAutofit/>
+          </a:bodyPr>
           <a:lstStyle/>
           <a:p>
             <a:pPr marL="0" indent="0">
               <a:buNone/>
             </a:pPr>
             <a:r>
-              <a:rPr lang="en-US" altLang="zh-TW" dirty="0">
+              <a:rPr lang="en-US" altLang="zh-TW" sz="2400" dirty="0">
                 <a:latin typeface="標楷體" panose="03000509000000000000" pitchFamily="65" charset="-120"/>
                 <a:ea typeface="標楷體" panose="03000509000000000000" pitchFamily="65" charset="-120"/>
               </a:rPr>
               <a:t>．</a:t>
             </a:r>
             <a:r>
-              <a:rPr lang="zh-TW" altLang="en-US" dirty="0">
+              <a:rPr lang="zh-TW" altLang="en-US" sz="2400" dirty="0">
                 <a:latin typeface="標楷體" panose="03000509000000000000" pitchFamily="65" charset="-120"/>
                 <a:ea typeface="標楷體" panose="03000509000000000000" pitchFamily="65" charset="-120"/>
               </a:rPr>
               <a:t>在本次的專題中，我們使用</a:t>
             </a:r>
             <a:r>
-              <a:rPr lang="en-US" altLang="zh-TW" dirty="0">
+              <a:rPr lang="en-US" altLang="zh-TW" sz="2400" dirty="0">
                 <a:latin typeface="標楷體" panose="03000509000000000000" pitchFamily="65" charset="-120"/>
                 <a:ea typeface="標楷體" panose="03000509000000000000" pitchFamily="65" charset="-120"/>
               </a:rPr>
               <a:t>Odoo</a:t>
             </a:r>
             <a:r>
-              <a:rPr lang="zh-TW" altLang="en-US" dirty="0">
+              <a:rPr lang="zh-TW" altLang="en-US" sz="2400" dirty="0">
                 <a:latin typeface="標楷體" panose="03000509000000000000" pitchFamily="65" charset="-120"/>
                 <a:ea typeface="標楷體" panose="03000509000000000000" pitchFamily="65" charset="-120"/>
               </a:rPr>
               <a:t>作為產品設計的基底</a:t>
             </a:r>
             <a:r>
-              <a:rPr lang="zh-TW" altLang="en-US" dirty="0" smtClean="0">
+              <a:rPr lang="zh-TW" altLang="en-US" sz="2400" dirty="0" smtClean="0">
                 <a:latin typeface="標楷體" panose="03000509000000000000" pitchFamily="65" charset="-120"/>
                 <a:ea typeface="標楷體" panose="03000509000000000000" pitchFamily="65" charset="-120"/>
               </a:rPr>
               <a:t>。</a:t>
             </a:r>
-            <a:endParaRPr lang="en-US" altLang="zh-TW" dirty="0" smtClean="0">
+            <a:endParaRPr lang="en-US" altLang="zh-TW" sz="2400" dirty="0" smtClean="0">
               <a:latin typeface="標楷體" panose="03000509000000000000" pitchFamily="65" charset="-120"/>
               <a:ea typeface="標楷體" panose="03000509000000000000" pitchFamily="65" charset="-120"/>
             </a:endParaRPr>
@@ -8569,7 +9783,7 @@
             <a:pPr marL="0" indent="0">
               <a:buNone/>
             </a:pPr>
-            <a:endParaRPr lang="en-US" altLang="zh-TW" dirty="0">
+            <a:endParaRPr lang="en-US" altLang="zh-TW" sz="2400" dirty="0">
               <a:latin typeface="標楷體" panose="03000509000000000000" pitchFamily="65" charset="-120"/>
               <a:ea typeface="標楷體" panose="03000509000000000000" pitchFamily="65" charset="-120"/>
             </a:endParaRPr>
@@ -8579,69 +9793,69 @@
               <a:buNone/>
             </a:pPr>
             <a:r>
-              <a:rPr lang="en-US" altLang="zh-TW" dirty="0">
+              <a:rPr lang="en-US" altLang="zh-TW" sz="2400" dirty="0">
                 <a:latin typeface="標楷體" panose="03000509000000000000" pitchFamily="65" charset="-120"/>
                 <a:ea typeface="標楷體" panose="03000509000000000000" pitchFamily="65" charset="-120"/>
               </a:rPr>
               <a:t>．</a:t>
             </a:r>
             <a:r>
-              <a:rPr lang="zh-TW" altLang="en-US" dirty="0">
+              <a:rPr lang="zh-TW" altLang="en-US" sz="2400" dirty="0">
                 <a:latin typeface="標楷體" panose="03000509000000000000" pitchFamily="65" charset="-120"/>
                 <a:ea typeface="標楷體" panose="03000509000000000000" pitchFamily="65" charset="-120"/>
               </a:rPr>
               <a:t>結合</a:t>
             </a:r>
             <a:r>
-              <a:rPr lang="en-US" altLang="zh-TW" dirty="0">
+              <a:rPr lang="en-US" altLang="zh-TW" sz="2400" dirty="0">
                 <a:latin typeface="標楷體" panose="03000509000000000000" pitchFamily="65" charset="-120"/>
                 <a:ea typeface="標楷體" panose="03000509000000000000" pitchFamily="65" charset="-120"/>
               </a:rPr>
               <a:t>SolidWorks</a:t>
             </a:r>
             <a:r>
-              <a:rPr lang="zh-TW" altLang="en-US" dirty="0">
+              <a:rPr lang="zh-TW" altLang="en-US" sz="2400" dirty="0">
                 <a:latin typeface="標楷體" panose="03000509000000000000" pitchFamily="65" charset="-120"/>
                 <a:ea typeface="標楷體" panose="03000509000000000000" pitchFamily="65" charset="-120"/>
               </a:rPr>
               <a:t>設計零件、</a:t>
             </a:r>
             <a:r>
-              <a:rPr lang="en-US" altLang="zh-TW" dirty="0" err="1">
+              <a:rPr lang="en-US" altLang="zh-TW" sz="2400" dirty="0" err="1">
                 <a:latin typeface="標楷體" panose="03000509000000000000" pitchFamily="65" charset="-120"/>
                 <a:ea typeface="標楷體" panose="03000509000000000000" pitchFamily="65" charset="-120"/>
               </a:rPr>
               <a:t>CoppeliaSim</a:t>
             </a:r>
             <a:r>
-              <a:rPr lang="zh-TW" altLang="en-US" dirty="0">
+              <a:rPr lang="zh-TW" altLang="en-US" sz="2400" dirty="0">
                 <a:latin typeface="標楷體" panose="03000509000000000000" pitchFamily="65" charset="-120"/>
                 <a:ea typeface="標楷體" panose="03000509000000000000" pitchFamily="65" charset="-120"/>
               </a:rPr>
               <a:t>機構模擬、</a:t>
             </a:r>
             <a:r>
-              <a:rPr lang="en-US" altLang="zh-TW" dirty="0">
+              <a:rPr lang="en-US" altLang="zh-TW" sz="2400" dirty="0">
                 <a:latin typeface="標楷體" panose="03000509000000000000" pitchFamily="65" charset="-120"/>
                 <a:ea typeface="標楷體" panose="03000509000000000000" pitchFamily="65" charset="-120"/>
               </a:rPr>
               <a:t>GitHub</a:t>
             </a:r>
             <a:r>
-              <a:rPr lang="zh-TW" altLang="en-US" dirty="0">
+              <a:rPr lang="zh-TW" altLang="en-US" sz="2400" dirty="0">
                 <a:latin typeface="標楷體" panose="03000509000000000000" pitchFamily="65" charset="-120"/>
                 <a:ea typeface="標楷體" panose="03000509000000000000" pitchFamily="65" charset="-120"/>
               </a:rPr>
               <a:t>協同</a:t>
             </a:r>
             <a:r>
-              <a:rPr lang="zh-TW" altLang="en-US" dirty="0" smtClean="0">
+              <a:rPr lang="zh-TW" altLang="en-US" sz="2400" dirty="0" smtClean="0">
                 <a:latin typeface="標楷體" panose="03000509000000000000" pitchFamily="65" charset="-120"/>
                 <a:ea typeface="標楷體" panose="03000509000000000000" pitchFamily="65" charset="-120"/>
               </a:rPr>
               <a:t>。</a:t>
             </a:r>
-            <a:endParaRPr lang="en-US" altLang="zh-TW" dirty="0" smtClean="0">
+            <a:endParaRPr lang="en-US" altLang="zh-TW" sz="2400" dirty="0" smtClean="0">
               <a:latin typeface="標楷體" panose="03000509000000000000" pitchFamily="65" charset="-120"/>
               <a:ea typeface="標楷體" panose="03000509000000000000" pitchFamily="65" charset="-120"/>
             </a:endParaRPr>
@@ -8650,7 +9864,7 @@
             <a:pPr marL="0" indent="0">
               <a:buNone/>
             </a:pPr>
-            <a:endParaRPr lang="en-US" altLang="zh-TW" dirty="0">
+            <a:endParaRPr lang="en-US" altLang="zh-TW" sz="2400" dirty="0">
               <a:latin typeface="標楷體" panose="03000509000000000000" pitchFamily="65" charset="-120"/>
               <a:ea typeface="標楷體" panose="03000509000000000000" pitchFamily="65" charset="-120"/>
             </a:endParaRPr>
@@ -8660,48 +9874,48 @@
               <a:buNone/>
             </a:pPr>
             <a:r>
-              <a:rPr lang="en-US" altLang="zh-TW" dirty="0" smtClean="0">
+              <a:rPr lang="en-US" altLang="zh-TW" sz="2400" dirty="0" smtClean="0">
                 <a:latin typeface="標楷體" panose="03000509000000000000" pitchFamily="65" charset="-120"/>
                 <a:ea typeface="標楷體" panose="03000509000000000000" pitchFamily="65" charset="-120"/>
               </a:rPr>
               <a:t>．</a:t>
             </a:r>
             <a:r>
-              <a:rPr lang="zh-TW" altLang="en-US" dirty="0" smtClean="0">
+              <a:rPr lang="zh-TW" altLang="en-US" sz="2400" dirty="0" smtClean="0">
                 <a:latin typeface="標楷體" panose="03000509000000000000" pitchFamily="65" charset="-120"/>
                 <a:ea typeface="標楷體" panose="03000509000000000000" pitchFamily="65" charset="-120"/>
               </a:rPr>
               <a:t>利用</a:t>
             </a:r>
             <a:r>
-              <a:rPr lang="en-US" altLang="zh-TW" dirty="0" smtClean="0">
+              <a:rPr lang="en-US" altLang="zh-TW" sz="2400" dirty="0" smtClean="0">
                 <a:latin typeface="標楷體" panose="03000509000000000000" pitchFamily="65" charset="-120"/>
                 <a:ea typeface="標楷體" panose="03000509000000000000" pitchFamily="65" charset="-120"/>
               </a:rPr>
               <a:t>ODOO</a:t>
             </a:r>
             <a:r>
-              <a:rPr lang="zh-TW" altLang="en-US" dirty="0" smtClean="0">
+              <a:rPr lang="zh-TW" altLang="en-US" sz="2400" dirty="0" smtClean="0">
                 <a:latin typeface="標楷體" panose="03000509000000000000" pitchFamily="65" charset="-120"/>
                 <a:ea typeface="標楷體" panose="03000509000000000000" pitchFamily="65" charset="-120"/>
               </a:rPr>
               <a:t> </a:t>
             </a:r>
             <a:r>
-              <a:rPr lang="en-US" altLang="zh-TW" dirty="0" smtClean="0">
+              <a:rPr lang="en-US" altLang="zh-TW" sz="2400" dirty="0" smtClean="0">
                 <a:latin typeface="標楷體" panose="03000509000000000000" pitchFamily="65" charset="-120"/>
                 <a:ea typeface="標楷體" panose="03000509000000000000" pitchFamily="65" charset="-120"/>
               </a:rPr>
               <a:t>PLM</a:t>
             </a:r>
             <a:r>
-              <a:rPr lang="zh-TW" altLang="en-US" dirty="0" smtClean="0">
+              <a:rPr lang="zh-TW" altLang="en-US" sz="2400" dirty="0" smtClean="0">
                 <a:latin typeface="標楷體" panose="03000509000000000000" pitchFamily="65" charset="-120"/>
                 <a:ea typeface="標楷體" panose="03000509000000000000" pitchFamily="65" charset="-120"/>
               </a:rPr>
               <a:t>模組方便管理產品生命週期，幫助我們模擬企業客製化產品的設計製造過程。</a:t>
             </a:r>
-            <a:endParaRPr lang="en-US" altLang="zh-TW" dirty="0" smtClean="0">
+            <a:endParaRPr lang="en-US" altLang="zh-TW" sz="2400" dirty="0" smtClean="0">
               <a:latin typeface="標楷體" panose="03000509000000000000" pitchFamily="65" charset="-120"/>
               <a:ea typeface="標楷體" panose="03000509000000000000" pitchFamily="65" charset="-120"/>
             </a:endParaRPr>
@@ -8710,7 +9924,7 @@
             <a:pPr marL="0" indent="0">
               <a:buNone/>
             </a:pPr>
-            <a:endParaRPr lang="en-US" altLang="zh-TW" dirty="0">
+            <a:endParaRPr lang="en-US" altLang="zh-TW" sz="2400" dirty="0">
               <a:latin typeface="標楷體" panose="03000509000000000000" pitchFamily="65" charset="-120"/>
               <a:ea typeface="標楷體" panose="03000509000000000000" pitchFamily="65" charset="-120"/>
             </a:endParaRPr>
@@ -8720,14 +9934,14 @@
               <a:buNone/>
             </a:pPr>
             <a:r>
-              <a:rPr lang="en-US" altLang="zh-TW" dirty="0">
+              <a:rPr lang="en-US" altLang="zh-TW" sz="2400" dirty="0">
                 <a:latin typeface="標楷體" panose="03000509000000000000" pitchFamily="65" charset="-120"/>
                 <a:ea typeface="標楷體" panose="03000509000000000000" pitchFamily="65" charset="-120"/>
               </a:rPr>
               <a:t>．</a:t>
             </a:r>
             <a:r>
-              <a:rPr lang="zh-TW" altLang="en-US" dirty="0">
+              <a:rPr lang="zh-TW" altLang="en-US" sz="2400" dirty="0">
                 <a:latin typeface="標楷體" panose="03000509000000000000" pitchFamily="65" charset="-120"/>
                 <a:ea typeface="標楷體" panose="03000509000000000000" pitchFamily="65" charset="-120"/>
               </a:rPr>
@@ -8736,6 +9950,107 @@
           </a:p>
         </p:txBody>
       </p:sp>
+      <p:grpSp>
+        <p:nvGrpSpPr>
+          <p:cNvPr id="4" name="群組 3"/>
+          <p:cNvGrpSpPr/>
+          <p:nvPr/>
+        </p:nvGrpSpPr>
+        <p:grpSpPr>
+          <a:xfrm>
+            <a:off x="728583" y="6083025"/>
+            <a:ext cx="4377730" cy="646331"/>
+            <a:chOff x="793422" y="5945045"/>
+            <a:chExt cx="4377730" cy="646331"/>
+          </a:xfrm>
+        </p:grpSpPr>
+        <p:pic>
+          <p:nvPicPr>
+            <p:cNvPr id="5" name="圖片 4"/>
+            <p:cNvPicPr>
+              <a:picLocks noChangeAspect="1"/>
+            </p:cNvPicPr>
+            <p:nvPr/>
+          </p:nvPicPr>
+          <p:blipFill>
+            <a:blip r:embed="rId2" cstate="print">
+              <a:extLst>
+                <a:ext uri="{28A0092B-C50C-407E-A947-70E740481C1C}">
+                  <a14:useLocalDpi xmlns:a14="http://schemas.microsoft.com/office/drawing/2010/main" val="0"/>
+                </a:ext>
+              </a:extLst>
+            </a:blip>
+            <a:stretch>
+              <a:fillRect/>
+            </a:stretch>
+          </p:blipFill>
+          <p:spPr>
+            <a:xfrm>
+              <a:off x="793422" y="6031991"/>
+              <a:ext cx="730578" cy="472440"/>
+            </a:xfrm>
+            <a:prstGeom prst="rect">
+              <a:avLst/>
+            </a:prstGeom>
+          </p:spPr>
+        </p:pic>
+        <p:sp>
+          <p:nvSpPr>
+            <p:cNvPr id="6" name="文字方塊 5"/>
+            <p:cNvSpPr txBox="1"/>
+            <p:nvPr/>
+          </p:nvSpPr>
+          <p:spPr>
+            <a:xfrm>
+              <a:off x="1524000" y="5945045"/>
+              <a:ext cx="3647152" cy="646331"/>
+            </a:xfrm>
+            <a:prstGeom prst="rect">
+              <a:avLst/>
+            </a:prstGeom>
+            <a:noFill/>
+          </p:spPr>
+          <p:txBody>
+            <a:bodyPr wrap="none" rtlCol="0">
+              <a:spAutoFit/>
+            </a:bodyPr>
+            <a:lstStyle/>
+            <a:p>
+              <a:r>
+                <a:rPr lang="zh-TW" altLang="en-US" dirty="0" smtClean="0">
+                  <a:latin typeface="標楷體" panose="03000509000000000000" pitchFamily="65" charset="-120"/>
+                  <a:ea typeface="標楷體" panose="03000509000000000000" pitchFamily="65" charset="-120"/>
+                </a:rPr>
+                <a:t>國立虎尾科技大學</a:t>
+              </a:r>
+              <a:endParaRPr lang="en-US" altLang="zh-TW" dirty="0" smtClean="0">
+                <a:latin typeface="標楷體" panose="03000509000000000000" pitchFamily="65" charset="-120"/>
+                <a:ea typeface="標楷體" panose="03000509000000000000" pitchFamily="65" charset="-120"/>
+              </a:endParaRPr>
+            </a:p>
+            <a:p>
+              <a:r>
+                <a:rPr lang="zh-TW" altLang="en-US" dirty="0">
+                  <a:latin typeface="標楷體" panose="03000509000000000000" pitchFamily="65" charset="-120"/>
+                  <a:ea typeface="標楷體" panose="03000509000000000000" pitchFamily="65" charset="-120"/>
+                </a:rPr>
+                <a:t>機械設計工程</a:t>
+              </a:r>
+              <a:r>
+                <a:rPr lang="zh-TW" altLang="en-US" dirty="0" smtClean="0">
+                  <a:latin typeface="標楷體" panose="03000509000000000000" pitchFamily="65" charset="-120"/>
+                  <a:ea typeface="標楷體" panose="03000509000000000000" pitchFamily="65" charset="-120"/>
+                </a:rPr>
+                <a:t>系暨精密機械工程科</a:t>
+              </a:r>
+              <a:endParaRPr lang="zh-TW" altLang="en-US" dirty="0">
+                <a:latin typeface="標楷體" panose="03000509000000000000" pitchFamily="65" charset="-120"/>
+                <a:ea typeface="標楷體" panose="03000509000000000000" pitchFamily="65" charset="-120"/>
+              </a:endParaRPr>
+            </a:p>
+          </p:txBody>
+        </p:sp>
+      </p:grpSp>
     </p:spTree>
     <p:extLst>
       <p:ext uri="{BB962C8B-B14F-4D97-AF65-F5344CB8AC3E}">
@@ -8871,7 +10186,7 @@
         </p:blipFill>
         <p:spPr>
           <a:xfrm>
-            <a:off x="2740095" y="2323290"/>
+            <a:off x="3155731" y="2323290"/>
             <a:ext cx="6501572" cy="4534710"/>
           </a:xfrm>
           <a:prstGeom prst="rect">
@@ -8879,6 +10194,107 @@
           </a:prstGeom>
         </p:spPr>
       </p:pic>
+      <p:grpSp>
+        <p:nvGrpSpPr>
+          <p:cNvPr id="5" name="群組 4"/>
+          <p:cNvGrpSpPr/>
+          <p:nvPr/>
+        </p:nvGrpSpPr>
+        <p:grpSpPr>
+          <a:xfrm>
+            <a:off x="728583" y="6083025"/>
+            <a:ext cx="4377730" cy="646331"/>
+            <a:chOff x="793422" y="5945045"/>
+            <a:chExt cx="4377730" cy="646331"/>
+          </a:xfrm>
+        </p:grpSpPr>
+        <p:pic>
+          <p:nvPicPr>
+            <p:cNvPr id="6" name="圖片 5"/>
+            <p:cNvPicPr>
+              <a:picLocks noChangeAspect="1"/>
+            </p:cNvPicPr>
+            <p:nvPr/>
+          </p:nvPicPr>
+          <p:blipFill>
+            <a:blip r:embed="rId3" cstate="print">
+              <a:extLst>
+                <a:ext uri="{28A0092B-C50C-407E-A947-70E740481C1C}">
+                  <a14:useLocalDpi xmlns:a14="http://schemas.microsoft.com/office/drawing/2010/main" val="0"/>
+                </a:ext>
+              </a:extLst>
+            </a:blip>
+            <a:stretch>
+              <a:fillRect/>
+            </a:stretch>
+          </p:blipFill>
+          <p:spPr>
+            <a:xfrm>
+              <a:off x="793422" y="6031991"/>
+              <a:ext cx="730578" cy="472440"/>
+            </a:xfrm>
+            <a:prstGeom prst="rect">
+              <a:avLst/>
+            </a:prstGeom>
+          </p:spPr>
+        </p:pic>
+        <p:sp>
+          <p:nvSpPr>
+            <p:cNvPr id="7" name="文字方塊 6"/>
+            <p:cNvSpPr txBox="1"/>
+            <p:nvPr/>
+          </p:nvSpPr>
+          <p:spPr>
+            <a:xfrm>
+              <a:off x="1524000" y="5945045"/>
+              <a:ext cx="3647152" cy="646331"/>
+            </a:xfrm>
+            <a:prstGeom prst="rect">
+              <a:avLst/>
+            </a:prstGeom>
+            <a:noFill/>
+          </p:spPr>
+          <p:txBody>
+            <a:bodyPr wrap="none" rtlCol="0">
+              <a:spAutoFit/>
+            </a:bodyPr>
+            <a:lstStyle/>
+            <a:p>
+              <a:r>
+                <a:rPr lang="zh-TW" altLang="en-US" dirty="0" smtClean="0">
+                  <a:latin typeface="標楷體" panose="03000509000000000000" pitchFamily="65" charset="-120"/>
+                  <a:ea typeface="標楷體" panose="03000509000000000000" pitchFamily="65" charset="-120"/>
+                </a:rPr>
+                <a:t>國立虎尾科技大學</a:t>
+              </a:r>
+              <a:endParaRPr lang="en-US" altLang="zh-TW" dirty="0" smtClean="0">
+                <a:latin typeface="標楷體" panose="03000509000000000000" pitchFamily="65" charset="-120"/>
+                <a:ea typeface="標楷體" panose="03000509000000000000" pitchFamily="65" charset="-120"/>
+              </a:endParaRPr>
+            </a:p>
+            <a:p>
+              <a:r>
+                <a:rPr lang="zh-TW" altLang="en-US" dirty="0">
+                  <a:latin typeface="標楷體" panose="03000509000000000000" pitchFamily="65" charset="-120"/>
+                  <a:ea typeface="標楷體" panose="03000509000000000000" pitchFamily="65" charset="-120"/>
+                </a:rPr>
+                <a:t>機械設計工程</a:t>
+              </a:r>
+              <a:r>
+                <a:rPr lang="zh-TW" altLang="en-US" dirty="0" smtClean="0">
+                  <a:latin typeface="標楷體" panose="03000509000000000000" pitchFamily="65" charset="-120"/>
+                  <a:ea typeface="標楷體" panose="03000509000000000000" pitchFamily="65" charset="-120"/>
+                </a:rPr>
+                <a:t>系暨精密機械工程科</a:t>
+              </a:r>
+              <a:endParaRPr lang="zh-TW" altLang="en-US" dirty="0">
+                <a:latin typeface="標楷體" panose="03000509000000000000" pitchFamily="65" charset="-120"/>
+                <a:ea typeface="標楷體" panose="03000509000000000000" pitchFamily="65" charset="-120"/>
+              </a:endParaRPr>
+            </a:p>
+          </p:txBody>
+        </p:sp>
+      </p:grpSp>
     </p:spTree>
     <p:extLst>
       <p:ext uri="{BB962C8B-B14F-4D97-AF65-F5344CB8AC3E}">
@@ -9044,7 +10460,7 @@
         </p:blipFill>
         <p:spPr>
           <a:xfrm>
-            <a:off x="838200" y="5212443"/>
+            <a:off x="838200" y="4846067"/>
             <a:ext cx="3454400" cy="1280431"/>
           </a:xfrm>
           <a:prstGeom prst="rect">
@@ -9165,6 +10581,107 @@
           </p:txBody>
         </p:sp>
       </p:grpSp>
+      <p:grpSp>
+        <p:nvGrpSpPr>
+          <p:cNvPr id="8" name="群組 7"/>
+          <p:cNvGrpSpPr/>
+          <p:nvPr/>
+        </p:nvGrpSpPr>
+        <p:grpSpPr>
+          <a:xfrm>
+            <a:off x="728583" y="6083025"/>
+            <a:ext cx="4377730" cy="646331"/>
+            <a:chOff x="793422" y="5945045"/>
+            <a:chExt cx="4377730" cy="646331"/>
+          </a:xfrm>
+        </p:grpSpPr>
+        <p:pic>
+          <p:nvPicPr>
+            <p:cNvPr id="9" name="圖片 8"/>
+            <p:cNvPicPr>
+              <a:picLocks noChangeAspect="1"/>
+            </p:cNvPicPr>
+            <p:nvPr/>
+          </p:nvPicPr>
+          <p:blipFill>
+            <a:blip r:embed="rId4" cstate="print">
+              <a:extLst>
+                <a:ext uri="{28A0092B-C50C-407E-A947-70E740481C1C}">
+                  <a14:useLocalDpi xmlns:a14="http://schemas.microsoft.com/office/drawing/2010/main" val="0"/>
+                </a:ext>
+              </a:extLst>
+            </a:blip>
+            <a:stretch>
+              <a:fillRect/>
+            </a:stretch>
+          </p:blipFill>
+          <p:spPr>
+            <a:xfrm>
+              <a:off x="793422" y="6031991"/>
+              <a:ext cx="730578" cy="472440"/>
+            </a:xfrm>
+            <a:prstGeom prst="rect">
+              <a:avLst/>
+            </a:prstGeom>
+          </p:spPr>
+        </p:pic>
+        <p:sp>
+          <p:nvSpPr>
+            <p:cNvPr id="10" name="文字方塊 9"/>
+            <p:cNvSpPr txBox="1"/>
+            <p:nvPr/>
+          </p:nvSpPr>
+          <p:spPr>
+            <a:xfrm>
+              <a:off x="1524000" y="5945045"/>
+              <a:ext cx="3647152" cy="646331"/>
+            </a:xfrm>
+            <a:prstGeom prst="rect">
+              <a:avLst/>
+            </a:prstGeom>
+            <a:noFill/>
+          </p:spPr>
+          <p:txBody>
+            <a:bodyPr wrap="none" rtlCol="0">
+              <a:spAutoFit/>
+            </a:bodyPr>
+            <a:lstStyle/>
+            <a:p>
+              <a:r>
+                <a:rPr lang="zh-TW" altLang="en-US" dirty="0" smtClean="0">
+                  <a:latin typeface="標楷體" panose="03000509000000000000" pitchFamily="65" charset="-120"/>
+                  <a:ea typeface="標楷體" panose="03000509000000000000" pitchFamily="65" charset="-120"/>
+                </a:rPr>
+                <a:t>國立虎尾科技大學</a:t>
+              </a:r>
+              <a:endParaRPr lang="en-US" altLang="zh-TW" dirty="0" smtClean="0">
+                <a:latin typeface="標楷體" panose="03000509000000000000" pitchFamily="65" charset="-120"/>
+                <a:ea typeface="標楷體" panose="03000509000000000000" pitchFamily="65" charset="-120"/>
+              </a:endParaRPr>
+            </a:p>
+            <a:p>
+              <a:r>
+                <a:rPr lang="zh-TW" altLang="en-US" dirty="0">
+                  <a:latin typeface="標楷體" panose="03000509000000000000" pitchFamily="65" charset="-120"/>
+                  <a:ea typeface="標楷體" panose="03000509000000000000" pitchFamily="65" charset="-120"/>
+                </a:rPr>
+                <a:t>機械設計工程</a:t>
+              </a:r>
+              <a:r>
+                <a:rPr lang="zh-TW" altLang="en-US" dirty="0" smtClean="0">
+                  <a:latin typeface="標楷體" panose="03000509000000000000" pitchFamily="65" charset="-120"/>
+                  <a:ea typeface="標楷體" panose="03000509000000000000" pitchFamily="65" charset="-120"/>
+                </a:rPr>
+                <a:t>系暨精密機械工程科</a:t>
+              </a:r>
+              <a:endParaRPr lang="zh-TW" altLang="en-US" dirty="0">
+                <a:latin typeface="標楷體" panose="03000509000000000000" pitchFamily="65" charset="-120"/>
+                <a:ea typeface="標楷體" panose="03000509000000000000" pitchFamily="65" charset="-120"/>
+              </a:endParaRPr>
+            </a:p>
+          </p:txBody>
+        </p:sp>
+      </p:grpSp>
     </p:spTree>
     <p:extLst>
       <p:ext uri="{BB962C8B-B14F-4D97-AF65-F5344CB8AC3E}">
@@ -9330,7 +10847,7 @@
         </p:blipFill>
         <p:spPr>
           <a:xfrm>
-            <a:off x="838200" y="5088465"/>
+            <a:off x="838200" y="4706074"/>
             <a:ext cx="1663717" cy="1663717"/>
           </a:xfrm>
           <a:prstGeom prst="rect">
@@ -9352,7 +10869,7 @@
         </p:nvSpPr>
         <p:spPr>
           <a:xfrm>
-            <a:off x="2501917" y="5458659"/>
+            <a:off x="2501917" y="5076268"/>
             <a:ext cx="9034846" cy="923330"/>
           </a:xfrm>
           <a:prstGeom prst="rect">
@@ -9431,7 +10948,7 @@
         </p:blipFill>
         <p:spPr>
           <a:xfrm>
-            <a:off x="6096000" y="1690688"/>
+            <a:off x="6096000" y="1449617"/>
             <a:ext cx="5096666" cy="3397777"/>
           </a:xfrm>
           <a:prstGeom prst="rect">
@@ -9439,6 +10956,107 @@
           </a:prstGeom>
         </p:spPr>
       </p:pic>
+      <p:grpSp>
+        <p:nvGrpSpPr>
+          <p:cNvPr id="8" name="群組 7"/>
+          <p:cNvGrpSpPr/>
+          <p:nvPr/>
+        </p:nvGrpSpPr>
+        <p:grpSpPr>
+          <a:xfrm>
+            <a:off x="728583" y="6083025"/>
+            <a:ext cx="4377730" cy="646331"/>
+            <a:chOff x="793422" y="5945045"/>
+            <a:chExt cx="4377730" cy="646331"/>
+          </a:xfrm>
+        </p:grpSpPr>
+        <p:pic>
+          <p:nvPicPr>
+            <p:cNvPr id="9" name="圖片 8"/>
+            <p:cNvPicPr>
+              <a:picLocks noChangeAspect="1"/>
+            </p:cNvPicPr>
+            <p:nvPr/>
+          </p:nvPicPr>
+          <p:blipFill>
+            <a:blip r:embed="rId4" cstate="print">
+              <a:extLst>
+                <a:ext uri="{28A0092B-C50C-407E-A947-70E740481C1C}">
+                  <a14:useLocalDpi xmlns:a14="http://schemas.microsoft.com/office/drawing/2010/main" val="0"/>
+                </a:ext>
+              </a:extLst>
+            </a:blip>
+            <a:stretch>
+              <a:fillRect/>
+            </a:stretch>
+          </p:blipFill>
+          <p:spPr>
+            <a:xfrm>
+              <a:off x="793422" y="6031991"/>
+              <a:ext cx="730578" cy="472440"/>
+            </a:xfrm>
+            <a:prstGeom prst="rect">
+              <a:avLst/>
+            </a:prstGeom>
+          </p:spPr>
+        </p:pic>
+        <p:sp>
+          <p:nvSpPr>
+            <p:cNvPr id="10" name="文字方塊 9"/>
+            <p:cNvSpPr txBox="1"/>
+            <p:nvPr/>
+          </p:nvSpPr>
+          <p:spPr>
+            <a:xfrm>
+              <a:off x="1524000" y="5945045"/>
+              <a:ext cx="3647152" cy="646331"/>
+            </a:xfrm>
+            <a:prstGeom prst="rect">
+              <a:avLst/>
+            </a:prstGeom>
+            <a:noFill/>
+          </p:spPr>
+          <p:txBody>
+            <a:bodyPr wrap="none" rtlCol="0">
+              <a:spAutoFit/>
+            </a:bodyPr>
+            <a:lstStyle/>
+            <a:p>
+              <a:r>
+                <a:rPr lang="zh-TW" altLang="en-US" dirty="0" smtClean="0">
+                  <a:latin typeface="標楷體" panose="03000509000000000000" pitchFamily="65" charset="-120"/>
+                  <a:ea typeface="標楷體" panose="03000509000000000000" pitchFamily="65" charset="-120"/>
+                </a:rPr>
+                <a:t>國立虎尾科技大學</a:t>
+              </a:r>
+              <a:endParaRPr lang="en-US" altLang="zh-TW" dirty="0" smtClean="0">
+                <a:latin typeface="標楷體" panose="03000509000000000000" pitchFamily="65" charset="-120"/>
+                <a:ea typeface="標楷體" panose="03000509000000000000" pitchFamily="65" charset="-120"/>
+              </a:endParaRPr>
+            </a:p>
+            <a:p>
+              <a:r>
+                <a:rPr lang="zh-TW" altLang="en-US" dirty="0">
+                  <a:latin typeface="標楷體" panose="03000509000000000000" pitchFamily="65" charset="-120"/>
+                  <a:ea typeface="標楷體" panose="03000509000000000000" pitchFamily="65" charset="-120"/>
+                </a:rPr>
+                <a:t>機械設計工程</a:t>
+              </a:r>
+              <a:r>
+                <a:rPr lang="zh-TW" altLang="en-US" dirty="0" smtClean="0">
+                  <a:latin typeface="標楷體" panose="03000509000000000000" pitchFamily="65" charset="-120"/>
+                  <a:ea typeface="標楷體" panose="03000509000000000000" pitchFamily="65" charset="-120"/>
+                </a:rPr>
+                <a:t>系暨精密機械工程科</a:t>
+              </a:r>
+              <a:endParaRPr lang="zh-TW" altLang="en-US" dirty="0">
+                <a:latin typeface="標楷體" panose="03000509000000000000" pitchFamily="65" charset="-120"/>
+                <a:ea typeface="標楷體" panose="03000509000000000000" pitchFamily="65" charset="-120"/>
+              </a:endParaRPr>
+            </a:p>
+          </p:txBody>
+        </p:sp>
+      </p:grpSp>
     </p:spTree>
     <p:extLst>
       <p:ext uri="{BB962C8B-B14F-4D97-AF65-F5344CB8AC3E}">
@@ -9590,7 +11208,7 @@
         </p:blipFill>
         <p:spPr>
           <a:xfrm>
-            <a:off x="838200" y="5088465"/>
+            <a:off x="838200" y="4706083"/>
             <a:ext cx="1663717" cy="1663717"/>
           </a:xfrm>
           <a:prstGeom prst="rect">
@@ -9612,7 +11230,7 @@
         </p:nvSpPr>
         <p:spPr>
           <a:xfrm>
-            <a:off x="2501917" y="5458659"/>
+            <a:off x="2501917" y="5076277"/>
             <a:ext cx="9034846" cy="923330"/>
           </a:xfrm>
           <a:prstGeom prst="rect">
@@ -9698,6 +11316,107 @@
           </a:prstGeom>
         </p:spPr>
       </p:pic>
+      <p:grpSp>
+        <p:nvGrpSpPr>
+          <p:cNvPr id="8" name="群組 7"/>
+          <p:cNvGrpSpPr/>
+          <p:nvPr/>
+        </p:nvGrpSpPr>
+        <p:grpSpPr>
+          <a:xfrm>
+            <a:off x="728583" y="6083025"/>
+            <a:ext cx="4377730" cy="646331"/>
+            <a:chOff x="793422" y="5945045"/>
+            <a:chExt cx="4377730" cy="646331"/>
+          </a:xfrm>
+        </p:grpSpPr>
+        <p:pic>
+          <p:nvPicPr>
+            <p:cNvPr id="9" name="圖片 8"/>
+            <p:cNvPicPr>
+              <a:picLocks noChangeAspect="1"/>
+            </p:cNvPicPr>
+            <p:nvPr/>
+          </p:nvPicPr>
+          <p:blipFill>
+            <a:blip r:embed="rId4" cstate="print">
+              <a:extLst>
+                <a:ext uri="{28A0092B-C50C-407E-A947-70E740481C1C}">
+                  <a14:useLocalDpi xmlns:a14="http://schemas.microsoft.com/office/drawing/2010/main" val="0"/>
+                </a:ext>
+              </a:extLst>
+            </a:blip>
+            <a:stretch>
+              <a:fillRect/>
+            </a:stretch>
+          </p:blipFill>
+          <p:spPr>
+            <a:xfrm>
+              <a:off x="793422" y="6031991"/>
+              <a:ext cx="730578" cy="472440"/>
+            </a:xfrm>
+            <a:prstGeom prst="rect">
+              <a:avLst/>
+            </a:prstGeom>
+          </p:spPr>
+        </p:pic>
+        <p:sp>
+          <p:nvSpPr>
+            <p:cNvPr id="10" name="文字方塊 9"/>
+            <p:cNvSpPr txBox="1"/>
+            <p:nvPr/>
+          </p:nvSpPr>
+          <p:spPr>
+            <a:xfrm>
+              <a:off x="1524000" y="5945045"/>
+              <a:ext cx="3647152" cy="646331"/>
+            </a:xfrm>
+            <a:prstGeom prst="rect">
+              <a:avLst/>
+            </a:prstGeom>
+            <a:noFill/>
+          </p:spPr>
+          <p:txBody>
+            <a:bodyPr wrap="none" rtlCol="0">
+              <a:spAutoFit/>
+            </a:bodyPr>
+            <a:lstStyle/>
+            <a:p>
+              <a:r>
+                <a:rPr lang="zh-TW" altLang="en-US" dirty="0" smtClean="0">
+                  <a:latin typeface="標楷體" panose="03000509000000000000" pitchFamily="65" charset="-120"/>
+                  <a:ea typeface="標楷體" panose="03000509000000000000" pitchFamily="65" charset="-120"/>
+                </a:rPr>
+                <a:t>國立虎尾科技大學</a:t>
+              </a:r>
+              <a:endParaRPr lang="en-US" altLang="zh-TW" dirty="0" smtClean="0">
+                <a:latin typeface="標楷體" panose="03000509000000000000" pitchFamily="65" charset="-120"/>
+                <a:ea typeface="標楷體" panose="03000509000000000000" pitchFamily="65" charset="-120"/>
+              </a:endParaRPr>
+            </a:p>
+            <a:p>
+              <a:r>
+                <a:rPr lang="zh-TW" altLang="en-US" dirty="0">
+                  <a:latin typeface="標楷體" panose="03000509000000000000" pitchFamily="65" charset="-120"/>
+                  <a:ea typeface="標楷體" panose="03000509000000000000" pitchFamily="65" charset="-120"/>
+                </a:rPr>
+                <a:t>機械設計工程</a:t>
+              </a:r>
+              <a:r>
+                <a:rPr lang="zh-TW" altLang="en-US" dirty="0" smtClean="0">
+                  <a:latin typeface="標楷體" panose="03000509000000000000" pitchFamily="65" charset="-120"/>
+                  <a:ea typeface="標楷體" panose="03000509000000000000" pitchFamily="65" charset="-120"/>
+                </a:rPr>
+                <a:t>系暨精密機械工程科</a:t>
+              </a:r>
+              <a:endParaRPr lang="zh-TW" altLang="en-US" dirty="0">
+                <a:latin typeface="標楷體" panose="03000509000000000000" pitchFamily="65" charset="-120"/>
+                <a:ea typeface="標楷體" panose="03000509000000000000" pitchFamily="65" charset="-120"/>
+              </a:endParaRPr>
+            </a:p>
+          </p:txBody>
+        </p:sp>
+      </p:grpSp>
     </p:spTree>
     <p:extLst>
       <p:ext uri="{BB962C8B-B14F-4D97-AF65-F5344CB8AC3E}">
@@ -9932,6 +11651,107 @@
           </a:prstGeom>
         </p:spPr>
       </p:pic>
+      <p:grpSp>
+        <p:nvGrpSpPr>
+          <p:cNvPr id="6" name="群組 5"/>
+          <p:cNvGrpSpPr/>
+          <p:nvPr/>
+        </p:nvGrpSpPr>
+        <p:grpSpPr>
+          <a:xfrm>
+            <a:off x="7484072" y="6169709"/>
+            <a:ext cx="4377730" cy="646331"/>
+            <a:chOff x="793422" y="5945045"/>
+            <a:chExt cx="4377730" cy="646331"/>
+          </a:xfrm>
+        </p:grpSpPr>
+        <p:pic>
+          <p:nvPicPr>
+            <p:cNvPr id="8" name="圖片 7"/>
+            <p:cNvPicPr>
+              <a:picLocks noChangeAspect="1"/>
+            </p:cNvPicPr>
+            <p:nvPr/>
+          </p:nvPicPr>
+          <p:blipFill>
+            <a:blip r:embed="rId4" cstate="print">
+              <a:extLst>
+                <a:ext uri="{28A0092B-C50C-407E-A947-70E740481C1C}">
+                  <a14:useLocalDpi xmlns:a14="http://schemas.microsoft.com/office/drawing/2010/main" val="0"/>
+                </a:ext>
+              </a:extLst>
+            </a:blip>
+            <a:stretch>
+              <a:fillRect/>
+            </a:stretch>
+          </p:blipFill>
+          <p:spPr>
+            <a:xfrm>
+              <a:off x="793422" y="6031991"/>
+              <a:ext cx="730578" cy="472440"/>
+            </a:xfrm>
+            <a:prstGeom prst="rect">
+              <a:avLst/>
+            </a:prstGeom>
+          </p:spPr>
+        </p:pic>
+        <p:sp>
+          <p:nvSpPr>
+            <p:cNvPr id="10" name="文字方塊 9"/>
+            <p:cNvSpPr txBox="1"/>
+            <p:nvPr/>
+          </p:nvSpPr>
+          <p:spPr>
+            <a:xfrm>
+              <a:off x="1524000" y="5945045"/>
+              <a:ext cx="3647152" cy="646331"/>
+            </a:xfrm>
+            <a:prstGeom prst="rect">
+              <a:avLst/>
+            </a:prstGeom>
+            <a:noFill/>
+          </p:spPr>
+          <p:txBody>
+            <a:bodyPr wrap="none" rtlCol="0">
+              <a:spAutoFit/>
+            </a:bodyPr>
+            <a:lstStyle/>
+            <a:p>
+              <a:r>
+                <a:rPr lang="zh-TW" altLang="en-US" dirty="0" smtClean="0">
+                  <a:latin typeface="標楷體" panose="03000509000000000000" pitchFamily="65" charset="-120"/>
+                  <a:ea typeface="標楷體" panose="03000509000000000000" pitchFamily="65" charset="-120"/>
+                </a:rPr>
+                <a:t>國立虎尾科技大學</a:t>
+              </a:r>
+              <a:endParaRPr lang="en-US" altLang="zh-TW" dirty="0" smtClean="0">
+                <a:latin typeface="標楷體" panose="03000509000000000000" pitchFamily="65" charset="-120"/>
+                <a:ea typeface="標楷體" panose="03000509000000000000" pitchFamily="65" charset="-120"/>
+              </a:endParaRPr>
+            </a:p>
+            <a:p>
+              <a:r>
+                <a:rPr lang="zh-TW" altLang="en-US" dirty="0">
+                  <a:latin typeface="標楷體" panose="03000509000000000000" pitchFamily="65" charset="-120"/>
+                  <a:ea typeface="標楷體" panose="03000509000000000000" pitchFamily="65" charset="-120"/>
+                </a:rPr>
+                <a:t>機械設計工程</a:t>
+              </a:r>
+              <a:r>
+                <a:rPr lang="zh-TW" altLang="en-US" dirty="0" smtClean="0">
+                  <a:latin typeface="標楷體" panose="03000509000000000000" pitchFamily="65" charset="-120"/>
+                  <a:ea typeface="標楷體" panose="03000509000000000000" pitchFamily="65" charset="-120"/>
+                </a:rPr>
+                <a:t>系暨精密機械工程科</a:t>
+              </a:r>
+              <a:endParaRPr lang="zh-TW" altLang="en-US" dirty="0">
+                <a:latin typeface="標楷體" panose="03000509000000000000" pitchFamily="65" charset="-120"/>
+                <a:ea typeface="標楷體" panose="03000509000000000000" pitchFamily="65" charset="-120"/>
+              </a:endParaRPr>
+            </a:p>
+          </p:txBody>
+        </p:sp>
+      </p:grpSp>
     </p:spTree>
     <p:extLst>
       <p:ext uri="{BB962C8B-B14F-4D97-AF65-F5344CB8AC3E}">
@@ -10109,14 +11929,115 @@
         </p:blipFill>
         <p:spPr>
           <a:xfrm>
-            <a:off x="3083754" y="2793077"/>
-            <a:ext cx="6665206" cy="3759593"/>
+            <a:off x="3918566" y="2683582"/>
+            <a:ext cx="6193252" cy="3493381"/>
           </a:xfrm>
           <a:prstGeom prst="rect">
             <a:avLst/>
           </a:prstGeom>
         </p:spPr>
       </p:pic>
+      <p:grpSp>
+        <p:nvGrpSpPr>
+          <p:cNvPr id="6" name="群組 5"/>
+          <p:cNvGrpSpPr/>
+          <p:nvPr/>
+        </p:nvGrpSpPr>
+        <p:grpSpPr>
+          <a:xfrm>
+            <a:off x="728583" y="6083025"/>
+            <a:ext cx="4377730" cy="646331"/>
+            <a:chOff x="793422" y="5945045"/>
+            <a:chExt cx="4377730" cy="646331"/>
+          </a:xfrm>
+        </p:grpSpPr>
+        <p:pic>
+          <p:nvPicPr>
+            <p:cNvPr id="8" name="圖片 7"/>
+            <p:cNvPicPr>
+              <a:picLocks noChangeAspect="1"/>
+            </p:cNvPicPr>
+            <p:nvPr/>
+          </p:nvPicPr>
+          <p:blipFill>
+            <a:blip r:embed="rId4" cstate="print">
+              <a:extLst>
+                <a:ext uri="{28A0092B-C50C-407E-A947-70E740481C1C}">
+                  <a14:useLocalDpi xmlns:a14="http://schemas.microsoft.com/office/drawing/2010/main" val="0"/>
+                </a:ext>
+              </a:extLst>
+            </a:blip>
+            <a:stretch>
+              <a:fillRect/>
+            </a:stretch>
+          </p:blipFill>
+          <p:spPr>
+            <a:xfrm>
+              <a:off x="793422" y="6031991"/>
+              <a:ext cx="730578" cy="472440"/>
+            </a:xfrm>
+            <a:prstGeom prst="rect">
+              <a:avLst/>
+            </a:prstGeom>
+          </p:spPr>
+        </p:pic>
+        <p:sp>
+          <p:nvSpPr>
+            <p:cNvPr id="9" name="文字方塊 8"/>
+            <p:cNvSpPr txBox="1"/>
+            <p:nvPr/>
+          </p:nvSpPr>
+          <p:spPr>
+            <a:xfrm>
+              <a:off x="1524000" y="5945045"/>
+              <a:ext cx="3647152" cy="646331"/>
+            </a:xfrm>
+            <a:prstGeom prst="rect">
+              <a:avLst/>
+            </a:prstGeom>
+            <a:noFill/>
+          </p:spPr>
+          <p:txBody>
+            <a:bodyPr wrap="none" rtlCol="0">
+              <a:spAutoFit/>
+            </a:bodyPr>
+            <a:lstStyle/>
+            <a:p>
+              <a:r>
+                <a:rPr lang="zh-TW" altLang="en-US" dirty="0" smtClean="0">
+                  <a:latin typeface="標楷體" panose="03000509000000000000" pitchFamily="65" charset="-120"/>
+                  <a:ea typeface="標楷體" panose="03000509000000000000" pitchFamily="65" charset="-120"/>
+                </a:rPr>
+                <a:t>國立虎尾科技大學</a:t>
+              </a:r>
+              <a:endParaRPr lang="en-US" altLang="zh-TW" dirty="0" smtClean="0">
+                <a:latin typeface="標楷體" panose="03000509000000000000" pitchFamily="65" charset="-120"/>
+                <a:ea typeface="標楷體" panose="03000509000000000000" pitchFamily="65" charset="-120"/>
+              </a:endParaRPr>
+            </a:p>
+            <a:p>
+              <a:r>
+                <a:rPr lang="zh-TW" altLang="en-US" dirty="0">
+                  <a:latin typeface="標楷體" panose="03000509000000000000" pitchFamily="65" charset="-120"/>
+                  <a:ea typeface="標楷體" panose="03000509000000000000" pitchFamily="65" charset="-120"/>
+                </a:rPr>
+                <a:t>機械設計工程</a:t>
+              </a:r>
+              <a:r>
+                <a:rPr lang="zh-TW" altLang="en-US" dirty="0" smtClean="0">
+                  <a:latin typeface="標楷體" panose="03000509000000000000" pitchFamily="65" charset="-120"/>
+                  <a:ea typeface="標楷體" panose="03000509000000000000" pitchFamily="65" charset="-120"/>
+                </a:rPr>
+                <a:t>系暨精密機械工程科</a:t>
+              </a:r>
+              <a:endParaRPr lang="zh-TW" altLang="en-US" dirty="0">
+                <a:latin typeface="標楷體" panose="03000509000000000000" pitchFamily="65" charset="-120"/>
+                <a:ea typeface="標楷體" panose="03000509000000000000" pitchFamily="65" charset="-120"/>
+              </a:endParaRPr>
+            </a:p>
+          </p:txBody>
+        </p:sp>
+      </p:grpSp>
     </p:spTree>
     <p:extLst>
       <p:ext uri="{BB962C8B-B14F-4D97-AF65-F5344CB8AC3E}">
@@ -10416,6 +12337,107 @@
           </a:p>
         </p:txBody>
       </p:sp>
+      <p:grpSp>
+        <p:nvGrpSpPr>
+          <p:cNvPr id="4" name="群組 3"/>
+          <p:cNvGrpSpPr/>
+          <p:nvPr/>
+        </p:nvGrpSpPr>
+        <p:grpSpPr>
+          <a:xfrm>
+            <a:off x="728583" y="6083025"/>
+            <a:ext cx="4377730" cy="646331"/>
+            <a:chOff x="793422" y="5945045"/>
+            <a:chExt cx="4377730" cy="646331"/>
+          </a:xfrm>
+        </p:grpSpPr>
+        <p:pic>
+          <p:nvPicPr>
+            <p:cNvPr id="5" name="圖片 4"/>
+            <p:cNvPicPr>
+              <a:picLocks noChangeAspect="1"/>
+            </p:cNvPicPr>
+            <p:nvPr/>
+          </p:nvPicPr>
+          <p:blipFill>
+            <a:blip r:embed="rId2" cstate="print">
+              <a:extLst>
+                <a:ext uri="{28A0092B-C50C-407E-A947-70E740481C1C}">
+                  <a14:useLocalDpi xmlns:a14="http://schemas.microsoft.com/office/drawing/2010/main" val="0"/>
+                </a:ext>
+              </a:extLst>
+            </a:blip>
+            <a:stretch>
+              <a:fillRect/>
+            </a:stretch>
+          </p:blipFill>
+          <p:spPr>
+            <a:xfrm>
+              <a:off x="793422" y="6031991"/>
+              <a:ext cx="730578" cy="472440"/>
+            </a:xfrm>
+            <a:prstGeom prst="rect">
+              <a:avLst/>
+            </a:prstGeom>
+          </p:spPr>
+        </p:pic>
+        <p:sp>
+          <p:nvSpPr>
+            <p:cNvPr id="6" name="文字方塊 5"/>
+            <p:cNvSpPr txBox="1"/>
+            <p:nvPr/>
+          </p:nvSpPr>
+          <p:spPr>
+            <a:xfrm>
+              <a:off x="1524000" y="5945045"/>
+              <a:ext cx="3647152" cy="646331"/>
+            </a:xfrm>
+            <a:prstGeom prst="rect">
+              <a:avLst/>
+            </a:prstGeom>
+            <a:noFill/>
+          </p:spPr>
+          <p:txBody>
+            <a:bodyPr wrap="none" rtlCol="0">
+              <a:spAutoFit/>
+            </a:bodyPr>
+            <a:lstStyle/>
+            <a:p>
+              <a:r>
+                <a:rPr lang="zh-TW" altLang="en-US" dirty="0" smtClean="0">
+                  <a:latin typeface="標楷體" panose="03000509000000000000" pitchFamily="65" charset="-120"/>
+                  <a:ea typeface="標楷體" panose="03000509000000000000" pitchFamily="65" charset="-120"/>
+                </a:rPr>
+                <a:t>國立虎尾科技大學</a:t>
+              </a:r>
+              <a:endParaRPr lang="en-US" altLang="zh-TW" dirty="0" smtClean="0">
+                <a:latin typeface="標楷體" panose="03000509000000000000" pitchFamily="65" charset="-120"/>
+                <a:ea typeface="標楷體" panose="03000509000000000000" pitchFamily="65" charset="-120"/>
+              </a:endParaRPr>
+            </a:p>
+            <a:p>
+              <a:r>
+                <a:rPr lang="zh-TW" altLang="en-US" dirty="0">
+                  <a:latin typeface="標楷體" panose="03000509000000000000" pitchFamily="65" charset="-120"/>
+                  <a:ea typeface="標楷體" panose="03000509000000000000" pitchFamily="65" charset="-120"/>
+                </a:rPr>
+                <a:t>機械設計工程</a:t>
+              </a:r>
+              <a:r>
+                <a:rPr lang="zh-TW" altLang="en-US" dirty="0" smtClean="0">
+                  <a:latin typeface="標楷體" panose="03000509000000000000" pitchFamily="65" charset="-120"/>
+                  <a:ea typeface="標楷體" panose="03000509000000000000" pitchFamily="65" charset="-120"/>
+                </a:rPr>
+                <a:t>系暨精密機械工程科</a:t>
+              </a:r>
+              <a:endParaRPr lang="zh-TW" altLang="en-US" dirty="0">
+                <a:latin typeface="標楷體" panose="03000509000000000000" pitchFamily="65" charset="-120"/>
+                <a:ea typeface="標楷體" panose="03000509000000000000" pitchFamily="65" charset="-120"/>
+              </a:endParaRPr>
+            </a:p>
+          </p:txBody>
+        </p:sp>
+      </p:grpSp>
     </p:spTree>
     <p:extLst>
       <p:ext uri="{BB962C8B-B14F-4D97-AF65-F5344CB8AC3E}">

--- a/PPT/專題報告PPT.pptx
+++ b/PPT/專題報告PPT.pptx
@@ -3018,47 +3018,33 @@
           <a:lstStyle/>
           <a:p>
             <a:r>
-              <a:rPr lang="zh-TW" altLang="en-US" sz="4000" dirty="0">
+              <a:rPr lang="zh-TW" altLang="en-US" sz="4000" b="1" dirty="0">
                 <a:latin typeface="標楷體" panose="03000509000000000000" pitchFamily="65" charset="-120"/>
                 <a:ea typeface="標楷體" panose="03000509000000000000" pitchFamily="65" charset="-120"/>
               </a:rPr>
               <a:t>國立虎尾科技大學</a:t>
             </a:r>
-            <a:r>
-              <a:rPr lang="en-US" altLang="zh-TW" sz="4000" dirty="0">
+            <a:br>
+              <a:rPr lang="en-US" altLang="zh-TW" sz="4000" b="1" dirty="0">
                 <a:latin typeface="標楷體" panose="03000509000000000000" pitchFamily="65" charset="-120"/>
                 <a:ea typeface="標楷體" panose="03000509000000000000" pitchFamily="65" charset="-120"/>
               </a:rPr>
-              <a:t/>
+            </a:br>
+            <a:r>
+              <a:rPr lang="zh-TW" altLang="en-US" sz="4000" b="1" dirty="0">
+                <a:latin typeface="標楷體" panose="03000509000000000000" pitchFamily="65" charset="-120"/>
+                <a:ea typeface="標楷體" panose="03000509000000000000" pitchFamily="65" charset="-120"/>
+              </a:rPr>
+              <a:t>機械設計工程系暨精密機械工程科</a:t>
             </a:r>
             <a:br>
-              <a:rPr lang="en-US" altLang="zh-TW" sz="4000" dirty="0">
+              <a:rPr lang="en-US" altLang="zh-TW" sz="4000" b="1" dirty="0">
                 <a:latin typeface="標楷體" panose="03000509000000000000" pitchFamily="65" charset="-120"/>
                 <a:ea typeface="標楷體" panose="03000509000000000000" pitchFamily="65" charset="-120"/>
               </a:rPr>
             </a:br>
             <a:r>
-              <a:rPr lang="zh-TW" altLang="en-US" sz="4000" dirty="0">
-                <a:latin typeface="標楷體" panose="03000509000000000000" pitchFamily="65" charset="-120"/>
-                <a:ea typeface="標楷體" panose="03000509000000000000" pitchFamily="65" charset="-120"/>
-              </a:rPr>
-              <a:t>機械設計工程系暨精密機械工程科</a:t>
-            </a:r>
-            <a:r>
-              <a:rPr lang="en-US" altLang="zh-TW" sz="4000" dirty="0">
-                <a:latin typeface="標楷體" panose="03000509000000000000" pitchFamily="65" charset="-120"/>
-                <a:ea typeface="標楷體" panose="03000509000000000000" pitchFamily="65" charset="-120"/>
-              </a:rPr>
-              <a:t/>
-            </a:r>
-            <a:br>
-              <a:rPr lang="en-US" altLang="zh-TW" sz="4000" dirty="0">
-                <a:latin typeface="標楷體" panose="03000509000000000000" pitchFamily="65" charset="-120"/>
-                <a:ea typeface="標楷體" panose="03000509000000000000" pitchFamily="65" charset="-120"/>
-              </a:rPr>
-            </a:br>
-            <a:r>
-              <a:rPr lang="zh-TW" altLang="en-US" sz="4000" dirty="0">
+              <a:rPr lang="zh-TW" altLang="en-US" sz="4000" b="1" dirty="0">
                 <a:latin typeface="標楷體" panose="03000509000000000000" pitchFamily="65" charset="-120"/>
                 <a:ea typeface="標楷體" panose="03000509000000000000" pitchFamily="65" charset="-120"/>
               </a:rPr>
@@ -3088,39 +3074,44 @@
           <a:lstStyle/>
           <a:p>
             <a:r>
+              <a:rPr lang="en-US" altLang="zh-TW" b="1" dirty="0">
+                <a:latin typeface="Times New Roman" panose="02020603050405020304" pitchFamily="18" charset="0"/>
+                <a:ea typeface="標楷體" panose="03000509000000000000" pitchFamily="65" charset="-120"/>
+                <a:cs typeface="Times New Roman" panose="02020603050405020304" pitchFamily="18" charset="0"/>
+              </a:rPr>
+              <a:t>ODOO PLM </a:t>
+            </a:r>
+            <a:r>
+              <a:rPr lang="zh-TW" altLang="en-US" b="1" dirty="0">
+                <a:latin typeface="Times New Roman" panose="02020603050405020304" pitchFamily="18" charset="0"/>
+                <a:ea typeface="標楷體" panose="03000509000000000000" pitchFamily="65" charset="-120"/>
+                <a:cs typeface="Times New Roman" panose="02020603050405020304" pitchFamily="18" charset="0"/>
+              </a:rPr>
+              <a:t>在協同設計上的應用 </a:t>
+            </a:r>
+            <a:r>
+              <a:rPr lang="en-US" altLang="zh-TW" b="1" dirty="0">
+                <a:latin typeface="Times New Roman" panose="02020603050405020304" pitchFamily="18" charset="0"/>
+                <a:ea typeface="標楷體" panose="03000509000000000000" pitchFamily="65" charset="-120"/>
+                <a:cs typeface="Times New Roman" panose="02020603050405020304" pitchFamily="18" charset="0"/>
+              </a:rPr>
+              <a:t>- </a:t>
+            </a:r>
+            <a:r>
+              <a:rPr lang="zh-TW" altLang="en-US" b="1" dirty="0">
+                <a:latin typeface="Times New Roman" panose="02020603050405020304" pitchFamily="18" charset="0"/>
+                <a:ea typeface="標楷體" panose="03000509000000000000" pitchFamily="65" charset="-120"/>
+                <a:cs typeface="Times New Roman" panose="02020603050405020304" pitchFamily="18" charset="0"/>
+              </a:rPr>
+              <a:t>以鋼球平衡台設計為例</a:t>
+            </a:r>
+          </a:p>
+          <a:p>
+            <a:r>
               <a:rPr lang="en-US" altLang="zh-TW" dirty="0">
-                <a:latin typeface="標楷體" panose="03000509000000000000" pitchFamily="65" charset="-120"/>
-                <a:ea typeface="標楷體" panose="03000509000000000000" pitchFamily="65" charset="-120"/>
-              </a:rPr>
-              <a:t>ODOO PLM </a:t>
-            </a:r>
-            <a:r>
-              <a:rPr lang="zh-TW" altLang="en-US" dirty="0">
-                <a:latin typeface="標楷體" panose="03000509000000000000" pitchFamily="65" charset="-120"/>
-                <a:ea typeface="標楷體" panose="03000509000000000000" pitchFamily="65" charset="-120"/>
-              </a:rPr>
-              <a:t>在協同設計上的應用 </a:t>
-            </a:r>
-            <a:r>
-              <a:rPr lang="en-US" altLang="zh-TW" dirty="0">
-                <a:latin typeface="標楷體" panose="03000509000000000000" pitchFamily="65" charset="-120"/>
-                <a:ea typeface="標楷體" panose="03000509000000000000" pitchFamily="65" charset="-120"/>
-              </a:rPr>
-              <a:t>- </a:t>
-            </a:r>
-            <a:r>
-              <a:rPr lang="zh-TW" altLang="en-US" dirty="0">
-                <a:latin typeface="標楷體" panose="03000509000000000000" pitchFamily="65" charset="-120"/>
-                <a:ea typeface="標楷體" panose="03000509000000000000" pitchFamily="65" charset="-120"/>
-              </a:rPr>
-              <a:t>以鋼球平衡台設計為例</a:t>
-            </a:r>
-          </a:p>
-          <a:p>
-            <a:r>
-              <a:rPr lang="en-US" altLang="zh-TW" dirty="0">
-                <a:latin typeface="標楷體" panose="03000509000000000000" pitchFamily="65" charset="-120"/>
-                <a:ea typeface="標楷體" panose="03000509000000000000" pitchFamily="65" charset="-120"/>
+                <a:latin typeface="Times New Roman" panose="02020603050405020304" pitchFamily="18" charset="0"/>
+                <a:ea typeface="標楷體" panose="03000509000000000000" pitchFamily="65" charset="-120"/>
+                <a:cs typeface="Times New Roman" panose="02020603050405020304" pitchFamily="18" charset="0"/>
               </a:rPr>
               <a:t>Application of ODOO PLM in collaborative design - taking the Design of Steel Ball Balancing Platform as an example</a:t>
             </a:r>
@@ -3153,68 +3144,77 @@
           <a:noFill/>
         </p:spPr>
         <p:txBody>
-          <a:bodyPr wrap="none" rtlCol="0">
+          <a:bodyPr wrap="square" rtlCol="0">
             <a:spAutoFit/>
           </a:bodyPr>
           <a:lstStyle/>
           <a:p>
             <a:r>
               <a:rPr lang="zh-TW" altLang="en-US" sz="2400" dirty="0">
-                <a:latin typeface="標楷體" panose="03000509000000000000" pitchFamily="65" charset="-120"/>
-                <a:ea typeface="標楷體" panose="03000509000000000000" pitchFamily="65" charset="-120"/>
+                <a:latin typeface="Times New Roman" panose="02020603050405020304" pitchFamily="18" charset="0"/>
+                <a:ea typeface="標楷體" panose="03000509000000000000" pitchFamily="65" charset="-120"/>
+                <a:cs typeface="Times New Roman" panose="02020603050405020304" pitchFamily="18" charset="0"/>
               </a:rPr>
               <a:t>指導教授：嚴家銘  教授</a:t>
             </a:r>
             <a:endParaRPr lang="en-US" altLang="zh-TW" sz="2400" dirty="0">
-              <a:latin typeface="標楷體" panose="03000509000000000000" pitchFamily="65" charset="-120"/>
+              <a:latin typeface="Times New Roman" panose="02020603050405020304" pitchFamily="18" charset="0"/>
               <a:ea typeface="標楷體" panose="03000509000000000000" pitchFamily="65" charset="-120"/>
+              <a:cs typeface="Times New Roman" panose="02020603050405020304" pitchFamily="18" charset="0"/>
             </a:endParaRPr>
           </a:p>
           <a:p>
             <a:r>
               <a:rPr lang="zh-TW" altLang="en-US" sz="2400" dirty="0">
-                <a:latin typeface="標楷體" panose="03000509000000000000" pitchFamily="65" charset="-120"/>
-                <a:ea typeface="標楷體" panose="03000509000000000000" pitchFamily="65" charset="-120"/>
+                <a:latin typeface="Times New Roman" panose="02020603050405020304" pitchFamily="18" charset="0"/>
+                <a:ea typeface="標楷體" panose="03000509000000000000" pitchFamily="65" charset="-120"/>
+                <a:cs typeface="Times New Roman" panose="02020603050405020304" pitchFamily="18" charset="0"/>
               </a:rPr>
               <a:t>班級：四設計三乙</a:t>
             </a:r>
             <a:endParaRPr lang="en-US" altLang="zh-TW" sz="2400" dirty="0">
-              <a:latin typeface="標楷體" panose="03000509000000000000" pitchFamily="65" charset="-120"/>
+              <a:latin typeface="Times New Roman" panose="02020603050405020304" pitchFamily="18" charset="0"/>
               <a:ea typeface="標楷體" panose="03000509000000000000" pitchFamily="65" charset="-120"/>
+              <a:cs typeface="Times New Roman" panose="02020603050405020304" pitchFamily="18" charset="0"/>
             </a:endParaRPr>
           </a:p>
           <a:p>
             <a:r>
               <a:rPr lang="zh-TW" altLang="en-US" sz="2400" dirty="0">
-                <a:latin typeface="標楷體" panose="03000509000000000000" pitchFamily="65" charset="-120"/>
-                <a:ea typeface="標楷體" panose="03000509000000000000" pitchFamily="65" charset="-120"/>
+                <a:latin typeface="Times New Roman" panose="02020603050405020304" pitchFamily="18" charset="0"/>
+                <a:ea typeface="標楷體" panose="03000509000000000000" pitchFamily="65" charset="-120"/>
+                <a:cs typeface="Times New Roman" panose="02020603050405020304" pitchFamily="18" charset="0"/>
               </a:rPr>
               <a:t>學生：陳岳檉</a:t>
             </a:r>
             <a:r>
               <a:rPr lang="en-US" altLang="zh-TW" sz="2400" dirty="0">
-                <a:latin typeface="標楷體" panose="03000509000000000000" pitchFamily="65" charset="-120"/>
-                <a:ea typeface="標楷體" panose="03000509000000000000" pitchFamily="65" charset="-120"/>
+                <a:latin typeface="Times New Roman" panose="02020603050405020304" pitchFamily="18" charset="0"/>
+                <a:ea typeface="標楷體" panose="03000509000000000000" pitchFamily="65" charset="-120"/>
+                <a:cs typeface="Times New Roman" panose="02020603050405020304" pitchFamily="18" charset="0"/>
               </a:rPr>
               <a:t>(41023218)</a:t>
             </a:r>
             <a:br>
               <a:rPr lang="en-US" altLang="zh-TW" sz="2400" dirty="0">
-                <a:latin typeface="標楷體" panose="03000509000000000000" pitchFamily="65" charset="-120"/>
-                <a:ea typeface="標楷體" panose="03000509000000000000" pitchFamily="65" charset="-120"/>
+                <a:latin typeface="Times New Roman" panose="02020603050405020304" pitchFamily="18" charset="0"/>
+                <a:ea typeface="標楷體" panose="03000509000000000000" pitchFamily="65" charset="-120"/>
+                <a:cs typeface="Times New Roman" panose="02020603050405020304" pitchFamily="18" charset="0"/>
               </a:rPr>
             </a:br>
             <a:r>
               <a:rPr lang="zh-TW" altLang="en-US" sz="2400" dirty="0">
-                <a:latin typeface="標楷體" panose="03000509000000000000" pitchFamily="65" charset="-120"/>
-                <a:ea typeface="標楷體" panose="03000509000000000000" pitchFamily="65" charset="-120"/>
+                <a:latin typeface="Times New Roman" panose="02020603050405020304" pitchFamily="18" charset="0"/>
+                <a:ea typeface="標楷體" panose="03000509000000000000" pitchFamily="65" charset="-120"/>
+                <a:cs typeface="Times New Roman" panose="02020603050405020304" pitchFamily="18" charset="0"/>
               </a:rPr>
               <a:t>      蔡弦霖</a:t>
             </a:r>
             <a:r>
               <a:rPr lang="en-US" altLang="zh-TW" sz="2400" dirty="0">
-                <a:latin typeface="標楷體" panose="03000509000000000000" pitchFamily="65" charset="-120"/>
-                <a:ea typeface="標楷體" panose="03000509000000000000" pitchFamily="65" charset="-120"/>
+                <a:latin typeface="Times New Roman" panose="02020603050405020304" pitchFamily="18" charset="0"/>
+                <a:ea typeface="標楷體" panose="03000509000000000000" pitchFamily="65" charset="-120"/>
+                <a:cs typeface="Times New Roman" panose="02020603050405020304" pitchFamily="18" charset="0"/>
               </a:rPr>
               <a:t>(41023248)</a:t>
             </a:r>
@@ -3222,15 +3222,17 @@
           <a:p>
             <a:r>
               <a:rPr lang="zh-TW" altLang="en-US" sz="2400" dirty="0">
-                <a:latin typeface="標楷體" panose="03000509000000000000" pitchFamily="65" charset="-120"/>
-                <a:ea typeface="標楷體" panose="03000509000000000000" pitchFamily="65" charset="-120"/>
+                <a:latin typeface="Times New Roman" panose="02020603050405020304" pitchFamily="18" charset="0"/>
+                <a:ea typeface="標楷體" panose="03000509000000000000" pitchFamily="65" charset="-120"/>
+                <a:cs typeface="Times New Roman" panose="02020603050405020304" pitchFamily="18" charset="0"/>
               </a:rPr>
               <a:t>      鄭立揚</a:t>
             </a:r>
             <a:r>
               <a:rPr lang="en-US" altLang="zh-TW" sz="2400" dirty="0">
-                <a:latin typeface="標楷體" panose="03000509000000000000" pitchFamily="65" charset="-120"/>
-                <a:ea typeface="標楷體" panose="03000509000000000000" pitchFamily="65" charset="-120"/>
+                <a:latin typeface="Times New Roman" panose="02020603050405020304" pitchFamily="18" charset="0"/>
+                <a:ea typeface="標楷體" panose="03000509000000000000" pitchFamily="65" charset="-120"/>
+                <a:cs typeface="Times New Roman" panose="02020603050405020304" pitchFamily="18" charset="0"/>
               </a:rPr>
               <a:t>(41023251)</a:t>
             </a:r>
@@ -3238,21 +3240,24 @@
           <a:p>
             <a:r>
               <a:rPr lang="zh-TW" altLang="en-US" sz="2400" dirty="0">
-                <a:latin typeface="標楷體" panose="03000509000000000000" pitchFamily="65" charset="-120"/>
-                <a:ea typeface="標楷體" panose="03000509000000000000" pitchFamily="65" charset="-120"/>
+                <a:latin typeface="Times New Roman" panose="02020603050405020304" pitchFamily="18" charset="0"/>
+                <a:ea typeface="標楷體" panose="03000509000000000000" pitchFamily="65" charset="-120"/>
+                <a:cs typeface="Times New Roman" panose="02020603050405020304" pitchFamily="18" charset="0"/>
               </a:rPr>
               <a:t>      謝鴻元</a:t>
             </a:r>
             <a:r>
               <a:rPr lang="en-US" altLang="zh-TW" sz="2400" dirty="0">
-                <a:latin typeface="標楷體" panose="03000509000000000000" pitchFamily="65" charset="-120"/>
-                <a:ea typeface="標楷體" panose="03000509000000000000" pitchFamily="65" charset="-120"/>
+                <a:latin typeface="Times New Roman" panose="02020603050405020304" pitchFamily="18" charset="0"/>
+                <a:ea typeface="標楷體" panose="03000509000000000000" pitchFamily="65" charset="-120"/>
+                <a:cs typeface="Times New Roman" panose="02020603050405020304" pitchFamily="18" charset="0"/>
               </a:rPr>
               <a:t>(41023254)</a:t>
             </a:r>
             <a:endParaRPr lang="zh-TW" altLang="en-US" sz="2400" dirty="0">
-              <a:latin typeface="標楷體" panose="03000509000000000000" pitchFamily="65" charset="-120"/>
+              <a:latin typeface="Times New Roman" panose="02020603050405020304" pitchFamily="18" charset="0"/>
               <a:ea typeface="標楷體" panose="03000509000000000000" pitchFamily="65" charset="-120"/>
+              <a:cs typeface="Times New Roman" panose="02020603050405020304" pitchFamily="18" charset="0"/>
             </a:endParaRPr>
           </a:p>
         </p:txBody>
@@ -3324,13 +3329,13 @@
             <a:lstStyle/>
             <a:p>
               <a:r>
-                <a:rPr lang="zh-TW" altLang="en-US" dirty="0" smtClean="0">
+                <a:rPr lang="zh-TW" altLang="en-US" dirty="0">
                   <a:latin typeface="標楷體" panose="03000509000000000000" pitchFamily="65" charset="-120"/>
                   <a:ea typeface="標楷體" panose="03000509000000000000" pitchFamily="65" charset="-120"/>
                 </a:rPr>
                 <a:t>國立虎尾科技大學</a:t>
               </a:r>
-              <a:endParaRPr lang="en-US" altLang="zh-TW" dirty="0" smtClean="0">
+              <a:endParaRPr lang="en-US" altLang="zh-TW" dirty="0">
                 <a:latin typeface="標楷體" panose="03000509000000000000" pitchFamily="65" charset="-120"/>
                 <a:ea typeface="標楷體" panose="03000509000000000000" pitchFamily="65" charset="-120"/>
               </a:endParaRPr>
@@ -3341,19 +3346,8 @@
                   <a:latin typeface="標楷體" panose="03000509000000000000" pitchFamily="65" charset="-120"/>
                   <a:ea typeface="標楷體" panose="03000509000000000000" pitchFamily="65" charset="-120"/>
                 </a:rPr>
-                <a:t>機械設計工程</a:t>
+                <a:t>機械設計工程系暨精密機械工程科</a:t>
               </a:r>
-              <a:r>
-                <a:rPr lang="zh-TW" altLang="en-US" dirty="0" smtClean="0">
-                  <a:latin typeface="標楷體" panose="03000509000000000000" pitchFamily="65" charset="-120"/>
-                  <a:ea typeface="標楷體" panose="03000509000000000000" pitchFamily="65" charset="-120"/>
-                </a:rPr>
-                <a:t>系暨精密機械工程科</a:t>
-              </a:r>
-              <a:endParaRPr lang="zh-TW" altLang="en-US" dirty="0">
-                <a:latin typeface="標楷體" panose="03000509000000000000" pitchFamily="65" charset="-120"/>
-                <a:ea typeface="標楷體" panose="03000509000000000000" pitchFamily="65" charset="-120"/>
-              </a:endParaRPr>
             </a:p>
           </p:txBody>
         </p:sp>
@@ -3410,13 +3404,13 @@
           <a:lstStyle/>
           <a:p>
             <a:r>
-              <a:rPr lang="zh-TW" altLang="en-US" dirty="0">
+              <a:rPr lang="zh-TW" altLang="en-US" b="1" dirty="0">
                 <a:latin typeface="標楷體" panose="03000509000000000000" pitchFamily="65" charset="-120"/>
                 <a:ea typeface="標楷體" panose="03000509000000000000" pitchFamily="65" charset="-120"/>
               </a:rPr>
               <a:t>案例研究：鋼球平衡台的設計</a:t>
             </a:r>
-            <a:endParaRPr lang="zh-TW" altLang="en-US" dirty="0"/>
+            <a:endParaRPr lang="zh-TW" altLang="en-US" b="1" dirty="0"/>
           </a:p>
         </p:txBody>
       </p:sp>
@@ -3454,18 +3448,11 @@
                   <a:buNone/>
                 </a:pPr>
                 <a:r>
-                  <a:rPr lang="zh-TW" altLang="en-US" dirty="0" smtClean="0">
-                    <a:latin typeface="標楷體" panose="03000509000000000000" pitchFamily="65" charset="-120"/>
-                    <a:ea typeface="標楷體" panose="03000509000000000000" pitchFamily="65" charset="-120"/>
-                  </a:rPr>
-                  <a:t>球</a:t>
-                </a:r>
-                <a:r>
                   <a:rPr lang="zh-TW" altLang="en-US" dirty="0">
                     <a:latin typeface="標楷體" panose="03000509000000000000" pitchFamily="65" charset="-120"/>
                     <a:ea typeface="標楷體" panose="03000509000000000000" pitchFamily="65" charset="-120"/>
                   </a:rPr>
-                  <a:t>的絕對加速度方程式 </a:t>
+                  <a:t>球的絕對加速度方程式 </a:t>
                 </a:r>
                 <a:endParaRPr lang="en-US" altLang="zh-TW" dirty="0">
                   <a:latin typeface="標楷體" panose="03000509000000000000" pitchFamily="65" charset="-120"/>
@@ -3476,7 +3463,7 @@
                 <a:pPr marL="0" indent="0">
                   <a:buNone/>
                 </a:pPr>
-                <a:endParaRPr lang="en-US" altLang="zh-TW" sz="2400" dirty="0" smtClean="0">
+                <a:endParaRPr lang="en-US" altLang="zh-TW" sz="2400" dirty="0">
                   <a:latin typeface="Cambria Math" panose="02040503050406030204" pitchFamily="18" charset="0"/>
                 </a:endParaRPr>
               </a:p>
@@ -3696,7 +3683,7 @@
                 <a:pPr marL="0" indent="0">
                   <a:buNone/>
                 </a:pPr>
-                <a:endParaRPr lang="en-US" altLang="zh-TW" dirty="0" smtClean="0">
+                <a:endParaRPr lang="en-US" altLang="zh-TW" dirty="0">
                   <a:latin typeface="標楷體" panose="03000509000000000000" pitchFamily="65" charset="-120"/>
                   <a:ea typeface="標楷體" panose="03000509000000000000" pitchFamily="65" charset="-120"/>
                 </a:endParaRPr>
@@ -3715,18 +3702,11 @@
                   <a:buNone/>
                 </a:pPr>
                 <a:r>
-                  <a:rPr lang="zh-TW" altLang="en-US" dirty="0" smtClean="0">
-                    <a:latin typeface="標楷體" panose="03000509000000000000" pitchFamily="65" charset="-120"/>
-                    <a:ea typeface="標楷體" panose="03000509000000000000" pitchFamily="65" charset="-120"/>
-                  </a:rPr>
-                  <a:t>接下來</a:t>
-                </a:r>
-                <a:r>
                   <a:rPr lang="zh-TW" altLang="en-US" dirty="0">
                     <a:latin typeface="標楷體" panose="03000509000000000000" pitchFamily="65" charset="-120"/>
                     <a:ea typeface="標楷體" panose="03000509000000000000" pitchFamily="65" charset="-120"/>
                   </a:rPr>
-                  <a:t>我們將</a:t>
+                  <a:t>接下來我們將</a:t>
                 </a:r>
                 <a:r>
                   <a:rPr lang="en-US" altLang="zh-TW" dirty="0">
@@ -4084,13 +4064,13 @@
             <a:lstStyle/>
             <a:p>
               <a:r>
-                <a:rPr lang="zh-TW" altLang="en-US" dirty="0" smtClean="0">
+                <a:rPr lang="zh-TW" altLang="en-US" dirty="0">
                   <a:latin typeface="標楷體" panose="03000509000000000000" pitchFamily="65" charset="-120"/>
                   <a:ea typeface="標楷體" panose="03000509000000000000" pitchFamily="65" charset="-120"/>
                 </a:rPr>
                 <a:t>國立虎尾科技大學</a:t>
               </a:r>
-              <a:endParaRPr lang="en-US" altLang="zh-TW" dirty="0" smtClean="0">
+              <a:endParaRPr lang="en-US" altLang="zh-TW" dirty="0">
                 <a:latin typeface="標楷體" panose="03000509000000000000" pitchFamily="65" charset="-120"/>
                 <a:ea typeface="標楷體" panose="03000509000000000000" pitchFamily="65" charset="-120"/>
               </a:endParaRPr>
@@ -4101,19 +4081,8 @@
                   <a:latin typeface="標楷體" panose="03000509000000000000" pitchFamily="65" charset="-120"/>
                   <a:ea typeface="標楷體" panose="03000509000000000000" pitchFamily="65" charset="-120"/>
                 </a:rPr>
-                <a:t>機械設計工程</a:t>
+                <a:t>機械設計工程系暨精密機械工程科</a:t>
               </a:r>
-              <a:r>
-                <a:rPr lang="zh-TW" altLang="en-US" dirty="0" smtClean="0">
-                  <a:latin typeface="標楷體" panose="03000509000000000000" pitchFamily="65" charset="-120"/>
-                  <a:ea typeface="標楷體" panose="03000509000000000000" pitchFamily="65" charset="-120"/>
-                </a:rPr>
-                <a:t>系暨精密機械工程科</a:t>
-              </a:r>
-              <a:endParaRPr lang="zh-TW" altLang="en-US" dirty="0">
-                <a:latin typeface="標楷體" panose="03000509000000000000" pitchFamily="65" charset="-120"/>
-                <a:ea typeface="標楷體" panose="03000509000000000000" pitchFamily="65" charset="-120"/>
-              </a:endParaRPr>
             </a:p>
           </p:txBody>
         </p:sp>
@@ -4128,13 +4097,6 @@
   <p:clrMapOvr>
     <a:masterClrMapping/>
   </p:clrMapOvr>
-  <p:timing>
-    <p:tnLst>
-      <p:par>
-        <p:cTn id="1" dur="indefinite" restart="never" nodeType="tmRoot"/>
-      </p:par>
-    </p:tnLst>
-  </p:timing>
 </p:sld>
 </file>
 
@@ -4177,7 +4139,7 @@
           <a:lstStyle/>
           <a:p>
             <a:r>
-              <a:rPr lang="zh-TW" altLang="en-US" dirty="0">
+              <a:rPr lang="zh-TW" altLang="en-US" b="1" dirty="0">
                 <a:latin typeface="標楷體" panose="03000509000000000000" pitchFamily="65" charset="-120"/>
                 <a:ea typeface="標楷體" panose="03000509000000000000" pitchFamily="65" charset="-120"/>
               </a:rPr>
@@ -4236,17 +4198,10 @@
                 <a:latin typeface="標楷體" panose="03000509000000000000" pitchFamily="65" charset="-120"/>
                 <a:ea typeface="標楷體" panose="03000509000000000000" pitchFamily="65" charset="-120"/>
               </a:rPr>
-              <a:t>經過簡化整理後</a:t>
-            </a:r>
-            <a:r>
-              <a:rPr lang="zh-TW" altLang="en-US" dirty="0" smtClean="0">
-                <a:latin typeface="標楷體" panose="03000509000000000000" pitchFamily="65" charset="-120"/>
-                <a:ea typeface="標楷體" panose="03000509000000000000" pitchFamily="65" charset="-120"/>
-              </a:rPr>
-              <a:t>得到</a:t>
-            </a:r>
-            <a:r>
-              <a:rPr lang="en-US" altLang="zh-TW" dirty="0" smtClean="0">
+              <a:t>經過簡化整理後得到</a:t>
+            </a:r>
+            <a:r>
+              <a:rPr lang="en-US" altLang="zh-TW" dirty="0">
                 <a:latin typeface="標楷體" panose="03000509000000000000" pitchFamily="65" charset="-120"/>
                 <a:ea typeface="標楷體" panose="03000509000000000000" pitchFamily="65" charset="-120"/>
               </a:rPr>
@@ -4424,39 +4379,25 @@
           <a:lstStyle/>
           <a:p>
             <a:r>
-              <a:rPr lang="zh-TW" altLang="en-US" dirty="0" smtClean="0">
-                <a:latin typeface="標楷體" panose="03000509000000000000" pitchFamily="65" charset="-120"/>
-                <a:ea typeface="標楷體" panose="03000509000000000000" pitchFamily="65" charset="-120"/>
-              </a:rPr>
-              <a:t>圖</a:t>
-            </a:r>
-            <a:r>
-              <a:rPr lang="en-US" altLang="zh-TW" dirty="0" smtClean="0">
-                <a:latin typeface="標楷體" panose="03000509000000000000" pitchFamily="65" charset="-120"/>
-                <a:ea typeface="標楷體" panose="03000509000000000000" pitchFamily="65" charset="-120"/>
-              </a:rPr>
-              <a:t>6.2</a:t>
-            </a:r>
-            <a:r>
-              <a:rPr lang="zh-TW" altLang="en-US" dirty="0" smtClean="0">
-                <a:latin typeface="標楷體" panose="03000509000000000000" pitchFamily="65" charset="-120"/>
-                <a:ea typeface="標楷體" panose="03000509000000000000" pitchFamily="65" charset="-120"/>
-              </a:rPr>
-              <a:t>：馬達</a:t>
-            </a:r>
-            <a:r>
               <a:rPr lang="zh-TW" altLang="en-US" dirty="0">
                 <a:latin typeface="標楷體" panose="03000509000000000000" pitchFamily="65" charset="-120"/>
                 <a:ea typeface="標楷體" panose="03000509000000000000" pitchFamily="65" charset="-120"/>
               </a:rPr>
-              <a:t>轉角和平台角度的關係</a:t>
-            </a:r>
-            <a:r>
-              <a:rPr lang="zh-TW" altLang="en-US" dirty="0" smtClean="0">
+              <a:t>圖</a:t>
+            </a:r>
+            <a:r>
+              <a:rPr lang="en-US" altLang="zh-TW" dirty="0">
                 <a:latin typeface="標楷體" panose="03000509000000000000" pitchFamily="65" charset="-120"/>
                 <a:ea typeface="標楷體" panose="03000509000000000000" pitchFamily="65" charset="-120"/>
               </a:rPr>
-              <a:t>圖</a:t>
+              <a:t>6.2</a:t>
+            </a:r>
+            <a:r>
+              <a:rPr lang="zh-TW" altLang="en-US" dirty="0">
+                <a:latin typeface="標楷體" panose="03000509000000000000" pitchFamily="65" charset="-120"/>
+                <a:ea typeface="標楷體" panose="03000509000000000000" pitchFamily="65" charset="-120"/>
+              </a:rPr>
+              <a:t>：馬達轉角和平台角度的關係圖</a:t>
             </a:r>
             <a:endParaRPr lang="zh-TW" altLang="en-US" dirty="0"/>
           </a:p>
@@ -4529,13 +4470,13 @@
             <a:lstStyle/>
             <a:p>
               <a:r>
-                <a:rPr lang="zh-TW" altLang="en-US" dirty="0" smtClean="0">
+                <a:rPr lang="zh-TW" altLang="en-US" dirty="0">
                   <a:latin typeface="標楷體" panose="03000509000000000000" pitchFamily="65" charset="-120"/>
                   <a:ea typeface="標楷體" panose="03000509000000000000" pitchFamily="65" charset="-120"/>
                 </a:rPr>
                 <a:t>國立虎尾科技大學</a:t>
               </a:r>
-              <a:endParaRPr lang="en-US" altLang="zh-TW" dirty="0" smtClean="0">
+              <a:endParaRPr lang="en-US" altLang="zh-TW" dirty="0">
                 <a:latin typeface="標楷體" panose="03000509000000000000" pitchFamily="65" charset="-120"/>
                 <a:ea typeface="標楷體" panose="03000509000000000000" pitchFamily="65" charset="-120"/>
               </a:endParaRPr>
@@ -4546,19 +4487,8 @@
                   <a:latin typeface="標楷體" panose="03000509000000000000" pitchFamily="65" charset="-120"/>
                   <a:ea typeface="標楷體" panose="03000509000000000000" pitchFamily="65" charset="-120"/>
                 </a:rPr>
-                <a:t>機械設計工程</a:t>
+                <a:t>機械設計工程系暨精密機械工程科</a:t>
               </a:r>
-              <a:r>
-                <a:rPr lang="zh-TW" altLang="en-US" dirty="0" smtClean="0">
-                  <a:latin typeface="標楷體" panose="03000509000000000000" pitchFamily="65" charset="-120"/>
-                  <a:ea typeface="標楷體" panose="03000509000000000000" pitchFamily="65" charset="-120"/>
-                </a:rPr>
-                <a:t>系暨精密機械工程科</a:t>
-              </a:r>
-              <a:endParaRPr lang="zh-TW" altLang="en-US" dirty="0">
-                <a:latin typeface="標楷體" panose="03000509000000000000" pitchFamily="65" charset="-120"/>
-                <a:ea typeface="標楷體" panose="03000509000000000000" pitchFamily="65" charset="-120"/>
-              </a:endParaRPr>
             </a:p>
           </p:txBody>
         </p:sp>
@@ -4615,7 +4545,7 @@
           <a:lstStyle/>
           <a:p>
             <a:r>
-              <a:rPr lang="zh-TW" altLang="en-US" dirty="0">
+              <a:rPr lang="zh-TW" altLang="en-US" b="1" dirty="0">
                 <a:latin typeface="標楷體" panose="03000509000000000000" pitchFamily="65" charset="-120"/>
                 <a:ea typeface="標楷體" panose="03000509000000000000" pitchFamily="65" charset="-120"/>
               </a:rPr>
@@ -4687,25 +4617,11 @@
                   </m:oMath>
                 </a14:m>
                 <a:r>
-                  <a:rPr lang="zh-TW" altLang="en-US" dirty="0" smtClean="0">
-                    <a:latin typeface="標楷體" panose="03000509000000000000" pitchFamily="65" charset="-120"/>
-                    <a:ea typeface="標楷體" panose="03000509000000000000" pitchFamily="65" charset="-120"/>
-                  </a:rPr>
-                  <a:t>是</a:t>
-                </a:r>
-                <a:r>
                   <a:rPr lang="zh-TW" altLang="en-US" dirty="0">
                     <a:latin typeface="標楷體" panose="03000509000000000000" pitchFamily="65" charset="-120"/>
                     <a:ea typeface="標楷體" panose="03000509000000000000" pitchFamily="65" charset="-120"/>
                   </a:rPr>
-                  <a:t>球的質量慣性矩</a:t>
-                </a:r>
-                <a:r>
-                  <a:rPr lang="zh-TW" altLang="en-US" dirty="0" smtClean="0">
-                    <a:latin typeface="標楷體" panose="03000509000000000000" pitchFamily="65" charset="-120"/>
-                    <a:ea typeface="標楷體" panose="03000509000000000000" pitchFamily="65" charset="-120"/>
-                  </a:rPr>
-                  <a:t>，</a:t>
+                  <a:t>是球的質量慣性矩，</a:t>
                 </a:r>
                 <a14:m>
                   <m:oMath xmlns:m="http://schemas.openxmlformats.org/officeDocument/2006/math">
@@ -4737,32 +4653,18 @@
                   </m:oMath>
                 </a14:m>
                 <a:r>
-                  <a:rPr lang="zh-TW" altLang="en-US" dirty="0" smtClean="0">
-                    <a:latin typeface="標楷體" panose="03000509000000000000" pitchFamily="65" charset="-120"/>
-                    <a:ea typeface="標楷體" panose="03000509000000000000" pitchFamily="65" charset="-120"/>
-                  </a:rPr>
-                  <a:t>是</a:t>
-                </a:r>
-                <a:r>
                   <a:rPr lang="zh-TW" altLang="en-US" dirty="0">
                     <a:latin typeface="標楷體" panose="03000509000000000000" pitchFamily="65" charset="-120"/>
                     <a:ea typeface="標楷體" panose="03000509000000000000" pitchFamily="65" charset="-120"/>
                   </a:rPr>
-                  <a:t>球相對於其初始位置在平台中心的</a:t>
-                </a:r>
-                <a:r>
-                  <a:rPr lang="zh-TW" altLang="en-US" dirty="0" smtClean="0">
-                    <a:latin typeface="標楷體" panose="03000509000000000000" pitchFamily="65" charset="-120"/>
-                    <a:ea typeface="標楷體" panose="03000509000000000000" pitchFamily="65" charset="-120"/>
-                  </a:rPr>
-                  <a:t>角度，</a:t>
+                  <a:t>是球相對於其初始位置在平台中心的角度，</a:t>
                 </a:r>
                 <a:r>
                   <a:rPr lang="en-US" altLang="zh-TW" dirty="0"/>
                   <a:t> </a:t>
                 </a:r>
                 <a:r>
-                  <a:rPr lang="en-US" altLang="zh-TW" dirty="0" smtClean="0">
+                  <a:rPr lang="en-US" altLang="zh-TW" dirty="0">
                     <a:latin typeface="標楷體" panose="03000509000000000000" pitchFamily="65" charset="-120"/>
                     <a:ea typeface="標楷體" panose="03000509000000000000" pitchFamily="65" charset="-120"/>
                   </a:rPr>
@@ -4773,14 +4675,7 @@
                     <a:latin typeface="標楷體" panose="03000509000000000000" pitchFamily="65" charset="-120"/>
                     <a:ea typeface="標楷體" panose="03000509000000000000" pitchFamily="65" charset="-120"/>
                   </a:rPr>
-                  <a:t>是球的半徑</a:t>
-                </a:r>
-                <a:r>
-                  <a:rPr lang="zh-TW" altLang="en-US" dirty="0" smtClean="0">
-                    <a:latin typeface="標楷體" panose="03000509000000000000" pitchFamily="65" charset="-120"/>
-                    <a:ea typeface="標楷體" panose="03000509000000000000" pitchFamily="65" charset="-120"/>
-                  </a:rPr>
-                  <a:t>，</a:t>
+                  <a:t>是球的半徑，</a:t>
                 </a:r>
                 <a14:m>
                   <m:oMath xmlns:m="http://schemas.openxmlformats.org/officeDocument/2006/math">
@@ -4812,42 +4707,14 @@
                   </m:oMath>
                 </a14:m>
                 <a:r>
-                  <a:rPr lang="zh-TW" altLang="en-US" dirty="0" smtClean="0">
-                    <a:latin typeface="標楷體" panose="03000509000000000000" pitchFamily="65" charset="-120"/>
-                    <a:ea typeface="標楷體" panose="03000509000000000000" pitchFamily="65" charset="-120"/>
-                  </a:rPr>
-                  <a:t>是</a:t>
-                </a:r>
-                <a:r>
                   <a:rPr lang="zh-TW" altLang="en-US" dirty="0">
                     <a:latin typeface="標楷體" panose="03000509000000000000" pitchFamily="65" charset="-120"/>
                     <a:ea typeface="標楷體" panose="03000509000000000000" pitchFamily="65" charset="-120"/>
                   </a:rPr>
-                  <a:t>來自平台對球的作用力，我們假設求在平台</a:t>
+                  <a:t>是來自平台對球的作用力，我們假設求在平台上並無滑動所以我們可以根據位置定義相對角度</a:t>
                 </a:r>
                 <a:r>
-                  <a:rPr lang="zh-TW" altLang="en-US" dirty="0" smtClean="0">
-                    <a:latin typeface="標楷體" panose="03000509000000000000" pitchFamily="65" charset="-120"/>
-                    <a:ea typeface="標楷體" panose="03000509000000000000" pitchFamily="65" charset="-120"/>
-                  </a:rPr>
-                  <a:t>上並</a:t>
-                </a:r>
-                <a:r>
-                  <a:rPr lang="zh-TW" altLang="en-US" dirty="0">
-                    <a:latin typeface="標楷體" panose="03000509000000000000" pitchFamily="65" charset="-120"/>
-                    <a:ea typeface="標楷體" panose="03000509000000000000" pitchFamily="65" charset="-120"/>
-                  </a:rPr>
-                  <a:t>無滑動所以我們可以根據位置定義相對</a:t>
-                </a:r>
-                <a:r>
-                  <a:rPr lang="zh-TW" altLang="en-US" dirty="0" smtClean="0">
-                    <a:latin typeface="標楷體" panose="03000509000000000000" pitchFamily="65" charset="-120"/>
-                    <a:ea typeface="標楷體" panose="03000509000000000000" pitchFamily="65" charset="-120"/>
-                  </a:rPr>
-                  <a:t>角度</a:t>
-                </a:r>
-                <a:r>
-                  <a:rPr lang="en-US" altLang="zh-TW" dirty="0" smtClean="0">
+                  <a:rPr lang="en-US" altLang="zh-TW" dirty="0">
                     <a:latin typeface="標楷體" panose="03000509000000000000" pitchFamily="65" charset="-120"/>
                     <a:ea typeface="標楷體" panose="03000509000000000000" pitchFamily="65" charset="-120"/>
                   </a:rPr>
@@ -4947,7 +4814,7 @@
                   <a:t>6.4</a:t>
                 </a:r>
                 <a:r>
-                  <a:rPr lang="zh-TW" altLang="en-US" sz="2800" dirty="0" smtClean="0">
+                  <a:rPr lang="zh-TW" altLang="en-US" sz="2800" dirty="0">
                     <a:latin typeface="標楷體" panose="03000509000000000000" pitchFamily="65" charset="-120"/>
                     <a:ea typeface="標楷體" panose="03000509000000000000" pitchFamily="65" charset="-120"/>
                   </a:rPr>
@@ -4989,18 +4856,11 @@
                   </m:oMath>
                 </a14:m>
                 <a:r>
-                  <a:rPr lang="zh-TW" altLang="en-US" sz="2800" dirty="0" smtClean="0">
-                    <a:latin typeface="標楷體" panose="03000509000000000000" pitchFamily="65" charset="-120"/>
-                    <a:ea typeface="標楷體" panose="03000509000000000000" pitchFamily="65" charset="-120"/>
-                  </a:rPr>
-                  <a:t>，</a:t>
-                </a:r>
-                <a:r>
                   <a:rPr lang="zh-TW" altLang="en-US" sz="2800" dirty="0">
                     <a:latin typeface="標楷體" panose="03000509000000000000" pitchFamily="65" charset="-120"/>
                     <a:ea typeface="標楷體" panose="03000509000000000000" pitchFamily="65" charset="-120"/>
                   </a:rPr>
-                  <a:t>我們將</a:t>
+                  <a:t>，我們將</a:t>
                 </a:r>
                 <a:r>
                   <a:rPr lang="en-US" altLang="zh-TW" sz="2800" dirty="0">
@@ -5221,7 +5081,7 @@
                   </m:oMath>
                 </a14:m>
                 <a:r>
-                  <a:rPr lang="en-US" altLang="zh-TW" sz="2000" dirty="0" smtClean="0">
+                  <a:rPr lang="en-US" altLang="zh-TW" sz="2000" dirty="0">
                     <a:latin typeface="標楷體" panose="03000509000000000000" pitchFamily="65" charset="-120"/>
                     <a:ea typeface="標楷體" panose="03000509000000000000" pitchFamily="65" charset="-120"/>
                   </a:rPr>
@@ -5378,7 +5238,7 @@
                   </m:oMath>
                 </a14:m>
                 <a:r>
-                  <a:rPr lang="en-US" altLang="zh-TW" sz="2000" dirty="0" smtClean="0">
+                  <a:rPr lang="en-US" altLang="zh-TW" sz="2000" dirty="0">
                     <a:latin typeface="標楷體" panose="03000509000000000000" pitchFamily="65" charset="-120"/>
                     <a:ea typeface="標楷體" panose="03000509000000000000" pitchFamily="65" charset="-120"/>
                   </a:rPr>
@@ -5591,7 +5451,7 @@
                   </m:oMath>
                 </a14:m>
                 <a:r>
-                  <a:rPr lang="en-US" altLang="zh-TW" sz="2000" dirty="0" smtClean="0">
+                  <a:rPr lang="en-US" altLang="zh-TW" sz="2000" dirty="0">
                     <a:latin typeface="標楷體" panose="03000509000000000000" pitchFamily="65" charset="-120"/>
                     <a:ea typeface="標楷體" panose="03000509000000000000" pitchFamily="65" charset="-120"/>
                   </a:rPr>
@@ -5711,13 +5571,13 @@
             <a:lstStyle/>
             <a:p>
               <a:r>
-                <a:rPr lang="zh-TW" altLang="en-US" dirty="0" smtClean="0">
+                <a:rPr lang="zh-TW" altLang="en-US" dirty="0">
                   <a:latin typeface="標楷體" panose="03000509000000000000" pitchFamily="65" charset="-120"/>
                   <a:ea typeface="標楷體" panose="03000509000000000000" pitchFamily="65" charset="-120"/>
                 </a:rPr>
                 <a:t>國立虎尾科技大學</a:t>
               </a:r>
-              <a:endParaRPr lang="en-US" altLang="zh-TW" dirty="0" smtClean="0">
+              <a:endParaRPr lang="en-US" altLang="zh-TW" dirty="0">
                 <a:latin typeface="標楷體" panose="03000509000000000000" pitchFamily="65" charset="-120"/>
                 <a:ea typeface="標楷體" panose="03000509000000000000" pitchFamily="65" charset="-120"/>
               </a:endParaRPr>
@@ -5728,19 +5588,8 @@
                   <a:latin typeface="標楷體" panose="03000509000000000000" pitchFamily="65" charset="-120"/>
                   <a:ea typeface="標楷體" panose="03000509000000000000" pitchFamily="65" charset="-120"/>
                 </a:rPr>
-                <a:t>機械設計工程</a:t>
+                <a:t>機械設計工程系暨精密機械工程科</a:t>
               </a:r>
-              <a:r>
-                <a:rPr lang="zh-TW" altLang="en-US" dirty="0" smtClean="0">
-                  <a:latin typeface="標楷體" panose="03000509000000000000" pitchFamily="65" charset="-120"/>
-                  <a:ea typeface="標楷體" panose="03000509000000000000" pitchFamily="65" charset="-120"/>
-                </a:rPr>
-                <a:t>系暨精密機械工程科</a:t>
-              </a:r>
-              <a:endParaRPr lang="zh-TW" altLang="en-US" dirty="0">
-                <a:latin typeface="標楷體" panose="03000509000000000000" pitchFamily="65" charset="-120"/>
-                <a:ea typeface="標楷體" panose="03000509000000000000" pitchFamily="65" charset="-120"/>
-              </a:endParaRPr>
             </a:p>
           </p:txBody>
         </p:sp>
@@ -5797,7 +5646,7 @@
           <a:lstStyle/>
           <a:p>
             <a:r>
-              <a:rPr lang="zh-TW" altLang="en-US" dirty="0">
+              <a:rPr lang="zh-TW" altLang="en-US" b="1" dirty="0">
                 <a:latin typeface="標楷體" panose="03000509000000000000" pitchFamily="65" charset="-120"/>
                 <a:ea typeface="標楷體" panose="03000509000000000000" pitchFamily="65" charset="-120"/>
               </a:rPr>
@@ -5838,18 +5687,11 @@
               <a:buNone/>
             </a:pPr>
             <a:r>
-              <a:rPr lang="zh-TW" altLang="en-US" dirty="0" smtClean="0">
-                <a:latin typeface="標楷體" panose="03000509000000000000" pitchFamily="65" charset="-120"/>
-                <a:ea typeface="標楷體" panose="03000509000000000000" pitchFamily="65" charset="-120"/>
-              </a:rPr>
-              <a:t>球</a:t>
-            </a:r>
-            <a:r>
               <a:rPr lang="zh-TW" altLang="en-US" dirty="0">
                 <a:latin typeface="標楷體" panose="03000509000000000000" pitchFamily="65" charset="-120"/>
                 <a:ea typeface="標楷體" panose="03000509000000000000" pitchFamily="65" charset="-120"/>
               </a:rPr>
-              <a:t>在平台上受到的力和平台對球施加的力之間的平衡，由</a:t>
+              <a:t>球在平台上受到的力和平台對球施加的力之間的平衡，由</a:t>
             </a:r>
             <a:r>
               <a:rPr lang="en-US" altLang="zh-TW" dirty="0">
@@ -5863,21 +5705,7 @@
                 <a:latin typeface="標楷體" panose="03000509000000000000" pitchFamily="65" charset="-120"/>
                 <a:ea typeface="標楷體" panose="03000509000000000000" pitchFamily="65" charset="-120"/>
               </a:rPr>
-              <a:t>式</a:t>
-            </a:r>
-            <a:r>
-              <a:rPr lang="zh-TW" altLang="en-US" dirty="0" smtClean="0">
-                <a:latin typeface="標楷體" panose="03000509000000000000" pitchFamily="65" charset="-120"/>
-                <a:ea typeface="標楷體" panose="03000509000000000000" pitchFamily="65" charset="-120"/>
-              </a:rPr>
-              <a:t>中的加速度</a:t>
-            </a:r>
-            <a:r>
-              <a:rPr lang="zh-TW" altLang="en-US" dirty="0">
-                <a:latin typeface="標楷體" panose="03000509000000000000" pitchFamily="65" charset="-120"/>
-                <a:ea typeface="標楷體" panose="03000509000000000000" pitchFamily="65" charset="-120"/>
-              </a:rPr>
-              <a:t>和</a:t>
+              <a:t>式中的加速度和</a:t>
             </a:r>
             <a:r>
               <a:rPr lang="en-US" altLang="zh-TW" dirty="0">
@@ -5919,18 +5747,11 @@
           <a:lstStyle/>
           <a:p>
             <a:r>
-              <a:rPr lang="zh-TW" altLang="en-US" sz="2800" dirty="0" smtClean="0">
-                <a:latin typeface="標楷體" panose="03000509000000000000" pitchFamily="65" charset="-120"/>
-                <a:ea typeface="標楷體" panose="03000509000000000000" pitchFamily="65" charset="-120"/>
-              </a:rPr>
-              <a:t>為了</a:t>
-            </a:r>
-            <a:r>
               <a:rPr lang="zh-TW" altLang="en-US" sz="2800" dirty="0">
                 <a:latin typeface="標楷體" panose="03000509000000000000" pitchFamily="65" charset="-120"/>
                 <a:ea typeface="標楷體" panose="03000509000000000000" pitchFamily="65" charset="-120"/>
               </a:rPr>
-              <a:t>做拉式轉換我們稍微整理方程式。</a:t>
+              <a:t>為了做拉式轉換我們稍微整理方程式。</a:t>
             </a:r>
           </a:p>
         </p:txBody>
@@ -6006,7 +5827,7 @@
           <a:lstStyle/>
           <a:p>
             <a:r>
-              <a:rPr lang="en-US" altLang="zh-TW" sz="2000" dirty="0" smtClean="0">
+              <a:rPr lang="en-US" altLang="zh-TW" sz="2000" dirty="0">
                 <a:latin typeface="標楷體" panose="03000509000000000000" pitchFamily="65" charset="-120"/>
                 <a:ea typeface="標楷體" panose="03000509000000000000" pitchFamily="65" charset="-120"/>
               </a:rPr>
@@ -6086,13 +5907,13 @@
             <a:lstStyle/>
             <a:p>
               <a:r>
-                <a:rPr lang="zh-TW" altLang="en-US" dirty="0" smtClean="0">
+                <a:rPr lang="zh-TW" altLang="en-US" dirty="0">
                   <a:latin typeface="標楷體" panose="03000509000000000000" pitchFamily="65" charset="-120"/>
                   <a:ea typeface="標楷體" panose="03000509000000000000" pitchFamily="65" charset="-120"/>
                 </a:rPr>
                 <a:t>國立虎尾科技大學</a:t>
               </a:r>
-              <a:endParaRPr lang="en-US" altLang="zh-TW" dirty="0" smtClean="0">
+              <a:endParaRPr lang="en-US" altLang="zh-TW" dirty="0">
                 <a:latin typeface="標楷體" panose="03000509000000000000" pitchFamily="65" charset="-120"/>
                 <a:ea typeface="標楷體" panose="03000509000000000000" pitchFamily="65" charset="-120"/>
               </a:endParaRPr>
@@ -6103,19 +5924,8 @@
                   <a:latin typeface="標楷體" panose="03000509000000000000" pitchFamily="65" charset="-120"/>
                   <a:ea typeface="標楷體" panose="03000509000000000000" pitchFamily="65" charset="-120"/>
                 </a:rPr>
-                <a:t>機械設計工程</a:t>
+                <a:t>機械設計工程系暨精密機械工程科</a:t>
               </a:r>
-              <a:r>
-                <a:rPr lang="zh-TW" altLang="en-US" dirty="0" smtClean="0">
-                  <a:latin typeface="標楷體" panose="03000509000000000000" pitchFamily="65" charset="-120"/>
-                  <a:ea typeface="標楷體" panose="03000509000000000000" pitchFamily="65" charset="-120"/>
-                </a:rPr>
-                <a:t>系暨精密機械工程科</a:t>
-              </a:r>
-              <a:endParaRPr lang="zh-TW" altLang="en-US" dirty="0">
-                <a:latin typeface="標楷體" panose="03000509000000000000" pitchFamily="65" charset="-120"/>
-                <a:ea typeface="標楷體" panose="03000509000000000000" pitchFamily="65" charset="-120"/>
-              </a:endParaRPr>
             </a:p>
           </p:txBody>
         </p:sp>
@@ -6172,7 +5982,7 @@
           <a:lstStyle/>
           <a:p>
             <a:r>
-              <a:rPr lang="zh-TW" altLang="en-US" dirty="0">
+              <a:rPr lang="zh-TW" altLang="en-US" b="1" dirty="0">
                 <a:latin typeface="標楷體" panose="03000509000000000000" pitchFamily="65" charset="-120"/>
                 <a:ea typeface="標楷體" panose="03000509000000000000" pitchFamily="65" charset="-120"/>
               </a:rPr>
@@ -6215,7 +6025,7 @@
                   <a:buNone/>
                 </a:pPr>
                 <a:r>
-                  <a:rPr lang="zh-TW" altLang="en-US" dirty="0" smtClean="0">
+                  <a:rPr lang="zh-TW" altLang="en-US" dirty="0">
                     <a:latin typeface="標楷體" panose="03000509000000000000" pitchFamily="65" charset="-120"/>
                     <a:ea typeface="標楷體" panose="03000509000000000000" pitchFamily="65" charset="-120"/>
                   </a:rPr>
@@ -6251,18 +6061,11 @@
                   </m:oMath>
                 </a14:m>
                 <a:r>
-                  <a:rPr lang="zh-TW" altLang="en-US" dirty="0" smtClean="0">
-                    <a:latin typeface="標楷體" panose="03000509000000000000" pitchFamily="65" charset="-120"/>
-                    <a:ea typeface="標楷體" panose="03000509000000000000" pitchFamily="65" charset="-120"/>
-                  </a:rPr>
-                  <a:t>出現</a:t>
-                </a:r>
-                <a:r>
                   <a:rPr lang="zh-TW" altLang="en-US" dirty="0">
                     <a:latin typeface="標楷體" panose="03000509000000000000" pitchFamily="65" charset="-120"/>
                     <a:ea typeface="標楷體" panose="03000509000000000000" pitchFamily="65" charset="-120"/>
                   </a:rPr>
-                  <a:t>小變動時線性化可得</a:t>
+                  <a:t>出現小變動時線性化可得</a:t>
                 </a:r>
                 <a:r>
                   <a:rPr lang="en-US" altLang="zh-TW" dirty="0">
@@ -6276,14 +6079,7 @@
                     <a:latin typeface="標楷體" panose="03000509000000000000" pitchFamily="65" charset="-120"/>
                     <a:ea typeface="標楷體" panose="03000509000000000000" pitchFamily="65" charset="-120"/>
                   </a:rPr>
-                  <a:t>式。接下來當我們</a:t>
-                </a:r>
-                <a:r>
-                  <a:rPr lang="zh-TW" altLang="en-US" dirty="0" smtClean="0">
-                    <a:latin typeface="標楷體" panose="03000509000000000000" pitchFamily="65" charset="-120"/>
-                    <a:ea typeface="標楷體" panose="03000509000000000000" pitchFamily="65" charset="-120"/>
-                  </a:rPr>
-                  <a:t>將</a:t>
+                  <a:t>式。接下來當我們將</a:t>
                 </a:r>
                 <a14:m>
                   <m:oMath xmlns:m="http://schemas.openxmlformats.org/officeDocument/2006/math">
@@ -6315,53 +6111,25 @@
                   </m:oMath>
                 </a14:m>
                 <a:r>
-                  <a:rPr lang="zh-TW" altLang="en-US" dirty="0" smtClean="0">
+                  <a:rPr lang="zh-TW" altLang="en-US" dirty="0">
                     <a:latin typeface="標楷體" panose="03000509000000000000" pitchFamily="65" charset="-120"/>
                     <a:ea typeface="標楷體" panose="03000509000000000000" pitchFamily="65" charset="-120"/>
                   </a:rPr>
-                  <a:t>也就是球體</a:t>
+                  <a:t>也就是球體的質量慣性矩代入我們可以得到</a:t>
+                </a:r>
+                <a:r>
+                  <a:rPr lang="en-US" altLang="zh-TW" dirty="0">
+                    <a:latin typeface="標楷體" panose="03000509000000000000" pitchFamily="65" charset="-120"/>
+                    <a:ea typeface="標楷體" panose="03000509000000000000" pitchFamily="65" charset="-120"/>
+                  </a:rPr>
+                  <a:t>6.10</a:t>
                 </a:r>
                 <a:r>
                   <a:rPr lang="zh-TW" altLang="en-US" dirty="0">
                     <a:latin typeface="標楷體" panose="03000509000000000000" pitchFamily="65" charset="-120"/>
                     <a:ea typeface="標楷體" panose="03000509000000000000" pitchFamily="65" charset="-120"/>
                   </a:rPr>
-                  <a:t>的質量慣性矩代入我們可以得到</a:t>
-                </a:r>
-                <a:r>
-                  <a:rPr lang="en-US" altLang="zh-TW" dirty="0" smtClean="0">
-                    <a:latin typeface="標楷體" panose="03000509000000000000" pitchFamily="65" charset="-120"/>
-                    <a:ea typeface="標楷體" panose="03000509000000000000" pitchFamily="65" charset="-120"/>
-                  </a:rPr>
-                  <a:t>6.10</a:t>
-                </a:r>
-                <a:r>
-                  <a:rPr lang="zh-TW" altLang="en-US" dirty="0" smtClean="0">
-                    <a:latin typeface="標楷體" panose="03000509000000000000" pitchFamily="65" charset="-120"/>
-                    <a:ea typeface="標楷體" panose="03000509000000000000" pitchFamily="65" charset="-120"/>
-                  </a:rPr>
-                  <a:t>式，</a:t>
-                </a:r>
-                <a:r>
-                  <a:rPr lang="zh-TW" altLang="en-US" dirty="0">
-                    <a:latin typeface="標楷體" panose="03000509000000000000" pitchFamily="65" charset="-120"/>
-                    <a:ea typeface="標楷體" panose="03000509000000000000" pitchFamily="65" charset="-120"/>
-                  </a:rPr>
-                  <a:t>我們可以觀察到該系統的</a:t>
-                </a:r>
-                <a:r>
-                  <a:rPr lang="zh-TW" altLang="en-US" dirty="0" smtClean="0">
-                    <a:latin typeface="標楷體" panose="03000509000000000000" pitchFamily="65" charset="-120"/>
-                    <a:ea typeface="標楷體" panose="03000509000000000000" pitchFamily="65" charset="-120"/>
-                  </a:rPr>
-                  <a:t>運動方程式</a:t>
-                </a:r>
-                <a:r>
-                  <a:rPr lang="zh-TW" altLang="en-US" dirty="0">
-                    <a:latin typeface="標楷體" panose="03000509000000000000" pitchFamily="65" charset="-120"/>
-                    <a:ea typeface="標楷體" panose="03000509000000000000" pitchFamily="65" charset="-120"/>
-                  </a:rPr>
-                  <a:t>和該球體的半徑和質量無關。</a:t>
+                  <a:t>式，我們可以觀察到該系統的運動方程式和該球體的半徑和質量無關。</a:t>
                 </a:r>
               </a:p>
             </p:txBody>
@@ -6434,18 +6202,11 @@
           <a:lstStyle/>
           <a:p>
             <a:r>
-              <a:rPr lang="zh-TW" altLang="en-US" sz="2400" dirty="0" smtClean="0">
-                <a:latin typeface="標楷體" panose="03000509000000000000" pitchFamily="65" charset="-120"/>
-                <a:ea typeface="標楷體" panose="03000509000000000000" pitchFamily="65" charset="-120"/>
-              </a:rPr>
-              <a:t>最後</a:t>
-            </a:r>
-            <a:r>
               <a:rPr lang="zh-TW" altLang="en-US" sz="2400" dirty="0">
                 <a:latin typeface="標楷體" panose="03000509000000000000" pitchFamily="65" charset="-120"/>
                 <a:ea typeface="標楷體" panose="03000509000000000000" pitchFamily="65" charset="-120"/>
               </a:rPr>
-              <a:t>我們對</a:t>
+              <a:t>最後我們對</a:t>
             </a:r>
             <a:r>
               <a:rPr lang="en-US" altLang="zh-TW" sz="2400" dirty="0">
@@ -6597,7 +6358,7 @@
                   </m:oMath>
                 </a14:m>
                 <a:r>
-                  <a:rPr lang="en-US" altLang="zh-TW" sz="2000" dirty="0" smtClean="0">
+                  <a:rPr lang="en-US" altLang="zh-TW" sz="2000" dirty="0">
                     <a:latin typeface="標楷體" panose="03000509000000000000" pitchFamily="65" charset="-120"/>
                     <a:ea typeface="標楷體" panose="03000509000000000000" pitchFamily="65" charset="-120"/>
                   </a:rPr>
@@ -6759,7 +6520,7 @@
                   </m:oMath>
                 </a14:m>
                 <a:r>
-                  <a:rPr lang="en-US" altLang="zh-TW" sz="2000" dirty="0" smtClean="0">
+                  <a:rPr lang="en-US" altLang="zh-TW" sz="2000" dirty="0">
                     <a:latin typeface="標楷體" panose="03000509000000000000" pitchFamily="65" charset="-120"/>
                     <a:ea typeface="標楷體" panose="03000509000000000000" pitchFamily="65" charset="-120"/>
                   </a:rPr>
@@ -6837,25 +6598,11 @@
               <a:lstStyle/>
               <a:p>
                 <a:r>
-                  <a:rPr lang="zh-TW" altLang="en-US" sz="2400" dirty="0" smtClean="0">
-                    <a:latin typeface="標楷體" panose="03000509000000000000" pitchFamily="65" charset="-120"/>
-                    <a:ea typeface="標楷體" panose="03000509000000000000" pitchFamily="65" charset="-120"/>
-                  </a:rPr>
-                  <a:t>接下來</a:t>
-                </a:r>
-                <a:r>
                   <a:rPr lang="zh-TW" altLang="en-US" sz="2400" dirty="0">
                     <a:latin typeface="標楷體" panose="03000509000000000000" pitchFamily="65" charset="-120"/>
                     <a:ea typeface="標楷體" panose="03000509000000000000" pitchFamily="65" charset="-120"/>
                   </a:rPr>
-                  <a:t>我們</a:t>
-                </a:r>
-                <a:r>
-                  <a:rPr lang="zh-TW" altLang="en-US" sz="2400" dirty="0" smtClean="0">
-                    <a:latin typeface="標楷體" panose="03000509000000000000" pitchFamily="65" charset="-120"/>
-                    <a:ea typeface="標楷體" panose="03000509000000000000" pitchFamily="65" charset="-120"/>
-                  </a:rPr>
-                  <a:t>在</a:t>
+                  <a:t>接下來我們在</a:t>
                 </a:r>
                 <a14:m>
                   <m:oMath xmlns:m="http://schemas.openxmlformats.org/officeDocument/2006/math">
@@ -6893,14 +6640,14 @@
                   </m:oMath>
                 </a14:m>
                 <a:r>
-                  <a:rPr lang="en-US" altLang="zh-TW" sz="2400" dirty="0" smtClean="0">
+                  <a:rPr lang="en-US" altLang="zh-TW" sz="2400" dirty="0">
                     <a:latin typeface="標楷體" panose="03000509000000000000" pitchFamily="65" charset="-120"/>
                     <a:ea typeface="標楷體" panose="03000509000000000000" pitchFamily="65" charset="-120"/>
                   </a:rPr>
                   <a:t>,</a:t>
                 </a:r>
                 <a:r>
-                  <a:rPr lang="zh-TW" altLang="en-US" sz="2400" dirty="0" smtClean="0"/>
+                  <a:rPr lang="zh-TW" altLang="en-US" sz="2400" dirty="0"/>
                   <a:t> </a:t>
                 </a:r>
                 <a14:m>
@@ -6939,7 +6686,7 @@
                   </m:oMath>
                 </a14:m>
                 <a:r>
-                  <a:rPr lang="zh-TW" altLang="en-US" sz="2400" dirty="0" smtClean="0">
+                  <a:rPr lang="zh-TW" altLang="en-US" sz="2400" dirty="0">
                     <a:latin typeface="標楷體" panose="03000509000000000000" pitchFamily="65" charset="-120"/>
                     <a:ea typeface="標楷體" panose="03000509000000000000" pitchFamily="65" charset="-120"/>
                   </a:rPr>
@@ -7049,7 +6796,7 @@
           <a:lstStyle/>
           <a:p>
             <a:r>
-              <a:rPr lang="en-US" altLang="zh-TW" sz="2000" dirty="0" smtClean="0">
+              <a:rPr lang="en-US" altLang="zh-TW" sz="2000" dirty="0">
                 <a:latin typeface="標楷體" panose="03000509000000000000" pitchFamily="65" charset="-120"/>
                 <a:ea typeface="標楷體" panose="03000509000000000000" pitchFamily="65" charset="-120"/>
               </a:rPr>
@@ -7129,13 +6876,13 @@
             <a:lstStyle/>
             <a:p>
               <a:r>
-                <a:rPr lang="zh-TW" altLang="en-US" dirty="0" smtClean="0">
+                <a:rPr lang="zh-TW" altLang="en-US" dirty="0">
                   <a:latin typeface="標楷體" panose="03000509000000000000" pitchFamily="65" charset="-120"/>
                   <a:ea typeface="標楷體" panose="03000509000000000000" pitchFamily="65" charset="-120"/>
                 </a:rPr>
                 <a:t>國立虎尾科技大學</a:t>
               </a:r>
-              <a:endParaRPr lang="en-US" altLang="zh-TW" dirty="0" smtClean="0">
+              <a:endParaRPr lang="en-US" altLang="zh-TW" dirty="0">
                 <a:latin typeface="標楷體" panose="03000509000000000000" pitchFamily="65" charset="-120"/>
                 <a:ea typeface="標楷體" panose="03000509000000000000" pitchFamily="65" charset="-120"/>
               </a:endParaRPr>
@@ -7146,19 +6893,8 @@
                   <a:latin typeface="標楷體" panose="03000509000000000000" pitchFamily="65" charset="-120"/>
                   <a:ea typeface="標楷體" panose="03000509000000000000" pitchFamily="65" charset="-120"/>
                 </a:rPr>
-                <a:t>機械設計工程</a:t>
+                <a:t>機械設計工程系暨精密機械工程科</a:t>
               </a:r>
-              <a:r>
-                <a:rPr lang="zh-TW" altLang="en-US" dirty="0" smtClean="0">
-                  <a:latin typeface="標楷體" panose="03000509000000000000" pitchFamily="65" charset="-120"/>
-                  <a:ea typeface="標楷體" panose="03000509000000000000" pitchFamily="65" charset="-120"/>
-                </a:rPr>
-                <a:t>系暨精密機械工程科</a:t>
-              </a:r>
-              <a:endParaRPr lang="zh-TW" altLang="en-US" dirty="0">
-                <a:latin typeface="標楷體" panose="03000509000000000000" pitchFamily="65" charset="-120"/>
-                <a:ea typeface="標楷體" panose="03000509000000000000" pitchFamily="65" charset="-120"/>
-              </a:endParaRPr>
             </a:p>
           </p:txBody>
         </p:sp>
@@ -7215,7 +6951,7 @@
           <a:lstStyle/>
           <a:p>
             <a:r>
-              <a:rPr lang="zh-TW" altLang="en-US" dirty="0">
+              <a:rPr lang="zh-TW" altLang="en-US" b="1" dirty="0">
                 <a:latin typeface="標楷體" panose="03000509000000000000" pitchFamily="65" charset="-120"/>
                 <a:ea typeface="標楷體" panose="03000509000000000000" pitchFamily="65" charset="-120"/>
               </a:rPr>
@@ -7256,14 +6992,15 @@
               <a:t>在推導運動運動方程式後我們得到了平台角度和球的關係式，接 下來我們利用 </a:t>
             </a:r>
             <a:r>
-              <a:rPr lang="en-US" altLang="zh-TW" dirty="0" err="1" smtClean="0">
-                <a:latin typeface="標楷體" panose="03000509000000000000" pitchFamily="65" charset="-120"/>
-                <a:ea typeface="標楷體" panose="03000509000000000000" pitchFamily="65" charset="-120"/>
+              <a:rPr lang="en-US" altLang="zh-TW" dirty="0" err="1">
+                <a:latin typeface="Times New Roman" panose="02020603050405020304" pitchFamily="18" charset="0"/>
+                <a:ea typeface="標楷體" panose="03000509000000000000" pitchFamily="65" charset="-120"/>
+                <a:cs typeface="Times New Roman" panose="02020603050405020304" pitchFamily="18" charset="0"/>
               </a:rPr>
               <a:t>GeoGebra</a:t>
             </a:r>
             <a:r>
-              <a:rPr lang="en-US" altLang="zh-TW" dirty="0" smtClean="0">
+              <a:rPr lang="en-US" altLang="zh-TW" dirty="0">
                 <a:latin typeface="標楷體" panose="03000509000000000000" pitchFamily="65" charset="-120"/>
                 <a:ea typeface="標楷體" panose="03000509000000000000" pitchFamily="65" charset="-120"/>
               </a:rPr>
@@ -7360,39 +7097,25 @@
           <a:lstStyle/>
           <a:p>
             <a:r>
-              <a:rPr lang="zh-TW" altLang="en-US" dirty="0" smtClean="0">
-                <a:latin typeface="標楷體" panose="03000509000000000000" pitchFamily="65" charset="-120"/>
-                <a:ea typeface="標楷體" panose="03000509000000000000" pitchFamily="65" charset="-120"/>
-              </a:rPr>
-              <a:t>圖</a:t>
-            </a:r>
-            <a:r>
-              <a:rPr lang="en-US" altLang="zh-TW" dirty="0" smtClean="0">
-                <a:latin typeface="標楷體" panose="03000509000000000000" pitchFamily="65" charset="-120"/>
-                <a:ea typeface="標楷體" panose="03000509000000000000" pitchFamily="65" charset="-120"/>
-              </a:rPr>
-              <a:t>6.2</a:t>
-            </a:r>
-            <a:r>
-              <a:rPr lang="zh-TW" altLang="en-US" dirty="0" smtClean="0">
-                <a:latin typeface="標楷體" panose="03000509000000000000" pitchFamily="65" charset="-120"/>
-                <a:ea typeface="標楷體" panose="03000509000000000000" pitchFamily="65" charset="-120"/>
-              </a:rPr>
-              <a:t>：馬達</a:t>
-            </a:r>
-            <a:r>
               <a:rPr lang="zh-TW" altLang="en-US" dirty="0">
                 <a:latin typeface="標楷體" panose="03000509000000000000" pitchFamily="65" charset="-120"/>
                 <a:ea typeface="標楷體" panose="03000509000000000000" pitchFamily="65" charset="-120"/>
               </a:rPr>
-              <a:t>轉角和平台角度的關係</a:t>
-            </a:r>
-            <a:r>
-              <a:rPr lang="zh-TW" altLang="en-US" dirty="0" smtClean="0">
+              <a:t>圖</a:t>
+            </a:r>
+            <a:r>
+              <a:rPr lang="en-US" altLang="zh-TW" dirty="0">
                 <a:latin typeface="標楷體" panose="03000509000000000000" pitchFamily="65" charset="-120"/>
                 <a:ea typeface="標楷體" panose="03000509000000000000" pitchFamily="65" charset="-120"/>
               </a:rPr>
-              <a:t>圖</a:t>
+              <a:t>6.2</a:t>
+            </a:r>
+            <a:r>
+              <a:rPr lang="zh-TW" altLang="en-US" dirty="0">
+                <a:latin typeface="標楷體" panose="03000509000000000000" pitchFamily="65" charset="-120"/>
+                <a:ea typeface="標楷體" panose="03000509000000000000" pitchFamily="65" charset="-120"/>
+              </a:rPr>
+              <a:t>：馬達轉角和平台角度的關係圖</a:t>
             </a:r>
             <a:endParaRPr lang="zh-TW" altLang="en-US" dirty="0"/>
           </a:p>
@@ -7465,13 +7188,13 @@
             <a:lstStyle/>
             <a:p>
               <a:r>
-                <a:rPr lang="zh-TW" altLang="en-US" dirty="0" smtClean="0">
+                <a:rPr lang="zh-TW" altLang="en-US" dirty="0">
                   <a:latin typeface="標楷體" panose="03000509000000000000" pitchFamily="65" charset="-120"/>
                   <a:ea typeface="標楷體" panose="03000509000000000000" pitchFamily="65" charset="-120"/>
                 </a:rPr>
                 <a:t>國立虎尾科技大學</a:t>
               </a:r>
-              <a:endParaRPr lang="en-US" altLang="zh-TW" dirty="0" smtClean="0">
+              <a:endParaRPr lang="en-US" altLang="zh-TW" dirty="0">
                 <a:latin typeface="標楷體" panose="03000509000000000000" pitchFamily="65" charset="-120"/>
                 <a:ea typeface="標楷體" panose="03000509000000000000" pitchFamily="65" charset="-120"/>
               </a:endParaRPr>
@@ -7482,19 +7205,8 @@
                   <a:latin typeface="標楷體" panose="03000509000000000000" pitchFamily="65" charset="-120"/>
                   <a:ea typeface="標楷體" panose="03000509000000000000" pitchFamily="65" charset="-120"/>
                 </a:rPr>
-                <a:t>機械設計工程</a:t>
+                <a:t>機械設計工程系暨精密機械工程科</a:t>
               </a:r>
-              <a:r>
-                <a:rPr lang="zh-TW" altLang="en-US" dirty="0" smtClean="0">
-                  <a:latin typeface="標楷體" panose="03000509000000000000" pitchFamily="65" charset="-120"/>
-                  <a:ea typeface="標楷體" panose="03000509000000000000" pitchFamily="65" charset="-120"/>
-                </a:rPr>
-                <a:t>系暨精密機械工程科</a:t>
-              </a:r>
-              <a:endParaRPr lang="zh-TW" altLang="en-US" dirty="0">
-                <a:latin typeface="標楷體" panose="03000509000000000000" pitchFamily="65" charset="-120"/>
-                <a:ea typeface="標楷體" panose="03000509000000000000" pitchFamily="65" charset="-120"/>
-              </a:endParaRPr>
             </a:p>
           </p:txBody>
         </p:sp>
@@ -7551,7 +7263,7 @@
           <a:lstStyle/>
           <a:p>
             <a:r>
-              <a:rPr lang="zh-TW" altLang="en-US" dirty="0">
+              <a:rPr lang="zh-TW" altLang="en-US" b="1" dirty="0">
                 <a:latin typeface="標楷體" panose="03000509000000000000" pitchFamily="65" charset="-120"/>
                 <a:ea typeface="標楷體" panose="03000509000000000000" pitchFamily="65" charset="-120"/>
               </a:rPr>
@@ -7622,119 +7334,63 @@
                 <a:latin typeface="標楷體" panose="03000509000000000000" pitchFamily="65" charset="-120"/>
                 <a:ea typeface="標楷體" panose="03000509000000000000" pitchFamily="65" charset="-120"/>
               </a:rPr>
-              <a:t>可觀察到，超過</a:t>
-            </a:r>
-            <a:r>
-              <a:rPr lang="zh-TW" altLang="en-US" dirty="0" smtClean="0">
+              <a:t>可觀察到，超過正</a:t>
+            </a:r>
+            <a:r>
+              <a:rPr lang="en-US" altLang="zh-TW" dirty="0">
                 <a:latin typeface="標楷體" panose="03000509000000000000" pitchFamily="65" charset="-120"/>
                 <a:ea typeface="標楷體" panose="03000509000000000000" pitchFamily="65" charset="-120"/>
               </a:rPr>
-              <a:t>正</a:t>
-            </a:r>
-            <a:r>
-              <a:rPr lang="en-US" altLang="zh-TW" dirty="0" smtClean="0">
-                <a:latin typeface="標楷體" panose="03000509000000000000" pitchFamily="65" charset="-120"/>
-                <a:ea typeface="標楷體" panose="03000509000000000000" pitchFamily="65" charset="-120"/>
-              </a:rPr>
               <a:t>70</a:t>
-            </a:r>
-            <a:r>
-              <a:rPr lang="zh-TW" altLang="en-US" dirty="0" smtClean="0">
-                <a:latin typeface="標楷體" panose="03000509000000000000" pitchFamily="65" charset="-120"/>
-                <a:ea typeface="標楷體" panose="03000509000000000000" pitchFamily="65" charset="-120"/>
-              </a:rPr>
-              <a:t>度</a:t>
             </a:r>
             <a:r>
               <a:rPr lang="zh-TW" altLang="en-US" dirty="0">
                 <a:latin typeface="標楷體" panose="03000509000000000000" pitchFamily="65" charset="-120"/>
                 <a:ea typeface="標楷體" panose="03000509000000000000" pitchFamily="65" charset="-120"/>
               </a:rPr>
-              <a:t>的部分由於桿件設計反而造成</a:t>
-            </a:r>
-            <a:r>
-              <a:rPr lang="zh-TW" altLang="en-US" dirty="0" smtClean="0">
+              <a:t>度的部分由於桿件設計反而造成平台角度下降，故將該段行程捨棄，利用</a:t>
+            </a:r>
+            <a:r>
+              <a:rPr lang="en-US" altLang="zh-TW" dirty="0">
                 <a:latin typeface="標楷體" panose="03000509000000000000" pitchFamily="65" charset="-120"/>
                 <a:ea typeface="標楷體" panose="03000509000000000000" pitchFamily="65" charset="-120"/>
               </a:rPr>
-              <a:t>平台</a:t>
+              <a:t>python</a:t>
             </a:r>
             <a:r>
               <a:rPr lang="zh-TW" altLang="en-US" dirty="0">
                 <a:latin typeface="標楷體" panose="03000509000000000000" pitchFamily="65" charset="-120"/>
                 <a:ea typeface="標楷體" panose="03000509000000000000" pitchFamily="65" charset="-120"/>
               </a:rPr>
-              <a:t>角度下降，故將該段行程捨棄，</a:t>
-            </a:r>
-            <a:r>
-              <a:rPr lang="zh-TW" altLang="en-US" dirty="0" smtClean="0">
+              <a:t>生成擬合曲線 </a:t>
+            </a:r>
+            <a:r>
+              <a:rPr lang="en-US" altLang="zh-TW" dirty="0">
                 <a:latin typeface="標楷體" panose="03000509000000000000" pitchFamily="65" charset="-120"/>
                 <a:ea typeface="標楷體" panose="03000509000000000000" pitchFamily="65" charset="-120"/>
               </a:rPr>
-              <a:t>利用</a:t>
-            </a:r>
-            <a:r>
-              <a:rPr lang="en-US" altLang="zh-TW" dirty="0" smtClean="0">
-                <a:latin typeface="標楷體" panose="03000509000000000000" pitchFamily="65" charset="-120"/>
-                <a:ea typeface="標楷體" panose="03000509000000000000" pitchFamily="65" charset="-120"/>
-              </a:rPr>
-              <a:t>python</a:t>
-            </a:r>
-            <a:r>
-              <a:rPr lang="zh-TW" altLang="en-US" dirty="0" smtClean="0">
-                <a:latin typeface="標楷體" panose="03000509000000000000" pitchFamily="65" charset="-120"/>
-                <a:ea typeface="標楷體" panose="03000509000000000000" pitchFamily="65" charset="-120"/>
-              </a:rPr>
-              <a:t>生成</a:t>
+              <a:t>(</a:t>
             </a:r>
             <a:r>
               <a:rPr lang="zh-TW" altLang="en-US" dirty="0">
                 <a:latin typeface="標楷體" panose="03000509000000000000" pitchFamily="65" charset="-120"/>
                 <a:ea typeface="標楷體" panose="03000509000000000000" pitchFamily="65" charset="-120"/>
               </a:rPr>
-              <a:t>擬合曲線 </a:t>
+              <a:t>圖</a:t>
             </a:r>
             <a:r>
               <a:rPr lang="en-US" altLang="zh-TW" dirty="0">
                 <a:latin typeface="標楷體" panose="03000509000000000000" pitchFamily="65" charset="-120"/>
                 <a:ea typeface="標楷體" panose="03000509000000000000" pitchFamily="65" charset="-120"/>
               </a:rPr>
-              <a:t>(</a:t>
+              <a:t>6.3)</a:t>
             </a:r>
             <a:r>
               <a:rPr lang="zh-TW" altLang="en-US" dirty="0">
                 <a:latin typeface="標楷體" panose="03000509000000000000" pitchFamily="65" charset="-120"/>
                 <a:ea typeface="標楷體" panose="03000509000000000000" pitchFamily="65" charset="-120"/>
               </a:rPr>
-              <a:t>圖</a:t>
-            </a:r>
-            <a:r>
-              <a:rPr lang="en-US" altLang="zh-TW" dirty="0">
-                <a:latin typeface="標楷體" panose="03000509000000000000" pitchFamily="65" charset="-120"/>
-                <a:ea typeface="標楷體" panose="03000509000000000000" pitchFamily="65" charset="-120"/>
-              </a:rPr>
-              <a:t>6.3)</a:t>
-            </a:r>
-            <a:r>
-              <a:rPr lang="zh-TW" altLang="en-US" dirty="0">
-                <a:latin typeface="標楷體" panose="03000509000000000000" pitchFamily="65" charset="-120"/>
-                <a:ea typeface="標楷體" panose="03000509000000000000" pitchFamily="65" charset="-120"/>
-              </a:rPr>
-              <a:t>，</a:t>
-            </a:r>
-            <a:r>
-              <a:rPr lang="zh-TW" altLang="en-US" dirty="0" smtClean="0">
-                <a:latin typeface="標楷體" panose="03000509000000000000" pitchFamily="65" charset="-120"/>
-                <a:ea typeface="標楷體" panose="03000509000000000000" pitchFamily="65" charset="-120"/>
-              </a:rPr>
-              <a:t>得到</a:t>
-            </a:r>
-            <a:r>
-              <a:rPr lang="zh-TW" altLang="en-US" dirty="0">
-                <a:latin typeface="標楷體" panose="03000509000000000000" pitchFamily="65" charset="-120"/>
-                <a:ea typeface="標楷體" panose="03000509000000000000" pitchFamily="65" charset="-120"/>
-              </a:rPr>
-              <a:t>馬達轉角和平台的關係式</a:t>
+              <a:t>，得到馬達轉角和平台的關係式</a:t>
             </a:r>
             <a:r>
               <a:rPr lang="en-US" altLang="zh-TW" dirty="0">
@@ -7776,7 +7432,7 @@
           <a:lstStyle/>
           <a:p>
             <a:r>
-              <a:rPr lang="en-US" altLang="zh-TW" dirty="0" smtClean="0">
+              <a:rPr lang="en-US" altLang="zh-TW" dirty="0">
                 <a:latin typeface="標楷體" panose="03000509000000000000" pitchFamily="65" charset="-120"/>
                 <a:ea typeface="標楷體" panose="03000509000000000000" pitchFamily="65" charset="-120"/>
               </a:rPr>
@@ -7870,25 +7526,18 @@
               <a:t>圖</a:t>
             </a:r>
             <a:r>
-              <a:rPr lang="en-US" altLang="zh-TW" dirty="0" smtClean="0">
+              <a:rPr lang="en-US" altLang="zh-TW" dirty="0">
                 <a:latin typeface="標楷體" panose="03000509000000000000" pitchFamily="65" charset="-120"/>
                 <a:ea typeface="標楷體" panose="03000509000000000000" pitchFamily="65" charset="-120"/>
               </a:rPr>
               <a:t>6.3</a:t>
-            </a:r>
-            <a:r>
-              <a:rPr lang="zh-TW" altLang="en-US" dirty="0" smtClean="0">
-                <a:latin typeface="標楷體" panose="03000509000000000000" pitchFamily="65" charset="-120"/>
-                <a:ea typeface="標楷體" panose="03000509000000000000" pitchFamily="65" charset="-120"/>
-              </a:rPr>
-              <a:t>：擬</a:t>
             </a:r>
             <a:r>
               <a:rPr lang="zh-TW" altLang="en-US" dirty="0">
                 <a:latin typeface="標楷體" panose="03000509000000000000" pitchFamily="65" charset="-120"/>
                 <a:ea typeface="標楷體" panose="03000509000000000000" pitchFamily="65" charset="-120"/>
               </a:rPr>
-              <a:t>合曲線</a:t>
+              <a:t>：擬合曲線</a:t>
             </a:r>
           </a:p>
         </p:txBody>
@@ -7960,13 +7609,13 @@
             <a:lstStyle/>
             <a:p>
               <a:r>
-                <a:rPr lang="zh-TW" altLang="en-US" dirty="0" smtClean="0">
+                <a:rPr lang="zh-TW" altLang="en-US" dirty="0">
                   <a:latin typeface="標楷體" panose="03000509000000000000" pitchFamily="65" charset="-120"/>
                   <a:ea typeface="標楷體" panose="03000509000000000000" pitchFamily="65" charset="-120"/>
                 </a:rPr>
                 <a:t>國立虎尾科技大學</a:t>
               </a:r>
-              <a:endParaRPr lang="en-US" altLang="zh-TW" dirty="0" smtClean="0">
+              <a:endParaRPr lang="en-US" altLang="zh-TW" dirty="0">
                 <a:latin typeface="標楷體" panose="03000509000000000000" pitchFamily="65" charset="-120"/>
                 <a:ea typeface="標楷體" panose="03000509000000000000" pitchFamily="65" charset="-120"/>
               </a:endParaRPr>
@@ -7977,19 +7626,8 @@
                   <a:latin typeface="標楷體" panose="03000509000000000000" pitchFamily="65" charset="-120"/>
                   <a:ea typeface="標楷體" panose="03000509000000000000" pitchFamily="65" charset="-120"/>
                 </a:rPr>
-                <a:t>機械設計工程</a:t>
+                <a:t>機械設計工程系暨精密機械工程科</a:t>
               </a:r>
-              <a:r>
-                <a:rPr lang="zh-TW" altLang="en-US" dirty="0" smtClean="0">
-                  <a:latin typeface="標楷體" panose="03000509000000000000" pitchFamily="65" charset="-120"/>
-                  <a:ea typeface="標楷體" panose="03000509000000000000" pitchFamily="65" charset="-120"/>
-                </a:rPr>
-                <a:t>系暨精密機械工程科</a:t>
-              </a:r>
-              <a:endParaRPr lang="zh-TW" altLang="en-US" dirty="0">
-                <a:latin typeface="標楷體" panose="03000509000000000000" pitchFamily="65" charset="-120"/>
-                <a:ea typeface="標楷體" panose="03000509000000000000" pitchFamily="65" charset="-120"/>
-              </a:endParaRPr>
             </a:p>
           </p:txBody>
         </p:sp>
@@ -8040,16 +7678,12 @@
           <a:lstStyle/>
           <a:p>
             <a:r>
-              <a:rPr lang="zh-TW" altLang="en-US" dirty="0" smtClean="0">
+              <a:rPr lang="zh-TW" altLang="en-US" b="1" dirty="0">
                 <a:latin typeface="標楷體" panose="03000509000000000000" pitchFamily="65" charset="-120"/>
                 <a:ea typeface="標楷體" panose="03000509000000000000" pitchFamily="65" charset="-120"/>
               </a:rPr>
               <a:t>設計理念</a:t>
             </a:r>
-            <a:endParaRPr lang="zh-TW" altLang="en-US" dirty="0">
-              <a:latin typeface="標楷體" panose="03000509000000000000" pitchFamily="65" charset="-120"/>
-              <a:ea typeface="標楷體" panose="03000509000000000000" pitchFamily="65" charset="-120"/>
-            </a:endParaRPr>
           </a:p>
         </p:txBody>
       </p:sp>
@@ -8134,88 +7768,52 @@
           <a:lstStyle/>
           <a:p>
             <a:r>
-              <a:rPr lang="en-US" altLang="zh-TW" dirty="0" smtClean="0">
-                <a:latin typeface="標楷體" panose="03000509000000000000" pitchFamily="65" charset="-120"/>
-                <a:ea typeface="標楷體" panose="03000509000000000000" pitchFamily="65" charset="-120"/>
+              <a:rPr lang="en-US" altLang="zh-TW" dirty="0">
+                <a:latin typeface="Times New Roman" panose="02020603050405020304" pitchFamily="18" charset="0"/>
+                <a:ea typeface="標楷體" panose="03000509000000000000" pitchFamily="65" charset="-120"/>
+                <a:cs typeface="Times New Roman" panose="02020603050405020304" pitchFamily="18" charset="0"/>
               </a:rPr>
               <a:t>	</a:t>
             </a:r>
             <a:r>
-              <a:rPr lang="zh-TW" altLang="en-US" sz="2000" dirty="0" smtClean="0">
-                <a:latin typeface="標楷體" panose="03000509000000000000" pitchFamily="65" charset="-120"/>
-                <a:ea typeface="標楷體" panose="03000509000000000000" pitchFamily="65" charset="-120"/>
-              </a:rPr>
-              <a:t>我們</a:t>
-            </a:r>
-            <a:r>
               <a:rPr lang="zh-TW" altLang="en-US" sz="2000" dirty="0">
-                <a:latin typeface="標楷體" panose="03000509000000000000" pitchFamily="65" charset="-120"/>
-                <a:ea typeface="標楷體" panose="03000509000000000000" pitchFamily="65" charset="-120"/>
-              </a:rPr>
-              <a:t>以鋼球平衡台作為專題的主體，然後寫程式驅動雷射測距感</a:t>
-            </a:r>
-            <a:r>
-              <a:rPr lang="zh-TW" altLang="en-US" sz="2000" dirty="0" smtClean="0">
-                <a:latin typeface="標楷體" panose="03000509000000000000" pitchFamily="65" charset="-120"/>
-                <a:ea typeface="標楷體" panose="03000509000000000000" pitchFamily="65" charset="-120"/>
-              </a:rPr>
-              <a:t>測器</a:t>
+                <a:latin typeface="Times New Roman" panose="02020603050405020304" pitchFamily="18" charset="0"/>
+                <a:ea typeface="標楷體" panose="03000509000000000000" pitchFamily="65" charset="-120"/>
+                <a:cs typeface="Times New Roman" panose="02020603050405020304" pitchFamily="18" charset="0"/>
+              </a:rPr>
+              <a:t>我們以鋼球平衡台作為專題的主體，然後寫程式驅動雷射測距感測器當鋼球遠離時</a:t>
+            </a:r>
+            <a:r>
+              <a:rPr lang="en-US" altLang="zh-TW" sz="2000" dirty="0">
+                <a:latin typeface="Times New Roman" panose="02020603050405020304" pitchFamily="18" charset="0"/>
+                <a:ea typeface="標楷體" panose="03000509000000000000" pitchFamily="65" charset="-120"/>
+                <a:cs typeface="Times New Roman" panose="02020603050405020304" pitchFamily="18" charset="0"/>
+              </a:rPr>
+              <a:t>platform</a:t>
             </a:r>
             <a:r>
               <a:rPr lang="zh-TW" altLang="en-US" sz="2000" dirty="0">
-                <a:latin typeface="標楷體" panose="03000509000000000000" pitchFamily="65" charset="-120"/>
-                <a:ea typeface="標楷體" panose="03000509000000000000" pitchFamily="65" charset="-120"/>
-              </a:rPr>
-              <a:t>當鋼球遠離時</a:t>
+                <a:latin typeface="Times New Roman" panose="02020603050405020304" pitchFamily="18" charset="0"/>
+                <a:ea typeface="標楷體" panose="03000509000000000000" pitchFamily="65" charset="-120"/>
+                <a:cs typeface="Times New Roman" panose="02020603050405020304" pitchFamily="18" charset="0"/>
+              </a:rPr>
+              <a:t>，當鋼球靠近時</a:t>
             </a:r>
             <a:r>
               <a:rPr lang="en-US" altLang="zh-TW" sz="2000" dirty="0">
-                <a:latin typeface="標楷體" panose="03000509000000000000" pitchFamily="65" charset="-120"/>
-                <a:ea typeface="標楷體" panose="03000509000000000000" pitchFamily="65" charset="-120"/>
+                <a:latin typeface="Times New Roman" panose="02020603050405020304" pitchFamily="18" charset="0"/>
+                <a:ea typeface="標楷體" panose="03000509000000000000" pitchFamily="65" charset="-120"/>
+                <a:cs typeface="Times New Roman" panose="02020603050405020304" pitchFamily="18" charset="0"/>
               </a:rPr>
               <a:t>platform</a:t>
             </a:r>
             <a:r>
               <a:rPr lang="zh-TW" altLang="en-US" sz="2000" dirty="0">
-                <a:latin typeface="標楷體" panose="03000509000000000000" pitchFamily="65" charset="-120"/>
-                <a:ea typeface="標楷體" panose="03000509000000000000" pitchFamily="65" charset="-120"/>
-              </a:rPr>
-              <a:t>，當鋼球靠近時</a:t>
-            </a:r>
-            <a:r>
-              <a:rPr lang="en-US" altLang="zh-TW" sz="2000" dirty="0" smtClean="0">
-                <a:latin typeface="標楷體" panose="03000509000000000000" pitchFamily="65" charset="-120"/>
-                <a:ea typeface="標楷體" panose="03000509000000000000" pitchFamily="65" charset="-120"/>
-              </a:rPr>
-              <a:t>platform</a:t>
-            </a:r>
-            <a:r>
-              <a:rPr lang="zh-TW" altLang="en-US" sz="2000" dirty="0" smtClean="0">
-                <a:latin typeface="標楷體" panose="03000509000000000000" pitchFamily="65" charset="-120"/>
-                <a:ea typeface="標楷體" panose="03000509000000000000" pitchFamily="65" charset="-120"/>
-              </a:rPr>
-              <a:t>放下</a:t>
-            </a:r>
-            <a:r>
-              <a:rPr lang="zh-TW" altLang="en-US" sz="2000" dirty="0">
-                <a:latin typeface="標楷體" panose="03000509000000000000" pitchFamily="65" charset="-120"/>
-                <a:ea typeface="標楷體" panose="03000509000000000000" pitchFamily="65" charset="-120"/>
-              </a:rPr>
-              <a:t>，重複此動作直</a:t>
-            </a:r>
-            <a:r>
-              <a:rPr lang="zh-TW" altLang="en-US" sz="2000" dirty="0" smtClean="0">
-                <a:latin typeface="標楷體" panose="03000509000000000000" pitchFamily="65" charset="-120"/>
-                <a:ea typeface="標楷體" panose="03000509000000000000" pitchFamily="65" charset="-120"/>
-              </a:rPr>
-              <a:t>至鋼</a:t>
-            </a:r>
-            <a:r>
-              <a:rPr lang="zh-TW" altLang="en-US" sz="2000" dirty="0">
-                <a:latin typeface="標楷體" panose="03000509000000000000" pitchFamily="65" charset="-120"/>
-                <a:ea typeface="標楷體" panose="03000509000000000000" pitchFamily="65" charset="-120"/>
-              </a:rPr>
-              <a:t>球平衡台平衡。</a:t>
+                <a:latin typeface="Times New Roman" panose="02020603050405020304" pitchFamily="18" charset="0"/>
+                <a:ea typeface="標楷體" panose="03000509000000000000" pitchFamily="65" charset="-120"/>
+                <a:cs typeface="Times New Roman" panose="02020603050405020304" pitchFamily="18" charset="0"/>
+              </a:rPr>
+              <a:t>放下，重複此動作直至鋼球平衡台平衡。</a:t>
             </a:r>
           </a:p>
         </p:txBody>
@@ -8287,13 +7885,13 @@
             <a:lstStyle/>
             <a:p>
               <a:r>
-                <a:rPr lang="zh-TW" altLang="en-US" dirty="0" smtClean="0">
+                <a:rPr lang="zh-TW" altLang="en-US" dirty="0">
                   <a:latin typeface="標楷體" panose="03000509000000000000" pitchFamily="65" charset="-120"/>
                   <a:ea typeface="標楷體" panose="03000509000000000000" pitchFamily="65" charset="-120"/>
                 </a:rPr>
                 <a:t>國立虎尾科技大學</a:t>
               </a:r>
-              <a:endParaRPr lang="en-US" altLang="zh-TW" dirty="0" smtClean="0">
+              <a:endParaRPr lang="en-US" altLang="zh-TW" dirty="0">
                 <a:latin typeface="標楷體" panose="03000509000000000000" pitchFamily="65" charset="-120"/>
                 <a:ea typeface="標楷體" panose="03000509000000000000" pitchFamily="65" charset="-120"/>
               </a:endParaRPr>
@@ -8304,19 +7902,8 @@
                   <a:latin typeface="標楷體" panose="03000509000000000000" pitchFamily="65" charset="-120"/>
                   <a:ea typeface="標楷體" panose="03000509000000000000" pitchFamily="65" charset="-120"/>
                 </a:rPr>
-                <a:t>機械設計工程</a:t>
+                <a:t>機械設計工程系暨精密機械工程科</a:t>
               </a:r>
-              <a:r>
-                <a:rPr lang="zh-TW" altLang="en-US" dirty="0" smtClean="0">
-                  <a:latin typeface="標楷體" panose="03000509000000000000" pitchFamily="65" charset="-120"/>
-                  <a:ea typeface="標楷體" panose="03000509000000000000" pitchFamily="65" charset="-120"/>
-                </a:rPr>
-                <a:t>系暨精密機械工程科</a:t>
-              </a:r>
-              <a:endParaRPr lang="zh-TW" altLang="en-US" dirty="0">
-                <a:latin typeface="標楷體" panose="03000509000000000000" pitchFamily="65" charset="-120"/>
-                <a:ea typeface="標楷體" panose="03000509000000000000" pitchFamily="65" charset="-120"/>
-              </a:endParaRPr>
             </a:p>
           </p:txBody>
         </p:sp>
@@ -8373,23 +7960,26 @@
           <a:lstStyle/>
           <a:p>
             <a:r>
-              <a:rPr lang="zh-TW" altLang="en-US" dirty="0">
-                <a:latin typeface="標楷體" panose="03000509000000000000" pitchFamily="65" charset="-120"/>
-                <a:ea typeface="標楷體" panose="03000509000000000000" pitchFamily="65" charset="-120"/>
+              <a:rPr lang="zh-TW" altLang="en-US" b="1" dirty="0">
+                <a:latin typeface="Times New Roman" panose="02020603050405020304" pitchFamily="18" charset="0"/>
+                <a:ea typeface="標楷體" panose="03000509000000000000" pitchFamily="65" charset="-120"/>
+                <a:cs typeface="Times New Roman" panose="02020603050405020304" pitchFamily="18" charset="0"/>
               </a:rPr>
               <a:t>組合</a:t>
             </a:r>
             <a:r>
-              <a:rPr lang="en-US" altLang="zh-TW" dirty="0">
-                <a:latin typeface="標楷體" panose="03000509000000000000" pitchFamily="65" charset="-120"/>
-                <a:ea typeface="標楷體" panose="03000509000000000000" pitchFamily="65" charset="-120"/>
+              <a:rPr lang="en-US" altLang="zh-TW" b="1" dirty="0">
+                <a:latin typeface="Times New Roman" panose="02020603050405020304" pitchFamily="18" charset="0"/>
+                <a:ea typeface="標楷體" panose="03000509000000000000" pitchFamily="65" charset="-120"/>
+                <a:cs typeface="Times New Roman" panose="02020603050405020304" pitchFamily="18" charset="0"/>
               </a:rPr>
               <a:t> 3D </a:t>
             </a:r>
             <a:r>
-              <a:rPr lang="zh-TW" altLang="en-US" dirty="0">
-                <a:latin typeface="標楷體" panose="03000509000000000000" pitchFamily="65" charset="-120"/>
-                <a:ea typeface="標楷體" panose="03000509000000000000" pitchFamily="65" charset="-120"/>
+              <a:rPr lang="zh-TW" altLang="en-US" b="1" dirty="0">
+                <a:latin typeface="Times New Roman" panose="02020603050405020304" pitchFamily="18" charset="0"/>
+                <a:ea typeface="標楷體" panose="03000509000000000000" pitchFamily="65" charset="-120"/>
+                <a:cs typeface="Times New Roman" panose="02020603050405020304" pitchFamily="18" charset="0"/>
               </a:rPr>
               <a:t>列印完成圖</a:t>
             </a:r>
@@ -8412,18 +8002,11 @@
           <a:lstStyle/>
           <a:p>
             <a:r>
-              <a:rPr lang="zh-TW" altLang="en-US" dirty="0" smtClean="0">
-                <a:latin typeface="標楷體" panose="03000509000000000000" pitchFamily="65" charset="-120"/>
-                <a:ea typeface="標楷體" panose="03000509000000000000" pitchFamily="65" charset="-120"/>
-              </a:rPr>
-              <a:t>組合零件</a:t>
-            </a:r>
-            <a:r>
               <a:rPr lang="zh-TW" altLang="en-US" dirty="0">
                 <a:latin typeface="標楷體" panose="03000509000000000000" pitchFamily="65" charset="-120"/>
                 <a:ea typeface="標楷體" panose="03000509000000000000" pitchFamily="65" charset="-120"/>
               </a:rPr>
-              <a:t>圖</a:t>
+              <a:t>組合零件圖</a:t>
             </a:r>
           </a:p>
         </p:txBody>
@@ -8444,16 +8027,12 @@
           <a:lstStyle/>
           <a:p>
             <a:r>
-              <a:rPr lang="zh-TW" altLang="en-US" dirty="0" smtClean="0">
+              <a:rPr lang="zh-TW" altLang="en-US" dirty="0">
                 <a:latin typeface="標楷體" panose="03000509000000000000" pitchFamily="65" charset="-120"/>
                 <a:ea typeface="標楷體" panose="03000509000000000000" pitchFamily="65" charset="-120"/>
               </a:rPr>
               <a:t>實體組合圖</a:t>
             </a:r>
-            <a:endParaRPr lang="zh-TW" altLang="en-US" dirty="0">
-              <a:latin typeface="標楷體" panose="03000509000000000000" pitchFamily="65" charset="-120"/>
-              <a:ea typeface="標楷體" panose="03000509000000000000" pitchFamily="65" charset="-120"/>
-            </a:endParaRPr>
           </a:p>
         </p:txBody>
       </p:sp>
@@ -8572,13 +8151,13 @@
             <a:lstStyle/>
             <a:p>
               <a:r>
-                <a:rPr lang="zh-TW" altLang="en-US" dirty="0" smtClean="0">
+                <a:rPr lang="zh-TW" altLang="en-US" dirty="0">
                   <a:latin typeface="標楷體" panose="03000509000000000000" pitchFamily="65" charset="-120"/>
                   <a:ea typeface="標楷體" panose="03000509000000000000" pitchFamily="65" charset="-120"/>
                 </a:rPr>
                 <a:t>國立虎尾科技大學</a:t>
               </a:r>
-              <a:endParaRPr lang="en-US" altLang="zh-TW" dirty="0" smtClean="0">
+              <a:endParaRPr lang="en-US" altLang="zh-TW" dirty="0">
                 <a:latin typeface="標楷體" panose="03000509000000000000" pitchFamily="65" charset="-120"/>
                 <a:ea typeface="標楷體" panose="03000509000000000000" pitchFamily="65" charset="-120"/>
               </a:endParaRPr>
@@ -8589,19 +8168,8 @@
                   <a:latin typeface="標楷體" panose="03000509000000000000" pitchFamily="65" charset="-120"/>
                   <a:ea typeface="標楷體" panose="03000509000000000000" pitchFamily="65" charset="-120"/>
                 </a:rPr>
-                <a:t>機械設計工程</a:t>
+                <a:t>機械設計工程系暨精密機械工程科</a:t>
               </a:r>
-              <a:r>
-                <a:rPr lang="zh-TW" altLang="en-US" dirty="0" smtClean="0">
-                  <a:latin typeface="標楷體" panose="03000509000000000000" pitchFamily="65" charset="-120"/>
-                  <a:ea typeface="標楷體" panose="03000509000000000000" pitchFamily="65" charset="-120"/>
-                </a:rPr>
-                <a:t>系暨精密機械工程科</a:t>
-              </a:r>
-              <a:endParaRPr lang="zh-TW" altLang="en-US" dirty="0">
-                <a:latin typeface="標楷體" panose="03000509000000000000" pitchFamily="65" charset="-120"/>
-                <a:ea typeface="標楷體" panose="03000509000000000000" pitchFamily="65" charset="-120"/>
-              </a:endParaRPr>
             </a:p>
           </p:txBody>
         </p:sp>
@@ -8616,13 +8184,6 @@
   <p:clrMapOvr>
     <a:masterClrMapping/>
   </p:clrMapOvr>
-  <p:timing>
-    <p:tnLst>
-      <p:par>
-        <p:cTn id="1" dur="indefinite" restart="never" nodeType="tmRoot"/>
-      </p:par>
-    </p:tnLst>
-  </p:timing>
 </p:sld>
 </file>
 
@@ -8659,16 +8220,12 @@
           <a:lstStyle/>
           <a:p>
             <a:r>
-              <a:rPr lang="zh-TW" altLang="en-US" dirty="0" smtClean="0">
+              <a:rPr lang="zh-TW" altLang="en-US" b="1" dirty="0">
                 <a:latin typeface="標楷體" panose="03000509000000000000" pitchFamily="65" charset="-120"/>
                 <a:ea typeface="標楷體" panose="03000509000000000000" pitchFamily="65" charset="-120"/>
               </a:rPr>
               <a:t>設計結果</a:t>
             </a:r>
-            <a:endParaRPr lang="zh-TW" altLang="en-US" dirty="0">
-              <a:latin typeface="標楷體" panose="03000509000000000000" pitchFamily="65" charset="-120"/>
-              <a:ea typeface="標楷體" panose="03000509000000000000" pitchFamily="65" charset="-120"/>
-            </a:endParaRPr>
           </a:p>
         </p:txBody>
       </p:sp>
@@ -8698,115 +8255,58 @@
               <a:buNone/>
             </a:pPr>
             <a:r>
-              <a:rPr lang="en-US" altLang="zh-TW" sz="2400" dirty="0" smtClean="0">
-                <a:latin typeface="標楷體" panose="03000509000000000000" pitchFamily="65" charset="-120"/>
-                <a:ea typeface="標楷體" panose="03000509000000000000" pitchFamily="65" charset="-120"/>
+              <a:rPr lang="en-US" altLang="zh-TW" sz="2400" dirty="0">
+                <a:latin typeface="Times New Roman" panose="02020603050405020304" pitchFamily="18" charset="0"/>
+                <a:ea typeface="標楷體" panose="03000509000000000000" pitchFamily="65" charset="-120"/>
+                <a:cs typeface="Times New Roman" panose="02020603050405020304" pitchFamily="18" charset="0"/>
               </a:rPr>
               <a:t>	</a:t>
             </a:r>
             <a:r>
-              <a:rPr lang="zh-TW" altLang="en-US" sz="2400" dirty="0" smtClean="0">
-                <a:latin typeface="標楷體" panose="03000509000000000000" pitchFamily="65" charset="-120"/>
-                <a:ea typeface="標楷體" panose="03000509000000000000" pitchFamily="65" charset="-120"/>
-              </a:rPr>
-              <a:t>在</a:t>
-            </a:r>
-            <a:r>
               <a:rPr lang="zh-TW" altLang="en-US" sz="2400" dirty="0">
-                <a:latin typeface="標楷體" panose="03000509000000000000" pitchFamily="65" charset="-120"/>
-                <a:ea typeface="標楷體" panose="03000509000000000000" pitchFamily="65" charset="-120"/>
-              </a:rPr>
-              <a:t>最終的版本由於紅外線時常檢測不到體積較小的鋼球，所以</a:t>
-            </a:r>
-            <a:r>
-              <a:rPr lang="zh-TW" altLang="en-US" sz="2400" dirty="0" smtClean="0">
-                <a:latin typeface="標楷體" panose="03000509000000000000" pitchFamily="65" charset="-120"/>
-                <a:ea typeface="標楷體" panose="03000509000000000000" pitchFamily="65" charset="-120"/>
-              </a:rPr>
-              <a:t>我們採用</a:t>
+                <a:latin typeface="Times New Roman" panose="02020603050405020304" pitchFamily="18" charset="0"/>
+                <a:ea typeface="標楷體" panose="03000509000000000000" pitchFamily="65" charset="-120"/>
+                <a:cs typeface="Times New Roman" panose="02020603050405020304" pitchFamily="18" charset="0"/>
+              </a:rPr>
+              <a:t>在最終的版本由於紅外線時常檢測不到體積較小的鋼球，所以我們採用體積更大的乒乓球來代替鋼球使整體系統更加完善，而系統控制的部分我們藉由調整</a:t>
+            </a:r>
+            <a:r>
+              <a:rPr lang="en-US" altLang="zh-TW" sz="2400" dirty="0">
+                <a:latin typeface="Times New Roman" panose="02020603050405020304" pitchFamily="18" charset="0"/>
+                <a:ea typeface="標楷體" panose="03000509000000000000" pitchFamily="65" charset="-120"/>
+                <a:cs typeface="Times New Roman" panose="02020603050405020304" pitchFamily="18" charset="0"/>
+              </a:rPr>
+              <a:t>PID</a:t>
             </a:r>
             <a:r>
               <a:rPr lang="zh-TW" altLang="en-US" sz="2400" dirty="0">
-                <a:latin typeface="標楷體" panose="03000509000000000000" pitchFamily="65" charset="-120"/>
-                <a:ea typeface="標楷體" panose="03000509000000000000" pitchFamily="65" charset="-120"/>
-              </a:rPr>
-              <a:t>體積更大的乒乓球來代替鋼球使整體系統更加完善，而系統控制</a:t>
-            </a:r>
-            <a:r>
-              <a:rPr lang="zh-TW" altLang="en-US" sz="2400" dirty="0" smtClean="0">
-                <a:latin typeface="標楷體" panose="03000509000000000000" pitchFamily="65" charset="-120"/>
-                <a:ea typeface="標楷體" panose="03000509000000000000" pitchFamily="65" charset="-120"/>
-              </a:rPr>
-              <a:t>的部分</a:t>
+                <a:latin typeface="Times New Roman" panose="02020603050405020304" pitchFamily="18" charset="0"/>
+                <a:ea typeface="標楷體" panose="03000509000000000000" pitchFamily="65" charset="-120"/>
+                <a:cs typeface="Times New Roman" panose="02020603050405020304" pitchFamily="18" charset="0"/>
+              </a:rPr>
+              <a:t>參數已盡可能讓系統趨近穩定，但穩定過後還是會出現些微的震盪，我們猜測可能是因為</a:t>
+            </a:r>
+            <a:r>
+              <a:rPr lang="en-US" altLang="zh-TW" sz="2400" dirty="0">
+                <a:latin typeface="Times New Roman" panose="02020603050405020304" pitchFamily="18" charset="0"/>
+                <a:ea typeface="標楷體" panose="03000509000000000000" pitchFamily="65" charset="-120"/>
+                <a:cs typeface="Times New Roman" panose="02020603050405020304" pitchFamily="18" charset="0"/>
+              </a:rPr>
+              <a:t>3D</a:t>
             </a:r>
             <a:r>
               <a:rPr lang="zh-TW" altLang="en-US" sz="2400" dirty="0">
-                <a:latin typeface="標楷體" panose="03000509000000000000" pitchFamily="65" charset="-120"/>
-                <a:ea typeface="標楷體" panose="03000509000000000000" pitchFamily="65" charset="-120"/>
-              </a:rPr>
-              <a:t>我們藉由調整</a:t>
-            </a:r>
-            <a:r>
-              <a:rPr lang="en-US" altLang="zh-TW" sz="2400" dirty="0" smtClean="0">
-                <a:latin typeface="標楷體" panose="03000509000000000000" pitchFamily="65" charset="-120"/>
-                <a:ea typeface="標楷體" panose="03000509000000000000" pitchFamily="65" charset="-120"/>
-              </a:rPr>
-              <a:t>PID</a:t>
-            </a:r>
-            <a:r>
-              <a:rPr lang="zh-TW" altLang="en-US" sz="2400" dirty="0" smtClean="0">
-                <a:latin typeface="標楷體" panose="03000509000000000000" pitchFamily="65" charset="-120"/>
-                <a:ea typeface="標楷體" panose="03000509000000000000" pitchFamily="65" charset="-120"/>
-              </a:rPr>
-              <a:t>參數</a:t>
-            </a:r>
-            <a:r>
-              <a:rPr lang="zh-TW" altLang="en-US" sz="2400" dirty="0">
-                <a:latin typeface="標楷體" panose="03000509000000000000" pitchFamily="65" charset="-120"/>
-                <a:ea typeface="標楷體" panose="03000509000000000000" pitchFamily="65" charset="-120"/>
-              </a:rPr>
-              <a:t>已盡可能讓系統趨近穩定，但穩定過後</a:t>
-            </a:r>
-            <a:r>
-              <a:rPr lang="zh-TW" altLang="en-US" sz="2400" dirty="0" smtClean="0">
-                <a:latin typeface="標楷體" panose="03000509000000000000" pitchFamily="65" charset="-120"/>
-                <a:ea typeface="標楷體" panose="03000509000000000000" pitchFamily="65" charset="-120"/>
-              </a:rPr>
-              <a:t>還是會</a:t>
-            </a:r>
-            <a:r>
-              <a:rPr lang="zh-TW" altLang="en-US" sz="2400" dirty="0">
-                <a:latin typeface="標楷體" panose="03000509000000000000" pitchFamily="65" charset="-120"/>
-                <a:ea typeface="標楷體" panose="03000509000000000000" pitchFamily="65" charset="-120"/>
-              </a:rPr>
-              <a:t>出現些微的震盪，我們猜測可能是因為</a:t>
-            </a:r>
-            <a:r>
-              <a:rPr lang="en-US" altLang="zh-TW" sz="2400" dirty="0" smtClean="0">
-                <a:latin typeface="標楷體" panose="03000509000000000000" pitchFamily="65" charset="-120"/>
-                <a:ea typeface="標楷體" panose="03000509000000000000" pitchFamily="65" charset="-120"/>
-              </a:rPr>
-              <a:t>3D</a:t>
-            </a:r>
-            <a:r>
-              <a:rPr lang="zh-TW" altLang="en-US" sz="2400" dirty="0" smtClean="0">
-                <a:latin typeface="標楷體" panose="03000509000000000000" pitchFamily="65" charset="-120"/>
-                <a:ea typeface="標楷體" panose="03000509000000000000" pitchFamily="65" charset="-120"/>
-              </a:rPr>
-              <a:t>列印</a:t>
-            </a:r>
-            <a:r>
-              <a:rPr lang="zh-TW" altLang="en-US" sz="2400" dirty="0">
-                <a:latin typeface="標楷體" panose="03000509000000000000" pitchFamily="65" charset="-120"/>
-                <a:ea typeface="標楷體" panose="03000509000000000000" pitchFamily="65" charset="-120"/>
-              </a:rPr>
-              <a:t>的公差所導致。</a:t>
+                <a:latin typeface="Times New Roman" panose="02020603050405020304" pitchFamily="18" charset="0"/>
+                <a:ea typeface="標楷體" panose="03000509000000000000" pitchFamily="65" charset="-120"/>
+                <a:cs typeface="Times New Roman" panose="02020603050405020304" pitchFamily="18" charset="0"/>
+              </a:rPr>
+              <a:t>列印的公差所導致。</a:t>
             </a:r>
           </a:p>
         </p:txBody>
       </p:sp>
-      <mc:AlternateContent xmlns:mc="http://schemas.openxmlformats.org/markup-compatibility/2006" xmlns:a14="http://schemas.microsoft.com/office/drawing/2010/main">
-        <mc:Choice Requires="a14">
+      <mc:AlternateContent xmlns:mc="http://schemas.openxmlformats.org/markup-compatibility/2006">
+        <mc:Choice xmlns:a14="http://schemas.microsoft.com/office/drawing/2010/main" Requires="a14">
           <p:sp>
             <p:nvSpPr>
               <p:cNvPr id="6" name="文字方塊 5"/>
@@ -8831,17 +8331,11 @@
               <a:p>
                 <a:r>
                   <a:rPr lang="zh-TW" altLang="en-US" sz="2400" dirty="0">
-                    <a:latin typeface="標楷體" panose="03000509000000000000" pitchFamily="65" charset="-120"/>
+                    <a:latin typeface="Times New Roman" panose="02020603050405020304" pitchFamily="18" charset="0"/>
                     <a:ea typeface="標楷體" panose="03000509000000000000" pitchFamily="65" charset="-120"/>
+                    <a:cs typeface="Times New Roman" panose="02020603050405020304" pitchFamily="18" charset="0"/>
                   </a:rPr>
-                  <a:t>在經過計算後，我們得到</a:t>
-                </a:r>
-                <a:r>
-                  <a:rPr lang="zh-TW" altLang="en-US" sz="2400" dirty="0" smtClean="0">
-                    <a:latin typeface="標楷體" panose="03000509000000000000" pitchFamily="65" charset="-120"/>
-                    <a:ea typeface="標楷體" panose="03000509000000000000" pitchFamily="65" charset="-120"/>
-                  </a:rPr>
-                  <a:t>了</a:t>
+                  <a:t>在經過計算後，我們得到了</a:t>
                 </a:r>
                 <a14:m>
                   <m:oMath xmlns:m="http://schemas.openxmlformats.org/officeDocument/2006/math">
@@ -8873,16 +8367,18 @@
                   </m:oMath>
                 </a14:m>
                 <a:r>
-                  <a:rPr lang="en-US" altLang="zh-TW" sz="2400" dirty="0" smtClean="0">
-                    <a:latin typeface="標楷體" panose="03000509000000000000" pitchFamily="65" charset="-120"/>
+                  <a:rPr lang="en-US" altLang="zh-TW" sz="2400" dirty="0">
+                    <a:latin typeface="Times New Roman" panose="02020603050405020304" pitchFamily="18" charset="0"/>
                     <a:ea typeface="標楷體" panose="03000509000000000000" pitchFamily="65" charset="-120"/>
+                    <a:cs typeface="Times New Roman" panose="02020603050405020304" pitchFamily="18" charset="0"/>
                   </a:rPr>
                   <a:t>=38.5</a:t>
                 </a:r>
                 <a:r>
-                  <a:rPr lang="zh-TW" altLang="en-US" sz="2400" dirty="0" smtClean="0">
-                    <a:latin typeface="標楷體" panose="03000509000000000000" pitchFamily="65" charset="-120"/>
+                  <a:rPr lang="zh-TW" altLang="en-US" sz="2400" dirty="0">
+                    <a:latin typeface="Times New Roman" panose="02020603050405020304" pitchFamily="18" charset="0"/>
                     <a:ea typeface="標楷體" panose="03000509000000000000" pitchFamily="65" charset="-120"/>
+                    <a:cs typeface="Times New Roman" panose="02020603050405020304" pitchFamily="18" charset="0"/>
                   </a:rPr>
                   <a:t>，</a:t>
                 </a:r>
@@ -8916,16 +8412,18 @@
                   </m:oMath>
                 </a14:m>
                 <a:r>
-                  <a:rPr lang="en-US" altLang="zh-TW" sz="2400" dirty="0" smtClean="0">
-                    <a:latin typeface="標楷體" panose="03000509000000000000" pitchFamily="65" charset="-120"/>
+                  <a:rPr lang="en-US" altLang="zh-TW" sz="2400" dirty="0">
+                    <a:latin typeface="Times New Roman" panose="02020603050405020304" pitchFamily="18" charset="0"/>
                     <a:ea typeface="標楷體" panose="03000509000000000000" pitchFamily="65" charset="-120"/>
+                    <a:cs typeface="Times New Roman" panose="02020603050405020304" pitchFamily="18" charset="0"/>
                   </a:rPr>
                   <a:t>=5.0</a:t>
                 </a:r>
                 <a:r>
-                  <a:rPr lang="zh-TW" altLang="en-US" sz="2400" dirty="0" smtClean="0">
-                    <a:latin typeface="標楷體" panose="03000509000000000000" pitchFamily="65" charset="-120"/>
+                  <a:rPr lang="zh-TW" altLang="en-US" sz="2400" dirty="0">
+                    <a:latin typeface="Times New Roman" panose="02020603050405020304" pitchFamily="18" charset="0"/>
                     <a:ea typeface="標楷體" panose="03000509000000000000" pitchFamily="65" charset="-120"/>
+                    <a:cs typeface="Times New Roman" panose="02020603050405020304" pitchFamily="18" charset="0"/>
                   </a:rPr>
                   <a:t>，</a:t>
                 </a:r>
@@ -8959,53 +8457,20 @@
                   </m:oMath>
                 </a14:m>
                 <a:r>
-                  <a:rPr lang="en-US" altLang="zh-TW" sz="2400" dirty="0" smtClean="0">
-                    <a:latin typeface="標楷體" panose="03000509000000000000" pitchFamily="65" charset="-120"/>
+                  <a:rPr lang="en-US" altLang="zh-TW" sz="2400" dirty="0">
+                    <a:latin typeface="Times New Roman" panose="02020603050405020304" pitchFamily="18" charset="0"/>
                     <a:ea typeface="標楷體" panose="03000509000000000000" pitchFamily="65" charset="-120"/>
+                    <a:cs typeface="Times New Roman" panose="02020603050405020304" pitchFamily="18" charset="0"/>
                   </a:rPr>
                   <a:t>=31.5</a:t>
                 </a:r>
                 <a:r>
                   <a:rPr lang="zh-TW" altLang="en-US" sz="2400" dirty="0">
-                    <a:latin typeface="標楷體" panose="03000509000000000000" pitchFamily="65" charset="-120"/>
+                    <a:latin typeface="Times New Roman" panose="02020603050405020304" pitchFamily="18" charset="0"/>
                     <a:ea typeface="標楷體" panose="03000509000000000000" pitchFamily="65" charset="-120"/>
+                    <a:cs typeface="Times New Roman" panose="02020603050405020304" pitchFamily="18" charset="0"/>
                   </a:rPr>
-                  <a:t>。但由於</a:t>
-                </a:r>
-                <a:r>
-                  <a:rPr lang="zh-TW" altLang="en-US" sz="2400" dirty="0" smtClean="0">
-                    <a:latin typeface="標楷體" panose="03000509000000000000" pitchFamily="65" charset="-120"/>
-                    <a:ea typeface="標楷體" panose="03000509000000000000" pitchFamily="65" charset="-120"/>
-                  </a:rPr>
-                  <a:t>系統</a:t>
-                </a:r>
-                <a:r>
-                  <a:rPr lang="zh-TW" altLang="en-US" sz="2400" dirty="0">
-                    <a:latin typeface="標楷體" panose="03000509000000000000" pitchFamily="65" charset="-120"/>
-                    <a:ea typeface="標楷體" panose="03000509000000000000" pitchFamily="65" charset="-120"/>
-                  </a:rPr>
-                  <a:t>誤差</a:t>
-                </a:r>
-                <a:r>
-                  <a:rPr lang="zh-TW" altLang="en-US" sz="2400" dirty="0" smtClean="0">
-                    <a:latin typeface="標楷體" panose="03000509000000000000" pitchFamily="65" charset="-120"/>
-                    <a:ea typeface="標楷體" panose="03000509000000000000" pitchFamily="65" charset="-120"/>
-                  </a:rPr>
-                  <a:t>，導致</a:t>
-                </a:r>
-                <a:r>
-                  <a:rPr lang="zh-TW" altLang="en-US" sz="2400" dirty="0">
-                    <a:latin typeface="標楷體" panose="03000509000000000000" pitchFamily="65" charset="-120"/>
-                    <a:ea typeface="標楷體" panose="03000509000000000000" pitchFamily="65" charset="-120"/>
-                  </a:rPr>
-                  <a:t>系統平衡較慢，因此我們進行手動調整得到控制參數</a:t>
-                </a:r>
-                <a:r>
-                  <a:rPr lang="zh-TW" altLang="en-US" sz="2400" dirty="0" smtClean="0">
-                    <a:latin typeface="標楷體" panose="03000509000000000000" pitchFamily="65" charset="-120"/>
-                    <a:ea typeface="標楷體" panose="03000509000000000000" pitchFamily="65" charset="-120"/>
-                  </a:rPr>
-                  <a:t>為</a:t>
+                  <a:t>。但由於系統誤差，導致系統平衡較慢，因此我們進行手動調整得到控制參數為</a:t>
                 </a:r>
                 <a14:m>
                   <m:oMath xmlns:m="http://schemas.openxmlformats.org/officeDocument/2006/math">
@@ -9037,16 +8502,18 @@
                   </m:oMath>
                 </a14:m>
                 <a:r>
-                  <a:rPr lang="en-US" altLang="zh-TW" sz="2400" dirty="0" smtClean="0">
-                    <a:latin typeface="標楷體" panose="03000509000000000000" pitchFamily="65" charset="-120"/>
+                  <a:rPr lang="en-US" altLang="zh-TW" sz="2400" dirty="0">
+                    <a:latin typeface="Times New Roman" panose="02020603050405020304" pitchFamily="18" charset="0"/>
                     <a:ea typeface="標楷體" panose="03000509000000000000" pitchFamily="65" charset="-120"/>
+                    <a:cs typeface="Times New Roman" panose="02020603050405020304" pitchFamily="18" charset="0"/>
                   </a:rPr>
                   <a:t>=38.2</a:t>
                 </a:r>
                 <a:r>
                   <a:rPr lang="zh-TW" altLang="en-US" sz="2400" dirty="0">
-                    <a:latin typeface="標楷體" panose="03000509000000000000" pitchFamily="65" charset="-120"/>
+                    <a:latin typeface="Times New Roman" panose="02020603050405020304" pitchFamily="18" charset="0"/>
                     <a:ea typeface="標楷體" panose="03000509000000000000" pitchFamily="65" charset="-120"/>
+                    <a:cs typeface="Times New Roman" panose="02020603050405020304" pitchFamily="18" charset="0"/>
                   </a:rPr>
                   <a:t>，</a:t>
                 </a:r>
@@ -9080,16 +8547,18 @@
                   </m:oMath>
                 </a14:m>
                 <a:r>
-                  <a:rPr lang="en-US" altLang="zh-TW" sz="2400" dirty="0" smtClean="0">
-                    <a:latin typeface="標楷體" panose="03000509000000000000" pitchFamily="65" charset="-120"/>
+                  <a:rPr lang="en-US" altLang="zh-TW" sz="2400" dirty="0">
+                    <a:latin typeface="Times New Roman" panose="02020603050405020304" pitchFamily="18" charset="0"/>
                     <a:ea typeface="標楷體" panose="03000509000000000000" pitchFamily="65" charset="-120"/>
+                    <a:cs typeface="Times New Roman" panose="02020603050405020304" pitchFamily="18" charset="0"/>
                   </a:rPr>
                   <a:t>=5.0</a:t>
                 </a:r>
                 <a:r>
                   <a:rPr lang="zh-TW" altLang="en-US" sz="2400" dirty="0">
-                    <a:latin typeface="標楷體" panose="03000509000000000000" pitchFamily="65" charset="-120"/>
+                    <a:latin typeface="Times New Roman" panose="02020603050405020304" pitchFamily="18" charset="0"/>
                     <a:ea typeface="標楷體" panose="03000509000000000000" pitchFamily="65" charset="-120"/>
+                    <a:cs typeface="Times New Roman" panose="02020603050405020304" pitchFamily="18" charset="0"/>
                   </a:rPr>
                   <a:t>，</a:t>
                 </a:r>
@@ -9123,16 +8592,18 @@
                   </m:oMath>
                 </a14:m>
                 <a:r>
-                  <a:rPr lang="en-US" altLang="zh-TW" sz="2400" dirty="0" smtClean="0">
-                    <a:latin typeface="標楷體" panose="03000509000000000000" pitchFamily="65" charset="-120"/>
+                  <a:rPr lang="en-US" altLang="zh-TW" sz="2400" dirty="0">
+                    <a:latin typeface="Times New Roman" panose="02020603050405020304" pitchFamily="18" charset="0"/>
                     <a:ea typeface="標楷體" panose="03000509000000000000" pitchFamily="65" charset="-120"/>
+                    <a:cs typeface="Times New Roman" panose="02020603050405020304" pitchFamily="18" charset="0"/>
                   </a:rPr>
                   <a:t>=31.6</a:t>
                 </a:r>
                 <a:r>
                   <a:rPr lang="zh-TW" altLang="en-US" sz="2400" dirty="0">
-                    <a:latin typeface="標楷體" panose="03000509000000000000" pitchFamily="65" charset="-120"/>
+                    <a:latin typeface="Times New Roman" panose="02020603050405020304" pitchFamily="18" charset="0"/>
                     <a:ea typeface="標楷體" panose="03000509000000000000" pitchFamily="65" charset="-120"/>
+                    <a:cs typeface="Times New Roman" panose="02020603050405020304" pitchFamily="18" charset="0"/>
                   </a:rPr>
                   <a:t>。</a:t>
                 </a:r>
@@ -9140,7 +8611,7 @@
             </p:txBody>
           </p:sp>
         </mc:Choice>
-        <mc:Fallback xmlns="">
+        <mc:Fallback>
           <p:sp>
             <p:nvSpPr>
               <p:cNvPr id="6" name="文字方塊 5"/>
@@ -9160,7 +8631,7 @@
               <a:blipFill>
                 <a:blip r:embed="rId2"/>
                 <a:stretch>
-                  <a:fillRect l="-928" t="-3883" r="-3768" b="-10194"/>
+                  <a:fillRect l="-928" t="-3883" b="-10194"/>
                 </a:stretch>
               </a:blipFill>
             </p:spPr>
@@ -9246,13 +8717,13 @@
             <a:lstStyle/>
             <a:p>
               <a:r>
-                <a:rPr lang="zh-TW" altLang="en-US" dirty="0" smtClean="0">
+                <a:rPr lang="zh-TW" altLang="en-US" dirty="0">
                   <a:latin typeface="標楷體" panose="03000509000000000000" pitchFamily="65" charset="-120"/>
                   <a:ea typeface="標楷體" panose="03000509000000000000" pitchFamily="65" charset="-120"/>
                 </a:rPr>
                 <a:t>國立虎尾科技大學</a:t>
               </a:r>
-              <a:endParaRPr lang="en-US" altLang="zh-TW" dirty="0" smtClean="0">
+              <a:endParaRPr lang="en-US" altLang="zh-TW" dirty="0">
                 <a:latin typeface="標楷體" panose="03000509000000000000" pitchFamily="65" charset="-120"/>
                 <a:ea typeface="標楷體" panose="03000509000000000000" pitchFamily="65" charset="-120"/>
               </a:endParaRPr>
@@ -9263,19 +8734,8 @@
                   <a:latin typeface="標楷體" panose="03000509000000000000" pitchFamily="65" charset="-120"/>
                   <a:ea typeface="標楷體" panose="03000509000000000000" pitchFamily="65" charset="-120"/>
                 </a:rPr>
-                <a:t>機械設計工程</a:t>
+                <a:t>機械設計工程系暨精密機械工程科</a:t>
               </a:r>
-              <a:r>
-                <a:rPr lang="zh-TW" altLang="en-US" dirty="0" smtClean="0">
-                  <a:latin typeface="標楷體" panose="03000509000000000000" pitchFamily="65" charset="-120"/>
-                  <a:ea typeface="標楷體" panose="03000509000000000000" pitchFamily="65" charset="-120"/>
-                </a:rPr>
-                <a:t>系暨精密機械工程科</a:t>
-              </a:r>
-              <a:endParaRPr lang="zh-TW" altLang="en-US" dirty="0">
-                <a:latin typeface="標楷體" panose="03000509000000000000" pitchFamily="65" charset="-120"/>
-                <a:ea typeface="標楷體" panose="03000509000000000000" pitchFamily="65" charset="-120"/>
-              </a:endParaRPr>
             </a:p>
           </p:txBody>
         </p:sp>
@@ -9332,7 +8792,7 @@
           <a:lstStyle/>
           <a:p>
             <a:r>
-              <a:rPr lang="zh-TW" altLang="en-US" dirty="0">
+              <a:rPr lang="zh-TW" altLang="en-US" b="1" dirty="0">
                 <a:latin typeface="標楷體" panose="03000509000000000000" pitchFamily="65" charset="-120"/>
                 <a:ea typeface="標楷體" panose="03000509000000000000" pitchFamily="65" charset="-120"/>
               </a:rPr>
@@ -9365,22 +8825,25 @@
           <a:lstStyle/>
           <a:p>
             <a:r>
-              <a:rPr lang="zh-TW" altLang="en-US" dirty="0" smtClean="0">
-                <a:latin typeface="標楷體" panose="03000509000000000000" pitchFamily="65" charset="-120"/>
-                <a:ea typeface="標楷體" panose="03000509000000000000" pitchFamily="65" charset="-120"/>
+              <a:rPr lang="zh-TW" altLang="en-US" dirty="0">
+                <a:latin typeface="Times New Roman" panose="02020603050405020304" pitchFamily="18" charset="0"/>
+                <a:ea typeface="標楷體" panose="03000509000000000000" pitchFamily="65" charset="-120"/>
+                <a:cs typeface="Times New Roman" panose="02020603050405020304" pitchFamily="18" charset="0"/>
               </a:rPr>
               <a:t>流程圖</a:t>
             </a:r>
             <a:endParaRPr lang="en-US" altLang="zh-TW" dirty="0">
-              <a:latin typeface="標楷體" panose="03000509000000000000" pitchFamily="65" charset="-120"/>
+              <a:latin typeface="Times New Roman" panose="02020603050405020304" pitchFamily="18" charset="0"/>
               <a:ea typeface="標楷體" panose="03000509000000000000" pitchFamily="65" charset="-120"/>
+              <a:cs typeface="Times New Roman" panose="02020603050405020304" pitchFamily="18" charset="0"/>
             </a:endParaRPr>
           </a:p>
           <a:p>
             <a:r>
-              <a:rPr lang="en-US" altLang="zh-TW" dirty="0" smtClean="0">
-                <a:latin typeface="標楷體" panose="03000509000000000000" pitchFamily="65" charset="-120"/>
-                <a:ea typeface="標楷體" panose="03000509000000000000" pitchFamily="65" charset="-120"/>
+              <a:rPr lang="en-US" altLang="zh-TW" dirty="0">
+                <a:latin typeface="Times New Roman" panose="02020603050405020304" pitchFamily="18" charset="0"/>
+                <a:ea typeface="標楷體" panose="03000509000000000000" pitchFamily="65" charset="-120"/>
+                <a:cs typeface="Times New Roman" panose="02020603050405020304" pitchFamily="18" charset="0"/>
               </a:rPr>
               <a:t>GitHub</a:t>
             </a:r>
@@ -9388,158 +8851,141 @@
           <a:p>
             <a:r>
               <a:rPr lang="en-US" altLang="zh-TW" dirty="0">
-                <a:latin typeface="標楷體" panose="03000509000000000000" pitchFamily="65" charset="-120"/>
-                <a:ea typeface="標楷體" panose="03000509000000000000" pitchFamily="65" charset="-120"/>
+                <a:latin typeface="Times New Roman" panose="02020603050405020304" pitchFamily="18" charset="0"/>
+                <a:ea typeface="標楷體" panose="03000509000000000000" pitchFamily="65" charset="-120"/>
+                <a:cs typeface="Times New Roman" panose="02020603050405020304" pitchFamily="18" charset="0"/>
               </a:rPr>
               <a:t>ODOO PLM</a:t>
             </a:r>
             <a:r>
-              <a:rPr lang="zh-TW" altLang="en-US" dirty="0" smtClean="0">
-                <a:latin typeface="標楷體" panose="03000509000000000000" pitchFamily="65" charset="-120"/>
-                <a:ea typeface="標楷體" panose="03000509000000000000" pitchFamily="65" charset="-120"/>
+              <a:rPr lang="zh-TW" altLang="en-US" dirty="0">
+                <a:latin typeface="Times New Roman" panose="02020603050405020304" pitchFamily="18" charset="0"/>
+                <a:ea typeface="標楷體" panose="03000509000000000000" pitchFamily="65" charset="-120"/>
+                <a:cs typeface="Times New Roman" panose="02020603050405020304" pitchFamily="18" charset="0"/>
               </a:rPr>
               <a:t>模組</a:t>
             </a:r>
-            <a:endParaRPr lang="en-US" altLang="zh-TW" dirty="0" smtClean="0">
-              <a:latin typeface="標楷體" panose="03000509000000000000" pitchFamily="65" charset="-120"/>
+            <a:endParaRPr lang="en-US" altLang="zh-TW" dirty="0">
+              <a:latin typeface="Times New Roman" panose="02020603050405020304" pitchFamily="18" charset="0"/>
               <a:ea typeface="標楷體" panose="03000509000000000000" pitchFamily="65" charset="-120"/>
+              <a:cs typeface="Times New Roman" panose="02020603050405020304" pitchFamily="18" charset="0"/>
             </a:endParaRPr>
           </a:p>
           <a:p>
             <a:r>
-              <a:rPr lang="en-US" altLang="zh-TW" dirty="0" err="1" smtClean="0">
-                <a:latin typeface="標楷體" panose="03000509000000000000" pitchFamily="65" charset="-120"/>
-                <a:ea typeface="標楷體" panose="03000509000000000000" pitchFamily="65" charset="-120"/>
+              <a:rPr lang="en-US" altLang="zh-TW" dirty="0" err="1">
+                <a:latin typeface="Times New Roman" panose="02020603050405020304" pitchFamily="18" charset="0"/>
+                <a:ea typeface="標楷體" panose="03000509000000000000" pitchFamily="65" charset="-120"/>
+                <a:cs typeface="Times New Roman" panose="02020603050405020304" pitchFamily="18" charset="0"/>
               </a:rPr>
               <a:t>LaTeX</a:t>
             </a:r>
-            <a:endParaRPr lang="en-US" altLang="zh-TW" dirty="0" smtClean="0">
-              <a:latin typeface="標楷體" panose="03000509000000000000" pitchFamily="65" charset="-120"/>
+            <a:endParaRPr lang="en-US" altLang="zh-TW" dirty="0">
+              <a:latin typeface="Times New Roman" panose="02020603050405020304" pitchFamily="18" charset="0"/>
               <a:ea typeface="標楷體" panose="03000509000000000000" pitchFamily="65" charset="-120"/>
+              <a:cs typeface="Times New Roman" panose="02020603050405020304" pitchFamily="18" charset="0"/>
             </a:endParaRPr>
           </a:p>
           <a:p>
             <a:r>
               <a:rPr lang="en-US" altLang="zh-TW" dirty="0" err="1">
-                <a:latin typeface="標楷體" panose="03000509000000000000" pitchFamily="65" charset="-120"/>
-                <a:ea typeface="標楷體" panose="03000509000000000000" pitchFamily="65" charset="-120"/>
+                <a:latin typeface="Times New Roman" panose="02020603050405020304" pitchFamily="18" charset="0"/>
+                <a:ea typeface="標楷體" panose="03000509000000000000" pitchFamily="65" charset="-120"/>
+                <a:cs typeface="Times New Roman" panose="02020603050405020304" pitchFamily="18" charset="0"/>
               </a:rPr>
               <a:t>GeoGebra</a:t>
             </a:r>
             <a:r>
               <a:rPr lang="en-US" altLang="zh-TW" dirty="0">
-                <a:latin typeface="標楷體" panose="03000509000000000000" pitchFamily="65" charset="-120"/>
-                <a:ea typeface="標楷體" panose="03000509000000000000" pitchFamily="65" charset="-120"/>
-              </a:rPr>
-              <a:t> </a:t>
-            </a:r>
-            <a:r>
-              <a:rPr lang="en-US" altLang="zh-TW" dirty="0" smtClean="0">
-                <a:latin typeface="標楷體" panose="03000509000000000000" pitchFamily="65" charset="-120"/>
-                <a:ea typeface="標楷體" panose="03000509000000000000" pitchFamily="65" charset="-120"/>
-              </a:rPr>
-              <a:t>Classic</a:t>
+                <a:latin typeface="Times New Roman" panose="02020603050405020304" pitchFamily="18" charset="0"/>
+                <a:ea typeface="標楷體" panose="03000509000000000000" pitchFamily="65" charset="-120"/>
+                <a:cs typeface="Times New Roman" panose="02020603050405020304" pitchFamily="18" charset="0"/>
+              </a:rPr>
+              <a:t> Classic</a:t>
             </a:r>
           </a:p>
           <a:p>
             <a:r>
               <a:rPr lang="zh-TW" altLang="en-US" dirty="0">
-                <a:latin typeface="標楷體" panose="03000509000000000000" pitchFamily="65" charset="-120"/>
-                <a:ea typeface="標楷體" panose="03000509000000000000" pitchFamily="65" charset="-120"/>
-              </a:rPr>
-              <a:t>案例研究：鋼球平衡台的</a:t>
-            </a:r>
-            <a:r>
-              <a:rPr lang="zh-TW" altLang="en-US" dirty="0" smtClean="0">
-                <a:latin typeface="標楷體" panose="03000509000000000000" pitchFamily="65" charset="-120"/>
-                <a:ea typeface="標楷體" panose="03000509000000000000" pitchFamily="65" charset="-120"/>
-              </a:rPr>
-              <a:t>設計</a:t>
-            </a:r>
-            <a:endParaRPr lang="en-US" altLang="zh-TW" dirty="0" smtClean="0">
-              <a:latin typeface="標楷體" panose="03000509000000000000" pitchFamily="65" charset="-120"/>
+                <a:latin typeface="Times New Roman" panose="02020603050405020304" pitchFamily="18" charset="0"/>
+                <a:ea typeface="標楷體" panose="03000509000000000000" pitchFamily="65" charset="-120"/>
+                <a:cs typeface="Times New Roman" panose="02020603050405020304" pitchFamily="18" charset="0"/>
+              </a:rPr>
+              <a:t>案例研究：鋼球平衡台的設計</a:t>
+            </a:r>
+            <a:endParaRPr lang="en-US" altLang="zh-TW" dirty="0">
+              <a:latin typeface="Times New Roman" panose="02020603050405020304" pitchFamily="18" charset="0"/>
               <a:ea typeface="標楷體" panose="03000509000000000000" pitchFamily="65" charset="-120"/>
+              <a:cs typeface="Times New Roman" panose="02020603050405020304" pitchFamily="18" charset="0"/>
             </a:endParaRPr>
           </a:p>
           <a:p>
             <a:r>
               <a:rPr lang="zh-TW" altLang="en-US" dirty="0">
-                <a:latin typeface="標楷體" panose="03000509000000000000" pitchFamily="65" charset="-120"/>
-                <a:ea typeface="標楷體" panose="03000509000000000000" pitchFamily="65" charset="-120"/>
-              </a:rPr>
-              <a:t>設計</a:t>
-            </a:r>
-            <a:r>
-              <a:rPr lang="zh-TW" altLang="en-US" dirty="0" smtClean="0">
-                <a:latin typeface="標楷體" panose="03000509000000000000" pitchFamily="65" charset="-120"/>
-                <a:ea typeface="標楷體" panose="03000509000000000000" pitchFamily="65" charset="-120"/>
-              </a:rPr>
-              <a:t>理念</a:t>
-            </a:r>
-            <a:endParaRPr lang="en-US" altLang="zh-TW" dirty="0" smtClean="0">
-              <a:latin typeface="標楷體" panose="03000509000000000000" pitchFamily="65" charset="-120"/>
+                <a:latin typeface="Times New Roman" panose="02020603050405020304" pitchFamily="18" charset="0"/>
+                <a:ea typeface="標楷體" panose="03000509000000000000" pitchFamily="65" charset="-120"/>
+                <a:cs typeface="Times New Roman" panose="02020603050405020304" pitchFamily="18" charset="0"/>
+              </a:rPr>
+              <a:t>設計理念</a:t>
+            </a:r>
+            <a:endParaRPr lang="en-US" altLang="zh-TW" dirty="0">
+              <a:latin typeface="Times New Roman" panose="02020603050405020304" pitchFamily="18" charset="0"/>
               <a:ea typeface="標楷體" panose="03000509000000000000" pitchFamily="65" charset="-120"/>
+              <a:cs typeface="Times New Roman" panose="02020603050405020304" pitchFamily="18" charset="0"/>
             </a:endParaRPr>
           </a:p>
           <a:p>
             <a:r>
               <a:rPr lang="zh-TW" altLang="en-US" dirty="0">
-                <a:latin typeface="標楷體" panose="03000509000000000000" pitchFamily="65" charset="-120"/>
-                <a:ea typeface="標楷體" panose="03000509000000000000" pitchFamily="65" charset="-120"/>
+                <a:latin typeface="Times New Roman" panose="02020603050405020304" pitchFamily="18" charset="0"/>
+                <a:ea typeface="標楷體" panose="03000509000000000000" pitchFamily="65" charset="-120"/>
+                <a:cs typeface="Times New Roman" panose="02020603050405020304" pitchFamily="18" charset="0"/>
               </a:rPr>
               <a:t>組合</a:t>
             </a:r>
             <a:r>
               <a:rPr lang="en-US" altLang="zh-TW" dirty="0">
-                <a:latin typeface="標楷體" panose="03000509000000000000" pitchFamily="65" charset="-120"/>
-                <a:ea typeface="標楷體" panose="03000509000000000000" pitchFamily="65" charset="-120"/>
+                <a:latin typeface="Times New Roman" panose="02020603050405020304" pitchFamily="18" charset="0"/>
+                <a:ea typeface="標楷體" panose="03000509000000000000" pitchFamily="65" charset="-120"/>
+                <a:cs typeface="Times New Roman" panose="02020603050405020304" pitchFamily="18" charset="0"/>
               </a:rPr>
               <a:t> 3D </a:t>
             </a:r>
             <a:r>
               <a:rPr lang="zh-TW" altLang="en-US" dirty="0">
-                <a:latin typeface="標楷體" panose="03000509000000000000" pitchFamily="65" charset="-120"/>
-                <a:ea typeface="標楷體" panose="03000509000000000000" pitchFamily="65" charset="-120"/>
-              </a:rPr>
-              <a:t>列印完成</a:t>
-            </a:r>
-            <a:r>
-              <a:rPr lang="zh-TW" altLang="en-US" dirty="0" smtClean="0">
-                <a:latin typeface="標楷體" panose="03000509000000000000" pitchFamily="65" charset="-120"/>
-                <a:ea typeface="標楷體" panose="03000509000000000000" pitchFamily="65" charset="-120"/>
-              </a:rPr>
-              <a:t>圖</a:t>
-            </a:r>
-            <a:endParaRPr lang="en-US" altLang="zh-TW" dirty="0" smtClean="0">
-              <a:latin typeface="標楷體" panose="03000509000000000000" pitchFamily="65" charset="-120"/>
+                <a:latin typeface="Times New Roman" panose="02020603050405020304" pitchFamily="18" charset="0"/>
+                <a:ea typeface="標楷體" panose="03000509000000000000" pitchFamily="65" charset="-120"/>
+                <a:cs typeface="Times New Roman" panose="02020603050405020304" pitchFamily="18" charset="0"/>
+              </a:rPr>
+              <a:t>列印完成圖</a:t>
+            </a:r>
+            <a:endParaRPr lang="en-US" altLang="zh-TW" dirty="0">
+              <a:latin typeface="Times New Roman" panose="02020603050405020304" pitchFamily="18" charset="0"/>
               <a:ea typeface="標楷體" panose="03000509000000000000" pitchFamily="65" charset="-120"/>
+              <a:cs typeface="Times New Roman" panose="02020603050405020304" pitchFamily="18" charset="0"/>
             </a:endParaRPr>
           </a:p>
           <a:p>
             <a:r>
               <a:rPr lang="zh-TW" altLang="en-US" dirty="0">
-                <a:latin typeface="標楷體" panose="03000509000000000000" pitchFamily="65" charset="-120"/>
-                <a:ea typeface="標楷體" panose="03000509000000000000" pitchFamily="65" charset="-120"/>
-              </a:rPr>
-              <a:t>設計</a:t>
-            </a:r>
-            <a:r>
-              <a:rPr lang="zh-TW" altLang="en-US" dirty="0" smtClean="0">
-                <a:latin typeface="標楷體" panose="03000509000000000000" pitchFamily="65" charset="-120"/>
-                <a:ea typeface="標楷體" panose="03000509000000000000" pitchFamily="65" charset="-120"/>
-              </a:rPr>
-              <a:t>結果</a:t>
-            </a:r>
-            <a:endParaRPr lang="en-US" altLang="zh-TW" dirty="0" smtClean="0">
-              <a:latin typeface="標楷體" panose="03000509000000000000" pitchFamily="65" charset="-120"/>
+                <a:latin typeface="Times New Roman" panose="02020603050405020304" pitchFamily="18" charset="0"/>
+                <a:ea typeface="標楷體" panose="03000509000000000000" pitchFamily="65" charset="-120"/>
+                <a:cs typeface="Times New Roman" panose="02020603050405020304" pitchFamily="18" charset="0"/>
+              </a:rPr>
+              <a:t>設計結果</a:t>
+            </a:r>
+            <a:endParaRPr lang="en-US" altLang="zh-TW" dirty="0">
+              <a:latin typeface="Times New Roman" panose="02020603050405020304" pitchFamily="18" charset="0"/>
               <a:ea typeface="標楷體" panose="03000509000000000000" pitchFamily="65" charset="-120"/>
+              <a:cs typeface="Times New Roman" panose="02020603050405020304" pitchFamily="18" charset="0"/>
             </a:endParaRPr>
           </a:p>
           <a:p>
             <a:r>
               <a:rPr lang="zh-TW" altLang="en-US" dirty="0">
-                <a:latin typeface="標楷體" panose="03000509000000000000" pitchFamily="65" charset="-120"/>
-                <a:ea typeface="標楷體" panose="03000509000000000000" pitchFamily="65" charset="-120"/>
+                <a:latin typeface="Times New Roman" panose="02020603050405020304" pitchFamily="18" charset="0"/>
+                <a:ea typeface="標楷體" panose="03000509000000000000" pitchFamily="65" charset="-120"/>
+                <a:cs typeface="Times New Roman" panose="02020603050405020304" pitchFamily="18" charset="0"/>
               </a:rPr>
               <a:t>總結</a:t>
             </a:r>
@@ -9613,13 +9059,13 @@
             <a:lstStyle/>
             <a:p>
               <a:r>
-                <a:rPr lang="zh-TW" altLang="en-US" dirty="0" smtClean="0">
+                <a:rPr lang="zh-TW" altLang="en-US" dirty="0">
                   <a:latin typeface="標楷體" panose="03000509000000000000" pitchFamily="65" charset="-120"/>
                   <a:ea typeface="標楷體" panose="03000509000000000000" pitchFamily="65" charset="-120"/>
                 </a:rPr>
                 <a:t>國立虎尾科技大學</a:t>
               </a:r>
-              <a:endParaRPr lang="en-US" altLang="zh-TW" dirty="0" smtClean="0">
+              <a:endParaRPr lang="en-US" altLang="zh-TW" dirty="0">
                 <a:latin typeface="標楷體" panose="03000509000000000000" pitchFamily="65" charset="-120"/>
                 <a:ea typeface="標楷體" panose="03000509000000000000" pitchFamily="65" charset="-120"/>
               </a:endParaRPr>
@@ -9630,19 +9076,8 @@
                   <a:latin typeface="標楷體" panose="03000509000000000000" pitchFamily="65" charset="-120"/>
                   <a:ea typeface="標楷體" panose="03000509000000000000" pitchFamily="65" charset="-120"/>
                 </a:rPr>
-                <a:t>機械設計工程</a:t>
+                <a:t>機械設計工程系暨精密機械工程科</a:t>
               </a:r>
-              <a:r>
-                <a:rPr lang="zh-TW" altLang="en-US" dirty="0" smtClean="0">
-                  <a:latin typeface="標楷體" panose="03000509000000000000" pitchFamily="65" charset="-120"/>
-                  <a:ea typeface="標楷體" panose="03000509000000000000" pitchFamily="65" charset="-120"/>
-                </a:rPr>
-                <a:t>系暨精密機械工程科</a:t>
-              </a:r>
-              <a:endParaRPr lang="zh-TW" altLang="en-US" dirty="0">
-                <a:latin typeface="標楷體" panose="03000509000000000000" pitchFamily="65" charset="-120"/>
-                <a:ea typeface="標楷體" panose="03000509000000000000" pitchFamily="65" charset="-120"/>
-              </a:endParaRPr>
             </a:p>
           </p:txBody>
         </p:sp>
@@ -9699,7 +9134,7 @@
           <a:lstStyle/>
           <a:p>
             <a:r>
-              <a:rPr lang="zh-TW" altLang="en-US" dirty="0">
+              <a:rPr lang="zh-TW" altLang="en-US" b="1" dirty="0">
                 <a:latin typeface="標楷體" panose="03000509000000000000" pitchFamily="65" charset="-120"/>
                 <a:ea typeface="標楷體" panose="03000509000000000000" pitchFamily="65" charset="-120"/>
               </a:rPr>
@@ -9741,42 +9176,40 @@
             </a:pPr>
             <a:r>
               <a:rPr lang="en-US" altLang="zh-TW" sz="2400" dirty="0">
-                <a:latin typeface="標楷體" panose="03000509000000000000" pitchFamily="65" charset="-120"/>
-                <a:ea typeface="標楷體" panose="03000509000000000000" pitchFamily="65" charset="-120"/>
+                <a:latin typeface="Times New Roman" panose="02020603050405020304" pitchFamily="18" charset="0"/>
+                <a:ea typeface="標楷體" panose="03000509000000000000" pitchFamily="65" charset="-120"/>
+                <a:cs typeface="Times New Roman" panose="02020603050405020304" pitchFamily="18" charset="0"/>
               </a:rPr>
               <a:t>．</a:t>
             </a:r>
             <a:r>
               <a:rPr lang="zh-TW" altLang="en-US" sz="2400" dirty="0">
-                <a:latin typeface="標楷體" panose="03000509000000000000" pitchFamily="65" charset="-120"/>
-                <a:ea typeface="標楷體" panose="03000509000000000000" pitchFamily="65" charset="-120"/>
+                <a:latin typeface="Times New Roman" panose="02020603050405020304" pitchFamily="18" charset="0"/>
+                <a:ea typeface="標楷體" panose="03000509000000000000" pitchFamily="65" charset="-120"/>
+                <a:cs typeface="Times New Roman" panose="02020603050405020304" pitchFamily="18" charset="0"/>
               </a:rPr>
               <a:t>在本次的專題中，我們使用</a:t>
             </a:r>
             <a:r>
               <a:rPr lang="en-US" altLang="zh-TW" sz="2400" dirty="0">
-                <a:latin typeface="標楷體" panose="03000509000000000000" pitchFamily="65" charset="-120"/>
-                <a:ea typeface="標楷體" panose="03000509000000000000" pitchFamily="65" charset="-120"/>
+                <a:latin typeface="Times New Roman" panose="02020603050405020304" pitchFamily="18" charset="0"/>
+                <a:ea typeface="標楷體" panose="03000509000000000000" pitchFamily="65" charset="-120"/>
+                <a:cs typeface="Times New Roman" panose="02020603050405020304" pitchFamily="18" charset="0"/>
               </a:rPr>
               <a:t>Odoo</a:t>
             </a:r>
             <a:r>
               <a:rPr lang="zh-TW" altLang="en-US" sz="2400" dirty="0">
-                <a:latin typeface="標楷體" panose="03000509000000000000" pitchFamily="65" charset="-120"/>
-                <a:ea typeface="標楷體" panose="03000509000000000000" pitchFamily="65" charset="-120"/>
-              </a:rPr>
-              <a:t>作為產品設計的基底</a:t>
-            </a:r>
-            <a:r>
-              <a:rPr lang="zh-TW" altLang="en-US" sz="2400" dirty="0" smtClean="0">
-                <a:latin typeface="標楷體" panose="03000509000000000000" pitchFamily="65" charset="-120"/>
-                <a:ea typeface="標楷體" panose="03000509000000000000" pitchFamily="65" charset="-120"/>
-              </a:rPr>
-              <a:t>。</a:t>
-            </a:r>
-            <a:endParaRPr lang="en-US" altLang="zh-TW" sz="2400" dirty="0" smtClean="0">
-              <a:latin typeface="標楷體" panose="03000509000000000000" pitchFamily="65" charset="-120"/>
+                <a:latin typeface="Times New Roman" panose="02020603050405020304" pitchFamily="18" charset="0"/>
+                <a:ea typeface="標楷體" panose="03000509000000000000" pitchFamily="65" charset="-120"/>
+                <a:cs typeface="Times New Roman" panose="02020603050405020304" pitchFamily="18" charset="0"/>
+              </a:rPr>
+              <a:t>作為產品設計的基底。</a:t>
+            </a:r>
+            <a:endParaRPr lang="en-US" altLang="zh-TW" sz="2400" dirty="0">
+              <a:latin typeface="Times New Roman" panose="02020603050405020304" pitchFamily="18" charset="0"/>
               <a:ea typeface="標楷體" panose="03000509000000000000" pitchFamily="65" charset="-120"/>
+              <a:cs typeface="Times New Roman" panose="02020603050405020304" pitchFamily="18" charset="0"/>
             </a:endParaRPr>
           </a:p>
           <a:p>
@@ -9784,8 +9217,9 @@
               <a:buNone/>
             </a:pPr>
             <a:endParaRPr lang="en-US" altLang="zh-TW" sz="2400" dirty="0">
-              <a:latin typeface="標楷體" panose="03000509000000000000" pitchFamily="65" charset="-120"/>
+              <a:latin typeface="Times New Roman" panose="02020603050405020304" pitchFamily="18" charset="0"/>
               <a:ea typeface="標楷體" panose="03000509000000000000" pitchFamily="65" charset="-120"/>
+              <a:cs typeface="Times New Roman" panose="02020603050405020304" pitchFamily="18" charset="0"/>
             </a:endParaRPr>
           </a:p>
           <a:p>
@@ -9794,70 +9228,72 @@
             </a:pPr>
             <a:r>
               <a:rPr lang="en-US" altLang="zh-TW" sz="2400" dirty="0">
-                <a:latin typeface="標楷體" panose="03000509000000000000" pitchFamily="65" charset="-120"/>
-                <a:ea typeface="標楷體" panose="03000509000000000000" pitchFamily="65" charset="-120"/>
+                <a:latin typeface="Times New Roman" panose="02020603050405020304" pitchFamily="18" charset="0"/>
+                <a:ea typeface="標楷體" panose="03000509000000000000" pitchFamily="65" charset="-120"/>
+                <a:cs typeface="Times New Roman" panose="02020603050405020304" pitchFamily="18" charset="0"/>
               </a:rPr>
               <a:t>．</a:t>
             </a:r>
             <a:r>
               <a:rPr lang="zh-TW" altLang="en-US" sz="2400" dirty="0">
-                <a:latin typeface="標楷體" panose="03000509000000000000" pitchFamily="65" charset="-120"/>
-                <a:ea typeface="標楷體" panose="03000509000000000000" pitchFamily="65" charset="-120"/>
+                <a:latin typeface="Times New Roman" panose="02020603050405020304" pitchFamily="18" charset="0"/>
+                <a:ea typeface="標楷體" panose="03000509000000000000" pitchFamily="65" charset="-120"/>
+                <a:cs typeface="Times New Roman" panose="02020603050405020304" pitchFamily="18" charset="0"/>
               </a:rPr>
               <a:t>結合</a:t>
             </a:r>
             <a:r>
               <a:rPr lang="en-US" altLang="zh-TW" sz="2400" dirty="0">
-                <a:latin typeface="標楷體" panose="03000509000000000000" pitchFamily="65" charset="-120"/>
-                <a:ea typeface="標楷體" panose="03000509000000000000" pitchFamily="65" charset="-120"/>
+                <a:latin typeface="Times New Roman" panose="02020603050405020304" pitchFamily="18" charset="0"/>
+                <a:ea typeface="標楷體" panose="03000509000000000000" pitchFamily="65" charset="-120"/>
+                <a:cs typeface="Times New Roman" panose="02020603050405020304" pitchFamily="18" charset="0"/>
               </a:rPr>
               <a:t>SolidWorks</a:t>
             </a:r>
             <a:r>
               <a:rPr lang="zh-TW" altLang="en-US" sz="2400" dirty="0">
-                <a:latin typeface="標楷體" panose="03000509000000000000" pitchFamily="65" charset="-120"/>
-                <a:ea typeface="標楷體" panose="03000509000000000000" pitchFamily="65" charset="-120"/>
+                <a:latin typeface="Times New Roman" panose="02020603050405020304" pitchFamily="18" charset="0"/>
+                <a:ea typeface="標楷體" panose="03000509000000000000" pitchFamily="65" charset="-120"/>
+                <a:cs typeface="Times New Roman" panose="02020603050405020304" pitchFamily="18" charset="0"/>
               </a:rPr>
               <a:t>設計零件、</a:t>
             </a:r>
             <a:r>
               <a:rPr lang="en-US" altLang="zh-TW" sz="2400" dirty="0" err="1">
-                <a:latin typeface="標楷體" panose="03000509000000000000" pitchFamily="65" charset="-120"/>
-                <a:ea typeface="標楷體" panose="03000509000000000000" pitchFamily="65" charset="-120"/>
+                <a:latin typeface="Times New Roman" panose="02020603050405020304" pitchFamily="18" charset="0"/>
+                <a:ea typeface="標楷體" panose="03000509000000000000" pitchFamily="65" charset="-120"/>
+                <a:cs typeface="Times New Roman" panose="02020603050405020304" pitchFamily="18" charset="0"/>
               </a:rPr>
               <a:t>CoppeliaSim</a:t>
             </a:r>
             <a:r>
               <a:rPr lang="zh-TW" altLang="en-US" sz="2400" dirty="0">
-                <a:latin typeface="標楷體" panose="03000509000000000000" pitchFamily="65" charset="-120"/>
-                <a:ea typeface="標楷體" panose="03000509000000000000" pitchFamily="65" charset="-120"/>
+                <a:latin typeface="Times New Roman" panose="02020603050405020304" pitchFamily="18" charset="0"/>
+                <a:ea typeface="標楷體" panose="03000509000000000000" pitchFamily="65" charset="-120"/>
+                <a:cs typeface="Times New Roman" panose="02020603050405020304" pitchFamily="18" charset="0"/>
               </a:rPr>
               <a:t>機構模擬、</a:t>
             </a:r>
             <a:r>
               <a:rPr lang="en-US" altLang="zh-TW" sz="2400" dirty="0">
-                <a:latin typeface="標楷體" panose="03000509000000000000" pitchFamily="65" charset="-120"/>
-                <a:ea typeface="標楷體" panose="03000509000000000000" pitchFamily="65" charset="-120"/>
+                <a:latin typeface="Times New Roman" panose="02020603050405020304" pitchFamily="18" charset="0"/>
+                <a:ea typeface="標楷體" panose="03000509000000000000" pitchFamily="65" charset="-120"/>
+                <a:cs typeface="Times New Roman" panose="02020603050405020304" pitchFamily="18" charset="0"/>
               </a:rPr>
               <a:t>GitHub</a:t>
             </a:r>
             <a:r>
               <a:rPr lang="zh-TW" altLang="en-US" sz="2400" dirty="0">
-                <a:latin typeface="標楷體" panose="03000509000000000000" pitchFamily="65" charset="-120"/>
-                <a:ea typeface="標楷體" panose="03000509000000000000" pitchFamily="65" charset="-120"/>
-              </a:rPr>
-              <a:t>協同</a:t>
-            </a:r>
-            <a:r>
-              <a:rPr lang="zh-TW" altLang="en-US" sz="2400" dirty="0" smtClean="0">
-                <a:latin typeface="標楷體" panose="03000509000000000000" pitchFamily="65" charset="-120"/>
-                <a:ea typeface="標楷體" panose="03000509000000000000" pitchFamily="65" charset="-120"/>
-              </a:rPr>
-              <a:t>。</a:t>
-            </a:r>
-            <a:endParaRPr lang="en-US" altLang="zh-TW" sz="2400" dirty="0" smtClean="0">
-              <a:latin typeface="標楷體" panose="03000509000000000000" pitchFamily="65" charset="-120"/>
+                <a:latin typeface="Times New Roman" panose="02020603050405020304" pitchFamily="18" charset="0"/>
+                <a:ea typeface="標楷體" panose="03000509000000000000" pitchFamily="65" charset="-120"/>
+                <a:cs typeface="Times New Roman" panose="02020603050405020304" pitchFamily="18" charset="0"/>
+              </a:rPr>
+              <a:t>協同。</a:t>
+            </a:r>
+            <a:endParaRPr lang="en-US" altLang="zh-TW" sz="2400" dirty="0">
+              <a:latin typeface="Times New Roman" panose="02020603050405020304" pitchFamily="18" charset="0"/>
               <a:ea typeface="標楷體" panose="03000509000000000000" pitchFamily="65" charset="-120"/>
+              <a:cs typeface="Times New Roman" panose="02020603050405020304" pitchFamily="18" charset="0"/>
             </a:endParaRPr>
           </a:p>
           <a:p>
@@ -9865,8 +9301,9 @@
               <a:buNone/>
             </a:pPr>
             <a:endParaRPr lang="en-US" altLang="zh-TW" sz="2400" dirty="0">
-              <a:latin typeface="標楷體" panose="03000509000000000000" pitchFamily="65" charset="-120"/>
+              <a:latin typeface="Times New Roman" panose="02020603050405020304" pitchFamily="18" charset="0"/>
               <a:ea typeface="標楷體" panose="03000509000000000000" pitchFamily="65" charset="-120"/>
+              <a:cs typeface="Times New Roman" panose="02020603050405020304" pitchFamily="18" charset="0"/>
             </a:endParaRPr>
           </a:p>
           <a:p>
@@ -9874,50 +9311,57 @@
               <a:buNone/>
             </a:pPr>
             <a:r>
-              <a:rPr lang="en-US" altLang="zh-TW" sz="2400" dirty="0" smtClean="0">
-                <a:latin typeface="標楷體" panose="03000509000000000000" pitchFamily="65" charset="-120"/>
-                <a:ea typeface="標楷體" panose="03000509000000000000" pitchFamily="65" charset="-120"/>
+              <a:rPr lang="en-US" altLang="zh-TW" sz="2400" dirty="0">
+                <a:latin typeface="Times New Roman" panose="02020603050405020304" pitchFamily="18" charset="0"/>
+                <a:ea typeface="標楷體" panose="03000509000000000000" pitchFamily="65" charset="-120"/>
+                <a:cs typeface="Times New Roman" panose="02020603050405020304" pitchFamily="18" charset="0"/>
               </a:rPr>
               <a:t>．</a:t>
             </a:r>
             <a:r>
-              <a:rPr lang="zh-TW" altLang="en-US" sz="2400" dirty="0" smtClean="0">
-                <a:latin typeface="標楷體" panose="03000509000000000000" pitchFamily="65" charset="-120"/>
-                <a:ea typeface="標楷體" panose="03000509000000000000" pitchFamily="65" charset="-120"/>
+              <a:rPr lang="zh-TW" altLang="en-US" sz="2400" dirty="0">
+                <a:latin typeface="Times New Roman" panose="02020603050405020304" pitchFamily="18" charset="0"/>
+                <a:ea typeface="標楷體" panose="03000509000000000000" pitchFamily="65" charset="-120"/>
+                <a:cs typeface="Times New Roman" panose="02020603050405020304" pitchFamily="18" charset="0"/>
               </a:rPr>
               <a:t>利用</a:t>
             </a:r>
             <a:r>
-              <a:rPr lang="en-US" altLang="zh-TW" sz="2400" dirty="0" smtClean="0">
-                <a:latin typeface="標楷體" panose="03000509000000000000" pitchFamily="65" charset="-120"/>
-                <a:ea typeface="標楷體" panose="03000509000000000000" pitchFamily="65" charset="-120"/>
+              <a:rPr lang="en-US" altLang="zh-TW" sz="2400" dirty="0">
+                <a:latin typeface="Times New Roman" panose="02020603050405020304" pitchFamily="18" charset="0"/>
+                <a:ea typeface="標楷體" panose="03000509000000000000" pitchFamily="65" charset="-120"/>
+                <a:cs typeface="Times New Roman" panose="02020603050405020304" pitchFamily="18" charset="0"/>
               </a:rPr>
               <a:t>ODOO</a:t>
             </a:r>
             <a:r>
-              <a:rPr lang="zh-TW" altLang="en-US" sz="2400" dirty="0" smtClean="0">
-                <a:latin typeface="標楷體" panose="03000509000000000000" pitchFamily="65" charset="-120"/>
-                <a:ea typeface="標楷體" panose="03000509000000000000" pitchFamily="65" charset="-120"/>
+              <a:rPr lang="zh-TW" altLang="en-US" sz="2400" dirty="0">
+                <a:latin typeface="Times New Roman" panose="02020603050405020304" pitchFamily="18" charset="0"/>
+                <a:ea typeface="標楷體" panose="03000509000000000000" pitchFamily="65" charset="-120"/>
+                <a:cs typeface="Times New Roman" panose="02020603050405020304" pitchFamily="18" charset="0"/>
               </a:rPr>
               <a:t> </a:t>
             </a:r>
             <a:r>
-              <a:rPr lang="en-US" altLang="zh-TW" sz="2400" dirty="0" smtClean="0">
-                <a:latin typeface="標楷體" panose="03000509000000000000" pitchFamily="65" charset="-120"/>
-                <a:ea typeface="標楷體" panose="03000509000000000000" pitchFamily="65" charset="-120"/>
+              <a:rPr lang="en-US" altLang="zh-TW" sz="2400" dirty="0">
+                <a:latin typeface="Times New Roman" panose="02020603050405020304" pitchFamily="18" charset="0"/>
+                <a:ea typeface="標楷體" panose="03000509000000000000" pitchFamily="65" charset="-120"/>
+                <a:cs typeface="Times New Roman" panose="02020603050405020304" pitchFamily="18" charset="0"/>
               </a:rPr>
               <a:t>PLM</a:t>
             </a:r>
             <a:r>
-              <a:rPr lang="zh-TW" altLang="en-US" sz="2400" dirty="0" smtClean="0">
-                <a:latin typeface="標楷體" panose="03000509000000000000" pitchFamily="65" charset="-120"/>
-                <a:ea typeface="標楷體" panose="03000509000000000000" pitchFamily="65" charset="-120"/>
+              <a:rPr lang="zh-TW" altLang="en-US" sz="2400" dirty="0">
+                <a:latin typeface="Times New Roman" panose="02020603050405020304" pitchFamily="18" charset="0"/>
+                <a:ea typeface="標楷體" panose="03000509000000000000" pitchFamily="65" charset="-120"/>
+                <a:cs typeface="Times New Roman" panose="02020603050405020304" pitchFamily="18" charset="0"/>
               </a:rPr>
               <a:t>模組方便管理產品生命週期，幫助我們模擬企業客製化產品的設計製造過程。</a:t>
             </a:r>
-            <a:endParaRPr lang="en-US" altLang="zh-TW" sz="2400" dirty="0" smtClean="0">
-              <a:latin typeface="標楷體" panose="03000509000000000000" pitchFamily="65" charset="-120"/>
+            <a:endParaRPr lang="en-US" altLang="zh-TW" sz="2400" dirty="0">
+              <a:latin typeface="Times New Roman" panose="02020603050405020304" pitchFamily="18" charset="0"/>
               <a:ea typeface="標楷體" panose="03000509000000000000" pitchFamily="65" charset="-120"/>
+              <a:cs typeface="Times New Roman" panose="02020603050405020304" pitchFamily="18" charset="0"/>
             </a:endParaRPr>
           </a:p>
           <a:p>
@@ -9925,8 +9369,9 @@
               <a:buNone/>
             </a:pPr>
             <a:endParaRPr lang="en-US" altLang="zh-TW" sz="2400" dirty="0">
-              <a:latin typeface="標楷體" panose="03000509000000000000" pitchFamily="65" charset="-120"/>
+              <a:latin typeface="Times New Roman" panose="02020603050405020304" pitchFamily="18" charset="0"/>
               <a:ea typeface="標楷體" panose="03000509000000000000" pitchFamily="65" charset="-120"/>
+              <a:cs typeface="Times New Roman" panose="02020603050405020304" pitchFamily="18" charset="0"/>
             </a:endParaRPr>
           </a:p>
           <a:p>
@@ -9935,15 +9380,17 @@
             </a:pPr>
             <a:r>
               <a:rPr lang="en-US" altLang="zh-TW" sz="2400" dirty="0">
-                <a:latin typeface="標楷體" panose="03000509000000000000" pitchFamily="65" charset="-120"/>
-                <a:ea typeface="標楷體" panose="03000509000000000000" pitchFamily="65" charset="-120"/>
+                <a:latin typeface="Times New Roman" panose="02020603050405020304" pitchFamily="18" charset="0"/>
+                <a:ea typeface="標楷體" panose="03000509000000000000" pitchFamily="65" charset="-120"/>
+                <a:cs typeface="Times New Roman" panose="02020603050405020304" pitchFamily="18" charset="0"/>
               </a:rPr>
               <a:t>．</a:t>
             </a:r>
             <a:r>
               <a:rPr lang="zh-TW" altLang="en-US" sz="2400" dirty="0">
-                <a:latin typeface="標楷體" panose="03000509000000000000" pitchFamily="65" charset="-120"/>
-                <a:ea typeface="標楷體" panose="03000509000000000000" pitchFamily="65" charset="-120"/>
+                <a:latin typeface="Times New Roman" panose="02020603050405020304" pitchFamily="18" charset="0"/>
+                <a:ea typeface="標楷體" panose="03000509000000000000" pitchFamily="65" charset="-120"/>
+                <a:cs typeface="Times New Roman" panose="02020603050405020304" pitchFamily="18" charset="0"/>
               </a:rPr>
               <a:t>在這個專題裡我們學到了每種程式不同功用，並使用各個程式的優缺點加以揉合後產生一加一大於二的功效。</a:t>
             </a:r>
@@ -10017,13 +9464,13 @@
             <a:lstStyle/>
             <a:p>
               <a:r>
-                <a:rPr lang="zh-TW" altLang="en-US" dirty="0" smtClean="0">
+                <a:rPr lang="zh-TW" altLang="en-US" dirty="0">
                   <a:latin typeface="標楷體" panose="03000509000000000000" pitchFamily="65" charset="-120"/>
                   <a:ea typeface="標楷體" panose="03000509000000000000" pitchFamily="65" charset="-120"/>
                 </a:rPr>
                 <a:t>國立虎尾科技大學</a:t>
               </a:r>
-              <a:endParaRPr lang="en-US" altLang="zh-TW" dirty="0" smtClean="0">
+              <a:endParaRPr lang="en-US" altLang="zh-TW" dirty="0">
                 <a:latin typeface="標楷體" panose="03000509000000000000" pitchFamily="65" charset="-120"/>
                 <a:ea typeface="標楷體" panose="03000509000000000000" pitchFamily="65" charset="-120"/>
               </a:endParaRPr>
@@ -10034,19 +9481,8 @@
                   <a:latin typeface="標楷體" panose="03000509000000000000" pitchFamily="65" charset="-120"/>
                   <a:ea typeface="標楷體" panose="03000509000000000000" pitchFamily="65" charset="-120"/>
                 </a:rPr>
-                <a:t>機械設計工程</a:t>
+                <a:t>機械設計工程系暨精密機械工程科</a:t>
               </a:r>
-              <a:r>
-                <a:rPr lang="zh-TW" altLang="en-US" dirty="0" smtClean="0">
-                  <a:latin typeface="標楷體" panose="03000509000000000000" pitchFamily="65" charset="-120"/>
-                  <a:ea typeface="標楷體" panose="03000509000000000000" pitchFamily="65" charset="-120"/>
-                </a:rPr>
-                <a:t>系暨精密機械工程科</a:t>
-              </a:r>
-              <a:endParaRPr lang="zh-TW" altLang="en-US" dirty="0">
-                <a:latin typeface="標楷體" panose="03000509000000000000" pitchFamily="65" charset="-120"/>
-                <a:ea typeface="標楷體" panose="03000509000000000000" pitchFamily="65" charset="-120"/>
-              </a:endParaRPr>
             </a:p>
           </p:txBody>
         </p:sp>
@@ -10061,13 +9497,6 @@
   <p:clrMapOvr>
     <a:masterClrMapping/>
   </p:clrMapOvr>
-  <p:timing>
-    <p:tnLst>
-      <p:par>
-        <p:cTn id="1" dur="indefinite" restart="never" nodeType="tmRoot"/>
-      </p:par>
-    </p:tnLst>
-  </p:timing>
 </p:sld>
 </file>
 
@@ -10110,7 +9539,7 @@
           <a:lstStyle/>
           <a:p>
             <a:r>
-              <a:rPr lang="zh-TW" altLang="en-US" dirty="0">
+              <a:rPr lang="zh-TW" altLang="en-US" b="1" dirty="0">
                 <a:latin typeface="標楷體" panose="03000509000000000000" pitchFamily="65" charset="-120"/>
                 <a:ea typeface="標楷體" panose="03000509000000000000" pitchFamily="65" charset="-120"/>
               </a:rPr>
@@ -10145,21 +9574,7 @@
                 <a:latin typeface="標楷體" panose="03000509000000000000" pitchFamily="65" charset="-120"/>
                 <a:ea typeface="標楷體" panose="03000509000000000000" pitchFamily="65" charset="-120"/>
               </a:rPr>
-              <a:t>我們將藉由以下流程探討、研究、並分析協同工具在協同設計上</a:t>
-            </a:r>
-            <a:r>
-              <a:rPr lang="zh-TW" altLang="en-US" dirty="0" smtClean="0">
-                <a:latin typeface="標楷體" panose="03000509000000000000" pitchFamily="65" charset="-120"/>
-                <a:ea typeface="標楷體" panose="03000509000000000000" pitchFamily="65" charset="-120"/>
-              </a:rPr>
-              <a:t>的應用</a:t>
-            </a:r>
-            <a:r>
-              <a:rPr lang="zh-TW" altLang="en-US" dirty="0">
-                <a:latin typeface="標楷體" panose="03000509000000000000" pitchFamily="65" charset="-120"/>
-                <a:ea typeface="標楷體" panose="03000509000000000000" pitchFamily="65" charset="-120"/>
-              </a:rPr>
-              <a:t>。</a:t>
+              <a:t>我們將藉由以下流程探討、研究、並分析協同工具在協同設計上的應用。</a:t>
             </a:r>
           </a:p>
         </p:txBody>
@@ -10261,13 +9676,13 @@
             <a:lstStyle/>
             <a:p>
               <a:r>
-                <a:rPr lang="zh-TW" altLang="en-US" dirty="0" smtClean="0">
+                <a:rPr lang="zh-TW" altLang="en-US" dirty="0">
                   <a:latin typeface="標楷體" panose="03000509000000000000" pitchFamily="65" charset="-120"/>
                   <a:ea typeface="標楷體" panose="03000509000000000000" pitchFamily="65" charset="-120"/>
                 </a:rPr>
                 <a:t>國立虎尾科技大學</a:t>
               </a:r>
-              <a:endParaRPr lang="en-US" altLang="zh-TW" dirty="0" smtClean="0">
+              <a:endParaRPr lang="en-US" altLang="zh-TW" dirty="0">
                 <a:latin typeface="標楷體" panose="03000509000000000000" pitchFamily="65" charset="-120"/>
                 <a:ea typeface="標楷體" panose="03000509000000000000" pitchFamily="65" charset="-120"/>
               </a:endParaRPr>
@@ -10278,19 +9693,8 @@
                   <a:latin typeface="標楷體" panose="03000509000000000000" pitchFamily="65" charset="-120"/>
                   <a:ea typeface="標楷體" panose="03000509000000000000" pitchFamily="65" charset="-120"/>
                 </a:rPr>
-                <a:t>機械設計工程</a:t>
+                <a:t>機械設計工程系暨精密機械工程科</a:t>
               </a:r>
-              <a:r>
-                <a:rPr lang="zh-TW" altLang="en-US" dirty="0" smtClean="0">
-                  <a:latin typeface="標楷體" panose="03000509000000000000" pitchFamily="65" charset="-120"/>
-                  <a:ea typeface="標楷體" panose="03000509000000000000" pitchFamily="65" charset="-120"/>
-                </a:rPr>
-                <a:t>系暨精密機械工程科</a:t>
-              </a:r>
-              <a:endParaRPr lang="zh-TW" altLang="en-US" dirty="0">
-                <a:latin typeface="標楷體" panose="03000509000000000000" pitchFamily="65" charset="-120"/>
-                <a:ea typeface="標楷體" panose="03000509000000000000" pitchFamily="65" charset="-120"/>
-              </a:endParaRPr>
             </a:p>
           </p:txBody>
         </p:sp>
@@ -10347,15 +9751,17 @@
           <a:lstStyle/>
           <a:p>
             <a:r>
-              <a:rPr lang="en-US" altLang="zh-TW" dirty="0">
-                <a:latin typeface="標楷體" panose="03000509000000000000" pitchFamily="65" charset="-120"/>
-                <a:ea typeface="標楷體" panose="03000509000000000000" pitchFamily="65" charset="-120"/>
+              <a:rPr lang="en-US" altLang="zh-TW" b="1" dirty="0">
+                <a:latin typeface="Times New Roman" panose="02020603050405020304" pitchFamily="18" charset="0"/>
+                <a:ea typeface="標楷體" panose="03000509000000000000" pitchFamily="65" charset="-120"/>
+                <a:cs typeface="Times New Roman" panose="02020603050405020304" pitchFamily="18" charset="0"/>
               </a:rPr>
               <a:t>GitHub</a:t>
             </a:r>
-            <a:endParaRPr lang="zh-TW" altLang="en-US" dirty="0">
-              <a:latin typeface="標楷體" panose="03000509000000000000" pitchFamily="65" charset="-120"/>
+            <a:endParaRPr lang="zh-TW" altLang="en-US" b="1" dirty="0">
+              <a:latin typeface="Times New Roman" panose="02020603050405020304" pitchFamily="18" charset="0"/>
               <a:ea typeface="標楷體" panose="03000509000000000000" pitchFamily="65" charset="-120"/>
+              <a:cs typeface="Times New Roman" panose="02020603050405020304" pitchFamily="18" charset="0"/>
             </a:endParaRPr>
           </a:p>
         </p:txBody>
@@ -10389,43 +9795,33 @@
             </a:pPr>
             <a:r>
               <a:rPr lang="en-US" altLang="zh-TW" dirty="0">
-                <a:latin typeface="標楷體" panose="03000509000000000000" pitchFamily="65" charset="-120"/>
-                <a:ea typeface="標楷體" panose="03000509000000000000" pitchFamily="65" charset="-120"/>
+                <a:latin typeface="Times New Roman" panose="02020603050405020304" pitchFamily="18" charset="0"/>
+                <a:ea typeface="標楷體" panose="03000509000000000000" pitchFamily="65" charset="-120"/>
+                <a:cs typeface="Times New Roman" panose="02020603050405020304" pitchFamily="18" charset="0"/>
               </a:rPr>
               <a:t>	GitHub </a:t>
             </a:r>
             <a:r>
               <a:rPr lang="zh-TW" altLang="en-US" dirty="0">
-                <a:latin typeface="標楷體" panose="03000509000000000000" pitchFamily="65" charset="-120"/>
-                <a:ea typeface="標楷體" panose="03000509000000000000" pitchFamily="65" charset="-120"/>
-              </a:rPr>
-              <a:t>是一個基於</a:t>
-            </a:r>
-            <a:r>
-              <a:rPr lang="zh-TW" altLang="en-US" dirty="0" smtClean="0">
-                <a:latin typeface="標楷體" panose="03000509000000000000" pitchFamily="65" charset="-120"/>
-                <a:ea typeface="標楷體" panose="03000509000000000000" pitchFamily="65" charset="-120"/>
-              </a:rPr>
-              <a:t>網路的</a:t>
+                <a:latin typeface="Times New Roman" panose="02020603050405020304" pitchFamily="18" charset="0"/>
+                <a:ea typeface="標楷體" panose="03000509000000000000" pitchFamily="65" charset="-120"/>
+                <a:cs typeface="Times New Roman" panose="02020603050405020304" pitchFamily="18" charset="0"/>
+              </a:rPr>
+              <a:t>是一個基於網路的程式碼管理和協作平台，為開發者提供了一個集中式的位置來存儲、管理和共享他們的程式碼項目。它使用</a:t>
+            </a:r>
+            <a:r>
+              <a:rPr lang="en-US" altLang="zh-TW" dirty="0">
+                <a:latin typeface="Times New Roman" panose="02020603050405020304" pitchFamily="18" charset="0"/>
+                <a:ea typeface="標楷體" panose="03000509000000000000" pitchFamily="65" charset="-120"/>
+                <a:cs typeface="Times New Roman" panose="02020603050405020304" pitchFamily="18" charset="0"/>
+              </a:rPr>
+              <a:t>Git</a:t>
             </a:r>
             <a:r>
               <a:rPr lang="zh-TW" altLang="en-US" dirty="0">
-                <a:latin typeface="標楷體" panose="03000509000000000000" pitchFamily="65" charset="-120"/>
-                <a:ea typeface="標楷體" panose="03000509000000000000" pitchFamily="65" charset="-120"/>
-              </a:rPr>
-              <a:t>程式碼管理和協作平台，為開發者提供了一個集中式的位置來存儲、管理和共享他們的程式碼項目。它使用</a:t>
-            </a:r>
-            <a:r>
-              <a:rPr lang="en-US" altLang="zh-TW" dirty="0">
-                <a:latin typeface="標楷體" panose="03000509000000000000" pitchFamily="65" charset="-120"/>
-                <a:ea typeface="標楷體" panose="03000509000000000000" pitchFamily="65" charset="-120"/>
-              </a:rPr>
-              <a:t>Git</a:t>
-            </a:r>
-            <a:r>
-              <a:rPr lang="zh-TW" altLang="en-US" dirty="0">
-                <a:latin typeface="標楷體" panose="03000509000000000000" pitchFamily="65" charset="-120"/>
-                <a:ea typeface="標楷體" panose="03000509000000000000" pitchFamily="65" charset="-120"/>
+                <a:latin typeface="Times New Roman" panose="02020603050405020304" pitchFamily="18" charset="0"/>
+                <a:ea typeface="標楷體" panose="03000509000000000000" pitchFamily="65" charset="-120"/>
+                <a:cs typeface="Times New Roman" panose="02020603050405020304" pitchFamily="18" charset="0"/>
               </a:rPr>
               <a:t>版本控制系統，允許用戶追蹤文件的變更、對其進行版本控制，並輕鬆地進行協作和交流。</a:t>
             </a:r>
@@ -10648,13 +10044,13 @@
             <a:lstStyle/>
             <a:p>
               <a:r>
-                <a:rPr lang="zh-TW" altLang="en-US" dirty="0" smtClean="0">
+                <a:rPr lang="zh-TW" altLang="en-US" dirty="0">
                   <a:latin typeface="標楷體" panose="03000509000000000000" pitchFamily="65" charset="-120"/>
                   <a:ea typeface="標楷體" panose="03000509000000000000" pitchFamily="65" charset="-120"/>
                 </a:rPr>
                 <a:t>國立虎尾科技大學</a:t>
               </a:r>
-              <a:endParaRPr lang="en-US" altLang="zh-TW" dirty="0" smtClean="0">
+              <a:endParaRPr lang="en-US" altLang="zh-TW" dirty="0">
                 <a:latin typeface="標楷體" panose="03000509000000000000" pitchFamily="65" charset="-120"/>
                 <a:ea typeface="標楷體" panose="03000509000000000000" pitchFamily="65" charset="-120"/>
               </a:endParaRPr>
@@ -10665,19 +10061,8 @@
                   <a:latin typeface="標楷體" panose="03000509000000000000" pitchFamily="65" charset="-120"/>
                   <a:ea typeface="標楷體" panose="03000509000000000000" pitchFamily="65" charset="-120"/>
                 </a:rPr>
-                <a:t>機械設計工程</a:t>
+                <a:t>機械設計工程系暨精密機械工程科</a:t>
               </a:r>
-              <a:r>
-                <a:rPr lang="zh-TW" altLang="en-US" dirty="0" smtClean="0">
-                  <a:latin typeface="標楷體" panose="03000509000000000000" pitchFamily="65" charset="-120"/>
-                  <a:ea typeface="標楷體" panose="03000509000000000000" pitchFamily="65" charset="-120"/>
-                </a:rPr>
-                <a:t>系暨精密機械工程科</a:t>
-              </a:r>
-              <a:endParaRPr lang="zh-TW" altLang="en-US" dirty="0">
-                <a:latin typeface="標楷體" panose="03000509000000000000" pitchFamily="65" charset="-120"/>
-                <a:ea typeface="標楷體" panose="03000509000000000000" pitchFamily="65" charset="-120"/>
-              </a:endParaRPr>
             </a:p>
           </p:txBody>
         </p:sp>
@@ -10692,13 +10077,6 @@
   <p:clrMapOvr>
     <a:masterClrMapping/>
   </p:clrMapOvr>
-  <p:timing>
-    <p:tnLst>
-      <p:par>
-        <p:cTn id="1" dur="indefinite" restart="never" nodeType="tmRoot"/>
-      </p:par>
-    </p:tnLst>
-  </p:timing>
 </p:sld>
 </file>
 
@@ -10741,16 +10119,18 @@
           <a:lstStyle/>
           <a:p>
             <a:r>
-              <a:rPr lang="en-US" altLang="zh-TW" dirty="0">
-                <a:latin typeface="標楷體" panose="03000509000000000000" pitchFamily="65" charset="-120"/>
-                <a:ea typeface="標楷體" panose="03000509000000000000" pitchFamily="65" charset="-120"/>
+              <a:rPr lang="en-US" altLang="zh-TW" b="1" dirty="0">
+                <a:latin typeface="Times New Roman" panose="02020603050405020304" pitchFamily="18" charset="0"/>
+                <a:ea typeface="標楷體" panose="03000509000000000000" pitchFamily="65" charset="-120"/>
+                <a:cs typeface="Times New Roman" panose="02020603050405020304" pitchFamily="18" charset="0"/>
               </a:rPr>
               <a:t>ODOO PLM</a:t>
             </a:r>
             <a:r>
-              <a:rPr lang="zh-TW" altLang="en-US" dirty="0">
-                <a:latin typeface="標楷體" panose="03000509000000000000" pitchFamily="65" charset="-120"/>
-                <a:ea typeface="標楷體" panose="03000509000000000000" pitchFamily="65" charset="-120"/>
+              <a:rPr lang="zh-TW" altLang="en-US" b="1" dirty="0">
+                <a:latin typeface="Times New Roman" panose="02020603050405020304" pitchFamily="18" charset="0"/>
+                <a:ea typeface="標楷體" panose="03000509000000000000" pitchFamily="65" charset="-120"/>
+                <a:cs typeface="Times New Roman" panose="02020603050405020304" pitchFamily="18" charset="0"/>
               </a:rPr>
               <a:t>模組</a:t>
             </a:r>
@@ -10790,29 +10170,33 @@
             </a:pPr>
             <a:r>
               <a:rPr lang="en-US" altLang="zh-TW" dirty="0">
-                <a:latin typeface="標楷體" panose="03000509000000000000" pitchFamily="65" charset="-120"/>
-                <a:ea typeface="標楷體" panose="03000509000000000000" pitchFamily="65" charset="-120"/>
+                <a:latin typeface="Times New Roman" panose="02020603050405020304" pitchFamily="18" charset="0"/>
+                <a:ea typeface="標楷體" panose="03000509000000000000" pitchFamily="65" charset="-120"/>
+                <a:cs typeface="Times New Roman" panose="02020603050405020304" pitchFamily="18" charset="0"/>
               </a:rPr>
               <a:t>	Odoo </a:t>
             </a:r>
             <a:r>
               <a:rPr lang="zh-TW" altLang="en-US" dirty="0">
-                <a:latin typeface="標楷體" panose="03000509000000000000" pitchFamily="65" charset="-120"/>
-                <a:ea typeface="標楷體" panose="03000509000000000000" pitchFamily="65" charset="-120"/>
+                <a:latin typeface="Times New Roman" panose="02020603050405020304" pitchFamily="18" charset="0"/>
+                <a:ea typeface="標楷體" panose="03000509000000000000" pitchFamily="65" charset="-120"/>
+                <a:cs typeface="Times New Roman" panose="02020603050405020304" pitchFamily="18" charset="0"/>
               </a:rPr>
               <a:t>產品生命週期管理</a:t>
             </a:r>
             <a:r>
               <a:rPr lang="en-US" altLang="zh-TW" dirty="0">
-                <a:latin typeface="標楷體" panose="03000509000000000000" pitchFamily="65" charset="-120"/>
-                <a:ea typeface="標楷體" panose="03000509000000000000" pitchFamily="65" charset="-120"/>
+                <a:latin typeface="Times New Roman" panose="02020603050405020304" pitchFamily="18" charset="0"/>
+                <a:ea typeface="標楷體" panose="03000509000000000000" pitchFamily="65" charset="-120"/>
+                <a:cs typeface="Times New Roman" panose="02020603050405020304" pitchFamily="18" charset="0"/>
               </a:rPr>
               <a:t>(PLM) </a:t>
             </a:r>
             <a:r>
               <a:rPr lang="zh-TW" altLang="en-US" dirty="0">
-                <a:latin typeface="標楷體" panose="03000509000000000000" pitchFamily="65" charset="-120"/>
-                <a:ea typeface="標楷體" panose="03000509000000000000" pitchFamily="65" charset="-120"/>
+                <a:latin typeface="Times New Roman" panose="02020603050405020304" pitchFamily="18" charset="0"/>
+                <a:ea typeface="標楷體" panose="03000509000000000000" pitchFamily="65" charset="-120"/>
+                <a:cs typeface="Times New Roman" panose="02020603050405020304" pitchFamily="18" charset="0"/>
               </a:rPr>
               <a:t>模組可以幫助企業對於產品的生命週期管理：從客戶需求→ 設計開發→ 產品測試→ 大量生產→ 產品維護→ 產品停產下架。</a:t>
             </a:r>
@@ -11023,13 +10407,13 @@
             <a:lstStyle/>
             <a:p>
               <a:r>
-                <a:rPr lang="zh-TW" altLang="en-US" dirty="0" smtClean="0">
+                <a:rPr lang="zh-TW" altLang="en-US" dirty="0">
                   <a:latin typeface="標楷體" panose="03000509000000000000" pitchFamily="65" charset="-120"/>
                   <a:ea typeface="標楷體" panose="03000509000000000000" pitchFamily="65" charset="-120"/>
                 </a:rPr>
                 <a:t>國立虎尾科技大學</a:t>
               </a:r>
-              <a:endParaRPr lang="en-US" altLang="zh-TW" dirty="0" smtClean="0">
+              <a:endParaRPr lang="en-US" altLang="zh-TW" dirty="0">
                 <a:latin typeface="標楷體" panose="03000509000000000000" pitchFamily="65" charset="-120"/>
                 <a:ea typeface="標楷體" panose="03000509000000000000" pitchFamily="65" charset="-120"/>
               </a:endParaRPr>
@@ -11040,19 +10424,8 @@
                   <a:latin typeface="標楷體" panose="03000509000000000000" pitchFamily="65" charset="-120"/>
                   <a:ea typeface="標楷體" panose="03000509000000000000" pitchFamily="65" charset="-120"/>
                 </a:rPr>
-                <a:t>機械設計工程</a:t>
+                <a:t>機械設計工程系暨精密機械工程科</a:t>
               </a:r>
-              <a:r>
-                <a:rPr lang="zh-TW" altLang="en-US" dirty="0" smtClean="0">
-                  <a:latin typeface="標楷體" panose="03000509000000000000" pitchFamily="65" charset="-120"/>
-                  <a:ea typeface="標楷體" panose="03000509000000000000" pitchFamily="65" charset="-120"/>
-                </a:rPr>
-                <a:t>系暨精密機械工程科</a:t>
-              </a:r>
-              <a:endParaRPr lang="zh-TW" altLang="en-US" dirty="0">
-                <a:latin typeface="標楷體" panose="03000509000000000000" pitchFamily="65" charset="-120"/>
-                <a:ea typeface="標楷體" panose="03000509000000000000" pitchFamily="65" charset="-120"/>
-              </a:endParaRPr>
             </a:p>
           </p:txBody>
         </p:sp>
@@ -11067,13 +10440,6 @@
   <p:clrMapOvr>
     <a:masterClrMapping/>
   </p:clrMapOvr>
-  <p:timing>
-    <p:tnLst>
-      <p:par>
-        <p:cTn id="1" dur="indefinite" restart="never" nodeType="tmRoot"/>
-      </p:par>
-    </p:tnLst>
-  </p:timing>
 </p:sld>
 </file>
 
@@ -11116,16 +10482,18 @@
           <a:lstStyle/>
           <a:p>
             <a:r>
-              <a:rPr lang="en-US" altLang="zh-TW" dirty="0">
-                <a:latin typeface="標楷體" panose="03000509000000000000" pitchFamily="65" charset="-120"/>
-                <a:ea typeface="標楷體" panose="03000509000000000000" pitchFamily="65" charset="-120"/>
+              <a:rPr lang="en-US" altLang="zh-TW" b="1" dirty="0">
+                <a:latin typeface="Times New Roman" panose="02020603050405020304" pitchFamily="18" charset="0"/>
+                <a:ea typeface="標楷體" panose="03000509000000000000" pitchFamily="65" charset="-120"/>
+                <a:cs typeface="Times New Roman" panose="02020603050405020304" pitchFamily="18" charset="0"/>
               </a:rPr>
               <a:t>ODOO PLM</a:t>
             </a:r>
             <a:r>
-              <a:rPr lang="zh-TW" altLang="en-US" dirty="0">
-                <a:latin typeface="標楷體" panose="03000509000000000000" pitchFamily="65" charset="-120"/>
-                <a:ea typeface="標楷體" panose="03000509000000000000" pitchFamily="65" charset="-120"/>
+              <a:rPr lang="zh-TW" altLang="en-US" b="1" dirty="0">
+                <a:latin typeface="Times New Roman" panose="02020603050405020304" pitchFamily="18" charset="0"/>
+                <a:ea typeface="標楷體" panose="03000509000000000000" pitchFamily="65" charset="-120"/>
+                <a:cs typeface="Times New Roman" panose="02020603050405020304" pitchFamily="18" charset="0"/>
               </a:rPr>
               <a:t>模組</a:t>
             </a:r>
@@ -11150,8 +10518,8 @@
         </p:nvSpPr>
         <p:spPr>
           <a:xfrm>
-            <a:off x="838200" y="1825625"/>
-            <a:ext cx="5147733" cy="4351338"/>
+            <a:off x="838201" y="1825625"/>
+            <a:ext cx="5006788" cy="4351338"/>
           </a:xfrm>
         </p:spPr>
         <p:txBody>
@@ -11165,15 +10533,17 @@
             </a:pPr>
             <a:r>
               <a:rPr lang="en-US" altLang="zh-TW" dirty="0">
-                <a:latin typeface="標楷體" panose="03000509000000000000" pitchFamily="65" charset="-120"/>
-                <a:ea typeface="標楷體" panose="03000509000000000000" pitchFamily="65" charset="-120"/>
+                <a:latin typeface="Times New Roman" panose="02020603050405020304" pitchFamily="18" charset="0"/>
+                <a:ea typeface="標楷體" panose="03000509000000000000" pitchFamily="65" charset="-120"/>
+                <a:cs typeface="Times New Roman" panose="02020603050405020304" pitchFamily="18" charset="0"/>
               </a:rPr>
               <a:t>	PLM </a:t>
             </a:r>
             <a:r>
               <a:rPr lang="zh-TW" altLang="en-US" dirty="0">
-                <a:latin typeface="標楷體" panose="03000509000000000000" pitchFamily="65" charset="-120"/>
-                <a:ea typeface="標楷體" panose="03000509000000000000" pitchFamily="65" charset="-120"/>
+                <a:latin typeface="Times New Roman" panose="02020603050405020304" pitchFamily="18" charset="0"/>
+                <a:ea typeface="標楷體" panose="03000509000000000000" pitchFamily="65" charset="-120"/>
+                <a:cs typeface="Times New Roman" panose="02020603050405020304" pitchFamily="18" charset="0"/>
               </a:rPr>
               <a:t>模組中可以為這個工作項目指派負責人員以及完成所需時間，負責這個項目的人員就可以對進度進行提交、修改，每次項目提交都會以歷史紀錄保存，方便團隊追溯產品的修改紀錄。</a:t>
             </a:r>
@@ -11383,13 +10753,13 @@
             <a:lstStyle/>
             <a:p>
               <a:r>
-                <a:rPr lang="zh-TW" altLang="en-US" dirty="0" smtClean="0">
+                <a:rPr lang="zh-TW" altLang="en-US" dirty="0">
                   <a:latin typeface="標楷體" panose="03000509000000000000" pitchFamily="65" charset="-120"/>
                   <a:ea typeface="標楷體" panose="03000509000000000000" pitchFamily="65" charset="-120"/>
                 </a:rPr>
                 <a:t>國立虎尾科技大學</a:t>
               </a:r>
-              <a:endParaRPr lang="en-US" altLang="zh-TW" dirty="0" smtClean="0">
+              <a:endParaRPr lang="en-US" altLang="zh-TW" dirty="0">
                 <a:latin typeface="標楷體" panose="03000509000000000000" pitchFamily="65" charset="-120"/>
                 <a:ea typeface="標楷體" panose="03000509000000000000" pitchFamily="65" charset="-120"/>
               </a:endParaRPr>
@@ -11400,19 +10770,8 @@
                   <a:latin typeface="標楷體" panose="03000509000000000000" pitchFamily="65" charset="-120"/>
                   <a:ea typeface="標楷體" panose="03000509000000000000" pitchFamily="65" charset="-120"/>
                 </a:rPr>
-                <a:t>機械設計工程</a:t>
+                <a:t>機械設計工程系暨精密機械工程科</a:t>
               </a:r>
-              <a:r>
-                <a:rPr lang="zh-TW" altLang="en-US" dirty="0" smtClean="0">
-                  <a:latin typeface="標楷體" panose="03000509000000000000" pitchFamily="65" charset="-120"/>
-                  <a:ea typeface="標楷體" panose="03000509000000000000" pitchFamily="65" charset="-120"/>
-                </a:rPr>
-                <a:t>系暨精密機械工程科</a:t>
-              </a:r>
-              <a:endParaRPr lang="zh-TW" altLang="en-US" dirty="0">
-                <a:latin typeface="標楷體" panose="03000509000000000000" pitchFamily="65" charset="-120"/>
-                <a:ea typeface="標楷體" panose="03000509000000000000" pitchFamily="65" charset="-120"/>
-              </a:endParaRPr>
             </a:p>
           </p:txBody>
         </p:sp>
@@ -11427,13 +10786,6 @@
   <p:clrMapOvr>
     <a:masterClrMapping/>
   </p:clrMapOvr>
-  <p:timing>
-    <p:tnLst>
-      <p:par>
-        <p:cTn id="1" dur="indefinite" restart="never" nodeType="tmRoot"/>
-      </p:par>
-    </p:tnLst>
-  </p:timing>
 </p:sld>
 </file>
 
@@ -11476,15 +10828,17 @@
           <a:lstStyle/>
           <a:p>
             <a:r>
-              <a:rPr lang="en-US" altLang="zh-TW" dirty="0">
-                <a:latin typeface="標楷體" panose="03000509000000000000" pitchFamily="65" charset="-120"/>
-                <a:ea typeface="標楷體" panose="03000509000000000000" pitchFamily="65" charset="-120"/>
+              <a:rPr lang="en-US" altLang="zh-TW" b="1" dirty="0">
+                <a:latin typeface="Times New Roman" panose="02020603050405020304" pitchFamily="18" charset="0"/>
+                <a:ea typeface="標楷體" panose="03000509000000000000" pitchFamily="65" charset="-120"/>
+                <a:cs typeface="Times New Roman" panose="02020603050405020304" pitchFamily="18" charset="0"/>
               </a:rPr>
               <a:t>LaTeX</a:t>
             </a:r>
-            <a:endParaRPr lang="zh-TW" altLang="en-US" dirty="0">
-              <a:latin typeface="標楷體" panose="03000509000000000000" pitchFamily="65" charset="-120"/>
+            <a:endParaRPr lang="zh-TW" altLang="en-US" b="1" dirty="0">
+              <a:latin typeface="Times New Roman" panose="02020603050405020304" pitchFamily="18" charset="0"/>
               <a:ea typeface="標楷體" panose="03000509000000000000" pitchFamily="65" charset="-120"/>
+              <a:cs typeface="Times New Roman" panose="02020603050405020304" pitchFamily="18" charset="0"/>
             </a:endParaRPr>
           </a:p>
         </p:txBody>
@@ -11523,57 +10877,49 @@
             </a:pPr>
             <a:r>
               <a:rPr lang="en-US" altLang="zh-TW" dirty="0">
-                <a:latin typeface="標楷體" panose="03000509000000000000" pitchFamily="65" charset="-120"/>
-                <a:ea typeface="標楷體" panose="03000509000000000000" pitchFamily="65" charset="-120"/>
+                <a:latin typeface="Times New Roman" panose="02020603050405020304" pitchFamily="18" charset="0"/>
+                <a:ea typeface="標楷體" panose="03000509000000000000" pitchFamily="65" charset="-120"/>
+                <a:cs typeface="Times New Roman" panose="02020603050405020304" pitchFamily="18" charset="0"/>
               </a:rPr>
               <a:t>	LaTeX </a:t>
             </a:r>
             <a:r>
               <a:rPr lang="zh-TW" altLang="en-US" dirty="0">
-                <a:latin typeface="標楷體" panose="03000509000000000000" pitchFamily="65" charset="-120"/>
-                <a:ea typeface="標楷體" panose="03000509000000000000" pitchFamily="65" charset="-120"/>
-              </a:rPr>
-              <a:t>是一種專業的排版系統，通常用於製作科學、技術和</a:t>
-            </a:r>
-            <a:r>
-              <a:rPr lang="zh-TW" altLang="en-US" dirty="0" smtClean="0">
-                <a:latin typeface="標楷體" panose="03000509000000000000" pitchFamily="65" charset="-120"/>
-                <a:ea typeface="標楷體" panose="03000509000000000000" pitchFamily="65" charset="-120"/>
-              </a:rPr>
-              <a:t>學術</a:t>
+                <a:latin typeface="Times New Roman" panose="02020603050405020304" pitchFamily="18" charset="0"/>
+                <a:ea typeface="標楷體" panose="03000509000000000000" pitchFamily="65" charset="-120"/>
+                <a:cs typeface="Times New Roman" panose="02020603050405020304" pitchFamily="18" charset="0"/>
+              </a:rPr>
+              <a:t>是一種專業的排版系統，通常用於製作科學、技術和學術文檔，如論文、報告、書籍等。與常見的文字處理軟體，和 </a:t>
+            </a:r>
+            <a:r>
+              <a:rPr lang="en-US" altLang="zh-TW" dirty="0">
+                <a:latin typeface="Times New Roman" panose="02020603050405020304" pitchFamily="18" charset="0"/>
+                <a:ea typeface="標楷體" panose="03000509000000000000" pitchFamily="65" charset="-120"/>
+                <a:cs typeface="Times New Roman" panose="02020603050405020304" pitchFamily="18" charset="0"/>
+              </a:rPr>
+              <a:t>Microsoft Word </a:t>
             </a:r>
             <a:r>
               <a:rPr lang="zh-TW" altLang="en-US" dirty="0">
-                <a:latin typeface="標楷體" panose="03000509000000000000" pitchFamily="65" charset="-120"/>
-                <a:ea typeface="標楷體" panose="03000509000000000000" pitchFamily="65" charset="-120"/>
-              </a:rPr>
-              <a:t>文檔，如論文、報告、書籍等。與常見的文字處理軟體，和 </a:t>
+                <a:latin typeface="Times New Roman" panose="02020603050405020304" pitchFamily="18" charset="0"/>
+                <a:ea typeface="標楷體" panose="03000509000000000000" pitchFamily="65" charset="-120"/>
+                <a:cs typeface="Times New Roman" panose="02020603050405020304" pitchFamily="18" charset="0"/>
+              </a:rPr>
+              <a:t>相比，</a:t>
             </a:r>
             <a:r>
               <a:rPr lang="en-US" altLang="zh-TW" dirty="0">
-                <a:latin typeface="標楷體" panose="03000509000000000000" pitchFamily="65" charset="-120"/>
-                <a:ea typeface="標楷體" panose="03000509000000000000" pitchFamily="65" charset="-120"/>
-              </a:rPr>
-              <a:t>Microsoft Word </a:t>
+                <a:latin typeface="Times New Roman" panose="02020603050405020304" pitchFamily="18" charset="0"/>
+                <a:ea typeface="標楷體" panose="03000509000000000000" pitchFamily="65" charset="-120"/>
+                <a:cs typeface="Times New Roman" panose="02020603050405020304" pitchFamily="18" charset="0"/>
+              </a:rPr>
+              <a:t>LaTeX </a:t>
             </a:r>
             <a:r>
               <a:rPr lang="zh-TW" altLang="en-US" dirty="0">
-                <a:latin typeface="標楷體" panose="03000509000000000000" pitchFamily="65" charset="-120"/>
-                <a:ea typeface="標楷體" panose="03000509000000000000" pitchFamily="65" charset="-120"/>
-              </a:rPr>
-              <a:t>相比，</a:t>
-            </a:r>
-            <a:r>
-              <a:rPr lang="en-US" altLang="zh-TW" dirty="0">
-                <a:latin typeface="標楷體" panose="03000509000000000000" pitchFamily="65" charset="-120"/>
-                <a:ea typeface="標楷體" panose="03000509000000000000" pitchFamily="65" charset="-120"/>
-              </a:rPr>
-              <a:t>LaTeX </a:t>
-            </a:r>
-            <a:r>
-              <a:rPr lang="zh-TW" altLang="en-US" dirty="0">
-                <a:latin typeface="標楷體" panose="03000509000000000000" pitchFamily="65" charset="-120"/>
-                <a:ea typeface="標楷體" panose="03000509000000000000" pitchFamily="65" charset="-120"/>
+                <a:latin typeface="Times New Roman" panose="02020603050405020304" pitchFamily="18" charset="0"/>
+                <a:ea typeface="標楷體" panose="03000509000000000000" pitchFamily="65" charset="-120"/>
+                <a:cs typeface="Times New Roman" panose="02020603050405020304" pitchFamily="18" charset="0"/>
               </a:rPr>
               <a:t>以其強大的排版能力和對數學公式的支援而聞名。</a:t>
             </a:r>
@@ -11718,13 +11064,13 @@
             <a:lstStyle/>
             <a:p>
               <a:r>
-                <a:rPr lang="zh-TW" altLang="en-US" dirty="0" smtClean="0">
+                <a:rPr lang="zh-TW" altLang="en-US" dirty="0">
                   <a:latin typeface="標楷體" panose="03000509000000000000" pitchFamily="65" charset="-120"/>
                   <a:ea typeface="標楷體" panose="03000509000000000000" pitchFamily="65" charset="-120"/>
                 </a:rPr>
                 <a:t>國立虎尾科技大學</a:t>
               </a:r>
-              <a:endParaRPr lang="en-US" altLang="zh-TW" dirty="0" smtClean="0">
+              <a:endParaRPr lang="en-US" altLang="zh-TW" dirty="0">
                 <a:latin typeface="標楷體" panose="03000509000000000000" pitchFamily="65" charset="-120"/>
                 <a:ea typeface="標楷體" panose="03000509000000000000" pitchFamily="65" charset="-120"/>
               </a:endParaRPr>
@@ -11735,19 +11081,8 @@
                   <a:latin typeface="標楷體" panose="03000509000000000000" pitchFamily="65" charset="-120"/>
                   <a:ea typeface="標楷體" panose="03000509000000000000" pitchFamily="65" charset="-120"/>
                 </a:rPr>
-                <a:t>機械設計工程</a:t>
+                <a:t>機械設計工程系暨精密機械工程科</a:t>
               </a:r>
-              <a:r>
-                <a:rPr lang="zh-TW" altLang="en-US" dirty="0" smtClean="0">
-                  <a:latin typeface="標楷體" panose="03000509000000000000" pitchFamily="65" charset="-120"/>
-                  <a:ea typeface="標楷體" panose="03000509000000000000" pitchFamily="65" charset="-120"/>
-                </a:rPr>
-                <a:t>系暨精密機械工程科</a:t>
-              </a:r>
-              <a:endParaRPr lang="zh-TW" altLang="en-US" dirty="0">
-                <a:latin typeface="標楷體" panose="03000509000000000000" pitchFamily="65" charset="-120"/>
-                <a:ea typeface="標楷體" panose="03000509000000000000" pitchFamily="65" charset="-120"/>
-              </a:endParaRPr>
             </a:p>
           </p:txBody>
         </p:sp>
@@ -11762,13 +11097,6 @@
   <p:clrMapOvr>
     <a:masterClrMapping/>
   </p:clrMapOvr>
-  <p:timing>
-    <p:tnLst>
-      <p:par>
-        <p:cTn id="1" dur="indefinite" restart="never" nodeType="tmRoot"/>
-      </p:par>
-    </p:tnLst>
-  </p:timing>
 </p:sld>
 </file>
 
@@ -11811,15 +11139,17 @@
           <a:lstStyle/>
           <a:p>
             <a:r>
-              <a:rPr lang="en-US" altLang="zh-TW" dirty="0">
-                <a:latin typeface="標楷體" panose="03000509000000000000" pitchFamily="65" charset="-120"/>
-                <a:ea typeface="標楷體" panose="03000509000000000000" pitchFamily="65" charset="-120"/>
+              <a:rPr lang="en-US" altLang="zh-TW" b="1" dirty="0">
+                <a:latin typeface="Times New Roman" panose="02020603050405020304" pitchFamily="18" charset="0"/>
+                <a:ea typeface="標楷體" panose="03000509000000000000" pitchFamily="65" charset="-120"/>
+                <a:cs typeface="Times New Roman" panose="02020603050405020304" pitchFamily="18" charset="0"/>
               </a:rPr>
               <a:t>GeoGebra Classic</a:t>
             </a:r>
-            <a:endParaRPr lang="zh-TW" altLang="en-US" dirty="0">
-              <a:latin typeface="標楷體" panose="03000509000000000000" pitchFamily="65" charset="-120"/>
+            <a:endParaRPr lang="zh-TW" altLang="en-US" b="1" dirty="0">
+              <a:latin typeface="Times New Roman" panose="02020603050405020304" pitchFamily="18" charset="0"/>
               <a:ea typeface="標楷體" panose="03000509000000000000" pitchFamily="65" charset="-120"/>
+              <a:cs typeface="Times New Roman" panose="02020603050405020304" pitchFamily="18" charset="0"/>
             </a:endParaRPr>
           </a:p>
         </p:txBody>
@@ -11850,15 +11180,17 @@
             </a:pPr>
             <a:r>
               <a:rPr lang="en-US" altLang="zh-TW" dirty="0">
-                <a:latin typeface="標楷體" panose="03000509000000000000" pitchFamily="65" charset="-120"/>
-                <a:ea typeface="標楷體" panose="03000509000000000000" pitchFamily="65" charset="-120"/>
+                <a:latin typeface="Times New Roman" panose="02020603050405020304" pitchFamily="18" charset="0"/>
+                <a:ea typeface="標楷體" panose="03000509000000000000" pitchFamily="65" charset="-120"/>
+                <a:cs typeface="Times New Roman" panose="02020603050405020304" pitchFamily="18" charset="0"/>
               </a:rPr>
               <a:t>	GeoGebra Classic</a:t>
             </a:r>
             <a:r>
               <a:rPr lang="zh-TW" altLang="en-US" dirty="0">
-                <a:latin typeface="標楷體" panose="03000509000000000000" pitchFamily="65" charset="-120"/>
-                <a:ea typeface="標楷體" panose="03000509000000000000" pitchFamily="65" charset="-120"/>
+                <a:latin typeface="Times New Roman" panose="02020603050405020304" pitchFamily="18" charset="0"/>
+                <a:ea typeface="標楷體" panose="03000509000000000000" pitchFamily="65" charset="-120"/>
+                <a:cs typeface="Times New Roman" panose="02020603050405020304" pitchFamily="18" charset="0"/>
               </a:rPr>
               <a:t>是一款將幾何、代數、函數轉化成圖形的工具，我們利用這個軟體幫助我們計算和模擬馬達機構運作行程位置、速度。</a:t>
             </a:r>
@@ -11929,7 +11261,7 @@
         </p:blipFill>
         <p:spPr>
           <a:xfrm>
-            <a:off x="3918566" y="2683582"/>
+            <a:off x="3918566" y="2818519"/>
             <a:ext cx="6193252" cy="3493381"/>
           </a:xfrm>
           <a:prstGeom prst="rect">
@@ -12004,13 +11336,13 @@
             <a:lstStyle/>
             <a:p>
               <a:r>
-                <a:rPr lang="zh-TW" altLang="en-US" dirty="0" smtClean="0">
+                <a:rPr lang="zh-TW" altLang="en-US" dirty="0">
                   <a:latin typeface="標楷體" panose="03000509000000000000" pitchFamily="65" charset="-120"/>
                   <a:ea typeface="標楷體" panose="03000509000000000000" pitchFamily="65" charset="-120"/>
                 </a:rPr>
                 <a:t>國立虎尾科技大學</a:t>
               </a:r>
-              <a:endParaRPr lang="en-US" altLang="zh-TW" dirty="0" smtClean="0">
+              <a:endParaRPr lang="en-US" altLang="zh-TW" dirty="0">
                 <a:latin typeface="標楷體" panose="03000509000000000000" pitchFamily="65" charset="-120"/>
                 <a:ea typeface="標楷體" panose="03000509000000000000" pitchFamily="65" charset="-120"/>
               </a:endParaRPr>
@@ -12021,19 +11353,8 @@
                   <a:latin typeface="標楷體" panose="03000509000000000000" pitchFamily="65" charset="-120"/>
                   <a:ea typeface="標楷體" panose="03000509000000000000" pitchFamily="65" charset="-120"/>
                 </a:rPr>
-                <a:t>機械設計工程</a:t>
+                <a:t>機械設計工程系暨精密機械工程科</a:t>
               </a:r>
-              <a:r>
-                <a:rPr lang="zh-TW" altLang="en-US" dirty="0" smtClean="0">
-                  <a:latin typeface="標楷體" panose="03000509000000000000" pitchFamily="65" charset="-120"/>
-                  <a:ea typeface="標楷體" panose="03000509000000000000" pitchFamily="65" charset="-120"/>
-                </a:rPr>
-                <a:t>系暨精密機械工程科</a:t>
-              </a:r>
-              <a:endParaRPr lang="zh-TW" altLang="en-US" dirty="0">
-                <a:latin typeface="標楷體" panose="03000509000000000000" pitchFamily="65" charset="-120"/>
-                <a:ea typeface="標楷體" panose="03000509000000000000" pitchFamily="65" charset="-120"/>
-              </a:endParaRPr>
             </a:p>
           </p:txBody>
         </p:sp>
@@ -12048,13 +11369,6 @@
   <p:clrMapOvr>
     <a:masterClrMapping/>
   </p:clrMapOvr>
-  <p:timing>
-    <p:tnLst>
-      <p:par>
-        <p:cTn id="1" dur="indefinite" restart="never" nodeType="tmRoot"/>
-      </p:par>
-    </p:tnLst>
-  </p:timing>
 </p:sld>
 </file>
 
@@ -12097,7 +11411,7 @@
           <a:lstStyle/>
           <a:p>
             <a:r>
-              <a:rPr lang="zh-TW" altLang="en-US" dirty="0">
+              <a:rPr lang="zh-TW" altLang="en-US" b="1" dirty="0">
                 <a:latin typeface="標楷體" panose="03000509000000000000" pitchFamily="65" charset="-120"/>
                 <a:ea typeface="標楷體" panose="03000509000000000000" pitchFamily="65" charset="-120"/>
               </a:rPr>
@@ -12138,71 +11452,41 @@
               <a:buNone/>
             </a:pPr>
             <a:r>
-              <a:rPr lang="en-US" altLang="zh-TW" dirty="0" smtClean="0">
-                <a:latin typeface="標楷體" panose="03000509000000000000" pitchFamily="65" charset="-120"/>
-                <a:ea typeface="標楷體" panose="03000509000000000000" pitchFamily="65" charset="-120"/>
+              <a:rPr lang="en-US" altLang="zh-TW" dirty="0">
+                <a:latin typeface="Times New Roman" panose="02020603050405020304" pitchFamily="18" charset="0"/>
+                <a:ea typeface="標楷體" panose="03000509000000000000" pitchFamily="65" charset="-120"/>
+                <a:cs typeface="Times New Roman" panose="02020603050405020304" pitchFamily="18" charset="0"/>
               </a:rPr>
               <a:t>	</a:t>
             </a:r>
             <a:r>
-              <a:rPr lang="zh-TW" altLang="en-US" dirty="0" smtClean="0">
-                <a:latin typeface="標楷體" panose="03000509000000000000" pitchFamily="65" charset="-120"/>
-                <a:ea typeface="標楷體" panose="03000509000000000000" pitchFamily="65" charset="-120"/>
-              </a:rPr>
-              <a:t>在</a:t>
-            </a:r>
-            <a:r>
               <a:rPr lang="zh-TW" altLang="en-US" dirty="0">
-                <a:latin typeface="標楷體" panose="03000509000000000000" pitchFamily="65" charset="-120"/>
-                <a:ea typeface="標楷體" panose="03000509000000000000" pitchFamily="65" charset="-120"/>
-              </a:rPr>
-              <a:t>鋼球平衡台中我們會用到兩種不同領域的理論，數學系統模型</a:t>
-            </a:r>
-            <a:r>
-              <a:rPr lang="zh-TW" altLang="en-US" dirty="0" smtClean="0">
-                <a:latin typeface="標楷體" panose="03000509000000000000" pitchFamily="65" charset="-120"/>
-                <a:ea typeface="標楷體" panose="03000509000000000000" pitchFamily="65" charset="-120"/>
-              </a:rPr>
-              <a:t>以牛頓</a:t>
+                <a:latin typeface="Times New Roman" panose="02020603050405020304" pitchFamily="18" charset="0"/>
+                <a:ea typeface="標楷體" panose="03000509000000000000" pitchFamily="65" charset="-120"/>
+                <a:cs typeface="Times New Roman" panose="02020603050405020304" pitchFamily="18" charset="0"/>
+              </a:rPr>
+              <a:t>在鋼球平衡台中我們會用到兩種不同領域的理論，數學系統模型以牛頓力學推導運動方程式後使用拉氏轉換將時域轉變成頻域，而另外一項就是自動控制中常見的 </a:t>
+            </a:r>
+            <a:r>
+              <a:rPr lang="en-US" altLang="zh-TW" dirty="0">
+                <a:latin typeface="Times New Roman" panose="02020603050405020304" pitchFamily="18" charset="0"/>
+                <a:ea typeface="標楷體" panose="03000509000000000000" pitchFamily="65" charset="-120"/>
+                <a:cs typeface="Times New Roman" panose="02020603050405020304" pitchFamily="18" charset="0"/>
+              </a:rPr>
+              <a:t>PID </a:t>
             </a:r>
             <a:r>
               <a:rPr lang="zh-TW" altLang="en-US" dirty="0">
-                <a:latin typeface="標楷體" panose="03000509000000000000" pitchFamily="65" charset="-120"/>
-                <a:ea typeface="標楷體" panose="03000509000000000000" pitchFamily="65" charset="-120"/>
-              </a:rPr>
-              <a:t>力學推導運動方程式後使用拉</a:t>
-            </a:r>
-            <a:r>
-              <a:rPr lang="zh-TW" altLang="en-US" dirty="0" smtClean="0">
-                <a:latin typeface="標楷體" panose="03000509000000000000" pitchFamily="65" charset="-120"/>
-                <a:ea typeface="標楷體" panose="03000509000000000000" pitchFamily="65" charset="-120"/>
-              </a:rPr>
-              <a:t>氏轉換</a:t>
-            </a:r>
-            <a:r>
-              <a:rPr lang="zh-TW" altLang="en-US" dirty="0">
-                <a:latin typeface="標楷體" panose="03000509000000000000" pitchFamily="65" charset="-120"/>
-                <a:ea typeface="標楷體" panose="03000509000000000000" pitchFamily="65" charset="-120"/>
-              </a:rPr>
-              <a:t>將時域轉變成頻域，而另外一項就是自動控制中常見的 </a:t>
-            </a:r>
-            <a:r>
-              <a:rPr lang="en-US" altLang="zh-TW" dirty="0">
-                <a:latin typeface="標楷體" panose="03000509000000000000" pitchFamily="65" charset="-120"/>
-                <a:ea typeface="標楷體" panose="03000509000000000000" pitchFamily="65" charset="-120"/>
-              </a:rPr>
-              <a:t>PID </a:t>
-            </a:r>
-            <a:r>
-              <a:rPr lang="zh-TW" altLang="en-US" dirty="0">
-                <a:latin typeface="標楷體" panose="03000509000000000000" pitchFamily="65" charset="-120"/>
-                <a:ea typeface="標楷體" panose="03000509000000000000" pitchFamily="65" charset="-120"/>
+                <a:latin typeface="Times New Roman" panose="02020603050405020304" pitchFamily="18" charset="0"/>
+                <a:ea typeface="標楷體" panose="03000509000000000000" pitchFamily="65" charset="-120"/>
+                <a:cs typeface="Times New Roman" panose="02020603050405020304" pitchFamily="18" charset="0"/>
               </a:rPr>
               <a:t>控制器。</a:t>
             </a:r>
             <a:endParaRPr lang="en-US" altLang="zh-TW" dirty="0">
-              <a:latin typeface="標楷體" panose="03000509000000000000" pitchFamily="65" charset="-120"/>
+              <a:latin typeface="Times New Roman" panose="02020603050405020304" pitchFamily="18" charset="0"/>
               <a:ea typeface="標楷體" panose="03000509000000000000" pitchFamily="65" charset="-120"/>
+              <a:cs typeface="Times New Roman" panose="02020603050405020304" pitchFamily="18" charset="0"/>
             </a:endParaRPr>
           </a:p>
           <a:p>
@@ -12210,29 +11494,25 @@
               <a:buNone/>
             </a:pPr>
             <a:r>
-              <a:rPr lang="en-US" altLang="zh-TW" dirty="0" smtClean="0">
-                <a:latin typeface="標楷體" panose="03000509000000000000" pitchFamily="65" charset="-120"/>
-                <a:ea typeface="標楷體" panose="03000509000000000000" pitchFamily="65" charset="-120"/>
+              <a:rPr lang="en-US" altLang="zh-TW" b="1" dirty="0">
+                <a:latin typeface="Times New Roman" panose="02020603050405020304" pitchFamily="18" charset="0"/>
+                <a:ea typeface="標楷體" panose="03000509000000000000" pitchFamily="65" charset="-120"/>
+                <a:cs typeface="Times New Roman" panose="02020603050405020304" pitchFamily="18" charset="0"/>
               </a:rPr>
               <a:t>6.1 </a:t>
             </a:r>
             <a:r>
-              <a:rPr lang="zh-TW" altLang="en-US" dirty="0">
-                <a:latin typeface="標楷體" panose="03000509000000000000" pitchFamily="65" charset="-120"/>
-                <a:ea typeface="標楷體" panose="03000509000000000000" pitchFamily="65" charset="-120"/>
-              </a:rPr>
-              <a:t>數學系統</a:t>
-            </a:r>
-            <a:r>
-              <a:rPr lang="zh-TW" altLang="en-US" dirty="0" smtClean="0">
-                <a:latin typeface="標楷體" panose="03000509000000000000" pitchFamily="65" charset="-120"/>
-                <a:ea typeface="標楷體" panose="03000509000000000000" pitchFamily="65" charset="-120"/>
-              </a:rPr>
-              <a:t>模型</a:t>
-            </a:r>
-            <a:endParaRPr lang="en-US" altLang="zh-TW" dirty="0" smtClean="0">
-              <a:latin typeface="標楷體" panose="03000509000000000000" pitchFamily="65" charset="-120"/>
+              <a:rPr lang="zh-TW" altLang="en-US" b="1" dirty="0">
+                <a:latin typeface="Times New Roman" panose="02020603050405020304" pitchFamily="18" charset="0"/>
+                <a:ea typeface="標楷體" panose="03000509000000000000" pitchFamily="65" charset="-120"/>
+                <a:cs typeface="Times New Roman" panose="02020603050405020304" pitchFamily="18" charset="0"/>
+              </a:rPr>
+              <a:t>數學系統模型</a:t>
+            </a:r>
+            <a:endParaRPr lang="en-US" altLang="zh-TW" b="1" dirty="0">
+              <a:latin typeface="Times New Roman" panose="02020603050405020304" pitchFamily="18" charset="0"/>
               <a:ea typeface="標楷體" panose="03000509000000000000" pitchFamily="65" charset="-120"/>
+              <a:cs typeface="Times New Roman" panose="02020603050405020304" pitchFamily="18" charset="0"/>
             </a:endParaRPr>
           </a:p>
           <a:p>
@@ -12240,29 +11520,25 @@
               <a:buNone/>
             </a:pPr>
             <a:r>
-              <a:rPr lang="en-US" altLang="zh-TW" dirty="0" smtClean="0">
-                <a:latin typeface="標楷體" panose="03000509000000000000" pitchFamily="65" charset="-120"/>
-                <a:ea typeface="標楷體" panose="03000509000000000000" pitchFamily="65" charset="-120"/>
+              <a:rPr lang="en-US" altLang="zh-TW" dirty="0">
+                <a:latin typeface="Times New Roman" panose="02020603050405020304" pitchFamily="18" charset="0"/>
+                <a:ea typeface="標楷體" panose="03000509000000000000" pitchFamily="65" charset="-120"/>
+                <a:cs typeface="Times New Roman" panose="02020603050405020304" pitchFamily="18" charset="0"/>
               </a:rPr>
               <a:t>	</a:t>
             </a:r>
             <a:r>
-              <a:rPr lang="zh-TW" altLang="en-US" dirty="0" smtClean="0">
-                <a:latin typeface="標楷體" panose="03000509000000000000" pitchFamily="65" charset="-120"/>
-                <a:ea typeface="標楷體" panose="03000509000000000000" pitchFamily="65" charset="-120"/>
-              </a:rPr>
-              <a:t>球體</a:t>
-            </a:r>
-            <a:r>
               <a:rPr lang="zh-TW" altLang="en-US" dirty="0">
-                <a:latin typeface="標楷體" panose="03000509000000000000" pitchFamily="65" charset="-120"/>
-                <a:ea typeface="標楷體" panose="03000509000000000000" pitchFamily="65" charset="-120"/>
-              </a:rPr>
-              <a:t>的動態是由物理定律推導出，以微分方程式來表達，我們將使用牛頓力學來得到球的運動方程式，並使用拉氏轉換解之。</a:t>
+                <a:latin typeface="Times New Roman" panose="02020603050405020304" pitchFamily="18" charset="0"/>
+                <a:ea typeface="標楷體" panose="03000509000000000000" pitchFamily="65" charset="-120"/>
+                <a:cs typeface="Times New Roman" panose="02020603050405020304" pitchFamily="18" charset="0"/>
+              </a:rPr>
+              <a:t>球體的動態是由物理定律推導出，以微分方程式來表達，我們將使用牛頓力學來得到球的運動方程式，並使用拉氏轉換解之。</a:t>
             </a:r>
             <a:endParaRPr lang="en-US" altLang="zh-TW" dirty="0">
-              <a:latin typeface="標楷體" panose="03000509000000000000" pitchFamily="65" charset="-120"/>
+              <a:latin typeface="Times New Roman" panose="02020603050405020304" pitchFamily="18" charset="0"/>
               <a:ea typeface="標楷體" panose="03000509000000000000" pitchFamily="65" charset="-120"/>
+              <a:cs typeface="Times New Roman" panose="02020603050405020304" pitchFamily="18" charset="0"/>
             </a:endParaRPr>
           </a:p>
           <a:p>
@@ -12270,29 +11546,25 @@
               <a:buNone/>
             </a:pPr>
             <a:r>
-              <a:rPr lang="en-US" altLang="zh-TW" dirty="0" smtClean="0">
-                <a:latin typeface="標楷體" panose="03000509000000000000" pitchFamily="65" charset="-120"/>
-                <a:ea typeface="標楷體" panose="03000509000000000000" pitchFamily="65" charset="-120"/>
+              <a:rPr lang="en-US" altLang="zh-TW" b="1" dirty="0">
+                <a:latin typeface="Times New Roman" panose="02020603050405020304" pitchFamily="18" charset="0"/>
+                <a:ea typeface="標楷體" panose="03000509000000000000" pitchFamily="65" charset="-120"/>
+                <a:cs typeface="Times New Roman" panose="02020603050405020304" pitchFamily="18" charset="0"/>
               </a:rPr>
               <a:t>6.1.1 </a:t>
             </a:r>
             <a:r>
-              <a:rPr lang="zh-TW" altLang="en-US" dirty="0">
-                <a:latin typeface="標楷體" panose="03000509000000000000" pitchFamily="65" charset="-120"/>
-                <a:ea typeface="標楷體" panose="03000509000000000000" pitchFamily="65" charset="-120"/>
-              </a:rPr>
-              <a:t>簡化與</a:t>
-            </a:r>
-            <a:r>
-              <a:rPr lang="zh-TW" altLang="en-US" dirty="0" smtClean="0">
-                <a:latin typeface="標楷體" panose="03000509000000000000" pitchFamily="65" charset="-120"/>
-                <a:ea typeface="標楷體" panose="03000509000000000000" pitchFamily="65" charset="-120"/>
-              </a:rPr>
-              <a:t>假設</a:t>
-            </a:r>
-            <a:endParaRPr lang="en-US" altLang="zh-TW" dirty="0" smtClean="0">
-              <a:latin typeface="標楷體" panose="03000509000000000000" pitchFamily="65" charset="-120"/>
+              <a:rPr lang="zh-TW" altLang="en-US" b="1" dirty="0">
+                <a:latin typeface="Times New Roman" panose="02020603050405020304" pitchFamily="18" charset="0"/>
+                <a:ea typeface="標楷體" panose="03000509000000000000" pitchFamily="65" charset="-120"/>
+                <a:cs typeface="Times New Roman" panose="02020603050405020304" pitchFamily="18" charset="0"/>
+              </a:rPr>
+              <a:t>簡化與假設</a:t>
+            </a:r>
+            <a:endParaRPr lang="en-US" altLang="zh-TW" b="1" dirty="0">
+              <a:latin typeface="Times New Roman" panose="02020603050405020304" pitchFamily="18" charset="0"/>
               <a:ea typeface="標楷體" panose="03000509000000000000" pitchFamily="65" charset="-120"/>
+              <a:cs typeface="Times New Roman" panose="02020603050405020304" pitchFamily="18" charset="0"/>
             </a:endParaRPr>
           </a:p>
           <a:p>
@@ -12300,37 +11572,34 @@
               <a:buNone/>
             </a:pPr>
             <a:r>
-              <a:rPr lang="en-US" altLang="zh-TW" dirty="0" smtClean="0">
-                <a:latin typeface="標楷體" panose="03000509000000000000" pitchFamily="65" charset="-120"/>
-                <a:ea typeface="標楷體" panose="03000509000000000000" pitchFamily="65" charset="-120"/>
+              <a:rPr lang="en-US" altLang="zh-TW" dirty="0">
+                <a:latin typeface="Times New Roman" panose="02020603050405020304" pitchFamily="18" charset="0"/>
+                <a:ea typeface="標楷體" panose="03000509000000000000" pitchFamily="65" charset="-120"/>
+                <a:cs typeface="Times New Roman" panose="02020603050405020304" pitchFamily="18" charset="0"/>
               </a:rPr>
               <a:t>	</a:t>
             </a:r>
             <a:r>
-              <a:rPr lang="zh-TW" altLang="en-US" dirty="0" smtClean="0">
-                <a:latin typeface="標楷體" panose="03000509000000000000" pitchFamily="65" charset="-120"/>
-                <a:ea typeface="標楷體" panose="03000509000000000000" pitchFamily="65" charset="-120"/>
-              </a:rPr>
-              <a:t>為了</a:t>
-            </a:r>
-            <a:r>
               <a:rPr lang="zh-TW" altLang="en-US" dirty="0">
-                <a:latin typeface="標楷體" panose="03000509000000000000" pitchFamily="65" charset="-120"/>
-                <a:ea typeface="標楷體" panose="03000509000000000000" pitchFamily="65" charset="-120"/>
-              </a:rPr>
-              <a:t>得到球在平板上的運動方程式我們需假設球的幾何型態是完全球形且均質、球在平台上只在 </a:t>
+                <a:latin typeface="Times New Roman" panose="02020603050405020304" pitchFamily="18" charset="0"/>
+                <a:ea typeface="標楷體" panose="03000509000000000000" pitchFamily="65" charset="-120"/>
+                <a:cs typeface="Times New Roman" panose="02020603050405020304" pitchFamily="18" charset="0"/>
+              </a:rPr>
+              <a:t>為了得到球在平板上的運動方程式我們需假設球的幾何型態是完全球形且均質、球在平台上只在 </a:t>
             </a:r>
             <a:r>
               <a:rPr lang="en-US" altLang="zh-TW" dirty="0">
-                <a:latin typeface="標楷體" panose="03000509000000000000" pitchFamily="65" charset="-120"/>
-                <a:ea typeface="標楷體" panose="03000509000000000000" pitchFamily="65" charset="-120"/>
+                <a:latin typeface="Times New Roman" panose="02020603050405020304" pitchFamily="18" charset="0"/>
+                <a:ea typeface="標楷體" panose="03000509000000000000" pitchFamily="65" charset="-120"/>
+                <a:cs typeface="Times New Roman" panose="02020603050405020304" pitchFamily="18" charset="0"/>
               </a:rPr>
               <a:t>X </a:t>
             </a:r>
             <a:r>
               <a:rPr lang="zh-TW" altLang="en-US" dirty="0">
-                <a:latin typeface="標楷體" panose="03000509000000000000" pitchFamily="65" charset="-120"/>
-                <a:ea typeface="標楷體" panose="03000509000000000000" pitchFamily="65" charset="-120"/>
+                <a:latin typeface="Times New Roman" panose="02020603050405020304" pitchFamily="18" charset="0"/>
+                <a:ea typeface="標楷體" panose="03000509000000000000" pitchFamily="65" charset="-120"/>
+                <a:cs typeface="Times New Roman" panose="02020603050405020304" pitchFamily="18" charset="0"/>
               </a:rPr>
               <a:t>方向移動、球在平台上只做滾動無滑動並且不考慮摩擦力。</a:t>
             </a:r>
@@ -12404,13 +11673,13 @@
             <a:lstStyle/>
             <a:p>
               <a:r>
-                <a:rPr lang="zh-TW" altLang="en-US" dirty="0" smtClean="0">
+                <a:rPr lang="zh-TW" altLang="en-US" dirty="0">
                   <a:latin typeface="標楷體" panose="03000509000000000000" pitchFamily="65" charset="-120"/>
                   <a:ea typeface="標楷體" panose="03000509000000000000" pitchFamily="65" charset="-120"/>
                 </a:rPr>
                 <a:t>國立虎尾科技大學</a:t>
               </a:r>
-              <a:endParaRPr lang="en-US" altLang="zh-TW" dirty="0" smtClean="0">
+              <a:endParaRPr lang="en-US" altLang="zh-TW" dirty="0">
                 <a:latin typeface="標楷體" panose="03000509000000000000" pitchFamily="65" charset="-120"/>
                 <a:ea typeface="標楷體" panose="03000509000000000000" pitchFamily="65" charset="-120"/>
               </a:endParaRPr>
@@ -12421,19 +11690,8 @@
                   <a:latin typeface="標楷體" panose="03000509000000000000" pitchFamily="65" charset="-120"/>
                   <a:ea typeface="標楷體" panose="03000509000000000000" pitchFamily="65" charset="-120"/>
                 </a:rPr>
-                <a:t>機械設計工程</a:t>
+                <a:t>機械設計工程系暨精密機械工程科</a:t>
               </a:r>
-              <a:r>
-                <a:rPr lang="zh-TW" altLang="en-US" dirty="0" smtClean="0">
-                  <a:latin typeface="標楷體" panose="03000509000000000000" pitchFamily="65" charset="-120"/>
-                  <a:ea typeface="標楷體" panose="03000509000000000000" pitchFamily="65" charset="-120"/>
-                </a:rPr>
-                <a:t>系暨精密機械工程科</a:t>
-              </a:r>
-              <a:endParaRPr lang="zh-TW" altLang="en-US" dirty="0">
-                <a:latin typeface="標楷體" panose="03000509000000000000" pitchFamily="65" charset="-120"/>
-                <a:ea typeface="標楷體" panose="03000509000000000000" pitchFamily="65" charset="-120"/>
-              </a:endParaRPr>
             </a:p>
           </p:txBody>
         </p:sp>

--- a/PPT/專題報告PPT.pptx
+++ b/PPT/專題報告PPT.pptx
@@ -3136,7 +3136,7 @@
         <p:spPr>
           <a:xfrm>
             <a:off x="4310896" y="4097867"/>
-            <a:ext cx="3570208" cy="2308324"/>
+            <a:ext cx="3963528" cy="2308324"/>
           </a:xfrm>
           <a:prstGeom prst="rect">
             <a:avLst/>
@@ -3208,7 +3208,7 @@
                 <a:ea typeface="標楷體" panose="03000509000000000000" pitchFamily="65" charset="-120"/>
                 <a:cs typeface="Times New Roman" panose="02020603050405020304" pitchFamily="18" charset="0"/>
               </a:rPr>
-              <a:t>      蔡弦霖</a:t>
+              <a:t>      </a:t>
             </a:r>
             <a:r>
               <a:rPr lang="en-US" altLang="zh-TW" sz="2400" dirty="0">
@@ -3216,17 +3216,15 @@
                 <a:ea typeface="標楷體" panose="03000509000000000000" pitchFamily="65" charset="-120"/>
                 <a:cs typeface="Times New Roman" panose="02020603050405020304" pitchFamily="18" charset="0"/>
               </a:rPr>
-              <a:t>(41023248)</a:t>
-            </a:r>
-          </a:p>
-          <a:p>
+              <a:t>	</a:t>
+            </a:r>
             <a:r>
               <a:rPr lang="zh-TW" altLang="en-US" sz="2400" dirty="0">
                 <a:latin typeface="Times New Roman" panose="02020603050405020304" pitchFamily="18" charset="0"/>
                 <a:ea typeface="標楷體" panose="03000509000000000000" pitchFamily="65" charset="-120"/>
                 <a:cs typeface="Times New Roman" panose="02020603050405020304" pitchFamily="18" charset="0"/>
               </a:rPr>
-              <a:t>      鄭立揚</a:t>
+              <a:t>蔡弦霖</a:t>
             </a:r>
             <a:r>
               <a:rPr lang="en-US" altLang="zh-TW" sz="2400" dirty="0">
@@ -3234,7 +3232,7 @@
                 <a:ea typeface="標楷體" panose="03000509000000000000" pitchFamily="65" charset="-120"/>
                 <a:cs typeface="Times New Roman" panose="02020603050405020304" pitchFamily="18" charset="0"/>
               </a:rPr>
-              <a:t>(41023251)</a:t>
+              <a:t>(41023248)</a:t>
             </a:r>
           </a:p>
           <a:p>
@@ -3244,7 +3242,57 @@
                 <a:ea typeface="標楷體" panose="03000509000000000000" pitchFamily="65" charset="-120"/>
                 <a:cs typeface="Times New Roman" panose="02020603050405020304" pitchFamily="18" charset="0"/>
               </a:rPr>
-              <a:t>      謝鴻元</a:t>
+              <a:t>      </a:t>
+            </a:r>
+            <a:r>
+              <a:rPr lang="en-US" altLang="zh-TW" sz="2400" dirty="0">
+                <a:latin typeface="Times New Roman" panose="02020603050405020304" pitchFamily="18" charset="0"/>
+                <a:ea typeface="標楷體" panose="03000509000000000000" pitchFamily="65" charset="-120"/>
+                <a:cs typeface="Times New Roman" panose="02020603050405020304" pitchFamily="18" charset="0"/>
+              </a:rPr>
+              <a:t>	</a:t>
+            </a:r>
+            <a:r>
+              <a:rPr lang="zh-TW" altLang="en-US" sz="2400" dirty="0">
+                <a:latin typeface="Times New Roman" panose="02020603050405020304" pitchFamily="18" charset="0"/>
+                <a:ea typeface="標楷體" panose="03000509000000000000" pitchFamily="65" charset="-120"/>
+                <a:cs typeface="Times New Roman" panose="02020603050405020304" pitchFamily="18" charset="0"/>
+              </a:rPr>
+              <a:t>鄭立揚</a:t>
+            </a:r>
+            <a:r>
+              <a:rPr lang="en-US" altLang="zh-TW" sz="2400" dirty="0">
+                <a:latin typeface="Times New Roman" panose="02020603050405020304" pitchFamily="18" charset="0"/>
+                <a:ea typeface="標楷體" panose="03000509000000000000" pitchFamily="65" charset="-120"/>
+                <a:cs typeface="Times New Roman" panose="02020603050405020304" pitchFamily="18" charset="0"/>
+              </a:rPr>
+              <a:t>(41023251)</a:t>
+            </a:r>
+          </a:p>
+          <a:p>
+            <a:r>
+              <a:rPr lang="zh-TW" altLang="en-US" sz="2400" dirty="0">
+                <a:latin typeface="Times New Roman" panose="02020603050405020304" pitchFamily="18" charset="0"/>
+                <a:ea typeface="標楷體" panose="03000509000000000000" pitchFamily="65" charset="-120"/>
+                <a:cs typeface="Times New Roman" panose="02020603050405020304" pitchFamily="18" charset="0"/>
+              </a:rPr>
+              <a:t>      </a:t>
+            </a:r>
+            <a:r>
+              <a:rPr lang="en-US" altLang="zh-TW" sz="2400" dirty="0">
+                <a:latin typeface="Times New Roman" panose="02020603050405020304" pitchFamily="18" charset="0"/>
+                <a:ea typeface="標楷體" panose="03000509000000000000" pitchFamily="65" charset="-120"/>
+                <a:cs typeface="Times New Roman" panose="02020603050405020304" pitchFamily="18" charset="0"/>
+              </a:rPr>
+              <a:t>	</a:t>
+            </a:r>
+            <a:r>
+              <a:rPr lang="zh-TW" altLang="en-US" sz="2400" dirty="0">
+                <a:latin typeface="Times New Roman" panose="02020603050405020304" pitchFamily="18" charset="0"/>
+                <a:ea typeface="標楷體" panose="03000509000000000000" pitchFamily="65" charset="-120"/>
+                <a:cs typeface="Times New Roman" panose="02020603050405020304" pitchFamily="18" charset="0"/>
+              </a:rPr>
+              <a:t>謝鴻元</a:t>
             </a:r>
             <a:r>
               <a:rPr lang="en-US" altLang="zh-TW" sz="2400" dirty="0">
@@ -4390,14 +4438,14 @@
                 <a:latin typeface="標楷體" panose="03000509000000000000" pitchFamily="65" charset="-120"/>
                 <a:ea typeface="標楷體" panose="03000509000000000000" pitchFamily="65" charset="-120"/>
               </a:rPr>
-              <a:t>6.2</a:t>
+              <a:t>6.1</a:t>
             </a:r>
             <a:r>
               <a:rPr lang="zh-TW" altLang="en-US" dirty="0">
                 <a:latin typeface="標楷體" panose="03000509000000000000" pitchFamily="65" charset="-120"/>
                 <a:ea typeface="標楷體" panose="03000509000000000000" pitchFamily="65" charset="-120"/>
               </a:rPr>
-              <a:t>：馬達轉角和平台角度的關係圖</a:t>
+              <a:t>：平台角度和球體位置的關係圖</a:t>
             </a:r>
             <a:endParaRPr lang="zh-TW" altLang="en-US" dirty="0"/>
           </a:p>
@@ -8305,8 +8353,8 @@
           </a:p>
         </p:txBody>
       </p:sp>
-      <mc:AlternateContent xmlns:mc="http://schemas.openxmlformats.org/markup-compatibility/2006">
-        <mc:Choice xmlns:a14="http://schemas.microsoft.com/office/drawing/2010/main" Requires="a14">
+      <mc:AlternateContent xmlns:mc="http://schemas.openxmlformats.org/markup-compatibility/2006" xmlns:a14="http://schemas.microsoft.com/office/drawing/2010/main">
+        <mc:Choice Requires="a14">
           <p:sp>
             <p:nvSpPr>
               <p:cNvPr id="6" name="文字方塊 5"/>
@@ -8611,7 +8659,7 @@
             </p:txBody>
           </p:sp>
         </mc:Choice>
-        <mc:Fallback>
+        <mc:Fallback xmlns="">
           <p:sp>
             <p:nvSpPr>
               <p:cNvPr id="6" name="文字方塊 5"/>

--- a/PPT/專題報告PPT.pptx
+++ b/PPT/專題報告PPT.pptx
@@ -23,8 +23,14 @@
     <p:sldId id="281" r:id="rId17"/>
     <p:sldId id="284" r:id="rId18"/>
     <p:sldId id="283" r:id="rId19"/>
-    <p:sldId id="285" r:id="rId20"/>
-    <p:sldId id="264" r:id="rId21"/>
+    <p:sldId id="286" r:id="rId20"/>
+    <p:sldId id="287" r:id="rId21"/>
+    <p:sldId id="288" r:id="rId22"/>
+    <p:sldId id="289" r:id="rId23"/>
+    <p:sldId id="290" r:id="rId24"/>
+    <p:sldId id="291" r:id="rId25"/>
+    <p:sldId id="285" r:id="rId26"/>
+    <p:sldId id="264" r:id="rId27"/>
   </p:sldIdLst>
   <p:sldSz cx="12192000" cy="6858000"/>
   <p:notesSz cx="6858000" cy="9144000"/>
@@ -146,6 +152,12 @@
             <p14:sldId id="281"/>
             <p14:sldId id="284"/>
             <p14:sldId id="283"/>
+            <p14:sldId id="286"/>
+            <p14:sldId id="287"/>
+            <p14:sldId id="288"/>
+            <p14:sldId id="289"/>
+            <p14:sldId id="290"/>
+            <p14:sldId id="291"/>
             <p14:sldId id="285"/>
             <p14:sldId id="264"/>
           </p14:sldIdLst>
@@ -8254,6 +8266,914 @@
       </p:grpSpPr>
       <p:sp>
         <p:nvSpPr>
+          <p:cNvPr id="2" name="標題 1">
+            <a:extLst>
+              <a:ext uri="{FF2B5EF4-FFF2-40B4-BE49-F238E27FC236}">
+                <a16:creationId xmlns:a16="http://schemas.microsoft.com/office/drawing/2014/main" id="{4EB7B090-B0FB-4BCF-9F09-0051330ABABA}"/>
+              </a:ext>
+            </a:extLst>
+          </p:cNvPr>
+          <p:cNvSpPr>
+            <a:spLocks noGrp="1"/>
+          </p:cNvSpPr>
+          <p:nvPr>
+            <p:ph type="title"/>
+          </p:nvPr>
+        </p:nvSpPr>
+        <p:spPr/>
+        <p:txBody>
+          <a:bodyPr/>
+          <a:lstStyle/>
+          <a:p>
+            <a:r>
+              <a:rPr lang="zh-TW" altLang="en-US" b="1" dirty="0">
+                <a:latin typeface="Times New Roman" panose="02020603050405020304" pitchFamily="18" charset="0"/>
+                <a:ea typeface="標楷體" panose="03000509000000000000" pitchFamily="65" charset="-120"/>
+                <a:cs typeface="Times New Roman" panose="02020603050405020304" pitchFamily="18" charset="0"/>
+              </a:rPr>
+              <a:t>控制系統</a:t>
+            </a:r>
+          </a:p>
+        </p:txBody>
+      </p:sp>
+      <p:pic>
+        <p:nvPicPr>
+          <p:cNvPr id="9" name="圖片 8">
+            <a:extLst>
+              <a:ext uri="{FF2B5EF4-FFF2-40B4-BE49-F238E27FC236}">
+                <a16:creationId xmlns:a16="http://schemas.microsoft.com/office/drawing/2014/main" id="{BE9ED7CA-06DF-4CAB-A263-CE66A34C1ED0}"/>
+              </a:ext>
+            </a:extLst>
+          </p:cNvPr>
+          <p:cNvPicPr>
+            <a:picLocks noChangeAspect="1"/>
+          </p:cNvPicPr>
+          <p:nvPr/>
+        </p:nvPicPr>
+        <p:blipFill>
+          <a:blip r:embed="rId2"/>
+          <a:stretch>
+            <a:fillRect/>
+          </a:stretch>
+        </p:blipFill>
+        <p:spPr>
+          <a:xfrm>
+            <a:off x="1379725" y="1690688"/>
+            <a:ext cx="9432550" cy="4924659"/>
+          </a:xfrm>
+          <a:prstGeom prst="rect">
+            <a:avLst/>
+          </a:prstGeom>
+        </p:spPr>
+      </p:pic>
+    </p:spTree>
+    <p:extLst>
+      <p:ext uri="{BB962C8B-B14F-4D97-AF65-F5344CB8AC3E}">
+        <p14:creationId xmlns:p14="http://schemas.microsoft.com/office/powerpoint/2010/main" val="2962799646"/>
+      </p:ext>
+    </p:extLst>
+  </p:cSld>
+  <p:clrMapOvr>
+    <a:masterClrMapping/>
+  </p:clrMapOvr>
+</p:sld>
+</file>
+
+<file path=ppt/slides/slide2.xml><?xml version="1.0" encoding="utf-8"?>
+<p:sld xmlns:a="http://schemas.openxmlformats.org/drawingml/2006/main" xmlns:r="http://schemas.openxmlformats.org/officeDocument/2006/relationships" xmlns:p="http://schemas.openxmlformats.org/presentationml/2006/main">
+  <p:cSld>
+    <p:spTree>
+      <p:nvGrpSpPr>
+        <p:cNvPr id="1" name=""/>
+        <p:cNvGrpSpPr/>
+        <p:nvPr/>
+      </p:nvGrpSpPr>
+      <p:grpSpPr>
+        <a:xfrm>
+          <a:off x="0" y="0"/>
+          <a:ext cx="0" cy="0"/>
+          <a:chOff x="0" y="0"/>
+          <a:chExt cx="0" cy="0"/>
+        </a:xfrm>
+      </p:grpSpPr>
+      <p:sp>
+        <p:nvSpPr>
+          <p:cNvPr id="2" name="標題 1">
+            <a:extLst>
+              <a:ext uri="{FF2B5EF4-FFF2-40B4-BE49-F238E27FC236}">
+                <a16:creationId xmlns:a16="http://schemas.microsoft.com/office/drawing/2014/main" id="{0DDB5397-27B7-45A9-8359-9157B1D96FBB}"/>
+              </a:ext>
+            </a:extLst>
+          </p:cNvPr>
+          <p:cNvSpPr>
+            <a:spLocks noGrp="1"/>
+          </p:cNvSpPr>
+          <p:nvPr>
+            <p:ph type="title"/>
+          </p:nvPr>
+        </p:nvSpPr>
+        <p:spPr/>
+        <p:txBody>
+          <a:bodyPr/>
+          <a:lstStyle/>
+          <a:p>
+            <a:r>
+              <a:rPr lang="zh-TW" altLang="en-US" b="1" dirty="0">
+                <a:latin typeface="標楷體" panose="03000509000000000000" pitchFamily="65" charset="-120"/>
+                <a:ea typeface="標楷體" panose="03000509000000000000" pitchFamily="65" charset="-120"/>
+              </a:rPr>
+              <a:t>目錄</a:t>
+            </a:r>
+          </a:p>
+        </p:txBody>
+      </p:sp>
+      <p:sp>
+        <p:nvSpPr>
+          <p:cNvPr id="3" name="內容版面配置區 2">
+            <a:extLst>
+              <a:ext uri="{FF2B5EF4-FFF2-40B4-BE49-F238E27FC236}">
+                <a16:creationId xmlns:a16="http://schemas.microsoft.com/office/drawing/2014/main" id="{B0E6F1F9-B966-4F52-B03D-896227CC106A}"/>
+              </a:ext>
+            </a:extLst>
+          </p:cNvPr>
+          <p:cNvSpPr>
+            <a:spLocks noGrp="1"/>
+          </p:cNvSpPr>
+          <p:nvPr>
+            <p:ph idx="1"/>
+          </p:nvPr>
+        </p:nvSpPr>
+        <p:spPr/>
+        <p:txBody>
+          <a:bodyPr>
+            <a:normAutofit fontScale="92500" lnSpcReduction="20000"/>
+          </a:bodyPr>
+          <a:lstStyle/>
+          <a:p>
+            <a:r>
+              <a:rPr lang="zh-TW" altLang="en-US" dirty="0">
+                <a:latin typeface="Times New Roman" panose="02020603050405020304" pitchFamily="18" charset="0"/>
+                <a:ea typeface="標楷體" panose="03000509000000000000" pitchFamily="65" charset="-120"/>
+                <a:cs typeface="Times New Roman" panose="02020603050405020304" pitchFamily="18" charset="0"/>
+              </a:rPr>
+              <a:t>流程圖</a:t>
+            </a:r>
+            <a:endParaRPr lang="en-US" altLang="zh-TW" dirty="0">
+              <a:latin typeface="Times New Roman" panose="02020603050405020304" pitchFamily="18" charset="0"/>
+              <a:ea typeface="標楷體" panose="03000509000000000000" pitchFamily="65" charset="-120"/>
+              <a:cs typeface="Times New Roman" panose="02020603050405020304" pitchFamily="18" charset="0"/>
+            </a:endParaRPr>
+          </a:p>
+          <a:p>
+            <a:r>
+              <a:rPr lang="en-US" altLang="zh-TW" dirty="0">
+                <a:latin typeface="Times New Roman" panose="02020603050405020304" pitchFamily="18" charset="0"/>
+                <a:ea typeface="標楷體" panose="03000509000000000000" pitchFamily="65" charset="-120"/>
+                <a:cs typeface="Times New Roman" panose="02020603050405020304" pitchFamily="18" charset="0"/>
+              </a:rPr>
+              <a:t>GitHub</a:t>
+            </a:r>
+          </a:p>
+          <a:p>
+            <a:r>
+              <a:rPr lang="en-US" altLang="zh-TW" dirty="0">
+                <a:latin typeface="Times New Roman" panose="02020603050405020304" pitchFamily="18" charset="0"/>
+                <a:ea typeface="標楷體" panose="03000509000000000000" pitchFamily="65" charset="-120"/>
+                <a:cs typeface="Times New Roman" panose="02020603050405020304" pitchFamily="18" charset="0"/>
+              </a:rPr>
+              <a:t>ODOO PLM</a:t>
+            </a:r>
+            <a:r>
+              <a:rPr lang="zh-TW" altLang="en-US" dirty="0">
+                <a:latin typeface="Times New Roman" panose="02020603050405020304" pitchFamily="18" charset="0"/>
+                <a:ea typeface="標楷體" panose="03000509000000000000" pitchFamily="65" charset="-120"/>
+                <a:cs typeface="Times New Roman" panose="02020603050405020304" pitchFamily="18" charset="0"/>
+              </a:rPr>
+              <a:t>模組</a:t>
+            </a:r>
+            <a:endParaRPr lang="en-US" altLang="zh-TW" dirty="0">
+              <a:latin typeface="Times New Roman" panose="02020603050405020304" pitchFamily="18" charset="0"/>
+              <a:ea typeface="標楷體" panose="03000509000000000000" pitchFamily="65" charset="-120"/>
+              <a:cs typeface="Times New Roman" panose="02020603050405020304" pitchFamily="18" charset="0"/>
+            </a:endParaRPr>
+          </a:p>
+          <a:p>
+            <a:r>
+              <a:rPr lang="en-US" altLang="zh-TW" dirty="0" err="1">
+                <a:latin typeface="Times New Roman" panose="02020603050405020304" pitchFamily="18" charset="0"/>
+                <a:ea typeface="標楷體" panose="03000509000000000000" pitchFamily="65" charset="-120"/>
+                <a:cs typeface="Times New Roman" panose="02020603050405020304" pitchFamily="18" charset="0"/>
+              </a:rPr>
+              <a:t>LaTeX</a:t>
+            </a:r>
+            <a:endParaRPr lang="en-US" altLang="zh-TW" dirty="0">
+              <a:latin typeface="Times New Roman" panose="02020603050405020304" pitchFamily="18" charset="0"/>
+              <a:ea typeface="標楷體" panose="03000509000000000000" pitchFamily="65" charset="-120"/>
+              <a:cs typeface="Times New Roman" panose="02020603050405020304" pitchFamily="18" charset="0"/>
+            </a:endParaRPr>
+          </a:p>
+          <a:p>
+            <a:r>
+              <a:rPr lang="en-US" altLang="zh-TW" dirty="0" err="1">
+                <a:latin typeface="Times New Roman" panose="02020603050405020304" pitchFamily="18" charset="0"/>
+                <a:ea typeface="標楷體" panose="03000509000000000000" pitchFamily="65" charset="-120"/>
+                <a:cs typeface="Times New Roman" panose="02020603050405020304" pitchFamily="18" charset="0"/>
+              </a:rPr>
+              <a:t>GeoGebra</a:t>
+            </a:r>
+            <a:r>
+              <a:rPr lang="en-US" altLang="zh-TW" dirty="0">
+                <a:latin typeface="Times New Roman" panose="02020603050405020304" pitchFamily="18" charset="0"/>
+                <a:ea typeface="標楷體" panose="03000509000000000000" pitchFamily="65" charset="-120"/>
+                <a:cs typeface="Times New Roman" panose="02020603050405020304" pitchFamily="18" charset="0"/>
+              </a:rPr>
+              <a:t> Classic</a:t>
+            </a:r>
+          </a:p>
+          <a:p>
+            <a:r>
+              <a:rPr lang="zh-TW" altLang="en-US" dirty="0">
+                <a:latin typeface="Times New Roman" panose="02020603050405020304" pitchFamily="18" charset="0"/>
+                <a:ea typeface="標楷體" panose="03000509000000000000" pitchFamily="65" charset="-120"/>
+                <a:cs typeface="Times New Roman" panose="02020603050405020304" pitchFamily="18" charset="0"/>
+              </a:rPr>
+              <a:t>案例研究：鋼球平衡台的設計</a:t>
+            </a:r>
+            <a:endParaRPr lang="en-US" altLang="zh-TW" dirty="0">
+              <a:latin typeface="Times New Roman" panose="02020603050405020304" pitchFamily="18" charset="0"/>
+              <a:ea typeface="標楷體" panose="03000509000000000000" pitchFamily="65" charset="-120"/>
+              <a:cs typeface="Times New Roman" panose="02020603050405020304" pitchFamily="18" charset="0"/>
+            </a:endParaRPr>
+          </a:p>
+          <a:p>
+            <a:r>
+              <a:rPr lang="zh-TW" altLang="en-US" dirty="0">
+                <a:latin typeface="Times New Roman" panose="02020603050405020304" pitchFamily="18" charset="0"/>
+                <a:ea typeface="標楷體" panose="03000509000000000000" pitchFamily="65" charset="-120"/>
+                <a:cs typeface="Times New Roman" panose="02020603050405020304" pitchFamily="18" charset="0"/>
+              </a:rPr>
+              <a:t>設計理念</a:t>
+            </a:r>
+            <a:endParaRPr lang="en-US" altLang="zh-TW" dirty="0">
+              <a:latin typeface="Times New Roman" panose="02020603050405020304" pitchFamily="18" charset="0"/>
+              <a:ea typeface="標楷體" panose="03000509000000000000" pitchFamily="65" charset="-120"/>
+              <a:cs typeface="Times New Roman" panose="02020603050405020304" pitchFamily="18" charset="0"/>
+            </a:endParaRPr>
+          </a:p>
+          <a:p>
+            <a:r>
+              <a:rPr lang="zh-TW" altLang="en-US" dirty="0">
+                <a:latin typeface="Times New Roman" panose="02020603050405020304" pitchFamily="18" charset="0"/>
+                <a:ea typeface="標楷體" panose="03000509000000000000" pitchFamily="65" charset="-120"/>
+                <a:cs typeface="Times New Roman" panose="02020603050405020304" pitchFamily="18" charset="0"/>
+              </a:rPr>
+              <a:t>組合</a:t>
+            </a:r>
+            <a:r>
+              <a:rPr lang="en-US" altLang="zh-TW" dirty="0">
+                <a:latin typeface="Times New Roman" panose="02020603050405020304" pitchFamily="18" charset="0"/>
+                <a:ea typeface="標楷體" panose="03000509000000000000" pitchFamily="65" charset="-120"/>
+                <a:cs typeface="Times New Roman" panose="02020603050405020304" pitchFamily="18" charset="0"/>
+              </a:rPr>
+              <a:t> 3D </a:t>
+            </a:r>
+            <a:r>
+              <a:rPr lang="zh-TW" altLang="en-US" dirty="0">
+                <a:latin typeface="Times New Roman" panose="02020603050405020304" pitchFamily="18" charset="0"/>
+                <a:ea typeface="標楷體" panose="03000509000000000000" pitchFamily="65" charset="-120"/>
+                <a:cs typeface="Times New Roman" panose="02020603050405020304" pitchFamily="18" charset="0"/>
+              </a:rPr>
+              <a:t>列印完成圖</a:t>
+            </a:r>
+            <a:endParaRPr lang="en-US" altLang="zh-TW" dirty="0">
+              <a:latin typeface="Times New Roman" panose="02020603050405020304" pitchFamily="18" charset="0"/>
+              <a:ea typeface="標楷體" panose="03000509000000000000" pitchFamily="65" charset="-120"/>
+              <a:cs typeface="Times New Roman" panose="02020603050405020304" pitchFamily="18" charset="0"/>
+            </a:endParaRPr>
+          </a:p>
+          <a:p>
+            <a:r>
+              <a:rPr lang="zh-TW" altLang="en-US" dirty="0">
+                <a:latin typeface="Times New Roman" panose="02020603050405020304" pitchFamily="18" charset="0"/>
+                <a:ea typeface="標楷體" panose="03000509000000000000" pitchFamily="65" charset="-120"/>
+                <a:cs typeface="Times New Roman" panose="02020603050405020304" pitchFamily="18" charset="0"/>
+              </a:rPr>
+              <a:t>設計結果</a:t>
+            </a:r>
+            <a:endParaRPr lang="en-US" altLang="zh-TW" dirty="0">
+              <a:latin typeface="Times New Roman" panose="02020603050405020304" pitchFamily="18" charset="0"/>
+              <a:ea typeface="標楷體" panose="03000509000000000000" pitchFamily="65" charset="-120"/>
+              <a:cs typeface="Times New Roman" panose="02020603050405020304" pitchFamily="18" charset="0"/>
+            </a:endParaRPr>
+          </a:p>
+          <a:p>
+            <a:r>
+              <a:rPr lang="zh-TW" altLang="en-US" dirty="0">
+                <a:latin typeface="Times New Roman" panose="02020603050405020304" pitchFamily="18" charset="0"/>
+                <a:ea typeface="標楷體" panose="03000509000000000000" pitchFamily="65" charset="-120"/>
+                <a:cs typeface="Times New Roman" panose="02020603050405020304" pitchFamily="18" charset="0"/>
+              </a:rPr>
+              <a:t>總結</a:t>
+            </a:r>
+          </a:p>
+        </p:txBody>
+      </p:sp>
+      <p:grpSp>
+        <p:nvGrpSpPr>
+          <p:cNvPr id="4" name="群組 3"/>
+          <p:cNvGrpSpPr/>
+          <p:nvPr/>
+        </p:nvGrpSpPr>
+        <p:grpSpPr>
+          <a:xfrm>
+            <a:off x="728583" y="6083025"/>
+            <a:ext cx="4377730" cy="646331"/>
+            <a:chOff x="793422" y="5945045"/>
+            <a:chExt cx="4377730" cy="646331"/>
+          </a:xfrm>
+        </p:grpSpPr>
+        <p:pic>
+          <p:nvPicPr>
+            <p:cNvPr id="5" name="圖片 4"/>
+            <p:cNvPicPr>
+              <a:picLocks noChangeAspect="1"/>
+            </p:cNvPicPr>
+            <p:nvPr/>
+          </p:nvPicPr>
+          <p:blipFill>
+            <a:blip r:embed="rId2" cstate="print">
+              <a:extLst>
+                <a:ext uri="{28A0092B-C50C-407E-A947-70E740481C1C}">
+                  <a14:useLocalDpi xmlns:a14="http://schemas.microsoft.com/office/drawing/2010/main" val="0"/>
+                </a:ext>
+              </a:extLst>
+            </a:blip>
+            <a:stretch>
+              <a:fillRect/>
+            </a:stretch>
+          </p:blipFill>
+          <p:spPr>
+            <a:xfrm>
+              <a:off x="793422" y="6031991"/>
+              <a:ext cx="730578" cy="472440"/>
+            </a:xfrm>
+            <a:prstGeom prst="rect">
+              <a:avLst/>
+            </a:prstGeom>
+          </p:spPr>
+        </p:pic>
+        <p:sp>
+          <p:nvSpPr>
+            <p:cNvPr id="6" name="文字方塊 5"/>
+            <p:cNvSpPr txBox="1"/>
+            <p:nvPr/>
+          </p:nvSpPr>
+          <p:spPr>
+            <a:xfrm>
+              <a:off x="1524000" y="5945045"/>
+              <a:ext cx="3647152" cy="646331"/>
+            </a:xfrm>
+            <a:prstGeom prst="rect">
+              <a:avLst/>
+            </a:prstGeom>
+            <a:noFill/>
+          </p:spPr>
+          <p:txBody>
+            <a:bodyPr wrap="none" rtlCol="0">
+              <a:spAutoFit/>
+            </a:bodyPr>
+            <a:lstStyle/>
+            <a:p>
+              <a:r>
+                <a:rPr lang="zh-TW" altLang="en-US" dirty="0">
+                  <a:latin typeface="標楷體" panose="03000509000000000000" pitchFamily="65" charset="-120"/>
+                  <a:ea typeface="標楷體" panose="03000509000000000000" pitchFamily="65" charset="-120"/>
+                </a:rPr>
+                <a:t>國立虎尾科技大學</a:t>
+              </a:r>
+              <a:endParaRPr lang="en-US" altLang="zh-TW" dirty="0">
+                <a:latin typeface="標楷體" panose="03000509000000000000" pitchFamily="65" charset="-120"/>
+                <a:ea typeface="標楷體" panose="03000509000000000000" pitchFamily="65" charset="-120"/>
+              </a:endParaRPr>
+            </a:p>
+            <a:p>
+              <a:r>
+                <a:rPr lang="zh-TW" altLang="en-US" dirty="0">
+                  <a:latin typeface="標楷體" panose="03000509000000000000" pitchFamily="65" charset="-120"/>
+                  <a:ea typeface="標楷體" panose="03000509000000000000" pitchFamily="65" charset="-120"/>
+                </a:rPr>
+                <a:t>機械設計工程系暨精密機械工程科</a:t>
+              </a:r>
+            </a:p>
+          </p:txBody>
+        </p:sp>
+      </p:grpSp>
+    </p:spTree>
+    <p:extLst>
+      <p:ext uri="{BB962C8B-B14F-4D97-AF65-F5344CB8AC3E}">
+        <p14:creationId xmlns:p14="http://schemas.microsoft.com/office/powerpoint/2010/main" val="1003538388"/>
+      </p:ext>
+    </p:extLst>
+  </p:cSld>
+  <p:clrMapOvr>
+    <a:masterClrMapping/>
+  </p:clrMapOvr>
+</p:sld>
+</file>
+
+<file path=ppt/slides/slide20.xml><?xml version="1.0" encoding="utf-8"?>
+<p:sld xmlns:a="http://schemas.openxmlformats.org/drawingml/2006/main" xmlns:r="http://schemas.openxmlformats.org/officeDocument/2006/relationships" xmlns:p="http://schemas.openxmlformats.org/presentationml/2006/main">
+  <p:cSld>
+    <p:spTree>
+      <p:nvGrpSpPr>
+        <p:cNvPr id="1" name=""/>
+        <p:cNvGrpSpPr/>
+        <p:nvPr/>
+      </p:nvGrpSpPr>
+      <p:grpSpPr>
+        <a:xfrm>
+          <a:off x="0" y="0"/>
+          <a:ext cx="0" cy="0"/>
+          <a:chOff x="0" y="0"/>
+          <a:chExt cx="0" cy="0"/>
+        </a:xfrm>
+      </p:grpSpPr>
+      <p:sp>
+        <p:nvSpPr>
+          <p:cNvPr id="2" name="標題 1">
+            <a:extLst>
+              <a:ext uri="{FF2B5EF4-FFF2-40B4-BE49-F238E27FC236}">
+                <a16:creationId xmlns:a16="http://schemas.microsoft.com/office/drawing/2014/main" id="{C20F5E24-8797-4D59-BEAF-6E23714FC6D9}"/>
+              </a:ext>
+            </a:extLst>
+          </p:cNvPr>
+          <p:cNvSpPr>
+            <a:spLocks noGrp="1"/>
+          </p:cNvSpPr>
+          <p:nvPr>
+            <p:ph type="title"/>
+          </p:nvPr>
+        </p:nvSpPr>
+        <p:spPr/>
+        <p:txBody>
+          <a:bodyPr/>
+          <a:lstStyle/>
+          <a:p>
+            <a:r>
+              <a:rPr lang="zh-TW" altLang="en-US" b="1" dirty="0">
+                <a:latin typeface="Times New Roman" panose="02020603050405020304" pitchFamily="18" charset="0"/>
+                <a:ea typeface="標楷體" panose="03000509000000000000" pitchFamily="65" charset="-120"/>
+                <a:cs typeface="Times New Roman" panose="02020603050405020304" pitchFamily="18" charset="0"/>
+              </a:rPr>
+              <a:t>控制系統</a:t>
+            </a:r>
+            <a:endParaRPr lang="zh-TW" altLang="en-US" dirty="0"/>
+          </a:p>
+        </p:txBody>
+      </p:sp>
+      <p:pic>
+        <p:nvPicPr>
+          <p:cNvPr id="4" name="內容版面配置區 3">
+            <a:extLst>
+              <a:ext uri="{FF2B5EF4-FFF2-40B4-BE49-F238E27FC236}">
+                <a16:creationId xmlns:a16="http://schemas.microsoft.com/office/drawing/2014/main" id="{688BEC8C-ABE8-4B38-8BD8-F00F73250C08}"/>
+              </a:ext>
+            </a:extLst>
+          </p:cNvPr>
+          <p:cNvPicPr>
+            <a:picLocks noGrp="1" noChangeAspect="1"/>
+          </p:cNvPicPr>
+          <p:nvPr>
+            <p:ph idx="1"/>
+          </p:nvPr>
+        </p:nvPicPr>
+        <p:blipFill>
+          <a:blip r:embed="rId2"/>
+          <a:stretch>
+            <a:fillRect/>
+          </a:stretch>
+        </p:blipFill>
+        <p:spPr>
+          <a:xfrm>
+            <a:off x="838200" y="2049071"/>
+            <a:ext cx="10515600" cy="3904446"/>
+          </a:xfrm>
+          <a:prstGeom prst="rect">
+            <a:avLst/>
+          </a:prstGeom>
+        </p:spPr>
+      </p:pic>
+    </p:spTree>
+    <p:extLst>
+      <p:ext uri="{BB962C8B-B14F-4D97-AF65-F5344CB8AC3E}">
+        <p14:creationId xmlns:p14="http://schemas.microsoft.com/office/powerpoint/2010/main" val="315327545"/>
+      </p:ext>
+    </p:extLst>
+  </p:cSld>
+  <p:clrMapOvr>
+    <a:masterClrMapping/>
+  </p:clrMapOvr>
+</p:sld>
+</file>
+
+<file path=ppt/slides/slide21.xml><?xml version="1.0" encoding="utf-8"?>
+<p:sld xmlns:a="http://schemas.openxmlformats.org/drawingml/2006/main" xmlns:r="http://schemas.openxmlformats.org/officeDocument/2006/relationships" xmlns:p="http://schemas.openxmlformats.org/presentationml/2006/main">
+  <p:cSld>
+    <p:spTree>
+      <p:nvGrpSpPr>
+        <p:cNvPr id="1" name=""/>
+        <p:cNvGrpSpPr/>
+        <p:nvPr/>
+      </p:nvGrpSpPr>
+      <p:grpSpPr>
+        <a:xfrm>
+          <a:off x="0" y="0"/>
+          <a:ext cx="0" cy="0"/>
+          <a:chOff x="0" y="0"/>
+          <a:chExt cx="0" cy="0"/>
+        </a:xfrm>
+      </p:grpSpPr>
+      <p:sp>
+        <p:nvSpPr>
+          <p:cNvPr id="2" name="標題 1">
+            <a:extLst>
+              <a:ext uri="{FF2B5EF4-FFF2-40B4-BE49-F238E27FC236}">
+                <a16:creationId xmlns:a16="http://schemas.microsoft.com/office/drawing/2014/main" id="{7C41EBB5-C479-47AD-9F3C-EF9DFDD137C4}"/>
+              </a:ext>
+            </a:extLst>
+          </p:cNvPr>
+          <p:cNvSpPr>
+            <a:spLocks noGrp="1"/>
+          </p:cNvSpPr>
+          <p:nvPr>
+            <p:ph type="title"/>
+          </p:nvPr>
+        </p:nvSpPr>
+        <p:spPr/>
+        <p:txBody>
+          <a:bodyPr/>
+          <a:lstStyle/>
+          <a:p>
+            <a:r>
+              <a:rPr lang="zh-TW" altLang="en-US" b="1" dirty="0">
+                <a:latin typeface="Times New Roman" panose="02020603050405020304" pitchFamily="18" charset="0"/>
+                <a:ea typeface="標楷體" panose="03000509000000000000" pitchFamily="65" charset="-120"/>
+                <a:cs typeface="Times New Roman" panose="02020603050405020304" pitchFamily="18" charset="0"/>
+              </a:rPr>
+              <a:t>控制系統</a:t>
+            </a:r>
+            <a:endParaRPr lang="zh-TW" altLang="en-US" dirty="0"/>
+          </a:p>
+        </p:txBody>
+      </p:sp>
+      <p:pic>
+        <p:nvPicPr>
+          <p:cNvPr id="4" name="內容版面配置區 3">
+            <a:extLst>
+              <a:ext uri="{FF2B5EF4-FFF2-40B4-BE49-F238E27FC236}">
+                <a16:creationId xmlns:a16="http://schemas.microsoft.com/office/drawing/2014/main" id="{5038AD47-10BD-4F6C-8C03-64B94F0DAA01}"/>
+              </a:ext>
+            </a:extLst>
+          </p:cNvPr>
+          <p:cNvPicPr>
+            <a:picLocks noGrp="1" noChangeAspect="1"/>
+          </p:cNvPicPr>
+          <p:nvPr>
+            <p:ph idx="1"/>
+          </p:nvPr>
+        </p:nvPicPr>
+        <p:blipFill>
+          <a:blip r:embed="rId2"/>
+          <a:stretch>
+            <a:fillRect/>
+          </a:stretch>
+        </p:blipFill>
+        <p:spPr>
+          <a:xfrm>
+            <a:off x="880334" y="2119844"/>
+            <a:ext cx="10431331" cy="3762900"/>
+          </a:xfrm>
+          <a:prstGeom prst="rect">
+            <a:avLst/>
+          </a:prstGeom>
+        </p:spPr>
+      </p:pic>
+    </p:spTree>
+    <p:extLst>
+      <p:ext uri="{BB962C8B-B14F-4D97-AF65-F5344CB8AC3E}">
+        <p14:creationId xmlns:p14="http://schemas.microsoft.com/office/powerpoint/2010/main" val="3058766284"/>
+      </p:ext>
+    </p:extLst>
+  </p:cSld>
+  <p:clrMapOvr>
+    <a:masterClrMapping/>
+  </p:clrMapOvr>
+</p:sld>
+</file>
+
+<file path=ppt/slides/slide22.xml><?xml version="1.0" encoding="utf-8"?>
+<p:sld xmlns:a="http://schemas.openxmlformats.org/drawingml/2006/main" xmlns:r="http://schemas.openxmlformats.org/officeDocument/2006/relationships" xmlns:p="http://schemas.openxmlformats.org/presentationml/2006/main">
+  <p:cSld>
+    <p:spTree>
+      <p:nvGrpSpPr>
+        <p:cNvPr id="1" name=""/>
+        <p:cNvGrpSpPr/>
+        <p:nvPr/>
+      </p:nvGrpSpPr>
+      <p:grpSpPr>
+        <a:xfrm>
+          <a:off x="0" y="0"/>
+          <a:ext cx="0" cy="0"/>
+          <a:chOff x="0" y="0"/>
+          <a:chExt cx="0" cy="0"/>
+        </a:xfrm>
+      </p:grpSpPr>
+      <p:sp>
+        <p:nvSpPr>
+          <p:cNvPr id="2" name="標題 1">
+            <a:extLst>
+              <a:ext uri="{FF2B5EF4-FFF2-40B4-BE49-F238E27FC236}">
+                <a16:creationId xmlns:a16="http://schemas.microsoft.com/office/drawing/2014/main" id="{BC2D7F7F-C827-450E-875B-CE0E2DCDFF59}"/>
+              </a:ext>
+            </a:extLst>
+          </p:cNvPr>
+          <p:cNvSpPr>
+            <a:spLocks noGrp="1"/>
+          </p:cNvSpPr>
+          <p:nvPr>
+            <p:ph type="title"/>
+          </p:nvPr>
+        </p:nvSpPr>
+        <p:spPr/>
+        <p:txBody>
+          <a:bodyPr/>
+          <a:lstStyle/>
+          <a:p>
+            <a:r>
+              <a:rPr lang="zh-TW" altLang="en-US" b="1" dirty="0">
+                <a:latin typeface="Times New Roman" panose="02020603050405020304" pitchFamily="18" charset="0"/>
+                <a:ea typeface="標楷體" panose="03000509000000000000" pitchFamily="65" charset="-120"/>
+                <a:cs typeface="Times New Roman" panose="02020603050405020304" pitchFamily="18" charset="0"/>
+              </a:rPr>
+              <a:t>控制系統</a:t>
+            </a:r>
+            <a:endParaRPr lang="zh-TW" altLang="en-US" dirty="0"/>
+          </a:p>
+        </p:txBody>
+      </p:sp>
+      <p:pic>
+        <p:nvPicPr>
+          <p:cNvPr id="4" name="內容版面配置區 3">
+            <a:extLst>
+              <a:ext uri="{FF2B5EF4-FFF2-40B4-BE49-F238E27FC236}">
+                <a16:creationId xmlns:a16="http://schemas.microsoft.com/office/drawing/2014/main" id="{59F86DB1-1F5C-47FF-A663-F817E2E23612}"/>
+              </a:ext>
+            </a:extLst>
+          </p:cNvPr>
+          <p:cNvPicPr>
+            <a:picLocks noGrp="1" noChangeAspect="1"/>
+          </p:cNvPicPr>
+          <p:nvPr>
+            <p:ph idx="1"/>
+          </p:nvPr>
+        </p:nvPicPr>
+        <p:blipFill>
+          <a:blip r:embed="rId2"/>
+          <a:stretch>
+            <a:fillRect/>
+          </a:stretch>
+        </p:blipFill>
+        <p:spPr>
+          <a:xfrm>
+            <a:off x="838200" y="2335223"/>
+            <a:ext cx="10515600" cy="3332142"/>
+          </a:xfrm>
+          <a:prstGeom prst="rect">
+            <a:avLst/>
+          </a:prstGeom>
+        </p:spPr>
+      </p:pic>
+    </p:spTree>
+    <p:extLst>
+      <p:ext uri="{BB962C8B-B14F-4D97-AF65-F5344CB8AC3E}">
+        <p14:creationId xmlns:p14="http://schemas.microsoft.com/office/powerpoint/2010/main" val="1189633564"/>
+      </p:ext>
+    </p:extLst>
+  </p:cSld>
+  <p:clrMapOvr>
+    <a:masterClrMapping/>
+  </p:clrMapOvr>
+</p:sld>
+</file>
+
+<file path=ppt/slides/slide23.xml><?xml version="1.0" encoding="utf-8"?>
+<p:sld xmlns:a="http://schemas.openxmlformats.org/drawingml/2006/main" xmlns:r="http://schemas.openxmlformats.org/officeDocument/2006/relationships" xmlns:p="http://schemas.openxmlformats.org/presentationml/2006/main">
+  <p:cSld>
+    <p:spTree>
+      <p:nvGrpSpPr>
+        <p:cNvPr id="1" name=""/>
+        <p:cNvGrpSpPr/>
+        <p:nvPr/>
+      </p:nvGrpSpPr>
+      <p:grpSpPr>
+        <a:xfrm>
+          <a:off x="0" y="0"/>
+          <a:ext cx="0" cy="0"/>
+          <a:chOff x="0" y="0"/>
+          <a:chExt cx="0" cy="0"/>
+        </a:xfrm>
+      </p:grpSpPr>
+      <p:sp>
+        <p:nvSpPr>
+          <p:cNvPr id="2" name="標題 1">
+            <a:extLst>
+              <a:ext uri="{FF2B5EF4-FFF2-40B4-BE49-F238E27FC236}">
+                <a16:creationId xmlns:a16="http://schemas.microsoft.com/office/drawing/2014/main" id="{3D64CC23-F37F-4598-BF10-D3FC24AA2655}"/>
+              </a:ext>
+            </a:extLst>
+          </p:cNvPr>
+          <p:cNvSpPr>
+            <a:spLocks noGrp="1"/>
+          </p:cNvSpPr>
+          <p:nvPr>
+            <p:ph type="title"/>
+          </p:nvPr>
+        </p:nvSpPr>
+        <p:spPr/>
+        <p:txBody>
+          <a:bodyPr/>
+          <a:lstStyle/>
+          <a:p>
+            <a:r>
+              <a:rPr lang="zh-TW" altLang="en-US" b="1" dirty="0">
+                <a:latin typeface="Times New Roman" panose="02020603050405020304" pitchFamily="18" charset="0"/>
+                <a:ea typeface="標楷體" panose="03000509000000000000" pitchFamily="65" charset="-120"/>
+                <a:cs typeface="Times New Roman" panose="02020603050405020304" pitchFamily="18" charset="0"/>
+              </a:rPr>
+              <a:t>控制系統</a:t>
+            </a:r>
+            <a:endParaRPr lang="zh-TW" altLang="en-US" dirty="0"/>
+          </a:p>
+        </p:txBody>
+      </p:sp>
+      <p:pic>
+        <p:nvPicPr>
+          <p:cNvPr id="4" name="內容版面配置區 3">
+            <a:extLst>
+              <a:ext uri="{FF2B5EF4-FFF2-40B4-BE49-F238E27FC236}">
+                <a16:creationId xmlns:a16="http://schemas.microsoft.com/office/drawing/2014/main" id="{3648FE11-9F47-4E8D-926D-6B352EF7EDD9}"/>
+              </a:ext>
+            </a:extLst>
+          </p:cNvPr>
+          <p:cNvPicPr>
+            <a:picLocks noGrp="1" noChangeAspect="1"/>
+          </p:cNvPicPr>
+          <p:nvPr>
+            <p:ph idx="1"/>
+          </p:nvPr>
+        </p:nvPicPr>
+        <p:blipFill>
+          <a:blip r:embed="rId2"/>
+          <a:stretch>
+            <a:fillRect/>
+          </a:stretch>
+        </p:blipFill>
+        <p:spPr>
+          <a:xfrm>
+            <a:off x="1008651" y="1690688"/>
+            <a:ext cx="10345149" cy="5077665"/>
+          </a:xfrm>
+          <a:prstGeom prst="rect">
+            <a:avLst/>
+          </a:prstGeom>
+        </p:spPr>
+      </p:pic>
+    </p:spTree>
+    <p:extLst>
+      <p:ext uri="{BB962C8B-B14F-4D97-AF65-F5344CB8AC3E}">
+        <p14:creationId xmlns:p14="http://schemas.microsoft.com/office/powerpoint/2010/main" val="224773001"/>
+      </p:ext>
+    </p:extLst>
+  </p:cSld>
+  <p:clrMapOvr>
+    <a:masterClrMapping/>
+  </p:clrMapOvr>
+</p:sld>
+</file>
+
+<file path=ppt/slides/slide24.xml><?xml version="1.0" encoding="utf-8"?>
+<p:sld xmlns:a="http://schemas.openxmlformats.org/drawingml/2006/main" xmlns:r="http://schemas.openxmlformats.org/officeDocument/2006/relationships" xmlns:p="http://schemas.openxmlformats.org/presentationml/2006/main">
+  <p:cSld>
+    <p:spTree>
+      <p:nvGrpSpPr>
+        <p:cNvPr id="1" name=""/>
+        <p:cNvGrpSpPr/>
+        <p:nvPr/>
+      </p:nvGrpSpPr>
+      <p:grpSpPr>
+        <a:xfrm>
+          <a:off x="0" y="0"/>
+          <a:ext cx="0" cy="0"/>
+          <a:chOff x="0" y="0"/>
+          <a:chExt cx="0" cy="0"/>
+        </a:xfrm>
+      </p:grpSpPr>
+      <p:sp>
+        <p:nvSpPr>
+          <p:cNvPr id="2" name="標題 1">
+            <a:extLst>
+              <a:ext uri="{FF2B5EF4-FFF2-40B4-BE49-F238E27FC236}">
+                <a16:creationId xmlns:a16="http://schemas.microsoft.com/office/drawing/2014/main" id="{FCC6C597-5191-4849-B63E-F0F3B4C932CC}"/>
+              </a:ext>
+            </a:extLst>
+          </p:cNvPr>
+          <p:cNvSpPr>
+            <a:spLocks noGrp="1"/>
+          </p:cNvSpPr>
+          <p:nvPr>
+            <p:ph type="title"/>
+          </p:nvPr>
+        </p:nvSpPr>
+        <p:spPr/>
+        <p:txBody>
+          <a:bodyPr/>
+          <a:lstStyle/>
+          <a:p>
+            <a:r>
+              <a:rPr lang="zh-TW" altLang="en-US" b="1" dirty="0">
+                <a:latin typeface="Times New Roman" panose="02020603050405020304" pitchFamily="18" charset="0"/>
+                <a:ea typeface="標楷體" panose="03000509000000000000" pitchFamily="65" charset="-120"/>
+                <a:cs typeface="Times New Roman" panose="02020603050405020304" pitchFamily="18" charset="0"/>
+              </a:rPr>
+              <a:t>控制系統</a:t>
+            </a:r>
+            <a:endParaRPr lang="zh-TW" altLang="en-US" dirty="0"/>
+          </a:p>
+        </p:txBody>
+      </p:sp>
+      <p:pic>
+        <p:nvPicPr>
+          <p:cNvPr id="4" name="內容版面配置區 3">
+            <a:extLst>
+              <a:ext uri="{FF2B5EF4-FFF2-40B4-BE49-F238E27FC236}">
+                <a16:creationId xmlns:a16="http://schemas.microsoft.com/office/drawing/2014/main" id="{C0972323-C7C5-42C7-BBF8-FE25E043627A}"/>
+              </a:ext>
+            </a:extLst>
+          </p:cNvPr>
+          <p:cNvPicPr>
+            <a:picLocks noGrp="1" noChangeAspect="1"/>
+          </p:cNvPicPr>
+          <p:nvPr>
+            <p:ph idx="1"/>
+          </p:nvPr>
+        </p:nvPicPr>
+        <p:blipFill rotWithShape="1">
+          <a:blip r:embed="rId2"/>
+          <a:srcRect t="12282"/>
+          <a:stretch/>
+        </p:blipFill>
+        <p:spPr>
+          <a:xfrm>
+            <a:off x="567064" y="1819349"/>
+            <a:ext cx="11057871" cy="3656148"/>
+          </a:xfrm>
+          <a:prstGeom prst="rect">
+            <a:avLst/>
+          </a:prstGeom>
+        </p:spPr>
+      </p:pic>
+    </p:spTree>
+    <p:extLst>
+      <p:ext uri="{BB962C8B-B14F-4D97-AF65-F5344CB8AC3E}">
+        <p14:creationId xmlns:p14="http://schemas.microsoft.com/office/powerpoint/2010/main" val="1334795320"/>
+      </p:ext>
+    </p:extLst>
+  </p:cSld>
+  <p:clrMapOvr>
+    <a:masterClrMapping/>
+  </p:clrMapOvr>
+</p:sld>
+</file>
+
+<file path=ppt/slides/slide25.xml><?xml version="1.0" encoding="utf-8"?>
+<p:sld xmlns:a="http://schemas.openxmlformats.org/drawingml/2006/main" xmlns:r="http://schemas.openxmlformats.org/officeDocument/2006/relationships" xmlns:p="http://schemas.openxmlformats.org/presentationml/2006/main">
+  <p:cSld>
+    <p:spTree>
+      <p:nvGrpSpPr>
+        <p:cNvPr id="1" name=""/>
+        <p:cNvGrpSpPr/>
+        <p:nvPr/>
+      </p:nvGrpSpPr>
+      <p:grpSpPr>
+        <a:xfrm>
+          <a:off x="0" y="0"/>
+          <a:ext cx="0" cy="0"/>
+          <a:chOff x="0" y="0"/>
+          <a:chExt cx="0" cy="0"/>
+        </a:xfrm>
+      </p:grpSpPr>
+      <p:sp>
+        <p:nvSpPr>
           <p:cNvPr id="2" name="標題 1"/>
           <p:cNvSpPr>
             <a:spLocks noGrp="1"/>
@@ -8801,349 +9721,7 @@
 </p:sld>
 </file>
 
-<file path=ppt/slides/slide2.xml><?xml version="1.0" encoding="utf-8"?>
-<p:sld xmlns:a="http://schemas.openxmlformats.org/drawingml/2006/main" xmlns:r="http://schemas.openxmlformats.org/officeDocument/2006/relationships" xmlns:p="http://schemas.openxmlformats.org/presentationml/2006/main">
-  <p:cSld>
-    <p:spTree>
-      <p:nvGrpSpPr>
-        <p:cNvPr id="1" name=""/>
-        <p:cNvGrpSpPr/>
-        <p:nvPr/>
-      </p:nvGrpSpPr>
-      <p:grpSpPr>
-        <a:xfrm>
-          <a:off x="0" y="0"/>
-          <a:ext cx="0" cy="0"/>
-          <a:chOff x="0" y="0"/>
-          <a:chExt cx="0" cy="0"/>
-        </a:xfrm>
-      </p:grpSpPr>
-      <p:sp>
-        <p:nvSpPr>
-          <p:cNvPr id="2" name="標題 1">
-            <a:extLst>
-              <a:ext uri="{FF2B5EF4-FFF2-40B4-BE49-F238E27FC236}">
-                <a16:creationId xmlns:a16="http://schemas.microsoft.com/office/drawing/2014/main" id="{0DDB5397-27B7-45A9-8359-9157B1D96FBB}"/>
-              </a:ext>
-            </a:extLst>
-          </p:cNvPr>
-          <p:cNvSpPr>
-            <a:spLocks noGrp="1"/>
-          </p:cNvSpPr>
-          <p:nvPr>
-            <p:ph type="title"/>
-          </p:nvPr>
-        </p:nvSpPr>
-        <p:spPr/>
-        <p:txBody>
-          <a:bodyPr/>
-          <a:lstStyle/>
-          <a:p>
-            <a:r>
-              <a:rPr lang="zh-TW" altLang="en-US" b="1" dirty="0">
-                <a:latin typeface="標楷體" panose="03000509000000000000" pitchFamily="65" charset="-120"/>
-                <a:ea typeface="標楷體" panose="03000509000000000000" pitchFamily="65" charset="-120"/>
-              </a:rPr>
-              <a:t>目錄</a:t>
-            </a:r>
-          </a:p>
-        </p:txBody>
-      </p:sp>
-      <p:sp>
-        <p:nvSpPr>
-          <p:cNvPr id="3" name="內容版面配置區 2">
-            <a:extLst>
-              <a:ext uri="{FF2B5EF4-FFF2-40B4-BE49-F238E27FC236}">
-                <a16:creationId xmlns:a16="http://schemas.microsoft.com/office/drawing/2014/main" id="{B0E6F1F9-B966-4F52-B03D-896227CC106A}"/>
-              </a:ext>
-            </a:extLst>
-          </p:cNvPr>
-          <p:cNvSpPr>
-            <a:spLocks noGrp="1"/>
-          </p:cNvSpPr>
-          <p:nvPr>
-            <p:ph idx="1"/>
-          </p:nvPr>
-        </p:nvSpPr>
-        <p:spPr/>
-        <p:txBody>
-          <a:bodyPr>
-            <a:normAutofit fontScale="92500" lnSpcReduction="20000"/>
-          </a:bodyPr>
-          <a:lstStyle/>
-          <a:p>
-            <a:r>
-              <a:rPr lang="zh-TW" altLang="en-US" dirty="0">
-                <a:latin typeface="Times New Roman" panose="02020603050405020304" pitchFamily="18" charset="0"/>
-                <a:ea typeface="標楷體" panose="03000509000000000000" pitchFamily="65" charset="-120"/>
-                <a:cs typeface="Times New Roman" panose="02020603050405020304" pitchFamily="18" charset="0"/>
-              </a:rPr>
-              <a:t>流程圖</a:t>
-            </a:r>
-            <a:endParaRPr lang="en-US" altLang="zh-TW" dirty="0">
-              <a:latin typeface="Times New Roman" panose="02020603050405020304" pitchFamily="18" charset="0"/>
-              <a:ea typeface="標楷體" panose="03000509000000000000" pitchFamily="65" charset="-120"/>
-              <a:cs typeface="Times New Roman" panose="02020603050405020304" pitchFamily="18" charset="0"/>
-            </a:endParaRPr>
-          </a:p>
-          <a:p>
-            <a:r>
-              <a:rPr lang="en-US" altLang="zh-TW" dirty="0">
-                <a:latin typeface="Times New Roman" panose="02020603050405020304" pitchFamily="18" charset="0"/>
-                <a:ea typeface="標楷體" panose="03000509000000000000" pitchFamily="65" charset="-120"/>
-                <a:cs typeface="Times New Roman" panose="02020603050405020304" pitchFamily="18" charset="0"/>
-              </a:rPr>
-              <a:t>GitHub</a:t>
-            </a:r>
-          </a:p>
-          <a:p>
-            <a:r>
-              <a:rPr lang="en-US" altLang="zh-TW" dirty="0">
-                <a:latin typeface="Times New Roman" panose="02020603050405020304" pitchFamily="18" charset="0"/>
-                <a:ea typeface="標楷體" panose="03000509000000000000" pitchFamily="65" charset="-120"/>
-                <a:cs typeface="Times New Roman" panose="02020603050405020304" pitchFamily="18" charset="0"/>
-              </a:rPr>
-              <a:t>ODOO PLM</a:t>
-            </a:r>
-            <a:r>
-              <a:rPr lang="zh-TW" altLang="en-US" dirty="0">
-                <a:latin typeface="Times New Roman" panose="02020603050405020304" pitchFamily="18" charset="0"/>
-                <a:ea typeface="標楷體" panose="03000509000000000000" pitchFamily="65" charset="-120"/>
-                <a:cs typeface="Times New Roman" panose="02020603050405020304" pitchFamily="18" charset="0"/>
-              </a:rPr>
-              <a:t>模組</a:t>
-            </a:r>
-            <a:endParaRPr lang="en-US" altLang="zh-TW" dirty="0">
-              <a:latin typeface="Times New Roman" panose="02020603050405020304" pitchFamily="18" charset="0"/>
-              <a:ea typeface="標楷體" panose="03000509000000000000" pitchFamily="65" charset="-120"/>
-              <a:cs typeface="Times New Roman" panose="02020603050405020304" pitchFamily="18" charset="0"/>
-            </a:endParaRPr>
-          </a:p>
-          <a:p>
-            <a:r>
-              <a:rPr lang="en-US" altLang="zh-TW" dirty="0" err="1">
-                <a:latin typeface="Times New Roman" panose="02020603050405020304" pitchFamily="18" charset="0"/>
-                <a:ea typeface="標楷體" panose="03000509000000000000" pitchFamily="65" charset="-120"/>
-                <a:cs typeface="Times New Roman" panose="02020603050405020304" pitchFamily="18" charset="0"/>
-              </a:rPr>
-              <a:t>LaTeX</a:t>
-            </a:r>
-            <a:endParaRPr lang="en-US" altLang="zh-TW" dirty="0">
-              <a:latin typeface="Times New Roman" panose="02020603050405020304" pitchFamily="18" charset="0"/>
-              <a:ea typeface="標楷體" panose="03000509000000000000" pitchFamily="65" charset="-120"/>
-              <a:cs typeface="Times New Roman" panose="02020603050405020304" pitchFamily="18" charset="0"/>
-            </a:endParaRPr>
-          </a:p>
-          <a:p>
-            <a:r>
-              <a:rPr lang="en-US" altLang="zh-TW" dirty="0" err="1">
-                <a:latin typeface="Times New Roman" panose="02020603050405020304" pitchFamily="18" charset="0"/>
-                <a:ea typeface="標楷體" panose="03000509000000000000" pitchFamily="65" charset="-120"/>
-                <a:cs typeface="Times New Roman" panose="02020603050405020304" pitchFamily="18" charset="0"/>
-              </a:rPr>
-              <a:t>GeoGebra</a:t>
-            </a:r>
-            <a:r>
-              <a:rPr lang="en-US" altLang="zh-TW" dirty="0">
-                <a:latin typeface="Times New Roman" panose="02020603050405020304" pitchFamily="18" charset="0"/>
-                <a:ea typeface="標楷體" panose="03000509000000000000" pitchFamily="65" charset="-120"/>
-                <a:cs typeface="Times New Roman" panose="02020603050405020304" pitchFamily="18" charset="0"/>
-              </a:rPr>
-              <a:t> Classic</a:t>
-            </a:r>
-          </a:p>
-          <a:p>
-            <a:r>
-              <a:rPr lang="zh-TW" altLang="en-US" dirty="0">
-                <a:latin typeface="Times New Roman" panose="02020603050405020304" pitchFamily="18" charset="0"/>
-                <a:ea typeface="標楷體" panose="03000509000000000000" pitchFamily="65" charset="-120"/>
-                <a:cs typeface="Times New Roman" panose="02020603050405020304" pitchFamily="18" charset="0"/>
-              </a:rPr>
-              <a:t>案例研究：鋼球平衡台的設計</a:t>
-            </a:r>
-            <a:endParaRPr lang="en-US" altLang="zh-TW" dirty="0">
-              <a:latin typeface="Times New Roman" panose="02020603050405020304" pitchFamily="18" charset="0"/>
-              <a:ea typeface="標楷體" panose="03000509000000000000" pitchFamily="65" charset="-120"/>
-              <a:cs typeface="Times New Roman" panose="02020603050405020304" pitchFamily="18" charset="0"/>
-            </a:endParaRPr>
-          </a:p>
-          <a:p>
-            <a:r>
-              <a:rPr lang="zh-TW" altLang="en-US" dirty="0">
-                <a:latin typeface="Times New Roman" panose="02020603050405020304" pitchFamily="18" charset="0"/>
-                <a:ea typeface="標楷體" panose="03000509000000000000" pitchFamily="65" charset="-120"/>
-                <a:cs typeface="Times New Roman" panose="02020603050405020304" pitchFamily="18" charset="0"/>
-              </a:rPr>
-              <a:t>設計理念</a:t>
-            </a:r>
-            <a:endParaRPr lang="en-US" altLang="zh-TW" dirty="0">
-              <a:latin typeface="Times New Roman" panose="02020603050405020304" pitchFamily="18" charset="0"/>
-              <a:ea typeface="標楷體" panose="03000509000000000000" pitchFamily="65" charset="-120"/>
-              <a:cs typeface="Times New Roman" panose="02020603050405020304" pitchFamily="18" charset="0"/>
-            </a:endParaRPr>
-          </a:p>
-          <a:p>
-            <a:r>
-              <a:rPr lang="zh-TW" altLang="en-US" dirty="0">
-                <a:latin typeface="Times New Roman" panose="02020603050405020304" pitchFamily="18" charset="0"/>
-                <a:ea typeface="標楷體" panose="03000509000000000000" pitchFamily="65" charset="-120"/>
-                <a:cs typeface="Times New Roman" panose="02020603050405020304" pitchFamily="18" charset="0"/>
-              </a:rPr>
-              <a:t>組合</a:t>
-            </a:r>
-            <a:r>
-              <a:rPr lang="en-US" altLang="zh-TW" dirty="0">
-                <a:latin typeface="Times New Roman" panose="02020603050405020304" pitchFamily="18" charset="0"/>
-                <a:ea typeface="標楷體" panose="03000509000000000000" pitchFamily="65" charset="-120"/>
-                <a:cs typeface="Times New Roman" panose="02020603050405020304" pitchFamily="18" charset="0"/>
-              </a:rPr>
-              <a:t> 3D </a:t>
-            </a:r>
-            <a:r>
-              <a:rPr lang="zh-TW" altLang="en-US" dirty="0">
-                <a:latin typeface="Times New Roman" panose="02020603050405020304" pitchFamily="18" charset="0"/>
-                <a:ea typeface="標楷體" panose="03000509000000000000" pitchFamily="65" charset="-120"/>
-                <a:cs typeface="Times New Roman" panose="02020603050405020304" pitchFamily="18" charset="0"/>
-              </a:rPr>
-              <a:t>列印完成圖</a:t>
-            </a:r>
-            <a:endParaRPr lang="en-US" altLang="zh-TW" dirty="0">
-              <a:latin typeface="Times New Roman" panose="02020603050405020304" pitchFamily="18" charset="0"/>
-              <a:ea typeface="標楷體" panose="03000509000000000000" pitchFamily="65" charset="-120"/>
-              <a:cs typeface="Times New Roman" panose="02020603050405020304" pitchFamily="18" charset="0"/>
-            </a:endParaRPr>
-          </a:p>
-          <a:p>
-            <a:r>
-              <a:rPr lang="zh-TW" altLang="en-US" dirty="0">
-                <a:latin typeface="Times New Roman" panose="02020603050405020304" pitchFamily="18" charset="0"/>
-                <a:ea typeface="標楷體" panose="03000509000000000000" pitchFamily="65" charset="-120"/>
-                <a:cs typeface="Times New Roman" panose="02020603050405020304" pitchFamily="18" charset="0"/>
-              </a:rPr>
-              <a:t>設計結果</a:t>
-            </a:r>
-            <a:endParaRPr lang="en-US" altLang="zh-TW" dirty="0">
-              <a:latin typeface="Times New Roman" panose="02020603050405020304" pitchFamily="18" charset="0"/>
-              <a:ea typeface="標楷體" panose="03000509000000000000" pitchFamily="65" charset="-120"/>
-              <a:cs typeface="Times New Roman" panose="02020603050405020304" pitchFamily="18" charset="0"/>
-            </a:endParaRPr>
-          </a:p>
-          <a:p>
-            <a:r>
-              <a:rPr lang="zh-TW" altLang="en-US" dirty="0">
-                <a:latin typeface="Times New Roman" panose="02020603050405020304" pitchFamily="18" charset="0"/>
-                <a:ea typeface="標楷體" panose="03000509000000000000" pitchFamily="65" charset="-120"/>
-                <a:cs typeface="Times New Roman" panose="02020603050405020304" pitchFamily="18" charset="0"/>
-              </a:rPr>
-              <a:t>總結</a:t>
-            </a:r>
-          </a:p>
-        </p:txBody>
-      </p:sp>
-      <p:grpSp>
-        <p:nvGrpSpPr>
-          <p:cNvPr id="4" name="群組 3"/>
-          <p:cNvGrpSpPr/>
-          <p:nvPr/>
-        </p:nvGrpSpPr>
-        <p:grpSpPr>
-          <a:xfrm>
-            <a:off x="728583" y="6083025"/>
-            <a:ext cx="4377730" cy="646331"/>
-            <a:chOff x="793422" y="5945045"/>
-            <a:chExt cx="4377730" cy="646331"/>
-          </a:xfrm>
-        </p:grpSpPr>
-        <p:pic>
-          <p:nvPicPr>
-            <p:cNvPr id="5" name="圖片 4"/>
-            <p:cNvPicPr>
-              <a:picLocks noChangeAspect="1"/>
-            </p:cNvPicPr>
-            <p:nvPr/>
-          </p:nvPicPr>
-          <p:blipFill>
-            <a:blip r:embed="rId2" cstate="print">
-              <a:extLst>
-                <a:ext uri="{28A0092B-C50C-407E-A947-70E740481C1C}">
-                  <a14:useLocalDpi xmlns:a14="http://schemas.microsoft.com/office/drawing/2010/main" val="0"/>
-                </a:ext>
-              </a:extLst>
-            </a:blip>
-            <a:stretch>
-              <a:fillRect/>
-            </a:stretch>
-          </p:blipFill>
-          <p:spPr>
-            <a:xfrm>
-              <a:off x="793422" y="6031991"/>
-              <a:ext cx="730578" cy="472440"/>
-            </a:xfrm>
-            <a:prstGeom prst="rect">
-              <a:avLst/>
-            </a:prstGeom>
-          </p:spPr>
-        </p:pic>
-        <p:sp>
-          <p:nvSpPr>
-            <p:cNvPr id="6" name="文字方塊 5"/>
-            <p:cNvSpPr txBox="1"/>
-            <p:nvPr/>
-          </p:nvSpPr>
-          <p:spPr>
-            <a:xfrm>
-              <a:off x="1524000" y="5945045"/>
-              <a:ext cx="3647152" cy="646331"/>
-            </a:xfrm>
-            <a:prstGeom prst="rect">
-              <a:avLst/>
-            </a:prstGeom>
-            <a:noFill/>
-          </p:spPr>
-          <p:txBody>
-            <a:bodyPr wrap="none" rtlCol="0">
-              <a:spAutoFit/>
-            </a:bodyPr>
-            <a:lstStyle/>
-            <a:p>
-              <a:r>
-                <a:rPr lang="zh-TW" altLang="en-US" dirty="0">
-                  <a:latin typeface="標楷體" panose="03000509000000000000" pitchFamily="65" charset="-120"/>
-                  <a:ea typeface="標楷體" panose="03000509000000000000" pitchFamily="65" charset="-120"/>
-                </a:rPr>
-                <a:t>國立虎尾科技大學</a:t>
-              </a:r>
-              <a:endParaRPr lang="en-US" altLang="zh-TW" dirty="0">
-                <a:latin typeface="標楷體" panose="03000509000000000000" pitchFamily="65" charset="-120"/>
-                <a:ea typeface="標楷體" panose="03000509000000000000" pitchFamily="65" charset="-120"/>
-              </a:endParaRPr>
-            </a:p>
-            <a:p>
-              <a:r>
-                <a:rPr lang="zh-TW" altLang="en-US" dirty="0">
-                  <a:latin typeface="標楷體" panose="03000509000000000000" pitchFamily="65" charset="-120"/>
-                  <a:ea typeface="標楷體" panose="03000509000000000000" pitchFamily="65" charset="-120"/>
-                </a:rPr>
-                <a:t>機械設計工程系暨精密機械工程科</a:t>
-              </a:r>
-            </a:p>
-          </p:txBody>
-        </p:sp>
-      </p:grpSp>
-    </p:spTree>
-    <p:extLst>
-      <p:ext uri="{BB962C8B-B14F-4D97-AF65-F5344CB8AC3E}">
-        <p14:creationId xmlns:p14="http://schemas.microsoft.com/office/powerpoint/2010/main" val="1003538388"/>
-      </p:ext>
-    </p:extLst>
-  </p:cSld>
-  <p:clrMapOvr>
-    <a:masterClrMapping/>
-  </p:clrMapOvr>
-</p:sld>
-</file>
-
-<file path=ppt/slides/slide20.xml><?xml version="1.0" encoding="utf-8"?>
+<file path=ppt/slides/slide26.xml><?xml version="1.0" encoding="utf-8"?>
 <p:sld xmlns:a="http://schemas.openxmlformats.org/drawingml/2006/main" xmlns:r="http://schemas.openxmlformats.org/officeDocument/2006/relationships" xmlns:p="http://schemas.openxmlformats.org/presentationml/2006/main">
   <p:cSld>
     <p:spTree>

--- a/PPT/專題報告PPT.pptx
+++ b/PPT/專題報告PPT.pptx
@@ -7742,7 +7742,7 @@
                 <a:latin typeface="標楷體" panose="03000509000000000000" pitchFamily="65" charset="-120"/>
                 <a:ea typeface="標楷體" panose="03000509000000000000" pitchFamily="65" charset="-120"/>
               </a:rPr>
-              <a:t>設計理念</a:t>
+              <a:t>運作方式</a:t>
             </a:r>
           </a:p>
         </p:txBody>
@@ -11488,7 +11488,7 @@
         <p:spPr>
           <a:xfrm>
             <a:off x="838200" y="1825625"/>
-            <a:ext cx="5122333" cy="4351338"/>
+            <a:ext cx="10515600" cy="4351338"/>
           </a:xfrm>
         </p:spPr>
         <p:txBody>
@@ -11588,41 +11588,6 @@
           </a:prstGeom>
         </p:spPr>
       </p:pic>
-      <p:pic>
-        <p:nvPicPr>
-          <p:cNvPr id="9" name="圖片 8">
-            <a:extLst>
-              <a:ext uri="{FF2B5EF4-FFF2-40B4-BE49-F238E27FC236}">
-                <a16:creationId xmlns:a16="http://schemas.microsoft.com/office/drawing/2014/main" id="{2416DFB5-681D-44B5-8255-05A3407F8E49}"/>
-              </a:ext>
-            </a:extLst>
-          </p:cNvPr>
-          <p:cNvPicPr>
-            <a:picLocks noChangeAspect="1"/>
-          </p:cNvPicPr>
-          <p:nvPr/>
-        </p:nvPicPr>
-        <p:blipFill rotWithShape="1">
-          <a:blip r:embed="rId3">
-            <a:extLst>
-              <a:ext uri="{28A0092B-C50C-407E-A947-70E740481C1C}">
-                <a14:useLocalDpi xmlns:a14="http://schemas.microsoft.com/office/drawing/2010/main" val="0"/>
-              </a:ext>
-            </a:extLst>
-          </a:blip>
-          <a:srcRect l="34797" t="12222" r="8817" b="11975"/>
-          <a:stretch/>
-        </p:blipFill>
-        <p:spPr>
-          <a:xfrm>
-            <a:off x="6231469" y="1116917"/>
-            <a:ext cx="5630333" cy="5060046"/>
-          </a:xfrm>
-          <a:prstGeom prst="rect">
-            <a:avLst/>
-          </a:prstGeom>
-        </p:spPr>
-      </p:pic>
       <p:grpSp>
         <p:nvGrpSpPr>
           <p:cNvPr id="6" name="群組 5"/>
@@ -11646,7 +11611,7 @@
             <p:nvPr/>
           </p:nvPicPr>
           <p:blipFill>
-            <a:blip r:embed="rId4" cstate="print">
+            <a:blip r:embed="rId3" cstate="print">
               <a:extLst>
                 <a:ext uri="{28A0092B-C50C-407E-A947-70E740481C1C}">
                   <a14:useLocalDpi xmlns:a14="http://schemas.microsoft.com/office/drawing/2010/main" val="0"/>
@@ -11818,7 +11783,7 @@
                 <a:ea typeface="標楷體" panose="03000509000000000000" pitchFamily="65" charset="-120"/>
                 <a:cs typeface="Times New Roman" panose="02020603050405020304" pitchFamily="18" charset="0"/>
               </a:rPr>
-              <a:t>是一款將幾何、代數、函數轉化成圖形的工具，我們利用這個軟體幫助我們計算和模擬馬達機構運作行程位置、速度。</a:t>
+              <a:t>是一款能夠將幾何、代數、函數轉化成圖形的工具，我們利用這個軟體幫助我們計算和模擬馬達機構運作行程位置、速度。</a:t>
             </a:r>
           </a:p>
         </p:txBody>
@@ -11859,42 +11824,6 @@
           </a:prstGeom>
         </p:spPr>
       </p:pic>
-      <p:pic>
-        <p:nvPicPr>
-          <p:cNvPr id="7" name="圖片 6">
-            <a:extLst>
-              <a:ext uri="{FF2B5EF4-FFF2-40B4-BE49-F238E27FC236}">
-                <a16:creationId xmlns:a16="http://schemas.microsoft.com/office/drawing/2014/main" id="{9F054FF7-2EDF-4A15-885B-63D262AFBB4C}"/>
-              </a:ext>
-            </a:extLst>
-          </p:cNvPr>
-          <p:cNvPicPr>
-            <a:picLocks noChangeAspect="1"/>
-          </p:cNvPicPr>
-          <p:nvPr/>
-        </p:nvPicPr>
-        <p:blipFill>
-          <a:blip r:embed="rId3">
-            <a:extLst>
-              <a:ext uri="{28A0092B-C50C-407E-A947-70E740481C1C}">
-                <a14:useLocalDpi xmlns:a14="http://schemas.microsoft.com/office/drawing/2010/main" val="0"/>
-              </a:ext>
-            </a:extLst>
-          </a:blip>
-          <a:stretch>
-            <a:fillRect/>
-          </a:stretch>
-        </p:blipFill>
-        <p:spPr>
-          <a:xfrm>
-            <a:off x="3918566" y="2818519"/>
-            <a:ext cx="6193252" cy="3493381"/>
-          </a:xfrm>
-          <a:prstGeom prst="rect">
-            <a:avLst/>
-          </a:prstGeom>
-        </p:spPr>
-      </p:pic>
       <p:grpSp>
         <p:nvGrpSpPr>
           <p:cNvPr id="6" name="群組 5"/>
@@ -11918,7 +11847,7 @@
             <p:nvPr/>
           </p:nvPicPr>
           <p:blipFill>
-            <a:blip r:embed="rId4" cstate="print">
+            <a:blip r:embed="rId3" cstate="print">
               <a:extLst>
                 <a:ext uri="{28A0092B-C50C-407E-A947-70E740481C1C}">
                   <a14:useLocalDpi xmlns:a14="http://schemas.microsoft.com/office/drawing/2010/main" val="0"/>
@@ -11985,6 +11914,53 @@
           </p:txBody>
         </p:sp>
       </p:grpSp>
+      <p:pic>
+        <p:nvPicPr>
+          <p:cNvPr id="1026" name="Picture 2">
+            <a:extLst>
+              <a:ext uri="{FF2B5EF4-FFF2-40B4-BE49-F238E27FC236}">
+                <a16:creationId xmlns:a16="http://schemas.microsoft.com/office/drawing/2014/main" id="{4A43B8D3-9531-0D80-852E-B4510FA36A19}"/>
+              </a:ext>
+            </a:extLst>
+          </p:cNvPr>
+          <p:cNvPicPr>
+            <a:picLocks noChangeAspect="1" noChangeArrowheads="1"/>
+          </p:cNvPicPr>
+          <p:nvPr/>
+        </p:nvPicPr>
+        <p:blipFill>
+          <a:blip r:embed="rId4">
+            <a:extLst>
+              <a:ext uri="{28A0092B-C50C-407E-A947-70E740481C1C}">
+                <a14:useLocalDpi xmlns:a14="http://schemas.microsoft.com/office/drawing/2010/main" val="0"/>
+              </a:ext>
+            </a:extLst>
+          </a:blip>
+          <a:srcRect/>
+          <a:stretch>
+            <a:fillRect/>
+          </a:stretch>
+        </p:blipFill>
+        <p:spPr bwMode="auto">
+          <a:xfrm>
+            <a:off x="5212854" y="2808514"/>
+            <a:ext cx="5302746" cy="3725636"/>
+          </a:xfrm>
+          <a:prstGeom prst="rect">
+            <a:avLst/>
+          </a:prstGeom>
+          <a:noFill/>
+          <a:extLst>
+            <a:ext uri="{909E8E84-426E-40DD-AFC4-6F175D3DCCD1}">
+              <a14:hiddenFill xmlns:a14="http://schemas.microsoft.com/office/drawing/2010/main">
+                <a:solidFill>
+                  <a:srgbClr val="FFFFFF"/>
+                </a:solidFill>
+              </a14:hiddenFill>
+            </a:ext>
+          </a:extLst>
+        </p:spPr>
+      </p:pic>
     </p:spTree>
     <p:extLst>
       <p:ext uri="{BB962C8B-B14F-4D97-AF65-F5344CB8AC3E}">

--- a/PPT/專題報告PPT.pptx
+++ b/PPT/專題報告PPT.pptx
@@ -300,7 +300,7 @@
           <a:p>
             <a:fld id="{412C2DBA-5A09-482C-AF80-365ECB728354}" type="datetimeFigureOut">
               <a:rPr lang="zh-TW" altLang="en-US" smtClean="0"/>
-              <a:t>2024/6/2</a:t>
+              <a:t>2024/6/3</a:t>
             </a:fld>
             <a:endParaRPr lang="zh-TW" altLang="en-US"/>
           </a:p>
@@ -468,7 +468,7 @@
           <a:p>
             <a:fld id="{412C2DBA-5A09-482C-AF80-365ECB728354}" type="datetimeFigureOut">
               <a:rPr lang="zh-TW" altLang="en-US" smtClean="0"/>
-              <a:t>2024/6/2</a:t>
+              <a:t>2024/6/3</a:t>
             </a:fld>
             <a:endParaRPr lang="zh-TW" altLang="en-US"/>
           </a:p>
@@ -646,7 +646,7 @@
           <a:p>
             <a:fld id="{412C2DBA-5A09-482C-AF80-365ECB728354}" type="datetimeFigureOut">
               <a:rPr lang="zh-TW" altLang="en-US" smtClean="0"/>
-              <a:t>2024/6/2</a:t>
+              <a:t>2024/6/3</a:t>
             </a:fld>
             <a:endParaRPr lang="zh-TW" altLang="en-US"/>
           </a:p>
@@ -814,7 +814,7 @@
           <a:p>
             <a:fld id="{412C2DBA-5A09-482C-AF80-365ECB728354}" type="datetimeFigureOut">
               <a:rPr lang="zh-TW" altLang="en-US" smtClean="0"/>
-              <a:t>2024/6/2</a:t>
+              <a:t>2024/6/3</a:t>
             </a:fld>
             <a:endParaRPr lang="zh-TW" altLang="en-US"/>
           </a:p>
@@ -1059,7 +1059,7 @@
           <a:p>
             <a:fld id="{412C2DBA-5A09-482C-AF80-365ECB728354}" type="datetimeFigureOut">
               <a:rPr lang="zh-TW" altLang="en-US" smtClean="0"/>
-              <a:t>2024/6/2</a:t>
+              <a:t>2024/6/3</a:t>
             </a:fld>
             <a:endParaRPr lang="zh-TW" altLang="en-US"/>
           </a:p>
@@ -1288,7 +1288,7 @@
           <a:p>
             <a:fld id="{412C2DBA-5A09-482C-AF80-365ECB728354}" type="datetimeFigureOut">
               <a:rPr lang="zh-TW" altLang="en-US" smtClean="0"/>
-              <a:t>2024/6/2</a:t>
+              <a:t>2024/6/3</a:t>
             </a:fld>
             <a:endParaRPr lang="zh-TW" altLang="en-US"/>
           </a:p>
@@ -1652,7 +1652,7 @@
           <a:p>
             <a:fld id="{412C2DBA-5A09-482C-AF80-365ECB728354}" type="datetimeFigureOut">
               <a:rPr lang="zh-TW" altLang="en-US" smtClean="0"/>
-              <a:t>2024/6/2</a:t>
+              <a:t>2024/6/3</a:t>
             </a:fld>
             <a:endParaRPr lang="zh-TW" altLang="en-US"/>
           </a:p>
@@ -1769,7 +1769,7 @@
           <a:p>
             <a:fld id="{412C2DBA-5A09-482C-AF80-365ECB728354}" type="datetimeFigureOut">
               <a:rPr lang="zh-TW" altLang="en-US" smtClean="0"/>
-              <a:t>2024/6/2</a:t>
+              <a:t>2024/6/3</a:t>
             </a:fld>
             <a:endParaRPr lang="zh-TW" altLang="en-US"/>
           </a:p>
@@ -1864,7 +1864,7 @@
           <a:p>
             <a:fld id="{412C2DBA-5A09-482C-AF80-365ECB728354}" type="datetimeFigureOut">
               <a:rPr lang="zh-TW" altLang="en-US" smtClean="0"/>
-              <a:t>2024/6/2</a:t>
+              <a:t>2024/6/3</a:t>
             </a:fld>
             <a:endParaRPr lang="zh-TW" altLang="en-US"/>
           </a:p>
@@ -2139,7 +2139,7 @@
           <a:p>
             <a:fld id="{412C2DBA-5A09-482C-AF80-365ECB728354}" type="datetimeFigureOut">
               <a:rPr lang="zh-TW" altLang="en-US" smtClean="0"/>
-              <a:t>2024/6/2</a:t>
+              <a:t>2024/6/3</a:t>
             </a:fld>
             <a:endParaRPr lang="zh-TW" altLang="en-US"/>
           </a:p>
@@ -2391,7 +2391,7 @@
           <a:p>
             <a:fld id="{412C2DBA-5A09-482C-AF80-365ECB728354}" type="datetimeFigureOut">
               <a:rPr lang="zh-TW" altLang="en-US" smtClean="0"/>
-              <a:t>2024/6/2</a:t>
+              <a:t>2024/6/3</a:t>
             </a:fld>
             <a:endParaRPr lang="zh-TW" altLang="en-US"/>
           </a:p>
@@ -2602,7 +2602,7 @@
           <a:p>
             <a:fld id="{412C2DBA-5A09-482C-AF80-365ECB728354}" type="datetimeFigureOut">
               <a:rPr lang="zh-TW" altLang="en-US" smtClean="0"/>
-              <a:t>2024/6/2</a:t>
+              <a:t>2024/6/3</a:t>
             </a:fld>
             <a:endParaRPr lang="zh-TW" altLang="en-US"/>
           </a:p>
@@ -9252,29 +9252,13 @@
                 <a:ea typeface="標楷體" panose="03000509000000000000" pitchFamily="65" charset="-120"/>
                 <a:cs typeface="Times New Roman" panose="02020603050405020304" pitchFamily="18" charset="0"/>
               </a:rPr>
-              <a:t>參數已盡可能讓系統趨近穩定，但穩定過後還是會出現些微的震盪，我們猜測可能是因為</a:t>
-            </a:r>
-            <a:r>
-              <a:rPr lang="en-US" altLang="zh-TW" sz="2400" dirty="0">
-                <a:latin typeface="Times New Roman" panose="02020603050405020304" pitchFamily="18" charset="0"/>
-                <a:ea typeface="標楷體" panose="03000509000000000000" pitchFamily="65" charset="-120"/>
-                <a:cs typeface="Times New Roman" panose="02020603050405020304" pitchFamily="18" charset="0"/>
-              </a:rPr>
-              <a:t>3D</a:t>
-            </a:r>
-            <a:r>
-              <a:rPr lang="zh-TW" altLang="en-US" sz="2400" dirty="0">
-                <a:latin typeface="Times New Roman" panose="02020603050405020304" pitchFamily="18" charset="0"/>
-                <a:ea typeface="標楷體" panose="03000509000000000000" pitchFamily="65" charset="-120"/>
-                <a:cs typeface="Times New Roman" panose="02020603050405020304" pitchFamily="18" charset="0"/>
-              </a:rPr>
-              <a:t>列印的公差所導致。</a:t>
+              <a:t>參數盡可能讓系統趨近穩定。</a:t>
             </a:r>
           </a:p>
         </p:txBody>
       </p:sp>
-      <mc:AlternateContent xmlns:mc="http://schemas.openxmlformats.org/markup-compatibility/2006" xmlns:a14="http://schemas.microsoft.com/office/drawing/2010/main">
-        <mc:Choice Requires="a14">
+      <mc:AlternateContent xmlns:mc="http://schemas.openxmlformats.org/markup-compatibility/2006">
+        <mc:Choice xmlns:a14="http://schemas.microsoft.com/office/drawing/2010/main" Requires="a14">
           <p:sp>
             <p:nvSpPr>
               <p:cNvPr id="6" name="文字方塊 5"/>
@@ -9283,8 +9267,8 @@
             </p:nvSpPr>
             <p:spPr>
               <a:xfrm>
-                <a:off x="838200" y="4000355"/>
-                <a:ext cx="10515600" cy="1257395"/>
+                <a:off x="838200" y="3785201"/>
+                <a:ext cx="10515600" cy="1626727"/>
               </a:xfrm>
               <a:prstGeom prst="rect">
                 <a:avLst/>
@@ -9297,6 +9281,14 @@
               </a:bodyPr>
               <a:lstStyle/>
               <a:p>
+                <a:r>
+                  <a:rPr lang="en-US" altLang="zh-TW" sz="2400" dirty="0">
+                    <a:latin typeface="Times New Roman" panose="02020603050405020304" pitchFamily="18" charset="0"/>
+                    <a:ea typeface="標楷體" panose="03000509000000000000" pitchFamily="65" charset="-120"/>
+                    <a:cs typeface="Times New Roman" panose="02020603050405020304" pitchFamily="18" charset="0"/>
+                  </a:rPr>
+                  <a:t>	</a:t>
+                </a:r>
                 <a:r>
                   <a:rPr lang="zh-TW" altLang="en-US" sz="2400" dirty="0">
                     <a:latin typeface="Times New Roman" panose="02020603050405020304" pitchFamily="18" charset="0"/>
@@ -9573,13 +9565,29 @@
                     <a:ea typeface="標楷體" panose="03000509000000000000" pitchFamily="65" charset="-120"/>
                     <a:cs typeface="Times New Roman" panose="02020603050405020304" pitchFamily="18" charset="0"/>
                   </a:rPr>
-                  <a:t>。</a:t>
+                  <a:t>。但穩定過後還是會出現些微的震盪，我們猜測可能是因為</a:t>
+                </a:r>
+                <a:r>
+                  <a:rPr lang="en-US" altLang="zh-TW" sz="2400" dirty="0">
+                    <a:latin typeface="Times New Roman" panose="02020603050405020304" pitchFamily="18" charset="0"/>
+                    <a:ea typeface="標楷體" panose="03000509000000000000" pitchFamily="65" charset="-120"/>
+                    <a:cs typeface="Times New Roman" panose="02020603050405020304" pitchFamily="18" charset="0"/>
+                  </a:rPr>
+                  <a:t>3D</a:t>
+                </a:r>
+                <a:r>
+                  <a:rPr lang="zh-TW" altLang="en-US" sz="2400" dirty="0">
+                    <a:latin typeface="Times New Roman" panose="02020603050405020304" pitchFamily="18" charset="0"/>
+                    <a:ea typeface="標楷體" panose="03000509000000000000" pitchFamily="65" charset="-120"/>
+                    <a:cs typeface="Times New Roman" panose="02020603050405020304" pitchFamily="18" charset="0"/>
+                  </a:rPr>
+                  <a:t>列印的公差所導致。</a:t>
                 </a:r>
               </a:p>
             </p:txBody>
           </p:sp>
         </mc:Choice>
-        <mc:Fallback xmlns="">
+        <mc:Fallback>
           <p:sp>
             <p:nvSpPr>
               <p:cNvPr id="6" name="文字方塊 5"/>
@@ -9590,8 +9598,8 @@
             </p:nvSpPr>
             <p:spPr>
               <a:xfrm>
-                <a:off x="838200" y="4000355"/>
-                <a:ext cx="10515600" cy="1257395"/>
+                <a:off x="838200" y="3785201"/>
+                <a:ext cx="10515600" cy="1626727"/>
               </a:xfrm>
               <a:prstGeom prst="rect">
                 <a:avLst/>
@@ -9599,7 +9607,7 @@
               <a:blipFill>
                 <a:blip r:embed="rId2"/>
                 <a:stretch>
-                  <a:fillRect l="-928" t="-3883" b="-10194"/>
+                  <a:fillRect l="-928" t="-2996" b="-7491"/>
                 </a:stretch>
               </a:blipFill>
             </p:spPr>

--- a/PPT/專題報告PPT.pptx
+++ b/PPT/專題報告PPT.pptx
@@ -6,31 +6,23 @@
   </p:sldMasterIdLst>
   <p:sldIdLst>
     <p:sldId id="256" r:id="rId2"/>
-    <p:sldId id="257" r:id="rId3"/>
-    <p:sldId id="258" r:id="rId4"/>
-    <p:sldId id="260" r:id="rId5"/>
-    <p:sldId id="259" r:id="rId6"/>
-    <p:sldId id="263" r:id="rId7"/>
-    <p:sldId id="261" r:id="rId8"/>
-    <p:sldId id="262" r:id="rId9"/>
-    <p:sldId id="266" r:id="rId10"/>
-    <p:sldId id="270" r:id="rId11"/>
-    <p:sldId id="273" r:id="rId12"/>
-    <p:sldId id="274" r:id="rId13"/>
-    <p:sldId id="277" r:id="rId14"/>
-    <p:sldId id="279" r:id="rId15"/>
-    <p:sldId id="269" r:id="rId16"/>
-    <p:sldId id="281" r:id="rId17"/>
-    <p:sldId id="284" r:id="rId18"/>
-    <p:sldId id="283" r:id="rId19"/>
-    <p:sldId id="286" r:id="rId20"/>
-    <p:sldId id="287" r:id="rId21"/>
-    <p:sldId id="288" r:id="rId22"/>
-    <p:sldId id="289" r:id="rId23"/>
-    <p:sldId id="290" r:id="rId24"/>
-    <p:sldId id="291" r:id="rId25"/>
-    <p:sldId id="285" r:id="rId26"/>
-    <p:sldId id="264" r:id="rId27"/>
+    <p:sldId id="258" r:id="rId3"/>
+    <p:sldId id="259" r:id="rId4"/>
+    <p:sldId id="263" r:id="rId5"/>
+    <p:sldId id="260" r:id="rId6"/>
+    <p:sldId id="261" r:id="rId7"/>
+    <p:sldId id="262" r:id="rId8"/>
+    <p:sldId id="284" r:id="rId9"/>
+    <p:sldId id="269" r:id="rId10"/>
+    <p:sldId id="283" r:id="rId11"/>
+    <p:sldId id="286" r:id="rId12"/>
+    <p:sldId id="287" r:id="rId13"/>
+    <p:sldId id="288" r:id="rId14"/>
+    <p:sldId id="289" r:id="rId15"/>
+    <p:sldId id="290" r:id="rId16"/>
+    <p:sldId id="291" r:id="rId17"/>
+    <p:sldId id="285" r:id="rId18"/>
+    <p:sldId id="264" r:id="rId19"/>
   </p:sldIdLst>
   <p:sldSz cx="12192000" cy="6858000"/>
   <p:notesSz cx="6858000" cy="9144000"/>
@@ -135,22 +127,14 @@
         <p14:section name="預設章節" id="{9E238D65-FF1A-4CBE-A33C-F3544A49E468}">
           <p14:sldIdLst>
             <p14:sldId id="256"/>
-            <p14:sldId id="257"/>
             <p14:sldId id="258"/>
-            <p14:sldId id="260"/>
             <p14:sldId id="259"/>
             <p14:sldId id="263"/>
+            <p14:sldId id="260"/>
             <p14:sldId id="261"/>
             <p14:sldId id="262"/>
-            <p14:sldId id="266"/>
-            <p14:sldId id="270"/>
-            <p14:sldId id="273"/>
-            <p14:sldId id="274"/>
-            <p14:sldId id="277"/>
-            <p14:sldId id="279"/>
+            <p14:sldId id="284"/>
             <p14:sldId id="269"/>
-            <p14:sldId id="281"/>
-            <p14:sldId id="284"/>
             <p14:sldId id="283"/>
             <p14:sldId id="286"/>
             <p14:sldId id="287"/>
@@ -3447,4562 +3431,6 @@
           <p:cNvPr id="2" name="標題 1">
             <a:extLst>
               <a:ext uri="{FF2B5EF4-FFF2-40B4-BE49-F238E27FC236}">
-                <a16:creationId xmlns:a16="http://schemas.microsoft.com/office/drawing/2014/main" id="{856D55AC-F675-4FC4-84B5-9C892ADE2974}"/>
-              </a:ext>
-            </a:extLst>
-          </p:cNvPr>
-          <p:cNvSpPr>
-            <a:spLocks noGrp="1"/>
-          </p:cNvSpPr>
-          <p:nvPr>
-            <p:ph type="title"/>
-          </p:nvPr>
-        </p:nvSpPr>
-        <p:spPr/>
-        <p:txBody>
-          <a:bodyPr/>
-          <a:lstStyle/>
-          <a:p>
-            <a:r>
-              <a:rPr lang="zh-TW" altLang="en-US" b="1" dirty="0">
-                <a:latin typeface="標楷體" panose="03000509000000000000" pitchFamily="65" charset="-120"/>
-                <a:ea typeface="標楷體" panose="03000509000000000000" pitchFamily="65" charset="-120"/>
-              </a:rPr>
-              <a:t>案例研究：鋼球平衡台的設計</a:t>
-            </a:r>
-            <a:endParaRPr lang="zh-TW" altLang="en-US" b="1" dirty="0"/>
-          </a:p>
-        </p:txBody>
-      </p:sp>
-      <mc:AlternateContent xmlns:mc="http://schemas.openxmlformats.org/markup-compatibility/2006" xmlns:a14="http://schemas.microsoft.com/office/drawing/2010/main">
-        <mc:Choice Requires="a14">
-          <p:sp>
-            <p:nvSpPr>
-              <p:cNvPr id="3" name="內容版面配置區 2">
-                <a:extLst>
-                  <a:ext uri="{FF2B5EF4-FFF2-40B4-BE49-F238E27FC236}">
-                    <a16:creationId xmlns:a16="http://schemas.microsoft.com/office/drawing/2014/main" id="{18D01A6B-BE26-484D-B892-D88B32B9F8E5}"/>
-                  </a:ext>
-                </a:extLst>
-              </p:cNvPr>
-              <p:cNvSpPr>
-                <a:spLocks noGrp="1"/>
-              </p:cNvSpPr>
-              <p:nvPr>
-                <p:ph idx="1"/>
-              </p:nvPr>
-            </p:nvSpPr>
-            <p:spPr>
-              <a:xfrm>
-                <a:off x="838200" y="1825625"/>
-                <a:ext cx="10515600" cy="3548480"/>
-              </a:xfrm>
-            </p:spPr>
-            <p:txBody>
-              <a:bodyPr>
-                <a:normAutofit/>
-              </a:bodyPr>
-              <a:lstStyle/>
-              <a:p>
-                <a:pPr marL="0" indent="0">
-                  <a:buNone/>
-                </a:pPr>
-                <a:r>
-                  <a:rPr lang="zh-TW" altLang="en-US" dirty="0">
-                    <a:latin typeface="標楷體" panose="03000509000000000000" pitchFamily="65" charset="-120"/>
-                    <a:ea typeface="標楷體" panose="03000509000000000000" pitchFamily="65" charset="-120"/>
-                  </a:rPr>
-                  <a:t>球的絕對加速度方程式 </a:t>
-                </a:r>
-                <a:endParaRPr lang="en-US" altLang="zh-TW" dirty="0">
-                  <a:latin typeface="標楷體" panose="03000509000000000000" pitchFamily="65" charset="-120"/>
-                  <a:ea typeface="標楷體" panose="03000509000000000000" pitchFamily="65" charset="-120"/>
-                </a:endParaRPr>
-              </a:p>
-              <a:p>
-                <a:pPr marL="0" indent="0">
-                  <a:buNone/>
-                </a:pPr>
-                <a:endParaRPr lang="en-US" altLang="zh-TW" sz="2400" dirty="0">
-                  <a:latin typeface="Cambria Math" panose="02040503050406030204" pitchFamily="18" charset="0"/>
-                </a:endParaRPr>
-              </a:p>
-              <a:p>
-                <a:pPr marL="0" indent="0">
-                  <a:buNone/>
-                </a:pPr>
-                <a14:m>
-                  <m:oMathPara xmlns:m="http://schemas.openxmlformats.org/officeDocument/2006/math">
-                    <m:oMathParaPr>
-                      <m:jc m:val="centerGroup"/>
-                    </m:oMathParaPr>
-                    <m:oMath xmlns:m="http://schemas.openxmlformats.org/officeDocument/2006/math">
-                      <m:sSub>
-                        <m:sSubPr>
-                          <m:ctrlPr>
-                            <a:rPr lang="en-US" altLang="zh-TW" sz="2400" i="1" dirty="0" smtClean="0">
-                              <a:latin typeface="Cambria Math" panose="02040503050406030204" pitchFamily="18" charset="0"/>
-                            </a:rPr>
-                          </m:ctrlPr>
-                        </m:sSubPr>
-                        <m:e>
-                          <m:r>
-                            <a:rPr lang="en-US" altLang="zh-TW" sz="2400" i="1" dirty="0">
-                              <a:latin typeface="Cambria Math" panose="02040503050406030204" pitchFamily="18" charset="0"/>
-                            </a:rPr>
-                            <m:t>𝑎</m:t>
-                          </m:r>
-                        </m:e>
-                        <m:sub>
-                          <m:r>
-                            <a:rPr lang="en-US" altLang="zh-TW" sz="2400" i="1" dirty="0">
-                              <a:latin typeface="Cambria Math" panose="02040503050406030204" pitchFamily="18" charset="0"/>
-                            </a:rPr>
-                            <m:t>𝑎</m:t>
-                          </m:r>
-                        </m:sub>
-                      </m:sSub>
-                      <m:r>
-                        <a:rPr lang="en-US" altLang="zh-TW" sz="2400" i="0" dirty="0">
-                          <a:latin typeface="Cambria Math" panose="02040503050406030204" pitchFamily="18" charset="0"/>
-                        </a:rPr>
-                        <m:t>=</m:t>
-                      </m:r>
-                      <m:acc>
-                        <m:accPr>
-                          <m:chr m:val="̇"/>
-                          <m:ctrlPr>
-                            <a:rPr lang="en-US" altLang="zh-TW" sz="2400" i="1" dirty="0">
-                              <a:latin typeface="Cambria Math" panose="02040503050406030204" pitchFamily="18" charset="0"/>
-                            </a:rPr>
-                          </m:ctrlPr>
-                        </m:accPr>
-                        <m:e>
-                          <m:r>
-                            <a:rPr lang="en-US" altLang="zh-TW" sz="2400" i="1" dirty="0">
-                              <a:latin typeface="Cambria Math" panose="02040503050406030204" pitchFamily="18" charset="0"/>
-                            </a:rPr>
-                            <m:t>𝜔</m:t>
-                          </m:r>
-                        </m:e>
-                      </m:acc>
-                      <m:r>
-                        <a:rPr lang="en-US" altLang="zh-TW" sz="2400" i="0" dirty="0">
-                          <a:latin typeface="Cambria Math" panose="02040503050406030204" pitchFamily="18" charset="0"/>
-                        </a:rPr>
-                        <m:t>×</m:t>
-                      </m:r>
-                      <m:r>
-                        <a:rPr lang="en-US" altLang="zh-TW" sz="2400" i="1" dirty="0">
-                          <a:latin typeface="Cambria Math" panose="02040503050406030204" pitchFamily="18" charset="0"/>
-                        </a:rPr>
-                        <m:t>𝑟</m:t>
-                      </m:r>
-                      <m:r>
-                        <a:rPr lang="en-US" altLang="zh-TW" sz="2400" i="0" dirty="0">
-                          <a:latin typeface="Cambria Math" panose="02040503050406030204" pitchFamily="18" charset="0"/>
-                        </a:rPr>
-                        <m:t>+</m:t>
-                      </m:r>
-                      <m:r>
-                        <a:rPr lang="en-US" altLang="zh-TW" sz="2400" i="1" dirty="0">
-                          <a:latin typeface="Cambria Math" panose="02040503050406030204" pitchFamily="18" charset="0"/>
-                        </a:rPr>
-                        <m:t>𝜔</m:t>
-                      </m:r>
-                      <m:r>
-                        <a:rPr lang="en-US" altLang="zh-TW" sz="2400" i="0" dirty="0">
-                          <a:latin typeface="Cambria Math" panose="02040503050406030204" pitchFamily="18" charset="0"/>
-                        </a:rPr>
-                        <m:t>×</m:t>
-                      </m:r>
-                      <m:d>
-                        <m:dPr>
-                          <m:ctrlPr>
-                            <a:rPr lang="en-US" altLang="zh-TW" sz="2400" i="1" dirty="0">
-                              <a:latin typeface="Cambria Math" panose="02040503050406030204" pitchFamily="18" charset="0"/>
-                            </a:rPr>
-                          </m:ctrlPr>
-                        </m:dPr>
-                        <m:e>
-                          <m:r>
-                            <a:rPr lang="en-US" altLang="zh-TW" sz="2400" i="1" dirty="0">
-                              <a:latin typeface="Cambria Math" panose="02040503050406030204" pitchFamily="18" charset="0"/>
-                            </a:rPr>
-                            <m:t>𝜔</m:t>
-                          </m:r>
-                          <m:r>
-                            <a:rPr lang="en-US" altLang="zh-TW" sz="2400" i="0" dirty="0">
-                              <a:latin typeface="Cambria Math" panose="02040503050406030204" pitchFamily="18" charset="0"/>
-                            </a:rPr>
-                            <m:t>×</m:t>
-                          </m:r>
-                          <m:r>
-                            <a:rPr lang="en-US" altLang="zh-TW" sz="2400" i="1" dirty="0">
-                              <a:latin typeface="Cambria Math" panose="02040503050406030204" pitchFamily="18" charset="0"/>
-                            </a:rPr>
-                            <m:t>𝑟</m:t>
-                          </m:r>
-                        </m:e>
-                      </m:d>
-                      <m:r>
-                        <a:rPr lang="en-US" altLang="zh-TW" sz="2400" i="0" dirty="0">
-                          <a:latin typeface="Cambria Math" panose="02040503050406030204" pitchFamily="18" charset="0"/>
-                        </a:rPr>
-                        <m:t>+2</m:t>
-                      </m:r>
-                      <m:r>
-                        <a:rPr lang="en-US" altLang="zh-TW" sz="2400" i="1" dirty="0">
-                          <a:latin typeface="Cambria Math" panose="02040503050406030204" pitchFamily="18" charset="0"/>
-                        </a:rPr>
-                        <m:t>𝜔</m:t>
-                      </m:r>
-                      <m:r>
-                        <a:rPr lang="en-US" altLang="zh-TW" sz="2400" i="0" dirty="0">
-                          <a:latin typeface="Cambria Math" panose="02040503050406030204" pitchFamily="18" charset="0"/>
-                        </a:rPr>
-                        <m:t>×</m:t>
-                      </m:r>
-                      <m:sSub>
-                        <m:sSubPr>
-                          <m:ctrlPr>
-                            <a:rPr lang="en-US" altLang="zh-TW" sz="2400" i="1" dirty="0">
-                              <a:latin typeface="Cambria Math" panose="02040503050406030204" pitchFamily="18" charset="0"/>
-                            </a:rPr>
-                          </m:ctrlPr>
-                        </m:sSubPr>
-                        <m:e>
-                          <m:r>
-                            <a:rPr lang="en-US" altLang="zh-TW" sz="2400" i="1" dirty="0">
-                              <a:latin typeface="Cambria Math" panose="02040503050406030204" pitchFamily="18" charset="0"/>
-                            </a:rPr>
-                            <m:t>𝑉</m:t>
-                          </m:r>
-                        </m:e>
-                        <m:sub>
-                          <m:r>
-                            <a:rPr lang="en-US" altLang="zh-TW" sz="2400" i="1" dirty="0">
-                              <a:latin typeface="Cambria Math" panose="02040503050406030204" pitchFamily="18" charset="0"/>
-                            </a:rPr>
-                            <m:t>𝑟</m:t>
-                          </m:r>
-                          <m:r>
-                            <a:rPr lang="en-US" altLang="zh-TW" sz="2400" i="0" dirty="0">
-                              <a:latin typeface="Cambria Math" panose="02040503050406030204" pitchFamily="18" charset="0"/>
-                            </a:rPr>
-                            <m:t>ⅇ</m:t>
-                          </m:r>
-                          <m:r>
-                            <a:rPr lang="en-US" altLang="zh-TW" sz="2400" i="1" dirty="0">
-                              <a:latin typeface="Cambria Math" panose="02040503050406030204" pitchFamily="18" charset="0"/>
-                            </a:rPr>
-                            <m:t>𝑙</m:t>
-                          </m:r>
-                        </m:sub>
-                      </m:sSub>
-                      <m:r>
-                        <a:rPr lang="en-US" altLang="zh-TW" sz="2400" i="0" dirty="0">
-                          <a:latin typeface="Cambria Math" panose="02040503050406030204" pitchFamily="18" charset="0"/>
-                        </a:rPr>
-                        <m:t>+</m:t>
-                      </m:r>
-                      <m:sSub>
-                        <m:sSubPr>
-                          <m:ctrlPr>
-                            <a:rPr lang="en-US" altLang="zh-TW" sz="2400" i="1" dirty="0">
-                              <a:latin typeface="Cambria Math" panose="02040503050406030204" pitchFamily="18" charset="0"/>
-                            </a:rPr>
-                          </m:ctrlPr>
-                        </m:sSubPr>
-                        <m:e>
-                          <m:r>
-                            <a:rPr lang="en-US" altLang="zh-TW" sz="2400" i="1" dirty="0">
-                              <a:latin typeface="Cambria Math" panose="02040503050406030204" pitchFamily="18" charset="0"/>
-                            </a:rPr>
-                            <m:t>𝑎</m:t>
-                          </m:r>
-                        </m:e>
-                        <m:sub>
-                          <m:r>
-                            <a:rPr lang="en-US" altLang="zh-TW" sz="2400" i="1" dirty="0">
-                              <a:latin typeface="Cambria Math" panose="02040503050406030204" pitchFamily="18" charset="0"/>
-                            </a:rPr>
-                            <m:t>𝑟𝑒𝑙</m:t>
-                          </m:r>
-                        </m:sub>
-                      </m:sSub>
-                    </m:oMath>
-                  </m:oMathPara>
-                </a14:m>
-                <a:endParaRPr lang="en-US" altLang="zh-TW" sz="2400" dirty="0">
-                  <a:latin typeface="標楷體" panose="03000509000000000000" pitchFamily="65" charset="-120"/>
-                  <a:ea typeface="標楷體" panose="03000509000000000000" pitchFamily="65" charset="-120"/>
-                </a:endParaRPr>
-              </a:p>
-              <a:p>
-                <a:pPr marL="0" indent="0">
-                  <a:buNone/>
-                </a:pPr>
-                <a:endParaRPr lang="en-US" altLang="zh-TW" dirty="0">
-                  <a:latin typeface="標楷體" panose="03000509000000000000" pitchFamily="65" charset="-120"/>
-                  <a:ea typeface="標楷體" panose="03000509000000000000" pitchFamily="65" charset="-120"/>
-                </a:endParaRPr>
-              </a:p>
-              <a:p>
-                <a:pPr marL="0" indent="0">
-                  <a:buNone/>
-                </a:pPr>
-                <a:endParaRPr lang="en-US" altLang="zh-TW" dirty="0">
-                  <a:latin typeface="標楷體" panose="03000509000000000000" pitchFamily="65" charset="-120"/>
-                  <a:ea typeface="標楷體" panose="03000509000000000000" pitchFamily="65" charset="-120"/>
-                </a:endParaRPr>
-              </a:p>
-              <a:p>
-                <a:pPr marL="0" indent="0">
-                  <a:buNone/>
-                </a:pPr>
-                <a:r>
-                  <a:rPr lang="zh-TW" altLang="en-US" dirty="0">
-                    <a:latin typeface="標楷體" panose="03000509000000000000" pitchFamily="65" charset="-120"/>
-                    <a:ea typeface="標楷體" panose="03000509000000000000" pitchFamily="65" charset="-120"/>
-                  </a:rPr>
-                  <a:t>接下來我們將</a:t>
-                </a:r>
-                <a:r>
-                  <a:rPr lang="en-US" altLang="zh-TW" dirty="0">
-                    <a:latin typeface="標楷體" panose="03000509000000000000" pitchFamily="65" charset="-120"/>
-                    <a:ea typeface="標楷體" panose="03000509000000000000" pitchFamily="65" charset="-120"/>
-                  </a:rPr>
-                  <a:t>6.1</a:t>
-                </a:r>
-                <a:r>
-                  <a:rPr lang="zh-TW" altLang="en-US" dirty="0">
-                    <a:latin typeface="標楷體" panose="03000509000000000000" pitchFamily="65" charset="-120"/>
-                    <a:ea typeface="標楷體" panose="03000509000000000000" pitchFamily="65" charset="-120"/>
-                  </a:rPr>
-                  <a:t>式改寫為</a:t>
-                </a:r>
-                <a:r>
-                  <a:rPr lang="en-US" altLang="zh-TW" dirty="0">
-                    <a:latin typeface="標楷體" panose="03000509000000000000" pitchFamily="65" charset="-120"/>
-                    <a:ea typeface="標楷體" panose="03000509000000000000" pitchFamily="65" charset="-120"/>
-                  </a:rPr>
-                  <a:t>6.2</a:t>
-                </a:r>
-                <a:r>
-                  <a:rPr lang="zh-TW" altLang="en-US" dirty="0">
-                    <a:latin typeface="標楷體" panose="03000509000000000000" pitchFamily="65" charset="-120"/>
-                    <a:ea typeface="標楷體" panose="03000509000000000000" pitchFamily="65" charset="-120"/>
-                  </a:rPr>
-                  <a:t>，式中 </a:t>
-                </a:r>
-                <a14:m>
-                  <m:oMath xmlns:m="http://schemas.openxmlformats.org/officeDocument/2006/math">
-                    <m:sSub>
-                      <m:sSubPr>
-                        <m:ctrlPr>
-                          <a:rPr lang="zh-TW" altLang="en-US" i="1" smtClean="0">
-                            <a:latin typeface="Cambria Math" panose="02040503050406030204" pitchFamily="18" charset="0"/>
-                          </a:rPr>
-                        </m:ctrlPr>
-                      </m:sSubPr>
-                      <m:e>
-                        <m:r>
-                          <a:rPr lang="zh-TW" altLang="en-US" i="1" smtClean="0">
-                            <a:latin typeface="Cambria Math" panose="02040503050406030204" pitchFamily="18" charset="0"/>
-                          </a:rPr>
-                          <m:t>𝑒</m:t>
-                        </m:r>
-                      </m:e>
-                      <m:sub>
-                        <m:sSub>
-                          <m:sSubPr>
-                            <m:ctrlPr>
-                              <a:rPr lang="zh-TW" altLang="en-US" i="1" smtClean="0">
-                                <a:latin typeface="Cambria Math" panose="02040503050406030204" pitchFamily="18" charset="0"/>
-                              </a:rPr>
-                            </m:ctrlPr>
-                          </m:sSubPr>
-                          <m:e>
-                            <m:r>
-                              <a:rPr lang="zh-TW" altLang="en-US" i="1" smtClean="0">
-                                <a:latin typeface="Cambria Math" panose="02040503050406030204" pitchFamily="18" charset="0"/>
-                              </a:rPr>
-                              <m:t>𝑘</m:t>
-                            </m:r>
-                          </m:e>
-                          <m:sub>
-                            <m:r>
-                              <a:rPr lang="zh-TW" altLang="en-US" i="1" smtClean="0">
-                                <a:latin typeface="Cambria Math" panose="02040503050406030204" pitchFamily="18" charset="0"/>
-                              </a:rPr>
-                              <m:t>1</m:t>
-                            </m:r>
-                          </m:sub>
-                        </m:sSub>
-                      </m:sub>
-                    </m:sSub>
-                  </m:oMath>
-                </a14:m>
-                <a:r>
-                  <a:rPr lang="en-US" altLang="zh-TW" dirty="0">
-                    <a:latin typeface="標楷體" panose="03000509000000000000" pitchFamily="65" charset="-120"/>
-                    <a:ea typeface="標楷體" panose="03000509000000000000" pitchFamily="65" charset="-120"/>
-                  </a:rPr>
-                  <a:t> </a:t>
-                </a:r>
-                <a:r>
-                  <a:rPr lang="zh-TW" altLang="en-US" dirty="0">
-                    <a:latin typeface="標楷體" panose="03000509000000000000" pitchFamily="65" charset="-120"/>
-                    <a:ea typeface="標楷體" panose="03000509000000000000" pitchFamily="65" charset="-120"/>
-                  </a:rPr>
-                  <a:t>和 </a:t>
-                </a:r>
-                <a14:m>
-                  <m:oMath xmlns:m="http://schemas.openxmlformats.org/officeDocument/2006/math">
-                    <m:sSub>
-                      <m:sSubPr>
-                        <m:ctrlPr>
-                          <a:rPr lang="en-US" altLang="zh-TW" i="1" dirty="0" smtClean="0">
-                            <a:latin typeface="Cambria Math" panose="02040503050406030204" pitchFamily="18" charset="0"/>
-                          </a:rPr>
-                        </m:ctrlPr>
-                      </m:sSubPr>
-                      <m:e>
-                        <m:r>
-                          <a:rPr lang="en-US" altLang="zh-TW" i="1" dirty="0" smtClean="0">
-                            <a:latin typeface="Cambria Math" panose="02040503050406030204" pitchFamily="18" charset="0"/>
-                          </a:rPr>
-                          <m:t>𝑒</m:t>
-                        </m:r>
-                      </m:e>
-                      <m:sub>
-                        <m:r>
-                          <a:rPr lang="en-US" altLang="zh-TW" i="1" dirty="0" smtClean="0">
-                            <a:latin typeface="Cambria Math" panose="02040503050406030204" pitchFamily="18" charset="0"/>
-                          </a:rPr>
-                          <m:t>𝑖</m:t>
-                        </m:r>
-                        <m:r>
-                          <a:rPr lang="en-US" altLang="zh-TW" i="0" dirty="0" smtClean="0">
-                            <a:latin typeface="Cambria Math" panose="02040503050406030204" pitchFamily="18" charset="0"/>
-                          </a:rPr>
-                          <m:t>1</m:t>
-                        </m:r>
-                      </m:sub>
-                    </m:sSub>
-                  </m:oMath>
-                </a14:m>
-                <a:r>
-                  <a:rPr lang="en-US" altLang="zh-TW" dirty="0">
-                    <a:latin typeface="標楷體" panose="03000509000000000000" pitchFamily="65" charset="-120"/>
-                    <a:ea typeface="標楷體" panose="03000509000000000000" pitchFamily="65" charset="-120"/>
-                  </a:rPr>
-                  <a:t> </a:t>
-                </a:r>
-                <a:r>
-                  <a:rPr lang="zh-TW" altLang="en-US" dirty="0">
-                    <a:latin typeface="標楷體" panose="03000509000000000000" pitchFamily="65" charset="-120"/>
-                    <a:ea typeface="標楷體" panose="03000509000000000000" pitchFamily="65" charset="-120"/>
-                  </a:rPr>
-                  <a:t>代表單位向量，</a:t>
-                </a:r>
-                <a14:m>
-                  <m:oMath xmlns:m="http://schemas.openxmlformats.org/officeDocument/2006/math">
-                    <m:sSub>
-                      <m:sSubPr>
-                        <m:ctrlPr>
-                          <a:rPr lang="zh-TW" altLang="en-US" i="1" smtClean="0">
-                            <a:latin typeface="Cambria Math" panose="02040503050406030204" pitchFamily="18" charset="0"/>
-                          </a:rPr>
-                        </m:ctrlPr>
-                      </m:sSubPr>
-                      <m:e>
-                        <m:r>
-                          <a:rPr lang="zh-TW" altLang="en-US" i="1" smtClean="0">
-                            <a:latin typeface="Cambria Math" panose="02040503050406030204" pitchFamily="18" charset="0"/>
-                          </a:rPr>
-                          <m:t>𝑥</m:t>
-                        </m:r>
-                      </m:e>
-                      <m:sub>
-                        <m:r>
-                          <a:rPr lang="zh-TW" altLang="en-US" i="1" smtClean="0">
-                            <a:latin typeface="Cambria Math" panose="02040503050406030204" pitchFamily="18" charset="0"/>
-                          </a:rPr>
-                          <m:t>𝑝</m:t>
-                        </m:r>
-                      </m:sub>
-                    </m:sSub>
-                  </m:oMath>
-                </a14:m>
-                <a:r>
-                  <a:rPr lang="zh-TW" altLang="en-US" dirty="0">
-                    <a:latin typeface="標楷體" panose="03000509000000000000" pitchFamily="65" charset="-120"/>
-                    <a:ea typeface="標楷體" panose="03000509000000000000" pitchFamily="65" charset="-120"/>
-                  </a:rPr>
-                  <a:t>代表球相對於座標系的位置，</a:t>
-                </a:r>
-                <a14:m>
-                  <m:oMath xmlns:m="http://schemas.openxmlformats.org/officeDocument/2006/math">
-                    <m:sSub>
-                      <m:sSubPr>
-                        <m:ctrlPr>
-                          <a:rPr lang="zh-TW" altLang="en-US" i="1" smtClean="0">
-                            <a:latin typeface="Cambria Math" panose="02040503050406030204" pitchFamily="18" charset="0"/>
-                          </a:rPr>
-                        </m:ctrlPr>
-                      </m:sSubPr>
-                      <m:e>
-                        <m:r>
-                          <a:rPr lang="zh-TW" altLang="en-US" i="1" smtClean="0">
-                            <a:latin typeface="Cambria Math" panose="02040503050406030204" pitchFamily="18" charset="0"/>
-                          </a:rPr>
-                          <m:t>𝛼</m:t>
-                        </m:r>
-                      </m:e>
-                      <m:sub>
-                        <m:r>
-                          <a:rPr lang="zh-TW" altLang="en-US" i="0" smtClean="0">
-                            <a:latin typeface="Cambria Math" panose="02040503050406030204" pitchFamily="18" charset="0"/>
-                          </a:rPr>
-                          <m:t>1</m:t>
-                        </m:r>
-                      </m:sub>
-                    </m:sSub>
-                  </m:oMath>
-                </a14:m>
-                <a:r>
-                  <a:rPr lang="zh-TW" altLang="en-US" dirty="0">
-                    <a:latin typeface="標楷體" panose="03000509000000000000" pitchFamily="65" charset="-120"/>
-                    <a:ea typeface="標楷體" panose="03000509000000000000" pitchFamily="65" charset="-120"/>
-                  </a:rPr>
-                  <a:t>代表平台的傾角。 </a:t>
-                </a:r>
-              </a:p>
-            </p:txBody>
-          </p:sp>
-        </mc:Choice>
-        <mc:Fallback xmlns="">
-          <p:sp>
-            <p:nvSpPr>
-              <p:cNvPr id="3" name="內容版面配置區 2">
-                <a:extLst>
-                  <a:ext uri="{FF2B5EF4-FFF2-40B4-BE49-F238E27FC236}">
-                    <a16:creationId xmlns:a16="http://schemas.microsoft.com/office/drawing/2014/main" id="{18D01A6B-BE26-484D-B892-D88B32B9F8E5}"/>
-                  </a:ext>
-                </a:extLst>
-              </p:cNvPr>
-              <p:cNvSpPr>
-                <a:spLocks noGrp="1" noRot="1" noChangeAspect="1" noMove="1" noResize="1" noEditPoints="1" noAdjustHandles="1" noChangeArrowheads="1" noChangeShapeType="1" noTextEdit="1"/>
-              </p:cNvSpPr>
-              <p:nvPr>
-                <p:ph idx="1"/>
-              </p:nvPr>
-            </p:nvSpPr>
-            <p:spPr>
-              <a:xfrm>
-                <a:off x="838200" y="1825625"/>
-                <a:ext cx="10515600" cy="3548480"/>
-              </a:xfrm>
-              <a:blipFill>
-                <a:blip r:embed="rId2"/>
-                <a:stretch>
-                  <a:fillRect l="-1217" t="-2916"/>
-                </a:stretch>
-              </a:blipFill>
-            </p:spPr>
-            <p:txBody>
-              <a:bodyPr/>
-              <a:lstStyle/>
-              <a:p>
-                <a:r>
-                  <a:rPr lang="zh-TW" altLang="en-US">
-                    <a:noFill/>
-                  </a:rPr>
-                  <a:t> </a:t>
-                </a:r>
-              </a:p>
-            </p:txBody>
-          </p:sp>
-        </mc:Fallback>
-      </mc:AlternateContent>
-      <p:pic>
-        <p:nvPicPr>
-          <p:cNvPr id="7" name="圖片 6">
-            <a:extLst>
-              <a:ext uri="{FF2B5EF4-FFF2-40B4-BE49-F238E27FC236}">
-                <a16:creationId xmlns:a16="http://schemas.microsoft.com/office/drawing/2014/main" id="{E6BF2457-0004-4E19-B439-811EC601ACF6}"/>
-              </a:ext>
-            </a:extLst>
-          </p:cNvPr>
-          <p:cNvPicPr>
-            <a:picLocks noChangeAspect="1"/>
-          </p:cNvPicPr>
-          <p:nvPr/>
-        </p:nvPicPr>
-        <p:blipFill>
-          <a:blip r:embed="rId3"/>
-          <a:stretch>
-            <a:fillRect/>
-          </a:stretch>
-        </p:blipFill>
-        <p:spPr>
-          <a:xfrm>
-            <a:off x="1890640" y="5197496"/>
-            <a:ext cx="8277072" cy="353218"/>
-          </a:xfrm>
-          <a:prstGeom prst="rect">
-            <a:avLst/>
-          </a:prstGeom>
-        </p:spPr>
-      </p:pic>
-      <p:grpSp>
-        <p:nvGrpSpPr>
-          <p:cNvPr id="5" name="群組 4"/>
-          <p:cNvGrpSpPr/>
-          <p:nvPr/>
-        </p:nvGrpSpPr>
-        <p:grpSpPr>
-          <a:xfrm>
-            <a:off x="728583" y="6083025"/>
-            <a:ext cx="4377730" cy="646331"/>
-            <a:chOff x="793422" y="5945045"/>
-            <a:chExt cx="4377730" cy="646331"/>
-          </a:xfrm>
-        </p:grpSpPr>
-        <p:pic>
-          <p:nvPicPr>
-            <p:cNvPr id="6" name="圖片 5"/>
-            <p:cNvPicPr>
-              <a:picLocks noChangeAspect="1"/>
-            </p:cNvPicPr>
-            <p:nvPr/>
-          </p:nvPicPr>
-          <p:blipFill>
-            <a:blip r:embed="rId4" cstate="print">
-              <a:extLst>
-                <a:ext uri="{28A0092B-C50C-407E-A947-70E740481C1C}">
-                  <a14:useLocalDpi xmlns:a14="http://schemas.microsoft.com/office/drawing/2010/main" val="0"/>
-                </a:ext>
-              </a:extLst>
-            </a:blip>
-            <a:stretch>
-              <a:fillRect/>
-            </a:stretch>
-          </p:blipFill>
-          <p:spPr>
-            <a:xfrm>
-              <a:off x="793422" y="6031991"/>
-              <a:ext cx="730578" cy="472440"/>
-            </a:xfrm>
-            <a:prstGeom prst="rect">
-              <a:avLst/>
-            </a:prstGeom>
-          </p:spPr>
-        </p:pic>
-        <p:sp>
-          <p:nvSpPr>
-            <p:cNvPr id="8" name="文字方塊 7"/>
-            <p:cNvSpPr txBox="1"/>
-            <p:nvPr/>
-          </p:nvSpPr>
-          <p:spPr>
-            <a:xfrm>
-              <a:off x="1524000" y="5945045"/>
-              <a:ext cx="3647152" cy="646331"/>
-            </a:xfrm>
-            <a:prstGeom prst="rect">
-              <a:avLst/>
-            </a:prstGeom>
-            <a:noFill/>
-          </p:spPr>
-          <p:txBody>
-            <a:bodyPr wrap="none" rtlCol="0">
-              <a:spAutoFit/>
-            </a:bodyPr>
-            <a:lstStyle/>
-            <a:p>
-              <a:r>
-                <a:rPr lang="zh-TW" altLang="en-US" dirty="0">
-                  <a:latin typeface="標楷體" panose="03000509000000000000" pitchFamily="65" charset="-120"/>
-                  <a:ea typeface="標楷體" panose="03000509000000000000" pitchFamily="65" charset="-120"/>
-                </a:rPr>
-                <a:t>國立虎尾科技大學</a:t>
-              </a:r>
-              <a:endParaRPr lang="en-US" altLang="zh-TW" dirty="0">
-                <a:latin typeface="標楷體" panose="03000509000000000000" pitchFamily="65" charset="-120"/>
-                <a:ea typeface="標楷體" panose="03000509000000000000" pitchFamily="65" charset="-120"/>
-              </a:endParaRPr>
-            </a:p>
-            <a:p>
-              <a:r>
-                <a:rPr lang="zh-TW" altLang="en-US" dirty="0">
-                  <a:latin typeface="標楷體" panose="03000509000000000000" pitchFamily="65" charset="-120"/>
-                  <a:ea typeface="標楷體" panose="03000509000000000000" pitchFamily="65" charset="-120"/>
-                </a:rPr>
-                <a:t>機械設計工程系暨精密機械工程科</a:t>
-              </a:r>
-            </a:p>
-          </p:txBody>
-        </p:sp>
-      </p:grpSp>
-    </p:spTree>
-    <p:extLst>
-      <p:ext uri="{BB962C8B-B14F-4D97-AF65-F5344CB8AC3E}">
-        <p14:creationId xmlns:p14="http://schemas.microsoft.com/office/powerpoint/2010/main" val="1295761921"/>
-      </p:ext>
-    </p:extLst>
-  </p:cSld>
-  <p:clrMapOvr>
-    <a:masterClrMapping/>
-  </p:clrMapOvr>
-</p:sld>
-</file>
-
-<file path=ppt/slides/slide11.xml><?xml version="1.0" encoding="utf-8"?>
-<p:sld xmlns:a="http://schemas.openxmlformats.org/drawingml/2006/main" xmlns:r="http://schemas.openxmlformats.org/officeDocument/2006/relationships" xmlns:p="http://schemas.openxmlformats.org/presentationml/2006/main">
-  <p:cSld>
-    <p:spTree>
-      <p:nvGrpSpPr>
-        <p:cNvPr id="1" name=""/>
-        <p:cNvGrpSpPr/>
-        <p:nvPr/>
-      </p:nvGrpSpPr>
-      <p:grpSpPr>
-        <a:xfrm>
-          <a:off x="0" y="0"/>
-          <a:ext cx="0" cy="0"/>
-          <a:chOff x="0" y="0"/>
-          <a:chExt cx="0" cy="0"/>
-        </a:xfrm>
-      </p:grpSpPr>
-      <p:sp>
-        <p:nvSpPr>
-          <p:cNvPr id="2" name="標題 1">
-            <a:extLst>
-              <a:ext uri="{FF2B5EF4-FFF2-40B4-BE49-F238E27FC236}">
-                <a16:creationId xmlns:a16="http://schemas.microsoft.com/office/drawing/2014/main" id="{BA46B84B-3164-467D-B0A5-4DED2127C172}"/>
-              </a:ext>
-            </a:extLst>
-          </p:cNvPr>
-          <p:cNvSpPr>
-            <a:spLocks noGrp="1"/>
-          </p:cNvSpPr>
-          <p:nvPr>
-            <p:ph type="title"/>
-          </p:nvPr>
-        </p:nvSpPr>
-        <p:spPr/>
-        <p:txBody>
-          <a:bodyPr/>
-          <a:lstStyle/>
-          <a:p>
-            <a:r>
-              <a:rPr lang="zh-TW" altLang="en-US" b="1" dirty="0">
-                <a:latin typeface="標楷體" panose="03000509000000000000" pitchFamily="65" charset="-120"/>
-                <a:ea typeface="標楷體" panose="03000509000000000000" pitchFamily="65" charset="-120"/>
-              </a:rPr>
-              <a:t>案例研究：鋼球平衡台的設計</a:t>
-            </a:r>
-          </a:p>
-        </p:txBody>
-      </p:sp>
-      <p:sp>
-        <p:nvSpPr>
-          <p:cNvPr id="3" name="內容版面配置區 2">
-            <a:extLst>
-              <a:ext uri="{FF2B5EF4-FFF2-40B4-BE49-F238E27FC236}">
-                <a16:creationId xmlns:a16="http://schemas.microsoft.com/office/drawing/2014/main" id="{E702452B-1EE4-4CC9-9E76-FE0BF691C245}"/>
-              </a:ext>
-            </a:extLst>
-          </p:cNvPr>
-          <p:cNvSpPr>
-            <a:spLocks noGrp="1"/>
-          </p:cNvSpPr>
-          <p:nvPr>
-            <p:ph idx="1"/>
-          </p:nvPr>
-        </p:nvSpPr>
-        <p:spPr>
-          <a:xfrm>
-            <a:off x="838200" y="1825624"/>
-            <a:ext cx="10515600" cy="548755"/>
-          </a:xfrm>
-        </p:spPr>
-        <p:txBody>
-          <a:bodyPr>
-            <a:normAutofit/>
-          </a:bodyPr>
-          <a:lstStyle/>
-          <a:p>
-            <a:pPr marL="0" indent="0">
-              <a:buNone/>
-            </a:pPr>
-            <a:r>
-              <a:rPr lang="zh-TW" altLang="en-US" dirty="0">
-                <a:latin typeface="標楷體" panose="03000509000000000000" pitchFamily="65" charset="-120"/>
-                <a:ea typeface="標楷體" panose="03000509000000000000" pitchFamily="65" charset="-120"/>
-              </a:rPr>
-              <a:t>將</a:t>
-            </a:r>
-            <a:r>
-              <a:rPr lang="en-US" altLang="zh-TW" dirty="0">
-                <a:latin typeface="標楷體" panose="03000509000000000000" pitchFamily="65" charset="-120"/>
-                <a:ea typeface="標楷體" panose="03000509000000000000" pitchFamily="65" charset="-120"/>
-              </a:rPr>
-              <a:t>6.2</a:t>
-            </a:r>
-            <a:r>
-              <a:rPr lang="zh-TW" altLang="en-US" dirty="0">
-                <a:latin typeface="標楷體" panose="03000509000000000000" pitchFamily="65" charset="-120"/>
-                <a:ea typeface="標楷體" panose="03000509000000000000" pitchFamily="65" charset="-120"/>
-              </a:rPr>
-              <a:t>經過簡化整理後得到</a:t>
-            </a:r>
-            <a:r>
-              <a:rPr lang="en-US" altLang="zh-TW" dirty="0">
-                <a:latin typeface="標楷體" panose="03000509000000000000" pitchFamily="65" charset="-120"/>
-                <a:ea typeface="標楷體" panose="03000509000000000000" pitchFamily="65" charset="-120"/>
-              </a:rPr>
-              <a:t>(6.3)</a:t>
-            </a:r>
-            <a:endParaRPr lang="zh-TW" altLang="en-US" dirty="0">
-              <a:latin typeface="標楷體" panose="03000509000000000000" pitchFamily="65" charset="-120"/>
-              <a:ea typeface="標楷體" panose="03000509000000000000" pitchFamily="65" charset="-120"/>
-            </a:endParaRPr>
-          </a:p>
-        </p:txBody>
-      </p:sp>
-      <p:grpSp>
-        <p:nvGrpSpPr>
-          <p:cNvPr id="6" name="群組 5"/>
-          <p:cNvGrpSpPr/>
-          <p:nvPr/>
-        </p:nvGrpSpPr>
-        <p:grpSpPr>
-          <a:xfrm>
-            <a:off x="838200" y="2487992"/>
-            <a:ext cx="5870171" cy="554466"/>
-            <a:chOff x="838200" y="2487992"/>
-            <a:chExt cx="5870171" cy="554466"/>
-          </a:xfrm>
-        </p:grpSpPr>
-        <p:pic>
-          <p:nvPicPr>
-            <p:cNvPr id="4" name="圖片 3"/>
-            <p:cNvPicPr>
-              <a:picLocks noChangeAspect="1"/>
-            </p:cNvPicPr>
-            <p:nvPr/>
-          </p:nvPicPr>
-          <p:blipFill>
-            <a:blip r:embed="rId2"/>
-            <a:stretch>
-              <a:fillRect/>
-            </a:stretch>
-          </p:blipFill>
-          <p:spPr>
-            <a:xfrm>
-              <a:off x="838200" y="2487992"/>
-              <a:ext cx="5244951" cy="554466"/>
-            </a:xfrm>
-            <a:prstGeom prst="rect">
-              <a:avLst/>
-            </a:prstGeom>
-          </p:spPr>
-        </p:pic>
-        <p:pic>
-          <p:nvPicPr>
-            <p:cNvPr id="5" name="圖片 4"/>
-            <p:cNvPicPr>
-              <a:picLocks noChangeAspect="1"/>
-            </p:cNvPicPr>
-            <p:nvPr/>
-          </p:nvPicPr>
-          <p:blipFill>
-            <a:blip r:embed="rId3"/>
-            <a:stretch>
-              <a:fillRect/>
-            </a:stretch>
-          </p:blipFill>
-          <p:spPr>
-            <a:xfrm>
-              <a:off x="6083151" y="2565686"/>
-              <a:ext cx="625220" cy="399077"/>
-            </a:xfrm>
-            <a:prstGeom prst="rect">
-              <a:avLst/>
-            </a:prstGeom>
-          </p:spPr>
-        </p:pic>
-      </p:grpSp>
-      <p:pic>
-        <p:nvPicPr>
-          <p:cNvPr id="7" name="圖片 6"/>
-          <p:cNvPicPr>
-            <a:picLocks noChangeAspect="1"/>
-          </p:cNvPicPr>
-          <p:nvPr/>
-        </p:nvPicPr>
-        <p:blipFill>
-          <a:blip r:embed="rId4">
-            <a:extLst>
-              <a:ext uri="{28A0092B-C50C-407E-A947-70E740481C1C}">
-                <a14:useLocalDpi xmlns:a14="http://schemas.microsoft.com/office/drawing/2010/main" val="0"/>
-              </a:ext>
-            </a:extLst>
-          </a:blip>
-          <a:stretch>
-            <a:fillRect/>
-          </a:stretch>
-        </p:blipFill>
-        <p:spPr>
-          <a:xfrm>
-            <a:off x="4843863" y="3633467"/>
-            <a:ext cx="5870171" cy="2643155"/>
-          </a:xfrm>
-          <a:prstGeom prst="rect">
-            <a:avLst/>
-          </a:prstGeom>
-        </p:spPr>
-      </p:pic>
-      <p:sp>
-        <p:nvSpPr>
-          <p:cNvPr id="8" name="文字方塊 7"/>
-          <p:cNvSpPr txBox="1"/>
-          <p:nvPr/>
-        </p:nvSpPr>
-        <p:spPr>
-          <a:xfrm>
-            <a:off x="838200" y="3156070"/>
-            <a:ext cx="8480367" cy="738664"/>
-          </a:xfrm>
-          <a:prstGeom prst="rect">
-            <a:avLst/>
-          </a:prstGeom>
-          <a:noFill/>
-        </p:spPr>
-        <p:txBody>
-          <a:bodyPr wrap="square" rtlCol="0">
-            <a:spAutoFit/>
-          </a:bodyPr>
-          <a:lstStyle/>
-          <a:p>
-            <a:r>
-              <a:rPr lang="zh-TW" altLang="en-US" sz="2400" dirty="0">
-                <a:latin typeface="標楷體" panose="03000509000000000000" pitchFamily="65" charset="-120"/>
-                <a:ea typeface="標楷體" panose="03000509000000000000" pitchFamily="65" charset="-120"/>
-              </a:rPr>
-              <a:t>在圖</a:t>
-            </a:r>
-            <a:r>
-              <a:rPr lang="en-US" altLang="zh-TW" sz="2400" dirty="0">
-                <a:latin typeface="標楷體" panose="03000509000000000000" pitchFamily="65" charset="-120"/>
-                <a:ea typeface="標楷體" panose="03000509000000000000" pitchFamily="65" charset="-120"/>
-              </a:rPr>
-              <a:t>6.1</a:t>
-            </a:r>
-            <a:r>
-              <a:rPr lang="zh-TW" altLang="en-US" sz="2400" dirty="0">
-                <a:latin typeface="標楷體" panose="03000509000000000000" pitchFamily="65" charset="-120"/>
-                <a:ea typeface="標楷體" panose="03000509000000000000" pitchFamily="65" charset="-120"/>
-              </a:rPr>
-              <a:t>的自由體圖中，從力矩的平衡可以看出球的剩餘力。</a:t>
-            </a:r>
-          </a:p>
-          <a:p>
-            <a:endParaRPr lang="zh-TW" altLang="en-US" dirty="0"/>
-          </a:p>
-        </p:txBody>
-      </p:sp>
-      <p:sp>
-        <p:nvSpPr>
-          <p:cNvPr id="9" name="文字方塊 8"/>
-          <p:cNvSpPr txBox="1"/>
-          <p:nvPr/>
-        </p:nvSpPr>
-        <p:spPr>
-          <a:xfrm>
-            <a:off x="5480289" y="6276622"/>
-            <a:ext cx="3972098" cy="369332"/>
-          </a:xfrm>
-          <a:prstGeom prst="rect">
-            <a:avLst/>
-          </a:prstGeom>
-          <a:noFill/>
-        </p:spPr>
-        <p:txBody>
-          <a:bodyPr wrap="square" rtlCol="0">
-            <a:spAutoFit/>
-          </a:bodyPr>
-          <a:lstStyle/>
-          <a:p>
-            <a:r>
-              <a:rPr lang="zh-TW" altLang="en-US" dirty="0">
-                <a:latin typeface="標楷體" panose="03000509000000000000" pitchFamily="65" charset="-120"/>
-                <a:ea typeface="標楷體" panose="03000509000000000000" pitchFamily="65" charset="-120"/>
-              </a:rPr>
-              <a:t>圖</a:t>
-            </a:r>
-            <a:r>
-              <a:rPr lang="en-US" altLang="zh-TW" dirty="0">
-                <a:latin typeface="標楷體" panose="03000509000000000000" pitchFamily="65" charset="-120"/>
-                <a:ea typeface="標楷體" panose="03000509000000000000" pitchFamily="65" charset="-120"/>
-              </a:rPr>
-              <a:t>6.1</a:t>
-            </a:r>
-            <a:r>
-              <a:rPr lang="zh-TW" altLang="en-US" dirty="0">
-                <a:latin typeface="標楷體" panose="03000509000000000000" pitchFamily="65" charset="-120"/>
-                <a:ea typeface="標楷體" panose="03000509000000000000" pitchFamily="65" charset="-120"/>
-              </a:rPr>
-              <a:t>：平台角度和球體位置的關係圖</a:t>
-            </a:r>
-            <a:endParaRPr lang="zh-TW" altLang="en-US" dirty="0"/>
-          </a:p>
-        </p:txBody>
-      </p:sp>
-      <p:grpSp>
-        <p:nvGrpSpPr>
-          <p:cNvPr id="10" name="群組 9"/>
-          <p:cNvGrpSpPr/>
-          <p:nvPr/>
-        </p:nvGrpSpPr>
-        <p:grpSpPr>
-          <a:xfrm>
-            <a:off x="728583" y="6083025"/>
-            <a:ext cx="4377730" cy="646331"/>
-            <a:chOff x="793422" y="5945045"/>
-            <a:chExt cx="4377730" cy="646331"/>
-          </a:xfrm>
-        </p:grpSpPr>
-        <p:pic>
-          <p:nvPicPr>
-            <p:cNvPr id="11" name="圖片 10"/>
-            <p:cNvPicPr>
-              <a:picLocks noChangeAspect="1"/>
-            </p:cNvPicPr>
-            <p:nvPr/>
-          </p:nvPicPr>
-          <p:blipFill>
-            <a:blip r:embed="rId5" cstate="print">
-              <a:extLst>
-                <a:ext uri="{28A0092B-C50C-407E-A947-70E740481C1C}">
-                  <a14:useLocalDpi xmlns:a14="http://schemas.microsoft.com/office/drawing/2010/main" val="0"/>
-                </a:ext>
-              </a:extLst>
-            </a:blip>
-            <a:stretch>
-              <a:fillRect/>
-            </a:stretch>
-          </p:blipFill>
-          <p:spPr>
-            <a:xfrm>
-              <a:off x="793422" y="6031991"/>
-              <a:ext cx="730578" cy="472440"/>
-            </a:xfrm>
-            <a:prstGeom prst="rect">
-              <a:avLst/>
-            </a:prstGeom>
-          </p:spPr>
-        </p:pic>
-        <p:sp>
-          <p:nvSpPr>
-            <p:cNvPr id="12" name="文字方塊 11"/>
-            <p:cNvSpPr txBox="1"/>
-            <p:nvPr/>
-          </p:nvSpPr>
-          <p:spPr>
-            <a:xfrm>
-              <a:off x="1524000" y="5945045"/>
-              <a:ext cx="3647152" cy="646331"/>
-            </a:xfrm>
-            <a:prstGeom prst="rect">
-              <a:avLst/>
-            </a:prstGeom>
-            <a:noFill/>
-          </p:spPr>
-          <p:txBody>
-            <a:bodyPr wrap="none" rtlCol="0">
-              <a:spAutoFit/>
-            </a:bodyPr>
-            <a:lstStyle/>
-            <a:p>
-              <a:r>
-                <a:rPr lang="zh-TW" altLang="en-US" dirty="0">
-                  <a:latin typeface="標楷體" panose="03000509000000000000" pitchFamily="65" charset="-120"/>
-                  <a:ea typeface="標楷體" panose="03000509000000000000" pitchFamily="65" charset="-120"/>
-                </a:rPr>
-                <a:t>國立虎尾科技大學</a:t>
-              </a:r>
-              <a:endParaRPr lang="en-US" altLang="zh-TW" dirty="0">
-                <a:latin typeface="標楷體" panose="03000509000000000000" pitchFamily="65" charset="-120"/>
-                <a:ea typeface="標楷體" panose="03000509000000000000" pitchFamily="65" charset="-120"/>
-              </a:endParaRPr>
-            </a:p>
-            <a:p>
-              <a:r>
-                <a:rPr lang="zh-TW" altLang="en-US" dirty="0">
-                  <a:latin typeface="標楷體" panose="03000509000000000000" pitchFamily="65" charset="-120"/>
-                  <a:ea typeface="標楷體" panose="03000509000000000000" pitchFamily="65" charset="-120"/>
-                </a:rPr>
-                <a:t>機械設計工程系暨精密機械工程科</a:t>
-              </a:r>
-            </a:p>
-          </p:txBody>
-        </p:sp>
-      </p:grpSp>
-    </p:spTree>
-    <p:extLst>
-      <p:ext uri="{BB962C8B-B14F-4D97-AF65-F5344CB8AC3E}">
-        <p14:creationId xmlns:p14="http://schemas.microsoft.com/office/powerpoint/2010/main" val="1229069010"/>
-      </p:ext>
-    </p:extLst>
-  </p:cSld>
-  <p:clrMapOvr>
-    <a:masterClrMapping/>
-  </p:clrMapOvr>
-</p:sld>
-</file>
-
-<file path=ppt/slides/slide12.xml><?xml version="1.0" encoding="utf-8"?>
-<p:sld xmlns:a="http://schemas.openxmlformats.org/drawingml/2006/main" xmlns:r="http://schemas.openxmlformats.org/officeDocument/2006/relationships" xmlns:p="http://schemas.openxmlformats.org/presentationml/2006/main">
-  <p:cSld>
-    <p:spTree>
-      <p:nvGrpSpPr>
-        <p:cNvPr id="1" name=""/>
-        <p:cNvGrpSpPr/>
-        <p:nvPr/>
-      </p:nvGrpSpPr>
-      <p:grpSpPr>
-        <a:xfrm>
-          <a:off x="0" y="0"/>
-          <a:ext cx="0" cy="0"/>
-          <a:chOff x="0" y="0"/>
-          <a:chExt cx="0" cy="0"/>
-        </a:xfrm>
-      </p:grpSpPr>
-      <p:sp>
-        <p:nvSpPr>
-          <p:cNvPr id="2" name="標題 1">
-            <a:extLst>
-              <a:ext uri="{FF2B5EF4-FFF2-40B4-BE49-F238E27FC236}">
-                <a16:creationId xmlns:a16="http://schemas.microsoft.com/office/drawing/2014/main" id="{BA46B84B-3164-467D-B0A5-4DED2127C172}"/>
-              </a:ext>
-            </a:extLst>
-          </p:cNvPr>
-          <p:cNvSpPr>
-            <a:spLocks noGrp="1"/>
-          </p:cNvSpPr>
-          <p:nvPr>
-            <p:ph type="title"/>
-          </p:nvPr>
-        </p:nvSpPr>
-        <p:spPr/>
-        <p:txBody>
-          <a:bodyPr/>
-          <a:lstStyle/>
-          <a:p>
-            <a:r>
-              <a:rPr lang="zh-TW" altLang="en-US" b="1" dirty="0">
-                <a:latin typeface="標楷體" panose="03000509000000000000" pitchFamily="65" charset="-120"/>
-                <a:ea typeface="標楷體" panose="03000509000000000000" pitchFamily="65" charset="-120"/>
-              </a:rPr>
-              <a:t>案例研究：鋼球平衡台的設計</a:t>
-            </a:r>
-          </a:p>
-        </p:txBody>
-      </p:sp>
-      <mc:AlternateContent xmlns:mc="http://schemas.openxmlformats.org/markup-compatibility/2006" xmlns:a14="http://schemas.microsoft.com/office/drawing/2010/main">
-        <mc:Choice Requires="a14">
-          <p:sp>
-            <p:nvSpPr>
-              <p:cNvPr id="3" name="內容版面配置區 2">
-                <a:extLst>
-                  <a:ext uri="{FF2B5EF4-FFF2-40B4-BE49-F238E27FC236}">
-                    <a16:creationId xmlns:a16="http://schemas.microsoft.com/office/drawing/2014/main" id="{E702452B-1EE4-4CC9-9E76-FE0BF691C245}"/>
-                  </a:ext>
-                </a:extLst>
-              </p:cNvPr>
-              <p:cNvSpPr>
-                <a:spLocks noGrp="1"/>
-              </p:cNvSpPr>
-              <p:nvPr>
-                <p:ph idx="1"/>
-              </p:nvPr>
-            </p:nvSpPr>
-            <p:spPr>
-              <a:xfrm>
-                <a:off x="838200" y="1825625"/>
-                <a:ext cx="10515600" cy="1200208"/>
-              </a:xfrm>
-            </p:spPr>
-            <p:txBody>
-              <a:bodyPr>
-                <a:normAutofit fontScale="92500"/>
-              </a:bodyPr>
-              <a:lstStyle/>
-              <a:p>
-                <a:pPr marL="0" indent="0">
-                  <a:buNone/>
-                </a:pPr>
-                <a14:m>
-                  <m:oMath xmlns:m="http://schemas.openxmlformats.org/officeDocument/2006/math">
-                    <m:sSub>
-                      <m:sSubPr>
-                        <m:ctrlPr>
-                          <a:rPr lang="zh-TW" altLang="en-US" i="1" smtClean="0">
-                            <a:latin typeface="Cambria Math" panose="02040503050406030204" pitchFamily="18" charset="0"/>
-                          </a:rPr>
-                        </m:ctrlPr>
-                      </m:sSubPr>
-                      <m:e>
-                        <m:r>
-                          <a:rPr lang="zh-TW" altLang="en-US" i="1" smtClean="0">
-                            <a:latin typeface="Cambria Math" panose="02040503050406030204" pitchFamily="18" charset="0"/>
-                          </a:rPr>
-                          <m:t>𝐼</m:t>
-                        </m:r>
-                      </m:e>
-                      <m:sub>
-                        <m:r>
-                          <a:rPr lang="zh-TW" altLang="en-US" i="1" smtClean="0">
-                            <a:latin typeface="Cambria Math" panose="02040503050406030204" pitchFamily="18" charset="0"/>
-                          </a:rPr>
-                          <m:t>𝑏</m:t>
-                        </m:r>
-                      </m:sub>
-                    </m:sSub>
-                  </m:oMath>
-                </a14:m>
-                <a:r>
-                  <a:rPr lang="zh-TW" altLang="en-US" dirty="0">
-                    <a:latin typeface="標楷體" panose="03000509000000000000" pitchFamily="65" charset="-120"/>
-                    <a:ea typeface="標楷體" panose="03000509000000000000" pitchFamily="65" charset="-120"/>
-                  </a:rPr>
-                  <a:t>是球的質量慣性矩，</a:t>
-                </a:r>
-                <a14:m>
-                  <m:oMath xmlns:m="http://schemas.openxmlformats.org/officeDocument/2006/math">
-                    <m:sSub>
-                      <m:sSubPr>
-                        <m:ctrlPr>
-                          <a:rPr lang="zh-TW" altLang="en-US" i="1" dirty="0" smtClean="0">
-                            <a:latin typeface="Cambria Math" panose="02040503050406030204" pitchFamily="18" charset="0"/>
-                          </a:rPr>
-                        </m:ctrlPr>
-                      </m:sSubPr>
-                      <m:e>
-                        <m:r>
-                          <a:rPr lang="zh-TW" altLang="en-US" i="1" dirty="0" smtClean="0">
-                            <a:latin typeface="Cambria Math" panose="02040503050406030204" pitchFamily="18" charset="0"/>
-                          </a:rPr>
-                          <m:t>𝛽</m:t>
-                        </m:r>
-                      </m:e>
-                      <m:sub>
-                        <m:r>
-                          <a:rPr lang="zh-TW" altLang="en-US" i="0" dirty="0" smtClean="0">
-                            <a:latin typeface="Cambria Math" panose="02040503050406030204" pitchFamily="18" charset="0"/>
-                          </a:rPr>
-                          <m:t>1</m:t>
-                        </m:r>
-                      </m:sub>
-                    </m:sSub>
-                  </m:oMath>
-                </a14:m>
-                <a:r>
-                  <a:rPr lang="zh-TW" altLang="en-US" dirty="0">
-                    <a:latin typeface="標楷體" panose="03000509000000000000" pitchFamily="65" charset="-120"/>
-                    <a:ea typeface="標楷體" panose="03000509000000000000" pitchFamily="65" charset="-120"/>
-                  </a:rPr>
-                  <a:t>是球相對於其初始位置在平台中心的角度，</a:t>
-                </a:r>
-                <a:r>
-                  <a:rPr lang="en-US" altLang="zh-TW" dirty="0"/>
-                  <a:t> </a:t>
-                </a:r>
-                <a:r>
-                  <a:rPr lang="en-US" altLang="zh-TW" dirty="0">
-                    <a:latin typeface="標楷體" panose="03000509000000000000" pitchFamily="65" charset="-120"/>
-                    <a:ea typeface="標楷體" panose="03000509000000000000" pitchFamily="65" charset="-120"/>
-                  </a:rPr>
-                  <a:t> </a:t>
-                </a:r>
-                <a:r>
-                  <a:rPr lang="zh-TW" altLang="en-US" dirty="0">
-                    <a:latin typeface="標楷體" panose="03000509000000000000" pitchFamily="65" charset="-120"/>
-                    <a:ea typeface="標楷體" panose="03000509000000000000" pitchFamily="65" charset="-120"/>
-                  </a:rPr>
-                  <a:t>是球的半徑，</a:t>
-                </a:r>
-                <a14:m>
-                  <m:oMath xmlns:m="http://schemas.openxmlformats.org/officeDocument/2006/math">
-                    <m:sSub>
-                      <m:sSubPr>
-                        <m:ctrlPr>
-                          <a:rPr lang="zh-TW" altLang="en-US" i="1" smtClean="0">
-                            <a:latin typeface="Cambria Math" panose="02040503050406030204" pitchFamily="18" charset="0"/>
-                          </a:rPr>
-                        </m:ctrlPr>
-                      </m:sSubPr>
-                      <m:e>
-                        <m:r>
-                          <a:rPr lang="zh-TW" altLang="en-US" i="1" smtClean="0">
-                            <a:latin typeface="Cambria Math" panose="02040503050406030204" pitchFamily="18" charset="0"/>
-                          </a:rPr>
-                          <m:t>𝐹</m:t>
-                        </m:r>
-                      </m:e>
-                      <m:sub>
-                        <m:r>
-                          <a:rPr lang="zh-TW" altLang="en-US" i="1" smtClean="0">
-                            <a:latin typeface="Cambria Math" panose="02040503050406030204" pitchFamily="18" charset="0"/>
-                          </a:rPr>
-                          <m:t>𝑟</m:t>
-                        </m:r>
-                      </m:sub>
-                    </m:sSub>
-                  </m:oMath>
-                </a14:m>
-                <a:r>
-                  <a:rPr lang="zh-TW" altLang="en-US" dirty="0">
-                    <a:latin typeface="標楷體" panose="03000509000000000000" pitchFamily="65" charset="-120"/>
-                    <a:ea typeface="標楷體" panose="03000509000000000000" pitchFamily="65" charset="-120"/>
-                  </a:rPr>
-                  <a:t>是來自平台對球的作用力，我們假設求在平台上並無滑動所以我們可以根據位置定義相對角度</a:t>
-                </a:r>
-                <a:r>
-                  <a:rPr lang="en-US" altLang="zh-TW" dirty="0">
-                    <a:latin typeface="標楷體" panose="03000509000000000000" pitchFamily="65" charset="-120"/>
-                    <a:ea typeface="標楷體" panose="03000509000000000000" pitchFamily="65" charset="-120"/>
-                  </a:rPr>
-                  <a:t>β</a:t>
-                </a:r>
-                <a:r>
-                  <a:rPr lang="zh-TW" altLang="en-US" dirty="0">
-                    <a:latin typeface="標楷體" panose="03000509000000000000" pitchFamily="65" charset="-120"/>
-                    <a:ea typeface="標楷體" panose="03000509000000000000" pitchFamily="65" charset="-120"/>
-                  </a:rPr>
-                  <a:t>。</a:t>
-                </a:r>
-              </a:p>
-            </p:txBody>
-          </p:sp>
-        </mc:Choice>
-        <mc:Fallback xmlns="">
-          <p:sp>
-            <p:nvSpPr>
-              <p:cNvPr id="3" name="內容版面配置區 2">
-                <a:extLst>
-                  <a:ext uri="{FF2B5EF4-FFF2-40B4-BE49-F238E27FC236}">
-                    <a16:creationId xmlns:a16="http://schemas.microsoft.com/office/drawing/2014/main" id="{E702452B-1EE4-4CC9-9E76-FE0BF691C245}"/>
-                  </a:ext>
-                </a:extLst>
-              </p:cNvPr>
-              <p:cNvSpPr>
-                <a:spLocks noGrp="1" noRot="1" noChangeAspect="1" noMove="1" noResize="1" noEditPoints="1" noAdjustHandles="1" noChangeArrowheads="1" noChangeShapeType="1" noTextEdit="1"/>
-              </p:cNvSpPr>
-              <p:nvPr>
-                <p:ph idx="1"/>
-              </p:nvPr>
-            </p:nvSpPr>
-            <p:spPr>
-              <a:xfrm>
-                <a:off x="838200" y="1825625"/>
-                <a:ext cx="10515600" cy="1200208"/>
-              </a:xfrm>
-              <a:blipFill>
-                <a:blip r:embed="rId2"/>
-                <a:stretch>
-                  <a:fillRect l="-1043" t="-8122" b="-10152"/>
-                </a:stretch>
-              </a:blipFill>
-            </p:spPr>
-            <p:txBody>
-              <a:bodyPr/>
-              <a:lstStyle/>
-              <a:p>
-                <a:r>
-                  <a:rPr lang="zh-TW" altLang="en-US">
-                    <a:noFill/>
-                  </a:rPr>
-                  <a:t> </a:t>
-                </a:r>
-              </a:p>
-            </p:txBody>
-          </p:sp>
-        </mc:Fallback>
-      </mc:AlternateContent>
-      <mc:AlternateContent xmlns:mc="http://schemas.openxmlformats.org/markup-compatibility/2006" xmlns:a14="http://schemas.microsoft.com/office/drawing/2010/main">
-        <mc:Choice Requires="a14">
-          <p:sp>
-            <p:nvSpPr>
-              <p:cNvPr id="7" name="文字方塊 6"/>
-              <p:cNvSpPr txBox="1"/>
-              <p:nvPr/>
-            </p:nvSpPr>
-            <p:spPr>
-              <a:xfrm>
-                <a:off x="838201" y="4109521"/>
-                <a:ext cx="10515600" cy="954107"/>
-              </a:xfrm>
-              <a:prstGeom prst="rect">
-                <a:avLst/>
-              </a:prstGeom>
-              <a:noFill/>
-            </p:spPr>
-            <p:txBody>
-              <a:bodyPr wrap="square" rtlCol="0">
-                <a:spAutoFit/>
-              </a:bodyPr>
-              <a:lstStyle/>
-              <a:p>
-                <a:r>
-                  <a:rPr lang="zh-TW" altLang="en-US" sz="2800" dirty="0">
-                    <a:latin typeface="標楷體" panose="03000509000000000000" pitchFamily="65" charset="-120"/>
-                    <a:ea typeface="標楷體" panose="03000509000000000000" pitchFamily="65" charset="-120"/>
-                  </a:rPr>
-                  <a:t>為了求解</a:t>
-                </a:r>
-                <a:r>
-                  <a:rPr lang="en-US" altLang="zh-TW" sz="2800" dirty="0">
-                    <a:latin typeface="標楷體" panose="03000509000000000000" pitchFamily="65" charset="-120"/>
-                    <a:ea typeface="標楷體" panose="03000509000000000000" pitchFamily="65" charset="-120"/>
-                  </a:rPr>
-                  <a:t>6.4</a:t>
-                </a:r>
-                <a:r>
-                  <a:rPr lang="zh-TW" altLang="en-US" sz="2800" dirty="0">
-                    <a:latin typeface="標楷體" panose="03000509000000000000" pitchFamily="65" charset="-120"/>
-                    <a:ea typeface="標楷體" panose="03000509000000000000" pitchFamily="65" charset="-120"/>
-                  </a:rPr>
-                  <a:t>中的</a:t>
-                </a:r>
-                <a14:m>
-                  <m:oMath xmlns:m="http://schemas.openxmlformats.org/officeDocument/2006/math">
-                    <m:sSub>
-                      <m:sSubPr>
-                        <m:ctrlPr>
-                          <a:rPr lang="zh-TW" altLang="en-US" sz="2800" i="1">
-                            <a:latin typeface="Cambria Math" panose="02040503050406030204" pitchFamily="18" charset="0"/>
-                          </a:rPr>
-                        </m:ctrlPr>
-                      </m:sSubPr>
-                      <m:e>
-                        <m:r>
-                          <a:rPr lang="zh-TW" altLang="en-US" sz="2800" i="1">
-                            <a:latin typeface="Cambria Math" panose="02040503050406030204" pitchFamily="18" charset="0"/>
-                          </a:rPr>
-                          <m:t>𝐹</m:t>
-                        </m:r>
-                      </m:e>
-                      <m:sub>
-                        <m:r>
-                          <a:rPr lang="zh-TW" altLang="en-US" sz="2800" i="1">
-                            <a:latin typeface="Cambria Math" panose="02040503050406030204" pitchFamily="18" charset="0"/>
-                          </a:rPr>
-                          <m:t>𝑟</m:t>
-                        </m:r>
-                      </m:sub>
-                    </m:sSub>
-                    <m:r>
-                      <a:rPr lang="zh-TW" altLang="en-US" sz="2800" i="1">
-                        <a:latin typeface="Cambria Math" panose="02040503050406030204" pitchFamily="18" charset="0"/>
-                      </a:rPr>
-                      <m:t> </m:t>
-                    </m:r>
-                  </m:oMath>
-                </a14:m>
-                <a:r>
-                  <a:rPr lang="zh-TW" altLang="en-US" sz="2800" dirty="0">
-                    <a:latin typeface="標楷體" panose="03000509000000000000" pitchFamily="65" charset="-120"/>
-                    <a:ea typeface="標楷體" panose="03000509000000000000" pitchFamily="65" charset="-120"/>
-                  </a:rPr>
-                  <a:t>，我們將</a:t>
-                </a:r>
-                <a:r>
-                  <a:rPr lang="en-US" altLang="zh-TW" sz="2800" dirty="0">
-                    <a:latin typeface="標楷體" panose="03000509000000000000" pitchFamily="65" charset="-120"/>
-                    <a:ea typeface="標楷體" panose="03000509000000000000" pitchFamily="65" charset="-120"/>
-                  </a:rPr>
-                  <a:t>6.5</a:t>
-                </a:r>
-                <a:r>
-                  <a:rPr lang="zh-TW" altLang="en-US" sz="2800" dirty="0">
-                    <a:latin typeface="標楷體" panose="03000509000000000000" pitchFamily="65" charset="-120"/>
-                    <a:ea typeface="標楷體" panose="03000509000000000000" pitchFamily="65" charset="-120"/>
-                  </a:rPr>
-                  <a:t>式的二次時間導數代入</a:t>
-                </a:r>
-                <a:r>
-                  <a:rPr lang="en-US" altLang="zh-TW" sz="2800" dirty="0">
-                    <a:latin typeface="標楷體" panose="03000509000000000000" pitchFamily="65" charset="-120"/>
-                    <a:ea typeface="標楷體" panose="03000509000000000000" pitchFamily="65" charset="-120"/>
-                  </a:rPr>
-                  <a:t>6.4</a:t>
-                </a:r>
-                <a:r>
-                  <a:rPr lang="zh-TW" altLang="en-US" sz="2800" dirty="0">
-                    <a:latin typeface="標楷體" panose="03000509000000000000" pitchFamily="65" charset="-120"/>
-                    <a:ea typeface="標楷體" panose="03000509000000000000" pitchFamily="65" charset="-120"/>
-                  </a:rPr>
-                  <a:t>式中得 到</a:t>
-                </a:r>
-                <a:r>
-                  <a:rPr lang="en-US" altLang="zh-TW" sz="2800" dirty="0">
-                    <a:latin typeface="標楷體" panose="03000509000000000000" pitchFamily="65" charset="-120"/>
-                    <a:ea typeface="標楷體" panose="03000509000000000000" pitchFamily="65" charset="-120"/>
-                  </a:rPr>
-                  <a:t>6.6</a:t>
-                </a:r>
-                <a:r>
-                  <a:rPr lang="zh-TW" altLang="en-US" sz="2800" dirty="0">
-                    <a:latin typeface="標楷體" panose="03000509000000000000" pitchFamily="65" charset="-120"/>
-                    <a:ea typeface="標楷體" panose="03000509000000000000" pitchFamily="65" charset="-120"/>
-                  </a:rPr>
-                  <a:t>式。 </a:t>
-                </a:r>
-              </a:p>
-            </p:txBody>
-          </p:sp>
-        </mc:Choice>
-        <mc:Fallback xmlns="">
-          <p:sp>
-            <p:nvSpPr>
-              <p:cNvPr id="7" name="文字方塊 6"/>
-              <p:cNvSpPr txBox="1">
-                <a:spLocks noRot="1" noChangeAspect="1" noMove="1" noResize="1" noEditPoints="1" noAdjustHandles="1" noChangeArrowheads="1" noChangeShapeType="1" noTextEdit="1"/>
-              </p:cNvSpPr>
-              <p:nvPr/>
-            </p:nvSpPr>
-            <p:spPr>
-              <a:xfrm>
-                <a:off x="838201" y="4109521"/>
-                <a:ext cx="10515600" cy="954107"/>
-              </a:xfrm>
-              <a:prstGeom prst="rect">
-                <a:avLst/>
-              </a:prstGeom>
-              <a:blipFill>
-                <a:blip r:embed="rId3"/>
-                <a:stretch>
-                  <a:fillRect l="-1217" t="-6369" b="-16561"/>
-                </a:stretch>
-              </a:blipFill>
-            </p:spPr>
-            <p:txBody>
-              <a:bodyPr/>
-              <a:lstStyle/>
-              <a:p>
-                <a:r>
-                  <a:rPr lang="zh-TW" altLang="en-US">
-                    <a:noFill/>
-                  </a:rPr>
-                  <a:t> </a:t>
-                </a:r>
-              </a:p>
-            </p:txBody>
-          </p:sp>
-        </mc:Fallback>
-      </mc:AlternateContent>
-      <mc:AlternateContent xmlns:mc="http://schemas.openxmlformats.org/markup-compatibility/2006" xmlns:a14="http://schemas.microsoft.com/office/drawing/2010/main">
-        <mc:Choice Requires="a14">
-          <p:sp>
-            <p:nvSpPr>
-              <p:cNvPr id="8" name="文字方塊 7"/>
-              <p:cNvSpPr txBox="1"/>
-              <p:nvPr/>
-            </p:nvSpPr>
-            <p:spPr>
-              <a:xfrm>
-                <a:off x="2302933" y="3328830"/>
-                <a:ext cx="2069562" cy="418128"/>
-              </a:xfrm>
-              <a:prstGeom prst="rect">
-                <a:avLst/>
-              </a:prstGeom>
-              <a:noFill/>
-            </p:spPr>
-            <p:txBody>
-              <a:bodyPr wrap="square" rtlCol="0">
-                <a:spAutoFit/>
-              </a:bodyPr>
-              <a:lstStyle/>
-              <a:p>
-                <a14:m>
-                  <m:oMath xmlns:m="http://schemas.openxmlformats.org/officeDocument/2006/math">
-                    <m:sSub>
-                      <m:sSubPr>
-                        <m:ctrlPr>
-                          <a:rPr lang="en-US" altLang="zh-TW" sz="2000" i="1" smtClean="0">
-                            <a:latin typeface="Cambria Math" panose="02040503050406030204" pitchFamily="18" charset="0"/>
-                          </a:rPr>
-                        </m:ctrlPr>
-                      </m:sSubPr>
-                      <m:e>
-                        <m:r>
-                          <a:rPr lang="en-US" altLang="zh-TW" sz="2000" i="1" smtClean="0">
-                            <a:latin typeface="Cambria Math" panose="02040503050406030204" pitchFamily="18" charset="0"/>
-                          </a:rPr>
-                          <m:t>𝐼</m:t>
-                        </m:r>
-                      </m:e>
-                      <m:sub>
-                        <m:r>
-                          <a:rPr lang="en-US" altLang="zh-TW" sz="2000" i="1" smtClean="0">
-                            <a:latin typeface="Cambria Math" panose="02040503050406030204" pitchFamily="18" charset="0"/>
-                          </a:rPr>
-                          <m:t>𝑏</m:t>
-                        </m:r>
-                      </m:sub>
-                    </m:sSub>
-                    <m:sSub>
-                      <m:sSubPr>
-                        <m:ctrlPr>
-                          <a:rPr lang="en-US" altLang="zh-TW" sz="2000" i="1" smtClean="0">
-                            <a:latin typeface="Cambria Math" panose="02040503050406030204" pitchFamily="18" charset="0"/>
-                          </a:rPr>
-                        </m:ctrlPr>
-                      </m:sSubPr>
-                      <m:e>
-                        <m:acc>
-                          <m:accPr>
-                            <m:chr m:val="̈"/>
-                            <m:ctrlPr>
-                              <a:rPr lang="en-US" altLang="zh-TW" sz="2000" i="1" smtClean="0">
-                                <a:latin typeface="Cambria Math" panose="02040503050406030204" pitchFamily="18" charset="0"/>
-                              </a:rPr>
-                            </m:ctrlPr>
-                          </m:accPr>
-                          <m:e>
-                            <m:r>
-                              <a:rPr lang="en-US" altLang="zh-TW" sz="2000" i="1" smtClean="0">
-                                <a:latin typeface="Cambria Math" panose="02040503050406030204" pitchFamily="18" charset="0"/>
-                              </a:rPr>
-                              <m:t>𝛽</m:t>
-                            </m:r>
-                          </m:e>
-                        </m:acc>
-                      </m:e>
-                      <m:sub>
-                        <m:r>
-                          <a:rPr lang="en-US" altLang="zh-TW" sz="2000" i="0" smtClean="0">
-                            <a:latin typeface="Cambria Math" panose="02040503050406030204" pitchFamily="18" charset="0"/>
-                          </a:rPr>
-                          <m:t>1</m:t>
-                        </m:r>
-                      </m:sub>
-                    </m:sSub>
-                    <m:r>
-                      <a:rPr lang="en-US" altLang="zh-TW" sz="2000" i="0" smtClean="0">
-                        <a:latin typeface="Cambria Math" panose="02040503050406030204" pitchFamily="18" charset="0"/>
-                      </a:rPr>
-                      <m:t>=</m:t>
-                    </m:r>
-                    <m:sSub>
-                      <m:sSubPr>
-                        <m:ctrlPr>
-                          <a:rPr lang="en-US" altLang="zh-TW" sz="2000" i="1" smtClean="0">
-                            <a:latin typeface="Cambria Math" panose="02040503050406030204" pitchFamily="18" charset="0"/>
-                          </a:rPr>
-                        </m:ctrlPr>
-                      </m:sSubPr>
-                      <m:e>
-                        <m:r>
-                          <a:rPr lang="en-US" altLang="zh-TW" sz="2000" i="1" smtClean="0">
-                            <a:latin typeface="Cambria Math" panose="02040503050406030204" pitchFamily="18" charset="0"/>
-                          </a:rPr>
-                          <m:t>𝐹</m:t>
-                        </m:r>
-                      </m:e>
-                      <m:sub>
-                        <m:r>
-                          <a:rPr lang="en-US" altLang="zh-TW" sz="2000" i="1" smtClean="0">
-                            <a:latin typeface="Cambria Math" panose="02040503050406030204" pitchFamily="18" charset="0"/>
-                          </a:rPr>
-                          <m:t>𝑟</m:t>
-                        </m:r>
-                        <m:r>
-                          <a:rPr lang="en-US" altLang="zh-TW" sz="2000" i="0" smtClean="0">
-                            <a:latin typeface="Cambria Math" panose="02040503050406030204" pitchFamily="18" charset="0"/>
-                          </a:rPr>
-                          <m:t>1</m:t>
-                        </m:r>
-                      </m:sub>
-                    </m:sSub>
-                    <m:r>
-                      <a:rPr lang="en-US" altLang="zh-TW" sz="2000" i="1" smtClean="0">
-                        <a:latin typeface="Cambria Math" panose="02040503050406030204" pitchFamily="18" charset="0"/>
-                      </a:rPr>
-                      <m:t>𝑟</m:t>
-                    </m:r>
-                  </m:oMath>
-                </a14:m>
-                <a:r>
-                  <a:rPr lang="en-US" altLang="zh-TW" sz="2000" dirty="0">
-                    <a:latin typeface="標楷體" panose="03000509000000000000" pitchFamily="65" charset="-120"/>
-                    <a:ea typeface="標楷體" panose="03000509000000000000" pitchFamily="65" charset="-120"/>
-                  </a:rPr>
-                  <a:t>(6.4)</a:t>
-                </a:r>
-                <a:endParaRPr lang="zh-TW" altLang="en-US" sz="2000" dirty="0">
-                  <a:latin typeface="標楷體" panose="03000509000000000000" pitchFamily="65" charset="-120"/>
-                  <a:ea typeface="標楷體" panose="03000509000000000000" pitchFamily="65" charset="-120"/>
-                </a:endParaRPr>
-              </a:p>
-            </p:txBody>
-          </p:sp>
-        </mc:Choice>
-        <mc:Fallback xmlns="">
-          <p:sp>
-            <p:nvSpPr>
-              <p:cNvPr id="8" name="文字方塊 7"/>
-              <p:cNvSpPr txBox="1">
-                <a:spLocks noRot="1" noChangeAspect="1" noMove="1" noResize="1" noEditPoints="1" noAdjustHandles="1" noChangeArrowheads="1" noChangeShapeType="1" noTextEdit="1"/>
-              </p:cNvSpPr>
-              <p:nvPr/>
-            </p:nvSpPr>
-            <p:spPr>
-              <a:xfrm>
-                <a:off x="2302933" y="3328830"/>
-                <a:ext cx="2069562" cy="418128"/>
-              </a:xfrm>
-              <a:prstGeom prst="rect">
-                <a:avLst/>
-              </a:prstGeom>
-              <a:blipFill>
-                <a:blip r:embed="rId4"/>
-                <a:stretch>
-                  <a:fillRect t="-2899" r="-8850" b="-24638"/>
-                </a:stretch>
-              </a:blipFill>
-            </p:spPr>
-            <p:txBody>
-              <a:bodyPr/>
-              <a:lstStyle/>
-              <a:p>
-                <a:r>
-                  <a:rPr lang="zh-TW" altLang="en-US">
-                    <a:noFill/>
-                  </a:rPr>
-                  <a:t> </a:t>
-                </a:r>
-              </a:p>
-            </p:txBody>
-          </p:sp>
-        </mc:Fallback>
-      </mc:AlternateContent>
-      <mc:AlternateContent xmlns:mc="http://schemas.openxmlformats.org/markup-compatibility/2006" xmlns:a14="http://schemas.microsoft.com/office/drawing/2010/main">
-        <mc:Choice Requires="a14">
-          <p:sp>
-            <p:nvSpPr>
-              <p:cNvPr id="9" name="文字方塊 8"/>
-              <p:cNvSpPr txBox="1"/>
-              <p:nvPr/>
-            </p:nvSpPr>
-            <p:spPr>
-              <a:xfrm>
-                <a:off x="6951134" y="3328830"/>
-                <a:ext cx="1818793" cy="520720"/>
-              </a:xfrm>
-              <a:prstGeom prst="rect">
-                <a:avLst/>
-              </a:prstGeom>
-              <a:noFill/>
-            </p:spPr>
-            <p:txBody>
-              <a:bodyPr wrap="square" rtlCol="0">
-                <a:spAutoFit/>
-              </a:bodyPr>
-              <a:lstStyle/>
-              <a:p>
-                <a14:m>
-                  <m:oMath xmlns:m="http://schemas.openxmlformats.org/officeDocument/2006/math">
-                    <m:sSub>
-                      <m:sSubPr>
-                        <m:ctrlPr>
-                          <a:rPr lang="zh-TW" altLang="en-US" sz="2000" i="1" smtClean="0">
-                            <a:latin typeface="Cambria Math" panose="02040503050406030204" pitchFamily="18" charset="0"/>
-                          </a:rPr>
-                        </m:ctrlPr>
-                      </m:sSubPr>
-                      <m:e>
-                        <m:r>
-                          <a:rPr lang="zh-TW" altLang="en-US" sz="2000" i="1">
-                            <a:latin typeface="Cambria Math" panose="02040503050406030204" pitchFamily="18" charset="0"/>
-                          </a:rPr>
-                          <m:t>𝛽</m:t>
-                        </m:r>
-                      </m:e>
-                      <m:sub>
-                        <m:r>
-                          <a:rPr lang="zh-TW" altLang="en-US" sz="2000" i="0">
-                            <a:latin typeface="Cambria Math" panose="02040503050406030204" pitchFamily="18" charset="0"/>
-                          </a:rPr>
-                          <m:t>1</m:t>
-                        </m:r>
-                      </m:sub>
-                    </m:sSub>
-                    <m:r>
-                      <a:rPr lang="zh-TW" altLang="en-US" sz="2000" i="0">
-                        <a:latin typeface="Cambria Math" panose="02040503050406030204" pitchFamily="18" charset="0"/>
-                      </a:rPr>
-                      <m:t>=−</m:t>
-                    </m:r>
-                    <m:f>
-                      <m:fPr>
-                        <m:ctrlPr>
-                          <a:rPr lang="zh-TW" altLang="en-US" sz="2000" i="1">
-                            <a:latin typeface="Cambria Math" panose="02040503050406030204" pitchFamily="18" charset="0"/>
-                          </a:rPr>
-                        </m:ctrlPr>
-                      </m:fPr>
-                      <m:num>
-                        <m:sSub>
-                          <m:sSubPr>
-                            <m:ctrlPr>
-                              <a:rPr lang="zh-TW" altLang="en-US" sz="2000" i="1">
-                                <a:latin typeface="Cambria Math" panose="02040503050406030204" pitchFamily="18" charset="0"/>
-                              </a:rPr>
-                            </m:ctrlPr>
-                          </m:sSubPr>
-                          <m:e>
-                            <m:r>
-                              <a:rPr lang="zh-TW" altLang="en-US" sz="2000" i="1">
-                                <a:latin typeface="Cambria Math" panose="02040503050406030204" pitchFamily="18" charset="0"/>
-                              </a:rPr>
-                              <m:t>𝑥</m:t>
-                            </m:r>
-                          </m:e>
-                          <m:sub>
-                            <m:r>
-                              <a:rPr lang="zh-TW" altLang="en-US" sz="2000" i="1">
-                                <a:latin typeface="Cambria Math" panose="02040503050406030204" pitchFamily="18" charset="0"/>
-                              </a:rPr>
-                              <m:t>𝑝</m:t>
-                            </m:r>
-                          </m:sub>
-                        </m:sSub>
-                      </m:num>
-                      <m:den>
-                        <m:r>
-                          <a:rPr lang="zh-TW" altLang="en-US" sz="2000" i="1">
-                            <a:latin typeface="Cambria Math" panose="02040503050406030204" pitchFamily="18" charset="0"/>
-                          </a:rPr>
-                          <m:t>𝑟</m:t>
-                        </m:r>
-                      </m:den>
-                    </m:f>
-                  </m:oMath>
-                </a14:m>
-                <a:r>
-                  <a:rPr lang="en-US" altLang="zh-TW" sz="2000" dirty="0">
-                    <a:latin typeface="標楷體" panose="03000509000000000000" pitchFamily="65" charset="-120"/>
-                    <a:ea typeface="標楷體" panose="03000509000000000000" pitchFamily="65" charset="-120"/>
-                  </a:rPr>
-                  <a:t>(6.5)</a:t>
-                </a:r>
-                <a:endParaRPr lang="zh-TW" altLang="en-US" sz="2000" dirty="0">
-                  <a:latin typeface="標楷體" panose="03000509000000000000" pitchFamily="65" charset="-120"/>
-                  <a:ea typeface="標楷體" panose="03000509000000000000" pitchFamily="65" charset="-120"/>
-                </a:endParaRPr>
-              </a:p>
-            </p:txBody>
-          </p:sp>
-        </mc:Choice>
-        <mc:Fallback xmlns="">
-          <p:sp>
-            <p:nvSpPr>
-              <p:cNvPr id="9" name="文字方塊 8"/>
-              <p:cNvSpPr txBox="1">
-                <a:spLocks noRot="1" noChangeAspect="1" noMove="1" noResize="1" noEditPoints="1" noAdjustHandles="1" noChangeArrowheads="1" noChangeShapeType="1" noTextEdit="1"/>
-              </p:cNvSpPr>
-              <p:nvPr/>
-            </p:nvSpPr>
-            <p:spPr>
-              <a:xfrm>
-                <a:off x="6951134" y="3328830"/>
-                <a:ext cx="1818793" cy="520720"/>
-              </a:xfrm>
-              <a:prstGeom prst="rect">
-                <a:avLst/>
-              </a:prstGeom>
-              <a:blipFill>
-                <a:blip r:embed="rId5"/>
-                <a:stretch>
-                  <a:fillRect l="-1338" r="-10033" b="-8235"/>
-                </a:stretch>
-              </a:blipFill>
-            </p:spPr>
-            <p:txBody>
-              <a:bodyPr/>
-              <a:lstStyle/>
-              <a:p>
-                <a:r>
-                  <a:rPr lang="zh-TW" altLang="en-US">
-                    <a:noFill/>
-                  </a:rPr>
-                  <a:t> </a:t>
-                </a:r>
-              </a:p>
-            </p:txBody>
-          </p:sp>
-        </mc:Fallback>
-      </mc:AlternateContent>
-      <mc:AlternateContent xmlns:mc="http://schemas.openxmlformats.org/markup-compatibility/2006" xmlns:a14="http://schemas.microsoft.com/office/drawing/2010/main">
-        <mc:Choice Requires="a14">
-          <p:sp>
-            <p:nvSpPr>
-              <p:cNvPr id="10" name="文字方塊 9"/>
-              <p:cNvSpPr txBox="1"/>
-              <p:nvPr/>
-            </p:nvSpPr>
-            <p:spPr>
-              <a:xfrm>
-                <a:off x="4372495" y="5193050"/>
-                <a:ext cx="1799950" cy="466281"/>
-              </a:xfrm>
-              <a:prstGeom prst="rect">
-                <a:avLst/>
-              </a:prstGeom>
-              <a:noFill/>
-            </p:spPr>
-            <p:txBody>
-              <a:bodyPr wrap="square" lIns="0" tIns="0" rIns="0" bIns="0" rtlCol="0">
-                <a:spAutoFit/>
-              </a:bodyPr>
-              <a:lstStyle/>
-              <a:p>
-                <a14:m>
-                  <m:oMath xmlns:m="http://schemas.openxmlformats.org/officeDocument/2006/math">
-                    <m:sSub>
-                      <m:sSubPr>
-                        <m:ctrlPr>
-                          <a:rPr lang="zh-TW" altLang="en-US" sz="2000" i="1" smtClean="0">
-                            <a:latin typeface="Cambria Math" panose="02040503050406030204" pitchFamily="18" charset="0"/>
-                          </a:rPr>
-                        </m:ctrlPr>
-                      </m:sSubPr>
-                      <m:e>
-                        <m:r>
-                          <a:rPr lang="zh-TW" altLang="en-US" sz="2000" i="1">
-                            <a:latin typeface="Cambria Math" panose="02040503050406030204" pitchFamily="18" charset="0"/>
-                          </a:rPr>
-                          <m:t>𝐹</m:t>
-                        </m:r>
-                      </m:e>
-                      <m:sub>
-                        <m:r>
-                          <a:rPr lang="zh-TW" altLang="en-US" sz="2000" i="1">
-                            <a:latin typeface="Cambria Math" panose="02040503050406030204" pitchFamily="18" charset="0"/>
-                          </a:rPr>
-                          <m:t>𝑟</m:t>
-                        </m:r>
-                      </m:sub>
-                    </m:sSub>
-                    <m:r>
-                      <a:rPr lang="zh-TW" altLang="en-US" sz="2000" i="0">
-                        <a:latin typeface="Cambria Math" panose="02040503050406030204" pitchFamily="18" charset="0"/>
-                      </a:rPr>
-                      <m:t>=−</m:t>
-                    </m:r>
-                    <m:f>
-                      <m:fPr>
-                        <m:ctrlPr>
-                          <a:rPr lang="zh-TW" altLang="en-US" sz="2000" i="1">
-                            <a:latin typeface="Cambria Math" panose="02040503050406030204" pitchFamily="18" charset="0"/>
-                          </a:rPr>
-                        </m:ctrlPr>
-                      </m:fPr>
-                      <m:num>
-                        <m:sSub>
-                          <m:sSubPr>
-                            <m:ctrlPr>
-                              <a:rPr lang="zh-TW" altLang="en-US" sz="2000" i="1">
-                                <a:latin typeface="Cambria Math" panose="02040503050406030204" pitchFamily="18" charset="0"/>
-                              </a:rPr>
-                            </m:ctrlPr>
-                          </m:sSubPr>
-                          <m:e>
-                            <m:r>
-                              <a:rPr lang="zh-TW" altLang="en-US" sz="2000" i="1">
-                                <a:latin typeface="Cambria Math" panose="02040503050406030204" pitchFamily="18" charset="0"/>
-                              </a:rPr>
-                              <m:t>𝐼</m:t>
-                            </m:r>
-                          </m:e>
-                          <m:sub>
-                            <m:r>
-                              <a:rPr lang="zh-TW" altLang="en-US" sz="2000" i="1">
-                                <a:latin typeface="Cambria Math" panose="02040503050406030204" pitchFamily="18" charset="0"/>
-                              </a:rPr>
-                              <m:t>𝑏</m:t>
-                            </m:r>
-                          </m:sub>
-                        </m:sSub>
-                        <m:sSub>
-                          <m:sSubPr>
-                            <m:ctrlPr>
-                              <a:rPr lang="zh-TW" altLang="en-US" sz="2000" i="1">
-                                <a:latin typeface="Cambria Math" panose="02040503050406030204" pitchFamily="18" charset="0"/>
-                              </a:rPr>
-                            </m:ctrlPr>
-                          </m:sSubPr>
-                          <m:e>
-                            <m:acc>
-                              <m:accPr>
-                                <m:chr m:val="̈"/>
-                                <m:ctrlPr>
-                                  <a:rPr lang="zh-TW" altLang="en-US" sz="2000" i="1">
-                                    <a:latin typeface="Cambria Math" panose="02040503050406030204" pitchFamily="18" charset="0"/>
-                                  </a:rPr>
-                                </m:ctrlPr>
-                              </m:accPr>
-                              <m:e>
-                                <m:r>
-                                  <a:rPr lang="zh-TW" altLang="en-US" sz="2000" i="1">
-                                    <a:latin typeface="Cambria Math" panose="02040503050406030204" pitchFamily="18" charset="0"/>
-                                  </a:rPr>
-                                  <m:t>𝑥</m:t>
-                                </m:r>
-                              </m:e>
-                            </m:acc>
-                          </m:e>
-                          <m:sub>
-                            <m:r>
-                              <a:rPr lang="zh-TW" altLang="en-US" sz="2000" i="1">
-                                <a:latin typeface="Cambria Math" panose="02040503050406030204" pitchFamily="18" charset="0"/>
-                              </a:rPr>
-                              <m:t>𝑝</m:t>
-                            </m:r>
-                          </m:sub>
-                        </m:sSub>
-                      </m:num>
-                      <m:den>
-                        <m:sSup>
-                          <m:sSupPr>
-                            <m:ctrlPr>
-                              <a:rPr lang="zh-TW" altLang="en-US" sz="2000" i="1">
-                                <a:latin typeface="Cambria Math" panose="02040503050406030204" pitchFamily="18" charset="0"/>
-                              </a:rPr>
-                            </m:ctrlPr>
-                          </m:sSupPr>
-                          <m:e>
-                            <m:r>
-                              <a:rPr lang="zh-TW" altLang="en-US" sz="2000" i="1">
-                                <a:latin typeface="Cambria Math" panose="02040503050406030204" pitchFamily="18" charset="0"/>
-                              </a:rPr>
-                              <m:t>𝑟</m:t>
-                            </m:r>
-                          </m:e>
-                          <m:sup>
-                            <m:r>
-                              <a:rPr lang="zh-TW" altLang="en-US" sz="2000" i="0">
-                                <a:latin typeface="Cambria Math" panose="02040503050406030204" pitchFamily="18" charset="0"/>
-                              </a:rPr>
-                              <m:t>2</m:t>
-                            </m:r>
-                          </m:sup>
-                        </m:sSup>
-                      </m:den>
-                    </m:f>
-                  </m:oMath>
-                </a14:m>
-                <a:r>
-                  <a:rPr lang="en-US" altLang="zh-TW" sz="2000" dirty="0">
-                    <a:latin typeface="標楷體" panose="03000509000000000000" pitchFamily="65" charset="-120"/>
-                    <a:ea typeface="標楷體" panose="03000509000000000000" pitchFamily="65" charset="-120"/>
-                  </a:rPr>
-                  <a:t>(6.6)</a:t>
-                </a:r>
-                <a:endParaRPr lang="zh-TW" altLang="en-US" dirty="0">
-                  <a:latin typeface="標楷體" panose="03000509000000000000" pitchFamily="65" charset="-120"/>
-                  <a:ea typeface="標楷體" panose="03000509000000000000" pitchFamily="65" charset="-120"/>
-                </a:endParaRPr>
-              </a:p>
-            </p:txBody>
-          </p:sp>
-        </mc:Choice>
-        <mc:Fallback xmlns="">
-          <p:sp>
-            <p:nvSpPr>
-              <p:cNvPr id="10" name="文字方塊 9"/>
-              <p:cNvSpPr txBox="1">
-                <a:spLocks noRot="1" noChangeAspect="1" noMove="1" noResize="1" noEditPoints="1" noAdjustHandles="1" noChangeArrowheads="1" noChangeShapeType="1" noTextEdit="1"/>
-              </p:cNvSpPr>
-              <p:nvPr/>
-            </p:nvSpPr>
-            <p:spPr>
-              <a:xfrm>
-                <a:off x="4372495" y="5193050"/>
-                <a:ext cx="1799950" cy="466281"/>
-              </a:xfrm>
-              <a:prstGeom prst="rect">
-                <a:avLst/>
-              </a:prstGeom>
-              <a:blipFill>
-                <a:blip r:embed="rId6"/>
-                <a:stretch>
-                  <a:fillRect r="-15203" b="-18421"/>
-                </a:stretch>
-              </a:blipFill>
-            </p:spPr>
-            <p:txBody>
-              <a:bodyPr/>
-              <a:lstStyle/>
-              <a:p>
-                <a:r>
-                  <a:rPr lang="zh-TW" altLang="en-US">
-                    <a:noFill/>
-                  </a:rPr>
-                  <a:t> </a:t>
-                </a:r>
-              </a:p>
-            </p:txBody>
-          </p:sp>
-        </mc:Fallback>
-      </mc:AlternateContent>
-      <p:grpSp>
-        <p:nvGrpSpPr>
-          <p:cNvPr id="11" name="群組 10"/>
-          <p:cNvGrpSpPr/>
-          <p:nvPr/>
-        </p:nvGrpSpPr>
-        <p:grpSpPr>
-          <a:xfrm>
-            <a:off x="728583" y="6083025"/>
-            <a:ext cx="4377730" cy="646331"/>
-            <a:chOff x="793422" y="5945045"/>
-            <a:chExt cx="4377730" cy="646331"/>
-          </a:xfrm>
-        </p:grpSpPr>
-        <p:pic>
-          <p:nvPicPr>
-            <p:cNvPr id="12" name="圖片 11"/>
-            <p:cNvPicPr>
-              <a:picLocks noChangeAspect="1"/>
-            </p:cNvPicPr>
-            <p:nvPr/>
-          </p:nvPicPr>
-          <p:blipFill>
-            <a:blip r:embed="rId7" cstate="print">
-              <a:extLst>
-                <a:ext uri="{28A0092B-C50C-407E-A947-70E740481C1C}">
-                  <a14:useLocalDpi xmlns:a14="http://schemas.microsoft.com/office/drawing/2010/main" val="0"/>
-                </a:ext>
-              </a:extLst>
-            </a:blip>
-            <a:stretch>
-              <a:fillRect/>
-            </a:stretch>
-          </p:blipFill>
-          <p:spPr>
-            <a:xfrm>
-              <a:off x="793422" y="6031991"/>
-              <a:ext cx="730578" cy="472440"/>
-            </a:xfrm>
-            <a:prstGeom prst="rect">
-              <a:avLst/>
-            </a:prstGeom>
-          </p:spPr>
-        </p:pic>
-        <p:sp>
-          <p:nvSpPr>
-            <p:cNvPr id="13" name="文字方塊 12"/>
-            <p:cNvSpPr txBox="1"/>
-            <p:nvPr/>
-          </p:nvSpPr>
-          <p:spPr>
-            <a:xfrm>
-              <a:off x="1524000" y="5945045"/>
-              <a:ext cx="3647152" cy="646331"/>
-            </a:xfrm>
-            <a:prstGeom prst="rect">
-              <a:avLst/>
-            </a:prstGeom>
-            <a:noFill/>
-          </p:spPr>
-          <p:txBody>
-            <a:bodyPr wrap="none" rtlCol="0">
-              <a:spAutoFit/>
-            </a:bodyPr>
-            <a:lstStyle/>
-            <a:p>
-              <a:r>
-                <a:rPr lang="zh-TW" altLang="en-US" dirty="0">
-                  <a:latin typeface="標楷體" panose="03000509000000000000" pitchFamily="65" charset="-120"/>
-                  <a:ea typeface="標楷體" panose="03000509000000000000" pitchFamily="65" charset="-120"/>
-                </a:rPr>
-                <a:t>國立虎尾科技大學</a:t>
-              </a:r>
-              <a:endParaRPr lang="en-US" altLang="zh-TW" dirty="0">
-                <a:latin typeface="標楷體" panose="03000509000000000000" pitchFamily="65" charset="-120"/>
-                <a:ea typeface="標楷體" panose="03000509000000000000" pitchFamily="65" charset="-120"/>
-              </a:endParaRPr>
-            </a:p>
-            <a:p>
-              <a:r>
-                <a:rPr lang="zh-TW" altLang="en-US" dirty="0">
-                  <a:latin typeface="標楷體" panose="03000509000000000000" pitchFamily="65" charset="-120"/>
-                  <a:ea typeface="標楷體" panose="03000509000000000000" pitchFamily="65" charset="-120"/>
-                </a:rPr>
-                <a:t>機械設計工程系暨精密機械工程科</a:t>
-              </a:r>
-            </a:p>
-          </p:txBody>
-        </p:sp>
-      </p:grpSp>
-    </p:spTree>
-    <p:extLst>
-      <p:ext uri="{BB962C8B-B14F-4D97-AF65-F5344CB8AC3E}">
-        <p14:creationId xmlns:p14="http://schemas.microsoft.com/office/powerpoint/2010/main" val="75645813"/>
-      </p:ext>
-    </p:extLst>
-  </p:cSld>
-  <p:clrMapOvr>
-    <a:masterClrMapping/>
-  </p:clrMapOvr>
-</p:sld>
-</file>
-
-<file path=ppt/slides/slide13.xml><?xml version="1.0" encoding="utf-8"?>
-<p:sld xmlns:a="http://schemas.openxmlformats.org/drawingml/2006/main" xmlns:r="http://schemas.openxmlformats.org/officeDocument/2006/relationships" xmlns:p="http://schemas.openxmlformats.org/presentationml/2006/main">
-  <p:cSld>
-    <p:spTree>
-      <p:nvGrpSpPr>
-        <p:cNvPr id="1" name=""/>
-        <p:cNvGrpSpPr/>
-        <p:nvPr/>
-      </p:nvGrpSpPr>
-      <p:grpSpPr>
-        <a:xfrm>
-          <a:off x="0" y="0"/>
-          <a:ext cx="0" cy="0"/>
-          <a:chOff x="0" y="0"/>
-          <a:chExt cx="0" cy="0"/>
-        </a:xfrm>
-      </p:grpSpPr>
-      <p:sp>
-        <p:nvSpPr>
-          <p:cNvPr id="2" name="標題 1">
-            <a:extLst>
-              <a:ext uri="{FF2B5EF4-FFF2-40B4-BE49-F238E27FC236}">
-                <a16:creationId xmlns:a16="http://schemas.microsoft.com/office/drawing/2014/main" id="{BA46B84B-3164-467D-B0A5-4DED2127C172}"/>
-              </a:ext>
-            </a:extLst>
-          </p:cNvPr>
-          <p:cNvSpPr>
-            <a:spLocks noGrp="1"/>
-          </p:cNvSpPr>
-          <p:nvPr>
-            <p:ph type="title"/>
-          </p:nvPr>
-        </p:nvSpPr>
-        <p:spPr/>
-        <p:txBody>
-          <a:bodyPr/>
-          <a:lstStyle/>
-          <a:p>
-            <a:r>
-              <a:rPr lang="zh-TW" altLang="en-US" b="1" dirty="0">
-                <a:latin typeface="標楷體" panose="03000509000000000000" pitchFamily="65" charset="-120"/>
-                <a:ea typeface="標楷體" panose="03000509000000000000" pitchFamily="65" charset="-120"/>
-              </a:rPr>
-              <a:t>案例研究：鋼球平衡台的設計</a:t>
-            </a:r>
-          </a:p>
-        </p:txBody>
-      </p:sp>
-      <p:sp>
-        <p:nvSpPr>
-          <p:cNvPr id="3" name="內容版面配置區 2">
-            <a:extLst>
-              <a:ext uri="{FF2B5EF4-FFF2-40B4-BE49-F238E27FC236}">
-                <a16:creationId xmlns:a16="http://schemas.microsoft.com/office/drawing/2014/main" id="{E702452B-1EE4-4CC9-9E76-FE0BF691C245}"/>
-              </a:ext>
-            </a:extLst>
-          </p:cNvPr>
-          <p:cNvSpPr>
-            <a:spLocks noGrp="1"/>
-          </p:cNvSpPr>
-          <p:nvPr>
-            <p:ph idx="1"/>
-          </p:nvPr>
-        </p:nvSpPr>
-        <p:spPr>
-          <a:xfrm>
-            <a:off x="838200" y="1825625"/>
-            <a:ext cx="10515600" cy="1200208"/>
-          </a:xfrm>
-        </p:spPr>
-        <p:txBody>
-          <a:bodyPr>
-            <a:normAutofit/>
-          </a:bodyPr>
-          <a:lstStyle/>
-          <a:p>
-            <a:pPr marL="0" indent="0">
-              <a:buNone/>
-            </a:pPr>
-            <a:r>
-              <a:rPr lang="zh-TW" altLang="en-US" dirty="0">
-                <a:latin typeface="標楷體" panose="03000509000000000000" pitchFamily="65" charset="-120"/>
-                <a:ea typeface="標楷體" panose="03000509000000000000" pitchFamily="65" charset="-120"/>
-              </a:rPr>
-              <a:t>球在平台上受到的力和平台對球施加的力之間的平衡，由</a:t>
-            </a:r>
-            <a:r>
-              <a:rPr lang="en-US" altLang="zh-TW" dirty="0">
-                <a:latin typeface="標楷體" panose="03000509000000000000" pitchFamily="65" charset="-120"/>
-                <a:ea typeface="標楷體" panose="03000509000000000000" pitchFamily="65" charset="-120"/>
-              </a:rPr>
-              <a:t>6.3</a:t>
-            </a:r>
-            <a:r>
-              <a:rPr lang="zh-TW" altLang="en-US" dirty="0">
-                <a:latin typeface="標楷體" panose="03000509000000000000" pitchFamily="65" charset="-120"/>
-                <a:ea typeface="標楷體" panose="03000509000000000000" pitchFamily="65" charset="-120"/>
-              </a:rPr>
-              <a:t>式中的加速度和</a:t>
-            </a:r>
-            <a:r>
-              <a:rPr lang="en-US" altLang="zh-TW" dirty="0">
-                <a:latin typeface="標楷體" panose="03000509000000000000" pitchFamily="65" charset="-120"/>
-                <a:ea typeface="標楷體" panose="03000509000000000000" pitchFamily="65" charset="-120"/>
-              </a:rPr>
-              <a:t>6.6</a:t>
-            </a:r>
-            <a:r>
-              <a:rPr lang="zh-TW" altLang="en-US" dirty="0">
-                <a:latin typeface="標楷體" panose="03000509000000000000" pitchFamily="65" charset="-120"/>
-                <a:ea typeface="標楷體" panose="03000509000000000000" pitchFamily="65" charset="-120"/>
-              </a:rPr>
-              <a:t>中的力導致，由此得到動態系統的運動方程式。</a:t>
-            </a:r>
-          </a:p>
-        </p:txBody>
-      </p:sp>
-      <p:sp>
-        <p:nvSpPr>
-          <p:cNvPr id="7" name="文字方塊 6"/>
-          <p:cNvSpPr txBox="1"/>
-          <p:nvPr/>
-        </p:nvSpPr>
-        <p:spPr>
-          <a:xfrm>
-            <a:off x="838198" y="3802867"/>
-            <a:ext cx="10515600" cy="523220"/>
-          </a:xfrm>
-          <a:prstGeom prst="rect">
-            <a:avLst/>
-          </a:prstGeom>
-          <a:noFill/>
-        </p:spPr>
-        <p:txBody>
-          <a:bodyPr wrap="square" rtlCol="0">
-            <a:spAutoFit/>
-          </a:bodyPr>
-          <a:lstStyle/>
-          <a:p>
-            <a:r>
-              <a:rPr lang="zh-TW" altLang="en-US" sz="2800" dirty="0">
-                <a:latin typeface="標楷體" panose="03000509000000000000" pitchFamily="65" charset="-120"/>
-                <a:ea typeface="標楷體" panose="03000509000000000000" pitchFamily="65" charset="-120"/>
-              </a:rPr>
-              <a:t>為了做拉式轉換我們稍微整理方程式。</a:t>
-            </a:r>
-          </a:p>
-        </p:txBody>
-      </p:sp>
-      <p:pic>
-        <p:nvPicPr>
-          <p:cNvPr id="5" name="圖片 4"/>
-          <p:cNvPicPr>
-            <a:picLocks noChangeAspect="1"/>
-          </p:cNvPicPr>
-          <p:nvPr/>
-        </p:nvPicPr>
-        <p:blipFill>
-          <a:blip r:embed="rId2"/>
-          <a:stretch>
-            <a:fillRect/>
-          </a:stretch>
-        </p:blipFill>
-        <p:spPr>
-          <a:xfrm>
-            <a:off x="838200" y="2915039"/>
-            <a:ext cx="5810034" cy="750873"/>
-          </a:xfrm>
-          <a:prstGeom prst="rect">
-            <a:avLst/>
-          </a:prstGeom>
-        </p:spPr>
-      </p:pic>
-      <p:pic>
-        <p:nvPicPr>
-          <p:cNvPr id="6" name="圖片 5"/>
-          <p:cNvPicPr>
-            <a:picLocks noChangeAspect="1"/>
-          </p:cNvPicPr>
-          <p:nvPr/>
-        </p:nvPicPr>
-        <p:blipFill>
-          <a:blip r:embed="rId3"/>
-          <a:stretch>
-            <a:fillRect/>
-          </a:stretch>
-        </p:blipFill>
-        <p:spPr>
-          <a:xfrm>
-            <a:off x="838198" y="4463789"/>
-            <a:ext cx="3615575" cy="941872"/>
-          </a:xfrm>
-          <a:prstGeom prst="rect">
-            <a:avLst/>
-          </a:prstGeom>
-        </p:spPr>
-      </p:pic>
-      <p:sp>
-        <p:nvSpPr>
-          <p:cNvPr id="12" name="文字方塊 11"/>
-          <p:cNvSpPr txBox="1"/>
-          <p:nvPr/>
-        </p:nvSpPr>
-        <p:spPr>
-          <a:xfrm>
-            <a:off x="4453773" y="4703892"/>
-            <a:ext cx="825867" cy="400110"/>
-          </a:xfrm>
-          <a:prstGeom prst="rect">
-            <a:avLst/>
-          </a:prstGeom>
-          <a:noFill/>
-        </p:spPr>
-        <p:txBody>
-          <a:bodyPr wrap="none" rtlCol="0">
-            <a:spAutoFit/>
-          </a:bodyPr>
-          <a:lstStyle/>
-          <a:p>
-            <a:r>
-              <a:rPr lang="en-US" altLang="zh-TW" sz="2000" dirty="0">
-                <a:latin typeface="標楷體" panose="03000509000000000000" pitchFamily="65" charset="-120"/>
-                <a:ea typeface="標楷體" panose="03000509000000000000" pitchFamily="65" charset="-120"/>
-              </a:rPr>
-              <a:t>(6.8)</a:t>
-            </a:r>
-            <a:endParaRPr lang="zh-TW" altLang="en-US" sz="1600" dirty="0">
-              <a:latin typeface="標楷體" panose="03000509000000000000" pitchFamily="65" charset="-120"/>
-              <a:ea typeface="標楷體" panose="03000509000000000000" pitchFamily="65" charset="-120"/>
-            </a:endParaRPr>
-          </a:p>
-        </p:txBody>
-      </p:sp>
-      <p:grpSp>
-        <p:nvGrpSpPr>
-          <p:cNvPr id="8" name="群組 7"/>
-          <p:cNvGrpSpPr/>
-          <p:nvPr/>
-        </p:nvGrpSpPr>
-        <p:grpSpPr>
-          <a:xfrm>
-            <a:off x="728583" y="6083025"/>
-            <a:ext cx="4377730" cy="646331"/>
-            <a:chOff x="793422" y="5945045"/>
-            <a:chExt cx="4377730" cy="646331"/>
-          </a:xfrm>
-        </p:grpSpPr>
-        <p:pic>
-          <p:nvPicPr>
-            <p:cNvPr id="9" name="圖片 8"/>
-            <p:cNvPicPr>
-              <a:picLocks noChangeAspect="1"/>
-            </p:cNvPicPr>
-            <p:nvPr/>
-          </p:nvPicPr>
-          <p:blipFill>
-            <a:blip r:embed="rId4" cstate="print">
-              <a:extLst>
-                <a:ext uri="{28A0092B-C50C-407E-A947-70E740481C1C}">
-                  <a14:useLocalDpi xmlns:a14="http://schemas.microsoft.com/office/drawing/2010/main" val="0"/>
-                </a:ext>
-              </a:extLst>
-            </a:blip>
-            <a:stretch>
-              <a:fillRect/>
-            </a:stretch>
-          </p:blipFill>
-          <p:spPr>
-            <a:xfrm>
-              <a:off x="793422" y="6031991"/>
-              <a:ext cx="730578" cy="472440"/>
-            </a:xfrm>
-            <a:prstGeom prst="rect">
-              <a:avLst/>
-            </a:prstGeom>
-          </p:spPr>
-        </p:pic>
-        <p:sp>
-          <p:nvSpPr>
-            <p:cNvPr id="10" name="文字方塊 9"/>
-            <p:cNvSpPr txBox="1"/>
-            <p:nvPr/>
-          </p:nvSpPr>
-          <p:spPr>
-            <a:xfrm>
-              <a:off x="1524000" y="5945045"/>
-              <a:ext cx="3647152" cy="646331"/>
-            </a:xfrm>
-            <a:prstGeom prst="rect">
-              <a:avLst/>
-            </a:prstGeom>
-            <a:noFill/>
-          </p:spPr>
-          <p:txBody>
-            <a:bodyPr wrap="none" rtlCol="0">
-              <a:spAutoFit/>
-            </a:bodyPr>
-            <a:lstStyle/>
-            <a:p>
-              <a:r>
-                <a:rPr lang="zh-TW" altLang="en-US" dirty="0">
-                  <a:latin typeface="標楷體" panose="03000509000000000000" pitchFamily="65" charset="-120"/>
-                  <a:ea typeface="標楷體" panose="03000509000000000000" pitchFamily="65" charset="-120"/>
-                </a:rPr>
-                <a:t>國立虎尾科技大學</a:t>
-              </a:r>
-              <a:endParaRPr lang="en-US" altLang="zh-TW" dirty="0">
-                <a:latin typeface="標楷體" panose="03000509000000000000" pitchFamily="65" charset="-120"/>
-                <a:ea typeface="標楷體" panose="03000509000000000000" pitchFamily="65" charset="-120"/>
-              </a:endParaRPr>
-            </a:p>
-            <a:p>
-              <a:r>
-                <a:rPr lang="zh-TW" altLang="en-US" dirty="0">
-                  <a:latin typeface="標楷體" panose="03000509000000000000" pitchFamily="65" charset="-120"/>
-                  <a:ea typeface="標楷體" panose="03000509000000000000" pitchFamily="65" charset="-120"/>
-                </a:rPr>
-                <a:t>機械設計工程系暨精密機械工程科</a:t>
-              </a:r>
-            </a:p>
-          </p:txBody>
-        </p:sp>
-      </p:grpSp>
-    </p:spTree>
-    <p:extLst>
-      <p:ext uri="{BB962C8B-B14F-4D97-AF65-F5344CB8AC3E}">
-        <p14:creationId xmlns:p14="http://schemas.microsoft.com/office/powerpoint/2010/main" val="1858633860"/>
-      </p:ext>
-    </p:extLst>
-  </p:cSld>
-  <p:clrMapOvr>
-    <a:masterClrMapping/>
-  </p:clrMapOvr>
-</p:sld>
-</file>
-
-<file path=ppt/slides/slide14.xml><?xml version="1.0" encoding="utf-8"?>
-<p:sld xmlns:a="http://schemas.openxmlformats.org/drawingml/2006/main" xmlns:r="http://schemas.openxmlformats.org/officeDocument/2006/relationships" xmlns:p="http://schemas.openxmlformats.org/presentationml/2006/main">
-  <p:cSld>
-    <p:spTree>
-      <p:nvGrpSpPr>
-        <p:cNvPr id="1" name=""/>
-        <p:cNvGrpSpPr/>
-        <p:nvPr/>
-      </p:nvGrpSpPr>
-      <p:grpSpPr>
-        <a:xfrm>
-          <a:off x="0" y="0"/>
-          <a:ext cx="0" cy="0"/>
-          <a:chOff x="0" y="0"/>
-          <a:chExt cx="0" cy="0"/>
-        </a:xfrm>
-      </p:grpSpPr>
-      <p:sp>
-        <p:nvSpPr>
-          <p:cNvPr id="2" name="標題 1">
-            <a:extLst>
-              <a:ext uri="{FF2B5EF4-FFF2-40B4-BE49-F238E27FC236}">
-                <a16:creationId xmlns:a16="http://schemas.microsoft.com/office/drawing/2014/main" id="{BA46B84B-3164-467D-B0A5-4DED2127C172}"/>
-              </a:ext>
-            </a:extLst>
-          </p:cNvPr>
-          <p:cNvSpPr>
-            <a:spLocks noGrp="1"/>
-          </p:cNvSpPr>
-          <p:nvPr>
-            <p:ph type="title"/>
-          </p:nvPr>
-        </p:nvSpPr>
-        <p:spPr/>
-        <p:txBody>
-          <a:bodyPr/>
-          <a:lstStyle/>
-          <a:p>
-            <a:r>
-              <a:rPr lang="zh-TW" altLang="en-US" b="1" dirty="0">
-                <a:latin typeface="標楷體" panose="03000509000000000000" pitchFamily="65" charset="-120"/>
-                <a:ea typeface="標楷體" panose="03000509000000000000" pitchFamily="65" charset="-120"/>
-              </a:rPr>
-              <a:t>案例研究：鋼球平衡台的設計</a:t>
-            </a:r>
-          </a:p>
-        </p:txBody>
-      </p:sp>
-      <mc:AlternateContent xmlns:mc="http://schemas.openxmlformats.org/markup-compatibility/2006" xmlns:a14="http://schemas.microsoft.com/office/drawing/2010/main">
-        <mc:Choice Requires="a14">
-          <p:sp>
-            <p:nvSpPr>
-              <p:cNvPr id="3" name="內容版面配置區 2">
-                <a:extLst>
-                  <a:ext uri="{FF2B5EF4-FFF2-40B4-BE49-F238E27FC236}">
-                    <a16:creationId xmlns:a16="http://schemas.microsoft.com/office/drawing/2014/main" id="{E702452B-1EE4-4CC9-9E76-FE0BF691C245}"/>
-                  </a:ext>
-                </a:extLst>
-              </p:cNvPr>
-              <p:cNvSpPr>
-                <a:spLocks noGrp="1"/>
-              </p:cNvSpPr>
-              <p:nvPr>
-                <p:ph idx="1"/>
-              </p:nvPr>
-            </p:nvSpPr>
-            <p:spPr>
-              <a:xfrm>
-                <a:off x="838200" y="3107176"/>
-                <a:ext cx="10515600" cy="1200208"/>
-              </a:xfrm>
-            </p:spPr>
-            <p:txBody>
-              <a:bodyPr>
-                <a:normAutofit lnSpcReduction="10000"/>
-              </a:bodyPr>
-              <a:lstStyle/>
-              <a:p>
-                <a:pPr marL="0" indent="0">
-                  <a:buNone/>
-                </a:pPr>
-                <a:r>
-                  <a:rPr lang="zh-TW" altLang="en-US" dirty="0">
-                    <a:latin typeface="標楷體" panose="03000509000000000000" pitchFamily="65" charset="-120"/>
-                    <a:ea typeface="標楷體" panose="03000509000000000000" pitchFamily="65" charset="-120"/>
-                  </a:rPr>
-                  <a:t>當</a:t>
-                </a:r>
-                <a14:m>
-                  <m:oMath xmlns:m="http://schemas.openxmlformats.org/officeDocument/2006/math">
-                    <m:sSub>
-                      <m:sSubPr>
-                        <m:ctrlPr>
-                          <a:rPr lang="zh-TW" altLang="en-US" i="1" smtClean="0">
-                            <a:latin typeface="Cambria Math" panose="02040503050406030204" pitchFamily="18" charset="0"/>
-                          </a:rPr>
-                        </m:ctrlPr>
-                      </m:sSubPr>
-                      <m:e>
-                        <m:r>
-                          <a:rPr lang="zh-TW" altLang="en-US" i="1" smtClean="0">
-                            <a:latin typeface="Cambria Math" panose="02040503050406030204" pitchFamily="18" charset="0"/>
-                          </a:rPr>
-                          <m:t>𝛼</m:t>
-                        </m:r>
-                      </m:e>
-                      <m:sub>
-                        <m:r>
-                          <a:rPr lang="zh-TW" altLang="en-US" i="0" smtClean="0">
-                            <a:latin typeface="Cambria Math" panose="02040503050406030204" pitchFamily="18" charset="0"/>
-                          </a:rPr>
-                          <m:t>1</m:t>
-                        </m:r>
-                      </m:sub>
-                    </m:sSub>
-                  </m:oMath>
-                </a14:m>
-                <a:r>
-                  <a:rPr lang="zh-TW" altLang="en-US" dirty="0">
-                    <a:latin typeface="標楷體" panose="03000509000000000000" pitchFamily="65" charset="-120"/>
-                    <a:ea typeface="標楷體" panose="03000509000000000000" pitchFamily="65" charset="-120"/>
-                  </a:rPr>
-                  <a:t>出現小變動時線性化可得</a:t>
-                </a:r>
-                <a:r>
-                  <a:rPr lang="en-US" altLang="zh-TW" dirty="0">
-                    <a:latin typeface="標楷體" panose="03000509000000000000" pitchFamily="65" charset="-120"/>
-                    <a:ea typeface="標楷體" panose="03000509000000000000" pitchFamily="65" charset="-120"/>
-                  </a:rPr>
-                  <a:t>6.9</a:t>
-                </a:r>
-                <a:r>
-                  <a:rPr lang="zh-TW" altLang="en-US" dirty="0">
-                    <a:latin typeface="標楷體" panose="03000509000000000000" pitchFamily="65" charset="-120"/>
-                    <a:ea typeface="標楷體" panose="03000509000000000000" pitchFamily="65" charset="-120"/>
-                  </a:rPr>
-                  <a:t>式。接下來當我們將</a:t>
-                </a:r>
-                <a14:m>
-                  <m:oMath xmlns:m="http://schemas.openxmlformats.org/officeDocument/2006/math">
-                    <m:sSub>
-                      <m:sSubPr>
-                        <m:ctrlPr>
-                          <a:rPr lang="zh-TW" altLang="en-US" i="1" smtClean="0">
-                            <a:latin typeface="Cambria Math" panose="02040503050406030204" pitchFamily="18" charset="0"/>
-                          </a:rPr>
-                        </m:ctrlPr>
-                      </m:sSubPr>
-                      <m:e>
-                        <m:r>
-                          <a:rPr lang="zh-TW" altLang="en-US" i="1" smtClean="0">
-                            <a:latin typeface="Cambria Math" panose="02040503050406030204" pitchFamily="18" charset="0"/>
-                          </a:rPr>
-                          <m:t>𝐼</m:t>
-                        </m:r>
-                      </m:e>
-                      <m:sub>
-                        <m:r>
-                          <a:rPr lang="zh-TW" altLang="en-US" i="1" smtClean="0">
-                            <a:latin typeface="Cambria Math" panose="02040503050406030204" pitchFamily="18" charset="0"/>
-                          </a:rPr>
-                          <m:t>𝑏</m:t>
-                        </m:r>
-                      </m:sub>
-                    </m:sSub>
-                  </m:oMath>
-                </a14:m>
-                <a:r>
-                  <a:rPr lang="zh-TW" altLang="en-US" dirty="0">
-                    <a:latin typeface="標楷體" panose="03000509000000000000" pitchFamily="65" charset="-120"/>
-                    <a:ea typeface="標楷體" panose="03000509000000000000" pitchFamily="65" charset="-120"/>
-                  </a:rPr>
-                  <a:t>也就是球體的質量慣性矩代入我們可以得到</a:t>
-                </a:r>
-                <a:r>
-                  <a:rPr lang="en-US" altLang="zh-TW" dirty="0">
-                    <a:latin typeface="標楷體" panose="03000509000000000000" pitchFamily="65" charset="-120"/>
-                    <a:ea typeface="標楷體" panose="03000509000000000000" pitchFamily="65" charset="-120"/>
-                  </a:rPr>
-                  <a:t>6.10</a:t>
-                </a:r>
-                <a:r>
-                  <a:rPr lang="zh-TW" altLang="en-US" dirty="0">
-                    <a:latin typeface="標楷體" panose="03000509000000000000" pitchFamily="65" charset="-120"/>
-                    <a:ea typeface="標楷體" panose="03000509000000000000" pitchFamily="65" charset="-120"/>
-                  </a:rPr>
-                  <a:t>式，我們可以觀察到該系統的運動方程式和該球體的半徑和質量無關。</a:t>
-                </a:r>
-              </a:p>
-            </p:txBody>
-          </p:sp>
-        </mc:Choice>
-        <mc:Fallback xmlns="">
-          <p:sp>
-            <p:nvSpPr>
-              <p:cNvPr id="3" name="內容版面配置區 2">
-                <a:extLst>
-                  <a:ext uri="{FF2B5EF4-FFF2-40B4-BE49-F238E27FC236}">
-                    <a16:creationId xmlns:a16="http://schemas.microsoft.com/office/drawing/2014/main" id="{E702452B-1EE4-4CC9-9E76-FE0BF691C245}"/>
-                  </a:ext>
-                </a:extLst>
-              </p:cNvPr>
-              <p:cNvSpPr>
-                <a:spLocks noGrp="1" noRot="1" noChangeAspect="1" noMove="1" noResize="1" noEditPoints="1" noAdjustHandles="1" noChangeArrowheads="1" noChangeShapeType="1" noTextEdit="1"/>
-              </p:cNvSpPr>
-              <p:nvPr>
-                <p:ph idx="1"/>
-              </p:nvPr>
-            </p:nvSpPr>
-            <p:spPr>
-              <a:xfrm>
-                <a:off x="838200" y="3107176"/>
-                <a:ext cx="10515600" cy="1200208"/>
-              </a:xfrm>
-              <a:blipFill>
-                <a:blip r:embed="rId2"/>
-                <a:stretch>
-                  <a:fillRect l="-1217" t="-12690" r="-986" b="-7107"/>
-                </a:stretch>
-              </a:blipFill>
-            </p:spPr>
-            <p:txBody>
-              <a:bodyPr/>
-              <a:lstStyle/>
-              <a:p>
-                <a:r>
-                  <a:rPr lang="zh-TW" altLang="en-US">
-                    <a:noFill/>
-                  </a:rPr>
-                  <a:t> </a:t>
-                </a:r>
-              </a:p>
-            </p:txBody>
-          </p:sp>
-        </mc:Fallback>
-      </mc:AlternateContent>
-      <p:sp>
-        <p:nvSpPr>
-          <p:cNvPr id="4" name="文字方塊 3"/>
-          <p:cNvSpPr txBox="1"/>
-          <p:nvPr/>
-        </p:nvSpPr>
-        <p:spPr>
-          <a:xfrm>
-            <a:off x="838200" y="5220089"/>
-            <a:ext cx="5262979" cy="461665"/>
-          </a:xfrm>
-          <a:prstGeom prst="rect">
-            <a:avLst/>
-          </a:prstGeom>
-          <a:noFill/>
-        </p:spPr>
-        <p:txBody>
-          <a:bodyPr wrap="none" rtlCol="0">
-            <a:spAutoFit/>
-          </a:bodyPr>
-          <a:lstStyle/>
-          <a:p>
-            <a:r>
-              <a:rPr lang="zh-TW" altLang="en-US" sz="2400" dirty="0">
-                <a:latin typeface="標楷體" panose="03000509000000000000" pitchFamily="65" charset="-120"/>
-                <a:ea typeface="標楷體" panose="03000509000000000000" pitchFamily="65" charset="-120"/>
-              </a:rPr>
-              <a:t>最後我們對</a:t>
-            </a:r>
-            <a:r>
-              <a:rPr lang="en-US" altLang="zh-TW" sz="2400" dirty="0">
-                <a:latin typeface="標楷體" panose="03000509000000000000" pitchFamily="65" charset="-120"/>
-                <a:ea typeface="標楷體" panose="03000509000000000000" pitchFamily="65" charset="-120"/>
-              </a:rPr>
-              <a:t>6.10</a:t>
-            </a:r>
-            <a:r>
-              <a:rPr lang="zh-TW" altLang="en-US" sz="2400" dirty="0">
-                <a:latin typeface="標楷體" panose="03000509000000000000" pitchFamily="65" charset="-120"/>
-                <a:ea typeface="標楷體" panose="03000509000000000000" pitchFamily="65" charset="-120"/>
-              </a:rPr>
-              <a:t>作拉式轉換得到</a:t>
-            </a:r>
-            <a:r>
-              <a:rPr lang="en-US" altLang="zh-TW" sz="2400" dirty="0">
-                <a:latin typeface="標楷體" panose="03000509000000000000" pitchFamily="65" charset="-120"/>
-                <a:ea typeface="標楷體" panose="03000509000000000000" pitchFamily="65" charset="-120"/>
-              </a:rPr>
-              <a:t>6.11 </a:t>
-            </a:r>
-            <a:endParaRPr lang="zh-TW" altLang="en-US" sz="2400" dirty="0">
-              <a:latin typeface="標楷體" panose="03000509000000000000" pitchFamily="65" charset="-120"/>
-              <a:ea typeface="標楷體" panose="03000509000000000000" pitchFamily="65" charset="-120"/>
-            </a:endParaRPr>
-          </a:p>
-        </p:txBody>
-      </p:sp>
-      <mc:AlternateContent xmlns:mc="http://schemas.openxmlformats.org/markup-compatibility/2006" xmlns:a14="http://schemas.microsoft.com/office/drawing/2010/main">
-        <mc:Choice Requires="a14">
-          <p:sp>
-            <p:nvSpPr>
-              <p:cNvPr id="11" name="文字方塊 10"/>
-              <p:cNvSpPr txBox="1"/>
-              <p:nvPr/>
-            </p:nvSpPr>
-            <p:spPr>
-              <a:xfrm>
-                <a:off x="956272" y="5885617"/>
-                <a:ext cx="1978122" cy="440120"/>
-              </a:xfrm>
-              <a:prstGeom prst="rect">
-                <a:avLst/>
-              </a:prstGeom>
-              <a:noFill/>
-            </p:spPr>
-            <p:txBody>
-              <a:bodyPr wrap="square" lIns="0" tIns="0" rIns="0" bIns="0" rtlCol="0">
-                <a:spAutoFit/>
-              </a:bodyPr>
-              <a:lstStyle/>
-              <a:p>
-                <a14:m>
-                  <m:oMath xmlns:m="http://schemas.openxmlformats.org/officeDocument/2006/math">
-                    <m:sSup>
-                      <m:sSupPr>
-                        <m:ctrlPr>
-                          <a:rPr lang="zh-TW" altLang="en-US" sz="2000" i="1" smtClean="0">
-                            <a:latin typeface="Cambria Math" panose="02040503050406030204" pitchFamily="18" charset="0"/>
-                          </a:rPr>
-                        </m:ctrlPr>
-                      </m:sSupPr>
-                      <m:e>
-                        <m:r>
-                          <a:rPr lang="zh-TW" altLang="en-US" sz="2000" i="1">
-                            <a:latin typeface="Cambria Math" panose="02040503050406030204" pitchFamily="18" charset="0"/>
-                          </a:rPr>
-                          <m:t>𝑠</m:t>
-                        </m:r>
-                      </m:e>
-                      <m:sup>
-                        <m:r>
-                          <a:rPr lang="zh-TW" altLang="en-US" sz="2000" i="0">
-                            <a:latin typeface="Cambria Math" panose="02040503050406030204" pitchFamily="18" charset="0"/>
-                          </a:rPr>
-                          <m:t>2</m:t>
-                        </m:r>
-                      </m:sup>
-                    </m:sSup>
-                    <m:r>
-                      <a:rPr lang="zh-TW" altLang="en-US" sz="2000" i="1">
-                        <a:latin typeface="Cambria Math" panose="02040503050406030204" pitchFamily="18" charset="0"/>
-                      </a:rPr>
-                      <m:t>𝑋</m:t>
-                    </m:r>
-                    <m:r>
-                      <a:rPr lang="zh-TW" altLang="en-US" sz="2000" i="0">
-                        <a:latin typeface="Cambria Math" panose="02040503050406030204" pitchFamily="18" charset="0"/>
-                      </a:rPr>
-                      <m:t>=</m:t>
-                    </m:r>
-                    <m:f>
-                      <m:fPr>
-                        <m:ctrlPr>
-                          <a:rPr lang="zh-TW" altLang="en-US" sz="2000" i="1">
-                            <a:latin typeface="Cambria Math" panose="02040503050406030204" pitchFamily="18" charset="0"/>
-                          </a:rPr>
-                        </m:ctrlPr>
-                      </m:fPr>
-                      <m:num>
-                        <m:r>
-                          <a:rPr lang="zh-TW" altLang="en-US" sz="2000" i="0">
-                            <a:latin typeface="Cambria Math" panose="02040503050406030204" pitchFamily="18" charset="0"/>
-                          </a:rPr>
-                          <m:t>5</m:t>
-                        </m:r>
-                      </m:num>
-                      <m:den>
-                        <m:r>
-                          <a:rPr lang="zh-TW" altLang="en-US" sz="2000" i="0">
-                            <a:latin typeface="Cambria Math" panose="02040503050406030204" pitchFamily="18" charset="0"/>
-                          </a:rPr>
-                          <m:t>7</m:t>
-                        </m:r>
-                      </m:den>
-                    </m:f>
-                    <m:r>
-                      <a:rPr lang="zh-TW" altLang="en-US" sz="2000" i="1">
-                        <a:latin typeface="Cambria Math" panose="02040503050406030204" pitchFamily="18" charset="0"/>
-                      </a:rPr>
-                      <m:t>𝑔</m:t>
-                    </m:r>
-                    <m:sSub>
-                      <m:sSubPr>
-                        <m:ctrlPr>
-                          <a:rPr lang="zh-TW" altLang="en-US" sz="2000" i="1">
-                            <a:latin typeface="Cambria Math" panose="02040503050406030204" pitchFamily="18" charset="0"/>
-                          </a:rPr>
-                        </m:ctrlPr>
-                      </m:sSubPr>
-                      <m:e>
-                        <m:r>
-                          <a:rPr lang="zh-TW" altLang="en-US" sz="2000" i="1">
-                            <a:latin typeface="Cambria Math" panose="02040503050406030204" pitchFamily="18" charset="0"/>
-                          </a:rPr>
-                          <m:t>𝐴</m:t>
-                        </m:r>
-                      </m:e>
-                      <m:sub>
-                        <m:r>
-                          <a:rPr lang="zh-TW" altLang="en-US" sz="2000" i="0">
-                            <a:latin typeface="Cambria Math" panose="02040503050406030204" pitchFamily="18" charset="0"/>
-                          </a:rPr>
-                          <m:t>1</m:t>
-                        </m:r>
-                      </m:sub>
-                    </m:sSub>
-                  </m:oMath>
-                </a14:m>
-                <a:r>
-                  <a:rPr lang="en-US" altLang="zh-TW" sz="2000" dirty="0">
-                    <a:latin typeface="標楷體" panose="03000509000000000000" pitchFamily="65" charset="-120"/>
-                    <a:ea typeface="標楷體" panose="03000509000000000000" pitchFamily="65" charset="-120"/>
-                  </a:rPr>
-                  <a:t>(6.11)</a:t>
-                </a:r>
-                <a:endParaRPr lang="zh-TW" altLang="en-US" dirty="0">
-                  <a:latin typeface="標楷體" panose="03000509000000000000" pitchFamily="65" charset="-120"/>
-                  <a:ea typeface="標楷體" panose="03000509000000000000" pitchFamily="65" charset="-120"/>
-                </a:endParaRPr>
-              </a:p>
-            </p:txBody>
-          </p:sp>
-        </mc:Choice>
-        <mc:Fallback xmlns="">
-          <p:sp>
-            <p:nvSpPr>
-              <p:cNvPr id="11" name="文字方塊 10"/>
-              <p:cNvSpPr txBox="1">
-                <a:spLocks noRot="1" noChangeAspect="1" noMove="1" noResize="1" noEditPoints="1" noAdjustHandles="1" noChangeArrowheads="1" noChangeShapeType="1" noTextEdit="1"/>
-              </p:cNvSpPr>
-              <p:nvPr/>
-            </p:nvSpPr>
-            <p:spPr>
-              <a:xfrm>
-                <a:off x="956272" y="5885617"/>
-                <a:ext cx="1978122" cy="440120"/>
-              </a:xfrm>
-              <a:prstGeom prst="rect">
-                <a:avLst/>
-              </a:prstGeom>
-              <a:blipFill>
-                <a:blip r:embed="rId3"/>
-                <a:stretch>
-                  <a:fillRect t="-4110" r="-13889" b="-17808"/>
-                </a:stretch>
-              </a:blipFill>
-            </p:spPr>
-            <p:txBody>
-              <a:bodyPr/>
-              <a:lstStyle/>
-              <a:p>
-                <a:r>
-                  <a:rPr lang="zh-TW" altLang="en-US">
-                    <a:noFill/>
-                  </a:rPr>
-                  <a:t> </a:t>
-                </a:r>
-              </a:p>
-            </p:txBody>
-          </p:sp>
-        </mc:Fallback>
-      </mc:AlternateContent>
-      <mc:AlternateContent xmlns:mc="http://schemas.openxmlformats.org/markup-compatibility/2006" xmlns:a14="http://schemas.microsoft.com/office/drawing/2010/main">
-        <mc:Choice Requires="a14">
-          <p:sp>
-            <p:nvSpPr>
-              <p:cNvPr id="5" name="文字方塊 4"/>
-              <p:cNvSpPr txBox="1"/>
-              <p:nvPr/>
-            </p:nvSpPr>
-            <p:spPr>
-              <a:xfrm>
-                <a:off x="945189" y="4457978"/>
-                <a:ext cx="1761991" cy="440120"/>
-              </a:xfrm>
-              <a:prstGeom prst="rect">
-                <a:avLst/>
-              </a:prstGeom>
-              <a:noFill/>
-            </p:spPr>
-            <p:txBody>
-              <a:bodyPr wrap="square" lIns="0" tIns="0" rIns="0" bIns="0" rtlCol="0">
-                <a:spAutoFit/>
-              </a:bodyPr>
-              <a:lstStyle/>
-              <a:p>
-                <a14:m>
-                  <m:oMath xmlns:m="http://schemas.openxmlformats.org/officeDocument/2006/math">
-                    <m:acc>
-                      <m:accPr>
-                        <m:chr m:val="̈"/>
-                        <m:ctrlPr>
-                          <a:rPr lang="zh-TW" altLang="en-US" sz="2000" i="1" smtClean="0">
-                            <a:latin typeface="Cambria Math" panose="02040503050406030204" pitchFamily="18" charset="0"/>
-                          </a:rPr>
-                        </m:ctrlPr>
-                      </m:accPr>
-                      <m:e>
-                        <m:r>
-                          <a:rPr lang="zh-TW" altLang="en-US" sz="2000" i="1">
-                            <a:latin typeface="Cambria Math" panose="02040503050406030204" pitchFamily="18" charset="0"/>
-                          </a:rPr>
-                          <m:t>𝑥</m:t>
-                        </m:r>
-                      </m:e>
-                    </m:acc>
-                    <m:r>
-                      <a:rPr lang="zh-TW" altLang="en-US" sz="2000" i="0">
-                        <a:latin typeface="Cambria Math" panose="02040503050406030204" pitchFamily="18" charset="0"/>
-                      </a:rPr>
-                      <m:t>=</m:t>
-                    </m:r>
-                    <m:f>
-                      <m:fPr>
-                        <m:ctrlPr>
-                          <a:rPr lang="zh-TW" altLang="en-US" sz="2000" i="1">
-                            <a:latin typeface="Cambria Math" panose="02040503050406030204" pitchFamily="18" charset="0"/>
-                          </a:rPr>
-                        </m:ctrlPr>
-                      </m:fPr>
-                      <m:num>
-                        <m:r>
-                          <a:rPr lang="zh-TW" altLang="en-US" sz="2000" i="0">
-                            <a:latin typeface="Cambria Math" panose="02040503050406030204" pitchFamily="18" charset="0"/>
-                          </a:rPr>
-                          <m:t>5</m:t>
-                        </m:r>
-                      </m:num>
-                      <m:den>
-                        <m:r>
-                          <a:rPr lang="zh-TW" altLang="en-US" sz="2000" i="0">
-                            <a:latin typeface="Cambria Math" panose="02040503050406030204" pitchFamily="18" charset="0"/>
-                          </a:rPr>
-                          <m:t>7</m:t>
-                        </m:r>
-                      </m:den>
-                    </m:f>
-                    <m:r>
-                      <a:rPr lang="zh-TW" altLang="en-US" sz="2000" i="1">
-                        <a:latin typeface="Cambria Math" panose="02040503050406030204" pitchFamily="18" charset="0"/>
-                      </a:rPr>
-                      <m:t>𝑔</m:t>
-                    </m:r>
-                    <m:sSub>
-                      <m:sSubPr>
-                        <m:ctrlPr>
-                          <a:rPr lang="zh-TW" altLang="en-US" sz="2000" i="1">
-                            <a:latin typeface="Cambria Math" panose="02040503050406030204" pitchFamily="18" charset="0"/>
-                          </a:rPr>
-                        </m:ctrlPr>
-                      </m:sSubPr>
-                      <m:e>
-                        <m:r>
-                          <a:rPr lang="zh-TW" altLang="en-US" sz="2000" i="1">
-                            <a:latin typeface="Cambria Math" panose="02040503050406030204" pitchFamily="18" charset="0"/>
-                          </a:rPr>
-                          <m:t>𝛼</m:t>
-                        </m:r>
-                      </m:e>
-                      <m:sub>
-                        <m:r>
-                          <a:rPr lang="zh-TW" altLang="en-US" sz="2000" i="0">
-                            <a:latin typeface="Cambria Math" panose="02040503050406030204" pitchFamily="18" charset="0"/>
-                          </a:rPr>
-                          <m:t>1</m:t>
-                        </m:r>
-                      </m:sub>
-                    </m:sSub>
-                  </m:oMath>
-                </a14:m>
-                <a:r>
-                  <a:rPr lang="en-US" altLang="zh-TW" sz="2000" dirty="0">
-                    <a:latin typeface="標楷體" panose="03000509000000000000" pitchFamily="65" charset="-120"/>
-                    <a:ea typeface="標楷體" panose="03000509000000000000" pitchFamily="65" charset="-120"/>
-                  </a:rPr>
-                  <a:t>(6.10)</a:t>
-                </a:r>
-                <a:endParaRPr lang="zh-TW" altLang="en-US" sz="2000" dirty="0">
-                  <a:latin typeface="標楷體" panose="03000509000000000000" pitchFamily="65" charset="-120"/>
-                  <a:ea typeface="標楷體" panose="03000509000000000000" pitchFamily="65" charset="-120"/>
-                </a:endParaRPr>
-              </a:p>
-            </p:txBody>
-          </p:sp>
-        </mc:Choice>
-        <mc:Fallback xmlns="">
-          <p:sp>
-            <p:nvSpPr>
-              <p:cNvPr id="5" name="文字方塊 4"/>
-              <p:cNvSpPr txBox="1">
-                <a:spLocks noRot="1" noChangeAspect="1" noMove="1" noResize="1" noEditPoints="1" noAdjustHandles="1" noChangeArrowheads="1" noChangeShapeType="1" noTextEdit="1"/>
-              </p:cNvSpPr>
-              <p:nvPr/>
-            </p:nvSpPr>
-            <p:spPr>
-              <a:xfrm>
-                <a:off x="945189" y="4457978"/>
-                <a:ext cx="1761991" cy="440120"/>
-              </a:xfrm>
-              <a:prstGeom prst="rect">
-                <a:avLst/>
-              </a:prstGeom>
-              <a:blipFill>
-                <a:blip r:embed="rId4"/>
-                <a:stretch>
-                  <a:fillRect t="-4167" r="-15917" b="-19444"/>
-                </a:stretch>
-              </a:blipFill>
-            </p:spPr>
-            <p:txBody>
-              <a:bodyPr/>
-              <a:lstStyle/>
-              <a:p>
-                <a:r>
-                  <a:rPr lang="zh-TW" altLang="en-US">
-                    <a:noFill/>
-                  </a:rPr>
-                  <a:t> </a:t>
-                </a:r>
-              </a:p>
-            </p:txBody>
-          </p:sp>
-        </mc:Fallback>
-      </mc:AlternateContent>
-      <mc:AlternateContent xmlns:mc="http://schemas.openxmlformats.org/markup-compatibility/2006" xmlns:a14="http://schemas.microsoft.com/office/drawing/2010/main">
-        <mc:Choice Requires="a14">
-          <p:sp>
-            <p:nvSpPr>
-              <p:cNvPr id="12" name="文字方塊 11"/>
-              <p:cNvSpPr txBox="1"/>
-              <p:nvPr/>
-            </p:nvSpPr>
-            <p:spPr>
-              <a:xfrm>
-                <a:off x="836815" y="1833379"/>
-                <a:ext cx="6825971" cy="490199"/>
-              </a:xfrm>
-              <a:prstGeom prst="rect">
-                <a:avLst/>
-              </a:prstGeom>
-              <a:noFill/>
-            </p:spPr>
-            <p:txBody>
-              <a:bodyPr wrap="none" rtlCol="0">
-                <a:spAutoFit/>
-              </a:bodyPr>
-              <a:lstStyle/>
-              <a:p>
-                <a:r>
-                  <a:rPr lang="zh-TW" altLang="en-US" sz="2400" dirty="0">
-                    <a:latin typeface="標楷體" panose="03000509000000000000" pitchFamily="65" charset="-120"/>
-                    <a:ea typeface="標楷體" panose="03000509000000000000" pitchFamily="65" charset="-120"/>
-                  </a:rPr>
-                  <a:t>接下來我們在</a:t>
-                </a:r>
-                <a14:m>
-                  <m:oMath xmlns:m="http://schemas.openxmlformats.org/officeDocument/2006/math">
-                    <m:sSub>
-                      <m:sSubPr>
-                        <m:ctrlPr>
-                          <a:rPr lang="en-US" altLang="zh-TW" sz="2400" i="1" smtClean="0">
-                            <a:latin typeface="Cambria Math" panose="02040503050406030204" pitchFamily="18" charset="0"/>
-                          </a:rPr>
-                        </m:ctrlPr>
-                      </m:sSubPr>
-                      <m:e>
-                        <m:r>
-                          <a:rPr lang="en-US" altLang="zh-TW" sz="2400" i="1" smtClean="0">
-                            <a:latin typeface="Cambria Math" panose="02040503050406030204" pitchFamily="18" charset="0"/>
-                          </a:rPr>
-                          <m:t>𝑋</m:t>
-                        </m:r>
-                      </m:e>
-                      <m:sub>
-                        <m:r>
-                          <a:rPr lang="en-US" altLang="zh-TW" sz="2400" i="1" smtClean="0">
-                            <a:latin typeface="Cambria Math" panose="02040503050406030204" pitchFamily="18" charset="0"/>
-                          </a:rPr>
-                          <m:t>𝑝</m:t>
-                        </m:r>
-                      </m:sub>
-                    </m:sSub>
-                    <m:r>
-                      <a:rPr lang="en-US" altLang="zh-TW" sz="2400" i="0" smtClean="0">
-                        <a:latin typeface="Cambria Math" panose="02040503050406030204" pitchFamily="18" charset="0"/>
-                      </a:rPr>
-                      <m:t>=0</m:t>
-                    </m:r>
-                  </m:oMath>
-                </a14:m>
-                <a:r>
-                  <a:rPr lang="en-US" altLang="zh-TW" sz="2400" dirty="0">
-                    <a:latin typeface="標楷體" panose="03000509000000000000" pitchFamily="65" charset="-120"/>
-                    <a:ea typeface="標楷體" panose="03000509000000000000" pitchFamily="65" charset="-120"/>
-                  </a:rPr>
-                  <a:t>,</a:t>
-                </a:r>
-                <a:r>
-                  <a:rPr lang="zh-TW" altLang="en-US" sz="2400" dirty="0"/>
-                  <a:t> </a:t>
-                </a:r>
-                <a14:m>
-                  <m:oMath xmlns:m="http://schemas.openxmlformats.org/officeDocument/2006/math">
-                    <m:sSub>
-                      <m:sSubPr>
-                        <m:ctrlPr>
-                          <a:rPr lang="zh-TW" altLang="en-US" sz="2400" i="1" smtClean="0">
-                            <a:latin typeface="Cambria Math" panose="02040503050406030204" pitchFamily="18" charset="0"/>
-                          </a:rPr>
-                        </m:ctrlPr>
-                      </m:sSubPr>
-                      <m:e>
-                        <m:r>
-                          <a:rPr lang="zh-TW" altLang="en-US" sz="2400" i="1" smtClean="0">
-                            <a:latin typeface="Cambria Math" panose="02040503050406030204" pitchFamily="18" charset="0"/>
-                          </a:rPr>
-                          <m:t>𝛼</m:t>
-                        </m:r>
-                      </m:e>
-                      <m:sub>
-                        <m:r>
-                          <a:rPr lang="zh-TW" altLang="en-US" sz="2400" i="0" smtClean="0">
-                            <a:latin typeface="Cambria Math" panose="02040503050406030204" pitchFamily="18" charset="0"/>
-                          </a:rPr>
-                          <m:t>1</m:t>
-                        </m:r>
-                      </m:sub>
-                    </m:sSub>
-                    <m:r>
-                      <a:rPr lang="zh-TW" altLang="en-US" sz="2400" i="0" smtClean="0">
-                        <a:latin typeface="Cambria Math" panose="02040503050406030204" pitchFamily="18" charset="0"/>
-                      </a:rPr>
-                      <m:t>=0</m:t>
-                    </m:r>
-                  </m:oMath>
-                </a14:m>
-                <a:r>
-                  <a:rPr lang="zh-TW" altLang="en-US" sz="2400" dirty="0">
-                    <a:latin typeface="標楷體" panose="03000509000000000000" pitchFamily="65" charset="-120"/>
-                    <a:ea typeface="標楷體" panose="03000509000000000000" pitchFamily="65" charset="-120"/>
-                  </a:rPr>
-                  <a:t>對</a:t>
-                </a:r>
-                <a:r>
-                  <a:rPr lang="en-US" altLang="zh-TW" sz="2400" dirty="0">
-                    <a:latin typeface="標楷體" panose="03000509000000000000" pitchFamily="65" charset="-120"/>
-                    <a:ea typeface="標楷體" panose="03000509000000000000" pitchFamily="65" charset="-120"/>
-                  </a:rPr>
-                  <a:t>6.8</a:t>
-                </a:r>
-                <a:r>
-                  <a:rPr lang="zh-TW" altLang="en-US" sz="2400" dirty="0">
-                    <a:latin typeface="標楷體" panose="03000509000000000000" pitchFamily="65" charset="-120"/>
-                    <a:ea typeface="標楷體" panose="03000509000000000000" pitchFamily="65" charset="-120"/>
-                  </a:rPr>
-                  <a:t>式作線性化。 </a:t>
-                </a:r>
-              </a:p>
-            </p:txBody>
-          </p:sp>
-        </mc:Choice>
-        <mc:Fallback xmlns="">
-          <p:sp>
-            <p:nvSpPr>
-              <p:cNvPr id="12" name="文字方塊 11"/>
-              <p:cNvSpPr txBox="1">
-                <a:spLocks noRot="1" noChangeAspect="1" noMove="1" noResize="1" noEditPoints="1" noAdjustHandles="1" noChangeArrowheads="1" noChangeShapeType="1" noTextEdit="1"/>
-              </p:cNvSpPr>
-              <p:nvPr/>
-            </p:nvSpPr>
-            <p:spPr>
-              <a:xfrm>
-                <a:off x="836815" y="1833379"/>
-                <a:ext cx="6825971" cy="490199"/>
-              </a:xfrm>
-              <a:prstGeom prst="rect">
-                <a:avLst/>
-              </a:prstGeom>
-              <a:blipFill>
-                <a:blip r:embed="rId5"/>
-                <a:stretch>
-                  <a:fillRect l="-1339" t="-10000" b="-22500"/>
-                </a:stretch>
-              </a:blipFill>
-            </p:spPr>
-            <p:txBody>
-              <a:bodyPr/>
-              <a:lstStyle/>
-              <a:p>
-                <a:r>
-                  <a:rPr lang="zh-TW" altLang="en-US">
-                    <a:noFill/>
-                  </a:rPr>
-                  <a:t> </a:t>
-                </a:r>
-              </a:p>
-            </p:txBody>
-          </p:sp>
-        </mc:Fallback>
-      </mc:AlternateContent>
-      <p:pic>
-        <p:nvPicPr>
-          <p:cNvPr id="13" name="圖片 12"/>
-          <p:cNvPicPr>
-            <a:picLocks noChangeAspect="1"/>
-          </p:cNvPicPr>
-          <p:nvPr/>
-        </p:nvPicPr>
-        <p:blipFill>
-          <a:blip r:embed="rId6"/>
-          <a:stretch>
-            <a:fillRect/>
-          </a:stretch>
-        </p:blipFill>
-        <p:spPr>
-          <a:xfrm>
-            <a:off x="836815" y="2401921"/>
-            <a:ext cx="1683424" cy="673369"/>
-          </a:xfrm>
-          <a:prstGeom prst="rect">
-            <a:avLst/>
-          </a:prstGeom>
-        </p:spPr>
-      </p:pic>
-      <p:sp>
-        <p:nvSpPr>
-          <p:cNvPr id="6" name="文字方塊 5"/>
-          <p:cNvSpPr txBox="1"/>
-          <p:nvPr/>
-        </p:nvSpPr>
-        <p:spPr>
-          <a:xfrm>
-            <a:off x="2707942" y="2553939"/>
-            <a:ext cx="825867" cy="400110"/>
-          </a:xfrm>
-          <a:prstGeom prst="rect">
-            <a:avLst/>
-          </a:prstGeom>
-          <a:noFill/>
-        </p:spPr>
-        <p:txBody>
-          <a:bodyPr wrap="none" rtlCol="0">
-            <a:spAutoFit/>
-          </a:bodyPr>
-          <a:lstStyle/>
-          <a:p>
-            <a:r>
-              <a:rPr lang="en-US" altLang="zh-TW" sz="2000" dirty="0">
-                <a:latin typeface="標楷體" panose="03000509000000000000" pitchFamily="65" charset="-120"/>
-                <a:ea typeface="標楷體" panose="03000509000000000000" pitchFamily="65" charset="-120"/>
-              </a:rPr>
-              <a:t>(6.9)</a:t>
-            </a:r>
-            <a:endParaRPr lang="zh-TW" altLang="en-US" sz="2000" dirty="0">
-              <a:latin typeface="標楷體" panose="03000509000000000000" pitchFamily="65" charset="-120"/>
-              <a:ea typeface="標楷體" panose="03000509000000000000" pitchFamily="65" charset="-120"/>
-            </a:endParaRPr>
-          </a:p>
-        </p:txBody>
-      </p:sp>
-      <p:grpSp>
-        <p:nvGrpSpPr>
-          <p:cNvPr id="10" name="群組 9"/>
-          <p:cNvGrpSpPr/>
-          <p:nvPr/>
-        </p:nvGrpSpPr>
-        <p:grpSpPr>
-          <a:xfrm>
-            <a:off x="7662786" y="6105677"/>
-            <a:ext cx="4377730" cy="646331"/>
-            <a:chOff x="793422" y="5945045"/>
-            <a:chExt cx="4377730" cy="646331"/>
-          </a:xfrm>
-        </p:grpSpPr>
-        <p:pic>
-          <p:nvPicPr>
-            <p:cNvPr id="14" name="圖片 13"/>
-            <p:cNvPicPr>
-              <a:picLocks noChangeAspect="1"/>
-            </p:cNvPicPr>
-            <p:nvPr/>
-          </p:nvPicPr>
-          <p:blipFill>
-            <a:blip r:embed="rId7" cstate="print">
-              <a:extLst>
-                <a:ext uri="{28A0092B-C50C-407E-A947-70E740481C1C}">
-                  <a14:useLocalDpi xmlns:a14="http://schemas.microsoft.com/office/drawing/2010/main" val="0"/>
-                </a:ext>
-              </a:extLst>
-            </a:blip>
-            <a:stretch>
-              <a:fillRect/>
-            </a:stretch>
-          </p:blipFill>
-          <p:spPr>
-            <a:xfrm>
-              <a:off x="793422" y="6031991"/>
-              <a:ext cx="730578" cy="472440"/>
-            </a:xfrm>
-            <a:prstGeom prst="rect">
-              <a:avLst/>
-            </a:prstGeom>
-          </p:spPr>
-        </p:pic>
-        <p:sp>
-          <p:nvSpPr>
-            <p:cNvPr id="15" name="文字方塊 14"/>
-            <p:cNvSpPr txBox="1"/>
-            <p:nvPr/>
-          </p:nvSpPr>
-          <p:spPr>
-            <a:xfrm>
-              <a:off x="1524000" y="5945045"/>
-              <a:ext cx="3647152" cy="646331"/>
-            </a:xfrm>
-            <a:prstGeom prst="rect">
-              <a:avLst/>
-            </a:prstGeom>
-            <a:noFill/>
-          </p:spPr>
-          <p:txBody>
-            <a:bodyPr wrap="none" rtlCol="0">
-              <a:spAutoFit/>
-            </a:bodyPr>
-            <a:lstStyle/>
-            <a:p>
-              <a:r>
-                <a:rPr lang="zh-TW" altLang="en-US" dirty="0">
-                  <a:latin typeface="標楷體" panose="03000509000000000000" pitchFamily="65" charset="-120"/>
-                  <a:ea typeface="標楷體" panose="03000509000000000000" pitchFamily="65" charset="-120"/>
-                </a:rPr>
-                <a:t>國立虎尾科技大學</a:t>
-              </a:r>
-              <a:endParaRPr lang="en-US" altLang="zh-TW" dirty="0">
-                <a:latin typeface="標楷體" panose="03000509000000000000" pitchFamily="65" charset="-120"/>
-                <a:ea typeface="標楷體" panose="03000509000000000000" pitchFamily="65" charset="-120"/>
-              </a:endParaRPr>
-            </a:p>
-            <a:p>
-              <a:r>
-                <a:rPr lang="zh-TW" altLang="en-US" dirty="0">
-                  <a:latin typeface="標楷體" panose="03000509000000000000" pitchFamily="65" charset="-120"/>
-                  <a:ea typeface="標楷體" panose="03000509000000000000" pitchFamily="65" charset="-120"/>
-                </a:rPr>
-                <a:t>機械設計工程系暨精密機械工程科</a:t>
-              </a:r>
-            </a:p>
-          </p:txBody>
-        </p:sp>
-      </p:grpSp>
-    </p:spTree>
-    <p:extLst>
-      <p:ext uri="{BB962C8B-B14F-4D97-AF65-F5344CB8AC3E}">
-        <p14:creationId xmlns:p14="http://schemas.microsoft.com/office/powerpoint/2010/main" val="3285563280"/>
-      </p:ext>
-    </p:extLst>
-  </p:cSld>
-  <p:clrMapOvr>
-    <a:masterClrMapping/>
-  </p:clrMapOvr>
-</p:sld>
-</file>
-
-<file path=ppt/slides/slide15.xml><?xml version="1.0" encoding="utf-8"?>
-<p:sld xmlns:a="http://schemas.openxmlformats.org/drawingml/2006/main" xmlns:r="http://schemas.openxmlformats.org/officeDocument/2006/relationships" xmlns:p="http://schemas.openxmlformats.org/presentationml/2006/main">
-  <p:cSld>
-    <p:spTree>
-      <p:nvGrpSpPr>
-        <p:cNvPr id="1" name=""/>
-        <p:cNvGrpSpPr/>
-        <p:nvPr/>
-      </p:nvGrpSpPr>
-      <p:grpSpPr>
-        <a:xfrm>
-          <a:off x="0" y="0"/>
-          <a:ext cx="0" cy="0"/>
-          <a:chOff x="0" y="0"/>
-          <a:chExt cx="0" cy="0"/>
-        </a:xfrm>
-      </p:grpSpPr>
-      <p:sp>
-        <p:nvSpPr>
-          <p:cNvPr id="2" name="標題 1">
-            <a:extLst>
-              <a:ext uri="{FF2B5EF4-FFF2-40B4-BE49-F238E27FC236}">
-                <a16:creationId xmlns:a16="http://schemas.microsoft.com/office/drawing/2014/main" id="{BA46B84B-3164-467D-B0A5-4DED2127C172}"/>
-              </a:ext>
-            </a:extLst>
-          </p:cNvPr>
-          <p:cNvSpPr>
-            <a:spLocks noGrp="1"/>
-          </p:cNvSpPr>
-          <p:nvPr>
-            <p:ph type="title"/>
-          </p:nvPr>
-        </p:nvSpPr>
-        <p:spPr/>
-        <p:txBody>
-          <a:bodyPr/>
-          <a:lstStyle/>
-          <a:p>
-            <a:r>
-              <a:rPr lang="zh-TW" altLang="en-US" b="1" dirty="0">
-                <a:latin typeface="標楷體" panose="03000509000000000000" pitchFamily="65" charset="-120"/>
-                <a:ea typeface="標楷體" panose="03000509000000000000" pitchFamily="65" charset="-120"/>
-              </a:rPr>
-              <a:t>案例研究：鋼球平衡台的設計</a:t>
-            </a:r>
-          </a:p>
-        </p:txBody>
-      </p:sp>
-      <p:sp>
-        <p:nvSpPr>
-          <p:cNvPr id="3" name="內容版面配置區 2">
-            <a:extLst>
-              <a:ext uri="{FF2B5EF4-FFF2-40B4-BE49-F238E27FC236}">
-                <a16:creationId xmlns:a16="http://schemas.microsoft.com/office/drawing/2014/main" id="{E702452B-1EE4-4CC9-9E76-FE0BF691C245}"/>
-              </a:ext>
-            </a:extLst>
-          </p:cNvPr>
-          <p:cNvSpPr>
-            <a:spLocks noGrp="1"/>
-          </p:cNvSpPr>
-          <p:nvPr>
-            <p:ph idx="1"/>
-          </p:nvPr>
-        </p:nvSpPr>
-        <p:spPr/>
-        <p:txBody>
-          <a:bodyPr/>
-          <a:lstStyle/>
-          <a:p>
-            <a:pPr marL="0" indent="0">
-              <a:buNone/>
-            </a:pPr>
-            <a:r>
-              <a:rPr lang="zh-TW" altLang="en-US" dirty="0">
-                <a:latin typeface="標楷體" panose="03000509000000000000" pitchFamily="65" charset="-120"/>
-                <a:ea typeface="標楷體" panose="03000509000000000000" pitchFamily="65" charset="-120"/>
-              </a:rPr>
-              <a:t>在推導運動運動方程式後我們得到了平台角度和球的關係式，接 下來我們利用 </a:t>
-            </a:r>
-            <a:r>
-              <a:rPr lang="en-US" altLang="zh-TW" dirty="0" err="1">
-                <a:latin typeface="Times New Roman" panose="02020603050405020304" pitchFamily="18" charset="0"/>
-                <a:ea typeface="標楷體" panose="03000509000000000000" pitchFamily="65" charset="-120"/>
-                <a:cs typeface="Times New Roman" panose="02020603050405020304" pitchFamily="18" charset="0"/>
-              </a:rPr>
-              <a:t>GeoGebra</a:t>
-            </a:r>
-            <a:r>
-              <a:rPr lang="en-US" altLang="zh-TW" dirty="0">
-                <a:latin typeface="標楷體" panose="03000509000000000000" pitchFamily="65" charset="-120"/>
-                <a:ea typeface="標楷體" panose="03000509000000000000" pitchFamily="65" charset="-120"/>
-              </a:rPr>
-              <a:t> </a:t>
-            </a:r>
-            <a:r>
-              <a:rPr lang="zh-TW" altLang="en-US" dirty="0">
-                <a:latin typeface="標楷體" panose="03000509000000000000" pitchFamily="65" charset="-120"/>
-                <a:ea typeface="標楷體" panose="03000509000000000000" pitchFamily="65" charset="-120"/>
-              </a:rPr>
-              <a:t>進行模擬得到馬達轉角和平台角度的關係圖 </a:t>
-            </a:r>
-            <a:r>
-              <a:rPr lang="en-US" altLang="zh-TW" dirty="0">
-                <a:latin typeface="標楷體" panose="03000509000000000000" pitchFamily="65" charset="-120"/>
-                <a:ea typeface="標楷體" panose="03000509000000000000" pitchFamily="65" charset="-120"/>
-              </a:rPr>
-              <a:t>(</a:t>
-            </a:r>
-            <a:r>
-              <a:rPr lang="zh-TW" altLang="en-US" dirty="0">
-                <a:latin typeface="標楷體" panose="03000509000000000000" pitchFamily="65" charset="-120"/>
-                <a:ea typeface="標楷體" panose="03000509000000000000" pitchFamily="65" charset="-120"/>
-              </a:rPr>
-              <a:t>圖</a:t>
-            </a:r>
-            <a:r>
-              <a:rPr lang="en-US" altLang="zh-TW" dirty="0">
-                <a:latin typeface="標楷體" panose="03000509000000000000" pitchFamily="65" charset="-120"/>
-                <a:ea typeface="標楷體" panose="03000509000000000000" pitchFamily="65" charset="-120"/>
-              </a:rPr>
-              <a:t>6.2)</a:t>
-            </a:r>
-            <a:r>
-              <a:rPr lang="zh-TW" altLang="en-US" dirty="0">
-                <a:latin typeface="標楷體" panose="03000509000000000000" pitchFamily="65" charset="-120"/>
-                <a:ea typeface="標楷體" panose="03000509000000000000" pitchFamily="65" charset="-120"/>
-              </a:rPr>
-              <a:t>。</a:t>
-            </a:r>
-          </a:p>
-        </p:txBody>
-      </p:sp>
-      <p:pic>
-        <p:nvPicPr>
-          <p:cNvPr id="4" name="圖片 3"/>
-          <p:cNvPicPr>
-            <a:picLocks noChangeAspect="1"/>
-          </p:cNvPicPr>
-          <p:nvPr/>
-        </p:nvPicPr>
-        <p:blipFill>
-          <a:blip r:embed="rId2">
-            <a:extLst>
-              <a:ext uri="{28A0092B-C50C-407E-A947-70E740481C1C}">
-                <a14:useLocalDpi xmlns:a14="http://schemas.microsoft.com/office/drawing/2010/main" val="0"/>
-              </a:ext>
-            </a:extLst>
-          </a:blip>
-          <a:stretch>
-            <a:fillRect/>
-          </a:stretch>
-        </p:blipFill>
-        <p:spPr>
-          <a:xfrm>
-            <a:off x="5551518" y="3060283"/>
-            <a:ext cx="4713316" cy="3116680"/>
-          </a:xfrm>
-          <a:prstGeom prst="rect">
-            <a:avLst/>
-          </a:prstGeom>
-        </p:spPr>
-      </p:pic>
-      <p:sp>
-        <p:nvSpPr>
-          <p:cNvPr id="5" name="文字方塊 4"/>
-          <p:cNvSpPr txBox="1"/>
-          <p:nvPr/>
-        </p:nvSpPr>
-        <p:spPr>
-          <a:xfrm>
-            <a:off x="5922127" y="6311900"/>
-            <a:ext cx="3972098" cy="369332"/>
-          </a:xfrm>
-          <a:prstGeom prst="rect">
-            <a:avLst/>
-          </a:prstGeom>
-          <a:noFill/>
-        </p:spPr>
-        <p:txBody>
-          <a:bodyPr wrap="square" rtlCol="0">
-            <a:spAutoFit/>
-          </a:bodyPr>
-          <a:lstStyle/>
-          <a:p>
-            <a:r>
-              <a:rPr lang="zh-TW" altLang="en-US" dirty="0">
-                <a:latin typeface="標楷體" panose="03000509000000000000" pitchFamily="65" charset="-120"/>
-                <a:ea typeface="標楷體" panose="03000509000000000000" pitchFamily="65" charset="-120"/>
-              </a:rPr>
-              <a:t>圖</a:t>
-            </a:r>
-            <a:r>
-              <a:rPr lang="en-US" altLang="zh-TW" dirty="0">
-                <a:latin typeface="標楷體" panose="03000509000000000000" pitchFamily="65" charset="-120"/>
-                <a:ea typeface="標楷體" panose="03000509000000000000" pitchFamily="65" charset="-120"/>
-              </a:rPr>
-              <a:t>6.2</a:t>
-            </a:r>
-            <a:r>
-              <a:rPr lang="zh-TW" altLang="en-US" dirty="0">
-                <a:latin typeface="標楷體" panose="03000509000000000000" pitchFamily="65" charset="-120"/>
-                <a:ea typeface="標楷體" panose="03000509000000000000" pitchFamily="65" charset="-120"/>
-              </a:rPr>
-              <a:t>：馬達轉角和平台角度的關係圖</a:t>
-            </a:r>
-            <a:endParaRPr lang="zh-TW" altLang="en-US" dirty="0"/>
-          </a:p>
-        </p:txBody>
-      </p:sp>
-      <p:grpSp>
-        <p:nvGrpSpPr>
-          <p:cNvPr id="6" name="群組 5"/>
-          <p:cNvGrpSpPr/>
-          <p:nvPr/>
-        </p:nvGrpSpPr>
-        <p:grpSpPr>
-          <a:xfrm>
-            <a:off x="728583" y="6083025"/>
-            <a:ext cx="4377730" cy="646331"/>
-            <a:chOff x="793422" y="5945045"/>
-            <a:chExt cx="4377730" cy="646331"/>
-          </a:xfrm>
-        </p:grpSpPr>
-        <p:pic>
-          <p:nvPicPr>
-            <p:cNvPr id="7" name="圖片 6"/>
-            <p:cNvPicPr>
-              <a:picLocks noChangeAspect="1"/>
-            </p:cNvPicPr>
-            <p:nvPr/>
-          </p:nvPicPr>
-          <p:blipFill>
-            <a:blip r:embed="rId3" cstate="print">
-              <a:extLst>
-                <a:ext uri="{28A0092B-C50C-407E-A947-70E740481C1C}">
-                  <a14:useLocalDpi xmlns:a14="http://schemas.microsoft.com/office/drawing/2010/main" val="0"/>
-                </a:ext>
-              </a:extLst>
-            </a:blip>
-            <a:stretch>
-              <a:fillRect/>
-            </a:stretch>
-          </p:blipFill>
-          <p:spPr>
-            <a:xfrm>
-              <a:off x="793422" y="6031991"/>
-              <a:ext cx="730578" cy="472440"/>
-            </a:xfrm>
-            <a:prstGeom prst="rect">
-              <a:avLst/>
-            </a:prstGeom>
-          </p:spPr>
-        </p:pic>
-        <p:sp>
-          <p:nvSpPr>
-            <p:cNvPr id="8" name="文字方塊 7"/>
-            <p:cNvSpPr txBox="1"/>
-            <p:nvPr/>
-          </p:nvSpPr>
-          <p:spPr>
-            <a:xfrm>
-              <a:off x="1524000" y="5945045"/>
-              <a:ext cx="3647152" cy="646331"/>
-            </a:xfrm>
-            <a:prstGeom prst="rect">
-              <a:avLst/>
-            </a:prstGeom>
-            <a:noFill/>
-          </p:spPr>
-          <p:txBody>
-            <a:bodyPr wrap="none" rtlCol="0">
-              <a:spAutoFit/>
-            </a:bodyPr>
-            <a:lstStyle/>
-            <a:p>
-              <a:r>
-                <a:rPr lang="zh-TW" altLang="en-US" dirty="0">
-                  <a:latin typeface="標楷體" panose="03000509000000000000" pitchFamily="65" charset="-120"/>
-                  <a:ea typeface="標楷體" panose="03000509000000000000" pitchFamily="65" charset="-120"/>
-                </a:rPr>
-                <a:t>國立虎尾科技大學</a:t>
-              </a:r>
-              <a:endParaRPr lang="en-US" altLang="zh-TW" dirty="0">
-                <a:latin typeface="標楷體" panose="03000509000000000000" pitchFamily="65" charset="-120"/>
-                <a:ea typeface="標楷體" panose="03000509000000000000" pitchFamily="65" charset="-120"/>
-              </a:endParaRPr>
-            </a:p>
-            <a:p>
-              <a:r>
-                <a:rPr lang="zh-TW" altLang="en-US" dirty="0">
-                  <a:latin typeface="標楷體" panose="03000509000000000000" pitchFamily="65" charset="-120"/>
-                  <a:ea typeface="標楷體" panose="03000509000000000000" pitchFamily="65" charset="-120"/>
-                </a:rPr>
-                <a:t>機械設計工程系暨精密機械工程科</a:t>
-              </a:r>
-            </a:p>
-          </p:txBody>
-        </p:sp>
-      </p:grpSp>
-    </p:spTree>
-    <p:extLst>
-      <p:ext uri="{BB962C8B-B14F-4D97-AF65-F5344CB8AC3E}">
-        <p14:creationId xmlns:p14="http://schemas.microsoft.com/office/powerpoint/2010/main" val="4109478560"/>
-      </p:ext>
-    </p:extLst>
-  </p:cSld>
-  <p:clrMapOvr>
-    <a:masterClrMapping/>
-  </p:clrMapOvr>
-</p:sld>
-</file>
-
-<file path=ppt/slides/slide16.xml><?xml version="1.0" encoding="utf-8"?>
-<p:sld xmlns:a="http://schemas.openxmlformats.org/drawingml/2006/main" xmlns:r="http://schemas.openxmlformats.org/officeDocument/2006/relationships" xmlns:p="http://schemas.openxmlformats.org/presentationml/2006/main">
-  <p:cSld>
-    <p:spTree>
-      <p:nvGrpSpPr>
-        <p:cNvPr id="1" name=""/>
-        <p:cNvGrpSpPr/>
-        <p:nvPr/>
-      </p:nvGrpSpPr>
-      <p:grpSpPr>
-        <a:xfrm>
-          <a:off x="0" y="0"/>
-          <a:ext cx="0" cy="0"/>
-          <a:chOff x="0" y="0"/>
-          <a:chExt cx="0" cy="0"/>
-        </a:xfrm>
-      </p:grpSpPr>
-      <p:sp>
-        <p:nvSpPr>
-          <p:cNvPr id="2" name="標題 1">
-            <a:extLst>
-              <a:ext uri="{FF2B5EF4-FFF2-40B4-BE49-F238E27FC236}">
-                <a16:creationId xmlns:a16="http://schemas.microsoft.com/office/drawing/2014/main" id="{BA46B84B-3164-467D-B0A5-4DED2127C172}"/>
-              </a:ext>
-            </a:extLst>
-          </p:cNvPr>
-          <p:cNvSpPr>
-            <a:spLocks noGrp="1"/>
-          </p:cNvSpPr>
-          <p:nvPr>
-            <p:ph type="title"/>
-          </p:nvPr>
-        </p:nvSpPr>
-        <p:spPr/>
-        <p:txBody>
-          <a:bodyPr/>
-          <a:lstStyle/>
-          <a:p>
-            <a:r>
-              <a:rPr lang="zh-TW" altLang="en-US" b="1" dirty="0">
-                <a:latin typeface="標楷體" panose="03000509000000000000" pitchFamily="65" charset="-120"/>
-                <a:ea typeface="標楷體" panose="03000509000000000000" pitchFamily="65" charset="-120"/>
-              </a:rPr>
-              <a:t>案例研究：鋼球平衡台的設計</a:t>
-            </a:r>
-          </a:p>
-        </p:txBody>
-      </p:sp>
-      <p:sp>
-        <p:nvSpPr>
-          <p:cNvPr id="3" name="內容版面配置區 2">
-            <a:extLst>
-              <a:ext uri="{FF2B5EF4-FFF2-40B4-BE49-F238E27FC236}">
-                <a16:creationId xmlns:a16="http://schemas.microsoft.com/office/drawing/2014/main" id="{E702452B-1EE4-4CC9-9E76-FE0BF691C245}"/>
-              </a:ext>
-            </a:extLst>
-          </p:cNvPr>
-          <p:cNvSpPr>
-            <a:spLocks noGrp="1"/>
-          </p:cNvSpPr>
-          <p:nvPr>
-            <p:ph idx="1"/>
-          </p:nvPr>
-        </p:nvSpPr>
-        <p:spPr>
-          <a:xfrm>
-            <a:off x="838200" y="1825625"/>
-            <a:ext cx="10515600" cy="1408026"/>
-          </a:xfrm>
-        </p:spPr>
-        <p:txBody>
-          <a:bodyPr/>
-          <a:lstStyle/>
-          <a:p>
-            <a:pPr marL="0" indent="0">
-              <a:buNone/>
-            </a:pPr>
-            <a:r>
-              <a:rPr lang="zh-TW" altLang="en-US" dirty="0">
-                <a:latin typeface="標楷體" panose="03000509000000000000" pitchFamily="65" charset="-120"/>
-                <a:ea typeface="標楷體" panose="03000509000000000000" pitchFamily="65" charset="-120"/>
-              </a:rPr>
-              <a:t>由 </a:t>
-            </a:r>
-            <a:r>
-              <a:rPr lang="en-US" altLang="zh-TW" dirty="0">
-                <a:latin typeface="標楷體" panose="03000509000000000000" pitchFamily="65" charset="-120"/>
-                <a:ea typeface="標楷體" panose="03000509000000000000" pitchFamily="65" charset="-120"/>
-              </a:rPr>
-              <a:t>(</a:t>
-            </a:r>
-            <a:r>
-              <a:rPr lang="zh-TW" altLang="en-US" dirty="0">
-                <a:latin typeface="標楷體" panose="03000509000000000000" pitchFamily="65" charset="-120"/>
-                <a:ea typeface="標楷體" panose="03000509000000000000" pitchFamily="65" charset="-120"/>
-              </a:rPr>
-              <a:t>圖</a:t>
-            </a:r>
-            <a:r>
-              <a:rPr lang="en-US" altLang="zh-TW" dirty="0">
-                <a:latin typeface="標楷體" panose="03000509000000000000" pitchFamily="65" charset="-120"/>
-                <a:ea typeface="標楷體" panose="03000509000000000000" pitchFamily="65" charset="-120"/>
-              </a:rPr>
-              <a:t>6.2) </a:t>
-            </a:r>
-            <a:r>
-              <a:rPr lang="zh-TW" altLang="en-US" dirty="0">
-                <a:latin typeface="標楷體" panose="03000509000000000000" pitchFamily="65" charset="-120"/>
-                <a:ea typeface="標楷體" panose="03000509000000000000" pitchFamily="65" charset="-120"/>
-              </a:rPr>
-              <a:t>可觀察到，超過正</a:t>
-            </a:r>
-            <a:r>
-              <a:rPr lang="en-US" altLang="zh-TW" dirty="0">
-                <a:latin typeface="標楷體" panose="03000509000000000000" pitchFamily="65" charset="-120"/>
-                <a:ea typeface="標楷體" panose="03000509000000000000" pitchFamily="65" charset="-120"/>
-              </a:rPr>
-              <a:t>70</a:t>
-            </a:r>
-            <a:r>
-              <a:rPr lang="zh-TW" altLang="en-US" dirty="0">
-                <a:latin typeface="標楷體" panose="03000509000000000000" pitchFamily="65" charset="-120"/>
-                <a:ea typeface="標楷體" panose="03000509000000000000" pitchFamily="65" charset="-120"/>
-              </a:rPr>
-              <a:t>度的部分由於桿件設計反而造成平台角度下降，故將該段行程捨棄，利用</a:t>
-            </a:r>
-            <a:r>
-              <a:rPr lang="en-US" altLang="zh-TW" dirty="0">
-                <a:latin typeface="標楷體" panose="03000509000000000000" pitchFamily="65" charset="-120"/>
-                <a:ea typeface="標楷體" panose="03000509000000000000" pitchFamily="65" charset="-120"/>
-              </a:rPr>
-              <a:t>python</a:t>
-            </a:r>
-            <a:r>
-              <a:rPr lang="zh-TW" altLang="en-US" dirty="0">
-                <a:latin typeface="標楷體" panose="03000509000000000000" pitchFamily="65" charset="-120"/>
-                <a:ea typeface="標楷體" panose="03000509000000000000" pitchFamily="65" charset="-120"/>
-              </a:rPr>
-              <a:t>生成擬合曲線 </a:t>
-            </a:r>
-            <a:r>
-              <a:rPr lang="en-US" altLang="zh-TW" dirty="0">
-                <a:latin typeface="標楷體" panose="03000509000000000000" pitchFamily="65" charset="-120"/>
-                <a:ea typeface="標楷體" panose="03000509000000000000" pitchFamily="65" charset="-120"/>
-              </a:rPr>
-              <a:t>(</a:t>
-            </a:r>
-            <a:r>
-              <a:rPr lang="zh-TW" altLang="en-US" dirty="0">
-                <a:latin typeface="標楷體" panose="03000509000000000000" pitchFamily="65" charset="-120"/>
-                <a:ea typeface="標楷體" panose="03000509000000000000" pitchFamily="65" charset="-120"/>
-              </a:rPr>
-              <a:t>圖</a:t>
-            </a:r>
-            <a:r>
-              <a:rPr lang="en-US" altLang="zh-TW" dirty="0">
-                <a:latin typeface="標楷體" panose="03000509000000000000" pitchFamily="65" charset="-120"/>
-                <a:ea typeface="標楷體" panose="03000509000000000000" pitchFamily="65" charset="-120"/>
-              </a:rPr>
-              <a:t>6.3)</a:t>
-            </a:r>
-            <a:r>
-              <a:rPr lang="zh-TW" altLang="en-US" dirty="0">
-                <a:latin typeface="標楷體" panose="03000509000000000000" pitchFamily="65" charset="-120"/>
-                <a:ea typeface="標楷體" panose="03000509000000000000" pitchFamily="65" charset="-120"/>
-              </a:rPr>
-              <a:t>，得到馬達轉角和平台的關係式</a:t>
-            </a:r>
-            <a:r>
-              <a:rPr lang="en-US" altLang="zh-TW" dirty="0">
-                <a:latin typeface="標楷體" panose="03000509000000000000" pitchFamily="65" charset="-120"/>
-                <a:ea typeface="標楷體" panose="03000509000000000000" pitchFamily="65" charset="-120"/>
-              </a:rPr>
-              <a:t>6.12</a:t>
-            </a:r>
-            <a:r>
-              <a:rPr lang="zh-TW" altLang="en-US" dirty="0">
-                <a:latin typeface="標楷體" panose="03000509000000000000" pitchFamily="65" charset="-120"/>
-                <a:ea typeface="標楷體" panose="03000509000000000000" pitchFamily="65" charset="-120"/>
-              </a:rPr>
-              <a:t>。</a:t>
-            </a:r>
-          </a:p>
-        </p:txBody>
-      </p:sp>
-      <p:sp>
-        <p:nvSpPr>
-          <p:cNvPr id="5" name="文字方塊 4"/>
-          <p:cNvSpPr txBox="1"/>
-          <p:nvPr/>
-        </p:nvSpPr>
-        <p:spPr>
-          <a:xfrm>
-            <a:off x="4663760" y="3414864"/>
-            <a:ext cx="877685" cy="369332"/>
-          </a:xfrm>
-          <a:prstGeom prst="rect">
-            <a:avLst/>
-          </a:prstGeom>
-          <a:noFill/>
-        </p:spPr>
-        <p:txBody>
-          <a:bodyPr wrap="square" rtlCol="0">
-            <a:spAutoFit/>
-          </a:bodyPr>
-          <a:lstStyle/>
-          <a:p>
-            <a:r>
-              <a:rPr lang="en-US" altLang="zh-TW" dirty="0">
-                <a:latin typeface="標楷體" panose="03000509000000000000" pitchFamily="65" charset="-120"/>
-                <a:ea typeface="標楷體" panose="03000509000000000000" pitchFamily="65" charset="-120"/>
-              </a:rPr>
-              <a:t>(6.12)</a:t>
-            </a:r>
-            <a:endParaRPr lang="zh-TW" altLang="en-US" dirty="0"/>
-          </a:p>
-        </p:txBody>
-      </p:sp>
-      <p:pic>
-        <p:nvPicPr>
-          <p:cNvPr id="6" name="圖片 5"/>
-          <p:cNvPicPr>
-            <a:picLocks noChangeAspect="1"/>
-          </p:cNvPicPr>
-          <p:nvPr/>
-        </p:nvPicPr>
-        <p:blipFill>
-          <a:blip r:embed="rId2"/>
-          <a:stretch>
-            <a:fillRect/>
-          </a:stretch>
-        </p:blipFill>
-        <p:spPr>
-          <a:xfrm>
-            <a:off x="838200" y="3366895"/>
-            <a:ext cx="3825560" cy="465271"/>
-          </a:xfrm>
-          <a:prstGeom prst="rect">
-            <a:avLst/>
-          </a:prstGeom>
-        </p:spPr>
-      </p:pic>
-      <p:pic>
-        <p:nvPicPr>
-          <p:cNvPr id="9" name="圖片 8"/>
-          <p:cNvPicPr>
-            <a:picLocks noChangeAspect="1"/>
-          </p:cNvPicPr>
-          <p:nvPr/>
-        </p:nvPicPr>
-        <p:blipFill>
-          <a:blip r:embed="rId3">
-            <a:extLst>
-              <a:ext uri="{28A0092B-C50C-407E-A947-70E740481C1C}">
-                <a14:useLocalDpi xmlns:a14="http://schemas.microsoft.com/office/drawing/2010/main" val="0"/>
-              </a:ext>
-            </a:extLst>
-          </a:blip>
-          <a:stretch>
-            <a:fillRect/>
-          </a:stretch>
-        </p:blipFill>
-        <p:spPr>
-          <a:xfrm>
-            <a:off x="6010103" y="3366895"/>
-            <a:ext cx="5343698" cy="2758684"/>
-          </a:xfrm>
-          <a:prstGeom prst="rect">
-            <a:avLst/>
-          </a:prstGeom>
-        </p:spPr>
-      </p:pic>
-      <p:sp>
-        <p:nvSpPr>
-          <p:cNvPr id="4" name="文字方塊 3"/>
-          <p:cNvSpPr txBox="1"/>
-          <p:nvPr/>
-        </p:nvSpPr>
-        <p:spPr>
-          <a:xfrm>
-            <a:off x="7723997" y="6125579"/>
-            <a:ext cx="1915909" cy="369332"/>
-          </a:xfrm>
-          <a:prstGeom prst="rect">
-            <a:avLst/>
-          </a:prstGeom>
-          <a:noFill/>
-        </p:spPr>
-        <p:txBody>
-          <a:bodyPr wrap="none" rtlCol="0">
-            <a:spAutoFit/>
-          </a:bodyPr>
-          <a:lstStyle/>
-          <a:p>
-            <a:r>
-              <a:rPr lang="zh-TW" altLang="en-US" dirty="0">
-                <a:latin typeface="標楷體" panose="03000509000000000000" pitchFamily="65" charset="-120"/>
-                <a:ea typeface="標楷體" panose="03000509000000000000" pitchFamily="65" charset="-120"/>
-              </a:rPr>
-              <a:t>圖</a:t>
-            </a:r>
-            <a:r>
-              <a:rPr lang="en-US" altLang="zh-TW" dirty="0">
-                <a:latin typeface="標楷體" panose="03000509000000000000" pitchFamily="65" charset="-120"/>
-                <a:ea typeface="標楷體" panose="03000509000000000000" pitchFamily="65" charset="-120"/>
-              </a:rPr>
-              <a:t>6.3</a:t>
-            </a:r>
-            <a:r>
-              <a:rPr lang="zh-TW" altLang="en-US" dirty="0">
-                <a:latin typeface="標楷體" panose="03000509000000000000" pitchFamily="65" charset="-120"/>
-                <a:ea typeface="標楷體" panose="03000509000000000000" pitchFamily="65" charset="-120"/>
-              </a:rPr>
-              <a:t>：擬合曲線</a:t>
-            </a:r>
-          </a:p>
-        </p:txBody>
-      </p:sp>
-      <p:grpSp>
-        <p:nvGrpSpPr>
-          <p:cNvPr id="8" name="群組 7"/>
-          <p:cNvGrpSpPr/>
-          <p:nvPr/>
-        </p:nvGrpSpPr>
-        <p:grpSpPr>
-          <a:xfrm>
-            <a:off x="728583" y="6083025"/>
-            <a:ext cx="4377730" cy="646331"/>
-            <a:chOff x="793422" y="5945045"/>
-            <a:chExt cx="4377730" cy="646331"/>
-          </a:xfrm>
-        </p:grpSpPr>
-        <p:pic>
-          <p:nvPicPr>
-            <p:cNvPr id="10" name="圖片 9"/>
-            <p:cNvPicPr>
-              <a:picLocks noChangeAspect="1"/>
-            </p:cNvPicPr>
-            <p:nvPr/>
-          </p:nvPicPr>
-          <p:blipFill>
-            <a:blip r:embed="rId4" cstate="print">
-              <a:extLst>
-                <a:ext uri="{28A0092B-C50C-407E-A947-70E740481C1C}">
-                  <a14:useLocalDpi xmlns:a14="http://schemas.microsoft.com/office/drawing/2010/main" val="0"/>
-                </a:ext>
-              </a:extLst>
-            </a:blip>
-            <a:stretch>
-              <a:fillRect/>
-            </a:stretch>
-          </p:blipFill>
-          <p:spPr>
-            <a:xfrm>
-              <a:off x="793422" y="6031991"/>
-              <a:ext cx="730578" cy="472440"/>
-            </a:xfrm>
-            <a:prstGeom prst="rect">
-              <a:avLst/>
-            </a:prstGeom>
-          </p:spPr>
-        </p:pic>
-        <p:sp>
-          <p:nvSpPr>
-            <p:cNvPr id="11" name="文字方塊 10"/>
-            <p:cNvSpPr txBox="1"/>
-            <p:nvPr/>
-          </p:nvSpPr>
-          <p:spPr>
-            <a:xfrm>
-              <a:off x="1524000" y="5945045"/>
-              <a:ext cx="3647152" cy="646331"/>
-            </a:xfrm>
-            <a:prstGeom prst="rect">
-              <a:avLst/>
-            </a:prstGeom>
-            <a:noFill/>
-          </p:spPr>
-          <p:txBody>
-            <a:bodyPr wrap="none" rtlCol="0">
-              <a:spAutoFit/>
-            </a:bodyPr>
-            <a:lstStyle/>
-            <a:p>
-              <a:r>
-                <a:rPr lang="zh-TW" altLang="en-US" dirty="0">
-                  <a:latin typeface="標楷體" panose="03000509000000000000" pitchFamily="65" charset="-120"/>
-                  <a:ea typeface="標楷體" panose="03000509000000000000" pitchFamily="65" charset="-120"/>
-                </a:rPr>
-                <a:t>國立虎尾科技大學</a:t>
-              </a:r>
-              <a:endParaRPr lang="en-US" altLang="zh-TW" dirty="0">
-                <a:latin typeface="標楷體" panose="03000509000000000000" pitchFamily="65" charset="-120"/>
-                <a:ea typeface="標楷體" panose="03000509000000000000" pitchFamily="65" charset="-120"/>
-              </a:endParaRPr>
-            </a:p>
-            <a:p>
-              <a:r>
-                <a:rPr lang="zh-TW" altLang="en-US" dirty="0">
-                  <a:latin typeface="標楷體" panose="03000509000000000000" pitchFamily="65" charset="-120"/>
-                  <a:ea typeface="標楷體" panose="03000509000000000000" pitchFamily="65" charset="-120"/>
-                </a:rPr>
-                <a:t>機械設計工程系暨精密機械工程科</a:t>
-              </a:r>
-            </a:p>
-          </p:txBody>
-        </p:sp>
-      </p:grpSp>
-    </p:spTree>
-    <p:extLst>
-      <p:ext uri="{BB962C8B-B14F-4D97-AF65-F5344CB8AC3E}">
-        <p14:creationId xmlns:p14="http://schemas.microsoft.com/office/powerpoint/2010/main" val="1412922783"/>
-      </p:ext>
-    </p:extLst>
-  </p:cSld>
-  <p:clrMapOvr>
-    <a:masterClrMapping/>
-  </p:clrMapOvr>
-</p:sld>
-</file>
-
-<file path=ppt/slides/slide17.xml><?xml version="1.0" encoding="utf-8"?>
-<p:sld xmlns:a="http://schemas.openxmlformats.org/drawingml/2006/main" xmlns:r="http://schemas.openxmlformats.org/officeDocument/2006/relationships" xmlns:p="http://schemas.openxmlformats.org/presentationml/2006/main">
-  <p:cSld>
-    <p:spTree>
-      <p:nvGrpSpPr>
-        <p:cNvPr id="1" name=""/>
-        <p:cNvGrpSpPr/>
-        <p:nvPr/>
-      </p:nvGrpSpPr>
-      <p:grpSpPr>
-        <a:xfrm>
-          <a:off x="0" y="0"/>
-          <a:ext cx="0" cy="0"/>
-          <a:chOff x="0" y="0"/>
-          <a:chExt cx="0" cy="0"/>
-        </a:xfrm>
-      </p:grpSpPr>
-      <p:sp>
-        <p:nvSpPr>
-          <p:cNvPr id="4" name="標題 3"/>
-          <p:cNvSpPr>
-            <a:spLocks noGrp="1"/>
-          </p:cNvSpPr>
-          <p:nvPr>
-            <p:ph type="title"/>
-          </p:nvPr>
-        </p:nvSpPr>
-        <p:spPr/>
-        <p:txBody>
-          <a:bodyPr/>
-          <a:lstStyle/>
-          <a:p>
-            <a:r>
-              <a:rPr lang="zh-TW" altLang="en-US" b="1" dirty="0">
-                <a:latin typeface="標楷體" panose="03000509000000000000" pitchFamily="65" charset="-120"/>
-                <a:ea typeface="標楷體" panose="03000509000000000000" pitchFamily="65" charset="-120"/>
-              </a:rPr>
-              <a:t>運作方式</a:t>
-            </a:r>
-          </a:p>
-        </p:txBody>
-      </p:sp>
-      <p:pic>
-        <p:nvPicPr>
-          <p:cNvPr id="7" name="內容版面配置區 6"/>
-          <p:cNvPicPr>
-            <a:picLocks noGrp="1" noChangeAspect="1"/>
-          </p:cNvPicPr>
-          <p:nvPr>
-            <p:ph sz="half" idx="1"/>
-          </p:nvPr>
-        </p:nvPicPr>
-        <p:blipFill>
-          <a:blip r:embed="rId2">
-            <a:extLst>
-              <a:ext uri="{28A0092B-C50C-407E-A947-70E740481C1C}">
-                <a14:useLocalDpi xmlns:a14="http://schemas.microsoft.com/office/drawing/2010/main" val="0"/>
-              </a:ext>
-            </a:extLst>
-          </a:blip>
-          <a:stretch>
-            <a:fillRect/>
-          </a:stretch>
-        </p:blipFill>
-        <p:spPr>
-          <a:xfrm>
-            <a:off x="838200" y="2212327"/>
-            <a:ext cx="5181600" cy="3899154"/>
-          </a:xfrm>
-        </p:spPr>
-      </p:pic>
-      <p:pic>
-        <p:nvPicPr>
-          <p:cNvPr id="8" name="內容版面配置區 7"/>
-          <p:cNvPicPr>
-            <a:picLocks noGrp="1" noChangeAspect="1"/>
-          </p:cNvPicPr>
-          <p:nvPr>
-            <p:ph sz="half" idx="2"/>
-          </p:nvPr>
-        </p:nvPicPr>
-        <p:blipFill>
-          <a:blip r:embed="rId3">
-            <a:extLst>
-              <a:ext uri="{28A0092B-C50C-407E-A947-70E740481C1C}">
-                <a14:useLocalDpi xmlns:a14="http://schemas.microsoft.com/office/drawing/2010/main" val="0"/>
-              </a:ext>
-            </a:extLst>
-          </a:blip>
-          <a:stretch>
-            <a:fillRect/>
-          </a:stretch>
-        </p:blipFill>
-        <p:spPr>
-          <a:xfrm>
-            <a:off x="6172200" y="2326478"/>
-            <a:ext cx="5181600" cy="3670852"/>
-          </a:xfrm>
-        </p:spPr>
-      </p:pic>
-      <p:sp>
-        <p:nvSpPr>
-          <p:cNvPr id="9" name="文字方塊 8"/>
-          <p:cNvSpPr txBox="1"/>
-          <p:nvPr/>
-        </p:nvSpPr>
-        <p:spPr>
-          <a:xfrm>
-            <a:off x="836815" y="1424680"/>
-            <a:ext cx="10515600" cy="707886"/>
-          </a:xfrm>
-          <a:prstGeom prst="rect">
-            <a:avLst/>
-          </a:prstGeom>
-          <a:noFill/>
-        </p:spPr>
-        <p:txBody>
-          <a:bodyPr wrap="square" rtlCol="0">
-            <a:spAutoFit/>
-          </a:bodyPr>
-          <a:lstStyle/>
-          <a:p>
-            <a:r>
-              <a:rPr lang="en-US" altLang="zh-TW" dirty="0">
-                <a:latin typeface="Times New Roman" panose="02020603050405020304" pitchFamily="18" charset="0"/>
-                <a:ea typeface="標楷體" panose="03000509000000000000" pitchFamily="65" charset="-120"/>
-                <a:cs typeface="Times New Roman" panose="02020603050405020304" pitchFamily="18" charset="0"/>
-              </a:rPr>
-              <a:t>	</a:t>
-            </a:r>
-            <a:r>
-              <a:rPr lang="zh-TW" altLang="en-US" sz="2000" dirty="0">
-                <a:latin typeface="Times New Roman" panose="02020603050405020304" pitchFamily="18" charset="0"/>
-                <a:ea typeface="標楷體" panose="03000509000000000000" pitchFamily="65" charset="-120"/>
-                <a:cs typeface="Times New Roman" panose="02020603050405020304" pitchFamily="18" charset="0"/>
-              </a:rPr>
-              <a:t>我們以鋼球平衡台作為專題的主體，然後寫程式驅動雷射測距感測器當鋼球遠離時</a:t>
-            </a:r>
-            <a:r>
-              <a:rPr lang="en-US" altLang="zh-TW" sz="2000" dirty="0">
-                <a:latin typeface="Times New Roman" panose="02020603050405020304" pitchFamily="18" charset="0"/>
-                <a:ea typeface="標楷體" panose="03000509000000000000" pitchFamily="65" charset="-120"/>
-                <a:cs typeface="Times New Roman" panose="02020603050405020304" pitchFamily="18" charset="0"/>
-              </a:rPr>
-              <a:t>platform</a:t>
-            </a:r>
-            <a:r>
-              <a:rPr lang="zh-TW" altLang="en-US" sz="2000" dirty="0">
-                <a:latin typeface="Times New Roman" panose="02020603050405020304" pitchFamily="18" charset="0"/>
-                <a:ea typeface="標楷體" panose="03000509000000000000" pitchFamily="65" charset="-120"/>
-                <a:cs typeface="Times New Roman" panose="02020603050405020304" pitchFamily="18" charset="0"/>
-              </a:rPr>
-              <a:t>，當鋼球靠近時</a:t>
-            </a:r>
-            <a:r>
-              <a:rPr lang="en-US" altLang="zh-TW" sz="2000" dirty="0">
-                <a:latin typeface="Times New Roman" panose="02020603050405020304" pitchFamily="18" charset="0"/>
-                <a:ea typeface="標楷體" panose="03000509000000000000" pitchFamily="65" charset="-120"/>
-                <a:cs typeface="Times New Roman" panose="02020603050405020304" pitchFamily="18" charset="0"/>
-              </a:rPr>
-              <a:t>platform</a:t>
-            </a:r>
-            <a:r>
-              <a:rPr lang="zh-TW" altLang="en-US" sz="2000" dirty="0">
-                <a:latin typeface="Times New Roman" panose="02020603050405020304" pitchFamily="18" charset="0"/>
-                <a:ea typeface="標楷體" panose="03000509000000000000" pitchFamily="65" charset="-120"/>
-                <a:cs typeface="Times New Roman" panose="02020603050405020304" pitchFamily="18" charset="0"/>
-              </a:rPr>
-              <a:t>放下，重複此動作直至鋼球平衡台平衡。</a:t>
-            </a:r>
-          </a:p>
-        </p:txBody>
-      </p:sp>
-      <p:grpSp>
-        <p:nvGrpSpPr>
-          <p:cNvPr id="6" name="群組 5"/>
-          <p:cNvGrpSpPr/>
-          <p:nvPr/>
-        </p:nvGrpSpPr>
-        <p:grpSpPr>
-          <a:xfrm>
-            <a:off x="728583" y="6132903"/>
-            <a:ext cx="4377730" cy="646331"/>
-            <a:chOff x="793422" y="5945045"/>
-            <a:chExt cx="4377730" cy="646331"/>
-          </a:xfrm>
-        </p:grpSpPr>
-        <p:pic>
-          <p:nvPicPr>
-            <p:cNvPr id="10" name="圖片 9"/>
-            <p:cNvPicPr>
-              <a:picLocks noChangeAspect="1"/>
-            </p:cNvPicPr>
-            <p:nvPr/>
-          </p:nvPicPr>
-          <p:blipFill>
-            <a:blip r:embed="rId4" cstate="print">
-              <a:extLst>
-                <a:ext uri="{28A0092B-C50C-407E-A947-70E740481C1C}">
-                  <a14:useLocalDpi xmlns:a14="http://schemas.microsoft.com/office/drawing/2010/main" val="0"/>
-                </a:ext>
-              </a:extLst>
-            </a:blip>
-            <a:stretch>
-              <a:fillRect/>
-            </a:stretch>
-          </p:blipFill>
-          <p:spPr>
-            <a:xfrm>
-              <a:off x="793422" y="6031991"/>
-              <a:ext cx="730578" cy="472440"/>
-            </a:xfrm>
-            <a:prstGeom prst="rect">
-              <a:avLst/>
-            </a:prstGeom>
-          </p:spPr>
-        </p:pic>
-        <p:sp>
-          <p:nvSpPr>
-            <p:cNvPr id="11" name="文字方塊 10"/>
-            <p:cNvSpPr txBox="1"/>
-            <p:nvPr/>
-          </p:nvSpPr>
-          <p:spPr>
-            <a:xfrm>
-              <a:off x="1524000" y="5945045"/>
-              <a:ext cx="3647152" cy="646331"/>
-            </a:xfrm>
-            <a:prstGeom prst="rect">
-              <a:avLst/>
-            </a:prstGeom>
-            <a:noFill/>
-          </p:spPr>
-          <p:txBody>
-            <a:bodyPr wrap="none" rtlCol="0">
-              <a:spAutoFit/>
-            </a:bodyPr>
-            <a:lstStyle/>
-            <a:p>
-              <a:r>
-                <a:rPr lang="zh-TW" altLang="en-US" dirty="0">
-                  <a:latin typeface="標楷體" panose="03000509000000000000" pitchFamily="65" charset="-120"/>
-                  <a:ea typeface="標楷體" panose="03000509000000000000" pitchFamily="65" charset="-120"/>
-                </a:rPr>
-                <a:t>國立虎尾科技大學</a:t>
-              </a:r>
-              <a:endParaRPr lang="en-US" altLang="zh-TW" dirty="0">
-                <a:latin typeface="標楷體" panose="03000509000000000000" pitchFamily="65" charset="-120"/>
-                <a:ea typeface="標楷體" panose="03000509000000000000" pitchFamily="65" charset="-120"/>
-              </a:endParaRPr>
-            </a:p>
-            <a:p>
-              <a:r>
-                <a:rPr lang="zh-TW" altLang="en-US" dirty="0">
-                  <a:latin typeface="標楷體" panose="03000509000000000000" pitchFamily="65" charset="-120"/>
-                  <a:ea typeface="標楷體" panose="03000509000000000000" pitchFamily="65" charset="-120"/>
-                </a:rPr>
-                <a:t>機械設計工程系暨精密機械工程科</a:t>
-              </a:r>
-            </a:p>
-          </p:txBody>
-        </p:sp>
-      </p:grpSp>
-    </p:spTree>
-    <p:extLst>
-      <p:ext uri="{BB962C8B-B14F-4D97-AF65-F5344CB8AC3E}">
-        <p14:creationId xmlns:p14="http://schemas.microsoft.com/office/powerpoint/2010/main" val="4174292653"/>
-      </p:ext>
-    </p:extLst>
-  </p:cSld>
-  <p:clrMapOvr>
-    <a:masterClrMapping/>
-  </p:clrMapOvr>
-</p:sld>
-</file>
-
-<file path=ppt/slides/slide18.xml><?xml version="1.0" encoding="utf-8"?>
-<p:sld xmlns:a="http://schemas.openxmlformats.org/drawingml/2006/main" xmlns:r="http://schemas.openxmlformats.org/officeDocument/2006/relationships" xmlns:p="http://schemas.openxmlformats.org/presentationml/2006/main">
-  <p:cSld>
-    <p:spTree>
-      <p:nvGrpSpPr>
-        <p:cNvPr id="1" name=""/>
-        <p:cNvGrpSpPr/>
-        <p:nvPr/>
-      </p:nvGrpSpPr>
-      <p:grpSpPr>
-        <a:xfrm>
-          <a:off x="0" y="0"/>
-          <a:ext cx="0" cy="0"/>
-          <a:chOff x="0" y="0"/>
-          <a:chExt cx="0" cy="0"/>
-        </a:xfrm>
-      </p:grpSpPr>
-      <p:sp>
-        <p:nvSpPr>
-          <p:cNvPr id="2" name="標題 1">
-            <a:extLst>
-              <a:ext uri="{FF2B5EF4-FFF2-40B4-BE49-F238E27FC236}">
                 <a16:creationId xmlns:a16="http://schemas.microsoft.com/office/drawing/2014/main" id="{90DAB95E-EB26-44CB-9472-56D24BFEA89D}"/>
               </a:ext>
             </a:extLst>
@@ -8247,7 +3675,7 @@
 </p:sld>
 </file>
 
-<file path=ppt/slides/slide19.xml><?xml version="1.0" encoding="utf-8"?>
+<file path=ppt/slides/slide11.xml><?xml version="1.0" encoding="utf-8"?>
 <p:sld xmlns:a="http://schemas.openxmlformats.org/drawingml/2006/main" xmlns:r="http://schemas.openxmlformats.org/officeDocument/2006/relationships" xmlns:p="http://schemas.openxmlformats.org/presentationml/2006/main">
   <p:cSld>
     <p:spTree>
@@ -8326,6 +3754,49 @@
           </a:prstGeom>
         </p:spPr>
       </p:pic>
+      <p:sp>
+        <p:nvSpPr>
+          <p:cNvPr id="4" name="文字方塊 3">
+            <a:extLst>
+              <a:ext uri="{FF2B5EF4-FFF2-40B4-BE49-F238E27FC236}">
+                <a16:creationId xmlns:a16="http://schemas.microsoft.com/office/drawing/2014/main" id="{0B7BE59D-E82C-4845-B4F8-3EE1D85DBE2E}"/>
+              </a:ext>
+            </a:extLst>
+          </p:cNvPr>
+          <p:cNvSpPr txBox="1"/>
+          <p:nvPr/>
+        </p:nvSpPr>
+        <p:spPr>
+          <a:xfrm>
+            <a:off x="9311782" y="843241"/>
+            <a:ext cx="2361774" cy="369332"/>
+          </a:xfrm>
+          <a:prstGeom prst="rect">
+            <a:avLst/>
+          </a:prstGeom>
+          <a:noFill/>
+        </p:spPr>
+        <p:txBody>
+          <a:bodyPr wrap="square" rtlCol="0">
+            <a:spAutoFit/>
+          </a:bodyPr>
+          <a:lstStyle/>
+          <a:p>
+            <a:r>
+              <a:rPr lang="zh-TW" altLang="en-US" dirty="0">
+                <a:latin typeface="標楷體" panose="03000509000000000000" pitchFamily="65" charset="-120"/>
+                <a:ea typeface="標楷體" panose="03000509000000000000" pitchFamily="65" charset="-120"/>
+                <a:hlinkClick r:id="rId3"/>
+              </a:rPr>
+              <a:t>作動影片</a:t>
+            </a:r>
+            <a:endParaRPr lang="zh-TW" altLang="en-US" dirty="0">
+              <a:latin typeface="標楷體" panose="03000509000000000000" pitchFamily="65" charset="-120"/>
+              <a:ea typeface="標楷體" panose="03000509000000000000" pitchFamily="65" charset="-120"/>
+            </a:endParaRPr>
+          </a:p>
+        </p:txBody>
+      </p:sp>
     </p:spTree>
     <p:extLst>
       <p:ext uri="{BB962C8B-B14F-4D97-AF65-F5344CB8AC3E}">
@@ -8339,349 +3810,7 @@
 </p:sld>
 </file>
 
-<file path=ppt/slides/slide2.xml><?xml version="1.0" encoding="utf-8"?>
-<p:sld xmlns:a="http://schemas.openxmlformats.org/drawingml/2006/main" xmlns:r="http://schemas.openxmlformats.org/officeDocument/2006/relationships" xmlns:p="http://schemas.openxmlformats.org/presentationml/2006/main">
-  <p:cSld>
-    <p:spTree>
-      <p:nvGrpSpPr>
-        <p:cNvPr id="1" name=""/>
-        <p:cNvGrpSpPr/>
-        <p:nvPr/>
-      </p:nvGrpSpPr>
-      <p:grpSpPr>
-        <a:xfrm>
-          <a:off x="0" y="0"/>
-          <a:ext cx="0" cy="0"/>
-          <a:chOff x="0" y="0"/>
-          <a:chExt cx="0" cy="0"/>
-        </a:xfrm>
-      </p:grpSpPr>
-      <p:sp>
-        <p:nvSpPr>
-          <p:cNvPr id="2" name="標題 1">
-            <a:extLst>
-              <a:ext uri="{FF2B5EF4-FFF2-40B4-BE49-F238E27FC236}">
-                <a16:creationId xmlns:a16="http://schemas.microsoft.com/office/drawing/2014/main" id="{0DDB5397-27B7-45A9-8359-9157B1D96FBB}"/>
-              </a:ext>
-            </a:extLst>
-          </p:cNvPr>
-          <p:cNvSpPr>
-            <a:spLocks noGrp="1"/>
-          </p:cNvSpPr>
-          <p:nvPr>
-            <p:ph type="title"/>
-          </p:nvPr>
-        </p:nvSpPr>
-        <p:spPr/>
-        <p:txBody>
-          <a:bodyPr/>
-          <a:lstStyle/>
-          <a:p>
-            <a:r>
-              <a:rPr lang="zh-TW" altLang="en-US" b="1" dirty="0">
-                <a:latin typeface="標楷體" panose="03000509000000000000" pitchFamily="65" charset="-120"/>
-                <a:ea typeface="標楷體" panose="03000509000000000000" pitchFamily="65" charset="-120"/>
-              </a:rPr>
-              <a:t>目錄</a:t>
-            </a:r>
-          </a:p>
-        </p:txBody>
-      </p:sp>
-      <p:sp>
-        <p:nvSpPr>
-          <p:cNvPr id="3" name="內容版面配置區 2">
-            <a:extLst>
-              <a:ext uri="{FF2B5EF4-FFF2-40B4-BE49-F238E27FC236}">
-                <a16:creationId xmlns:a16="http://schemas.microsoft.com/office/drawing/2014/main" id="{B0E6F1F9-B966-4F52-B03D-896227CC106A}"/>
-              </a:ext>
-            </a:extLst>
-          </p:cNvPr>
-          <p:cNvSpPr>
-            <a:spLocks noGrp="1"/>
-          </p:cNvSpPr>
-          <p:nvPr>
-            <p:ph idx="1"/>
-          </p:nvPr>
-        </p:nvSpPr>
-        <p:spPr/>
-        <p:txBody>
-          <a:bodyPr>
-            <a:normAutofit fontScale="92500" lnSpcReduction="20000"/>
-          </a:bodyPr>
-          <a:lstStyle/>
-          <a:p>
-            <a:r>
-              <a:rPr lang="zh-TW" altLang="en-US" dirty="0">
-                <a:latin typeface="Times New Roman" panose="02020603050405020304" pitchFamily="18" charset="0"/>
-                <a:ea typeface="標楷體" panose="03000509000000000000" pitchFamily="65" charset="-120"/>
-                <a:cs typeface="Times New Roman" panose="02020603050405020304" pitchFamily="18" charset="0"/>
-              </a:rPr>
-              <a:t>流程圖</a:t>
-            </a:r>
-            <a:endParaRPr lang="en-US" altLang="zh-TW" dirty="0">
-              <a:latin typeface="Times New Roman" panose="02020603050405020304" pitchFamily="18" charset="0"/>
-              <a:ea typeface="標楷體" panose="03000509000000000000" pitchFamily="65" charset="-120"/>
-              <a:cs typeface="Times New Roman" panose="02020603050405020304" pitchFamily="18" charset="0"/>
-            </a:endParaRPr>
-          </a:p>
-          <a:p>
-            <a:r>
-              <a:rPr lang="en-US" altLang="zh-TW" dirty="0">
-                <a:latin typeface="Times New Roman" panose="02020603050405020304" pitchFamily="18" charset="0"/>
-                <a:ea typeface="標楷體" panose="03000509000000000000" pitchFamily="65" charset="-120"/>
-                <a:cs typeface="Times New Roman" panose="02020603050405020304" pitchFamily="18" charset="0"/>
-              </a:rPr>
-              <a:t>GitHub</a:t>
-            </a:r>
-          </a:p>
-          <a:p>
-            <a:r>
-              <a:rPr lang="en-US" altLang="zh-TW" dirty="0">
-                <a:latin typeface="Times New Roman" panose="02020603050405020304" pitchFamily="18" charset="0"/>
-                <a:ea typeface="標楷體" panose="03000509000000000000" pitchFamily="65" charset="-120"/>
-                <a:cs typeface="Times New Roman" panose="02020603050405020304" pitchFamily="18" charset="0"/>
-              </a:rPr>
-              <a:t>ODOO PLM</a:t>
-            </a:r>
-            <a:r>
-              <a:rPr lang="zh-TW" altLang="en-US" dirty="0">
-                <a:latin typeface="Times New Roman" panose="02020603050405020304" pitchFamily="18" charset="0"/>
-                <a:ea typeface="標楷體" panose="03000509000000000000" pitchFamily="65" charset="-120"/>
-                <a:cs typeface="Times New Roman" panose="02020603050405020304" pitchFamily="18" charset="0"/>
-              </a:rPr>
-              <a:t>模組</a:t>
-            </a:r>
-            <a:endParaRPr lang="en-US" altLang="zh-TW" dirty="0">
-              <a:latin typeface="Times New Roman" panose="02020603050405020304" pitchFamily="18" charset="0"/>
-              <a:ea typeface="標楷體" panose="03000509000000000000" pitchFamily="65" charset="-120"/>
-              <a:cs typeface="Times New Roman" panose="02020603050405020304" pitchFamily="18" charset="0"/>
-            </a:endParaRPr>
-          </a:p>
-          <a:p>
-            <a:r>
-              <a:rPr lang="en-US" altLang="zh-TW" dirty="0" err="1">
-                <a:latin typeface="Times New Roman" panose="02020603050405020304" pitchFamily="18" charset="0"/>
-                <a:ea typeface="標楷體" panose="03000509000000000000" pitchFamily="65" charset="-120"/>
-                <a:cs typeface="Times New Roman" panose="02020603050405020304" pitchFamily="18" charset="0"/>
-              </a:rPr>
-              <a:t>LaTeX</a:t>
-            </a:r>
-            <a:endParaRPr lang="en-US" altLang="zh-TW" dirty="0">
-              <a:latin typeface="Times New Roman" panose="02020603050405020304" pitchFamily="18" charset="0"/>
-              <a:ea typeface="標楷體" panose="03000509000000000000" pitchFamily="65" charset="-120"/>
-              <a:cs typeface="Times New Roman" panose="02020603050405020304" pitchFamily="18" charset="0"/>
-            </a:endParaRPr>
-          </a:p>
-          <a:p>
-            <a:r>
-              <a:rPr lang="en-US" altLang="zh-TW" dirty="0" err="1">
-                <a:latin typeface="Times New Roman" panose="02020603050405020304" pitchFamily="18" charset="0"/>
-                <a:ea typeface="標楷體" panose="03000509000000000000" pitchFamily="65" charset="-120"/>
-                <a:cs typeface="Times New Roman" panose="02020603050405020304" pitchFamily="18" charset="0"/>
-              </a:rPr>
-              <a:t>GeoGebra</a:t>
-            </a:r>
-            <a:r>
-              <a:rPr lang="en-US" altLang="zh-TW" dirty="0">
-                <a:latin typeface="Times New Roman" panose="02020603050405020304" pitchFamily="18" charset="0"/>
-                <a:ea typeface="標楷體" panose="03000509000000000000" pitchFamily="65" charset="-120"/>
-                <a:cs typeface="Times New Roman" panose="02020603050405020304" pitchFamily="18" charset="0"/>
-              </a:rPr>
-              <a:t> Classic</a:t>
-            </a:r>
-          </a:p>
-          <a:p>
-            <a:r>
-              <a:rPr lang="zh-TW" altLang="en-US" dirty="0">
-                <a:latin typeface="Times New Roman" panose="02020603050405020304" pitchFamily="18" charset="0"/>
-                <a:ea typeface="標楷體" panose="03000509000000000000" pitchFamily="65" charset="-120"/>
-                <a:cs typeface="Times New Roman" panose="02020603050405020304" pitchFamily="18" charset="0"/>
-              </a:rPr>
-              <a:t>案例研究：鋼球平衡台的設計</a:t>
-            </a:r>
-            <a:endParaRPr lang="en-US" altLang="zh-TW" dirty="0">
-              <a:latin typeface="Times New Roman" panose="02020603050405020304" pitchFamily="18" charset="0"/>
-              <a:ea typeface="標楷體" panose="03000509000000000000" pitchFamily="65" charset="-120"/>
-              <a:cs typeface="Times New Roman" panose="02020603050405020304" pitchFamily="18" charset="0"/>
-            </a:endParaRPr>
-          </a:p>
-          <a:p>
-            <a:r>
-              <a:rPr lang="zh-TW" altLang="en-US" dirty="0">
-                <a:latin typeface="Times New Roman" panose="02020603050405020304" pitchFamily="18" charset="0"/>
-                <a:ea typeface="標楷體" panose="03000509000000000000" pitchFamily="65" charset="-120"/>
-                <a:cs typeface="Times New Roman" panose="02020603050405020304" pitchFamily="18" charset="0"/>
-              </a:rPr>
-              <a:t>設計理念</a:t>
-            </a:r>
-            <a:endParaRPr lang="en-US" altLang="zh-TW" dirty="0">
-              <a:latin typeface="Times New Roman" panose="02020603050405020304" pitchFamily="18" charset="0"/>
-              <a:ea typeface="標楷體" panose="03000509000000000000" pitchFamily="65" charset="-120"/>
-              <a:cs typeface="Times New Roman" panose="02020603050405020304" pitchFamily="18" charset="0"/>
-            </a:endParaRPr>
-          </a:p>
-          <a:p>
-            <a:r>
-              <a:rPr lang="zh-TW" altLang="en-US" dirty="0">
-                <a:latin typeface="Times New Roman" panose="02020603050405020304" pitchFamily="18" charset="0"/>
-                <a:ea typeface="標楷體" panose="03000509000000000000" pitchFamily="65" charset="-120"/>
-                <a:cs typeface="Times New Roman" panose="02020603050405020304" pitchFamily="18" charset="0"/>
-              </a:rPr>
-              <a:t>組合</a:t>
-            </a:r>
-            <a:r>
-              <a:rPr lang="en-US" altLang="zh-TW" dirty="0">
-                <a:latin typeface="Times New Roman" panose="02020603050405020304" pitchFamily="18" charset="0"/>
-                <a:ea typeface="標楷體" panose="03000509000000000000" pitchFamily="65" charset="-120"/>
-                <a:cs typeface="Times New Roman" panose="02020603050405020304" pitchFamily="18" charset="0"/>
-              </a:rPr>
-              <a:t> 3D </a:t>
-            </a:r>
-            <a:r>
-              <a:rPr lang="zh-TW" altLang="en-US" dirty="0">
-                <a:latin typeface="Times New Roman" panose="02020603050405020304" pitchFamily="18" charset="0"/>
-                <a:ea typeface="標楷體" panose="03000509000000000000" pitchFamily="65" charset="-120"/>
-                <a:cs typeface="Times New Roman" panose="02020603050405020304" pitchFamily="18" charset="0"/>
-              </a:rPr>
-              <a:t>列印完成圖</a:t>
-            </a:r>
-            <a:endParaRPr lang="en-US" altLang="zh-TW" dirty="0">
-              <a:latin typeface="Times New Roman" panose="02020603050405020304" pitchFamily="18" charset="0"/>
-              <a:ea typeface="標楷體" panose="03000509000000000000" pitchFamily="65" charset="-120"/>
-              <a:cs typeface="Times New Roman" panose="02020603050405020304" pitchFamily="18" charset="0"/>
-            </a:endParaRPr>
-          </a:p>
-          <a:p>
-            <a:r>
-              <a:rPr lang="zh-TW" altLang="en-US" dirty="0">
-                <a:latin typeface="Times New Roman" panose="02020603050405020304" pitchFamily="18" charset="0"/>
-                <a:ea typeface="標楷體" panose="03000509000000000000" pitchFamily="65" charset="-120"/>
-                <a:cs typeface="Times New Roman" panose="02020603050405020304" pitchFamily="18" charset="0"/>
-              </a:rPr>
-              <a:t>設計結果</a:t>
-            </a:r>
-            <a:endParaRPr lang="en-US" altLang="zh-TW" dirty="0">
-              <a:latin typeface="Times New Roman" panose="02020603050405020304" pitchFamily="18" charset="0"/>
-              <a:ea typeface="標楷體" panose="03000509000000000000" pitchFamily="65" charset="-120"/>
-              <a:cs typeface="Times New Roman" panose="02020603050405020304" pitchFamily="18" charset="0"/>
-            </a:endParaRPr>
-          </a:p>
-          <a:p>
-            <a:r>
-              <a:rPr lang="zh-TW" altLang="en-US" dirty="0">
-                <a:latin typeface="Times New Roman" panose="02020603050405020304" pitchFamily="18" charset="0"/>
-                <a:ea typeface="標楷體" panose="03000509000000000000" pitchFamily="65" charset="-120"/>
-                <a:cs typeface="Times New Roman" panose="02020603050405020304" pitchFamily="18" charset="0"/>
-              </a:rPr>
-              <a:t>總結</a:t>
-            </a:r>
-          </a:p>
-        </p:txBody>
-      </p:sp>
-      <p:grpSp>
-        <p:nvGrpSpPr>
-          <p:cNvPr id="4" name="群組 3"/>
-          <p:cNvGrpSpPr/>
-          <p:nvPr/>
-        </p:nvGrpSpPr>
-        <p:grpSpPr>
-          <a:xfrm>
-            <a:off x="728583" y="6083025"/>
-            <a:ext cx="4377730" cy="646331"/>
-            <a:chOff x="793422" y="5945045"/>
-            <a:chExt cx="4377730" cy="646331"/>
-          </a:xfrm>
-        </p:grpSpPr>
-        <p:pic>
-          <p:nvPicPr>
-            <p:cNvPr id="5" name="圖片 4"/>
-            <p:cNvPicPr>
-              <a:picLocks noChangeAspect="1"/>
-            </p:cNvPicPr>
-            <p:nvPr/>
-          </p:nvPicPr>
-          <p:blipFill>
-            <a:blip r:embed="rId2" cstate="print">
-              <a:extLst>
-                <a:ext uri="{28A0092B-C50C-407E-A947-70E740481C1C}">
-                  <a14:useLocalDpi xmlns:a14="http://schemas.microsoft.com/office/drawing/2010/main" val="0"/>
-                </a:ext>
-              </a:extLst>
-            </a:blip>
-            <a:stretch>
-              <a:fillRect/>
-            </a:stretch>
-          </p:blipFill>
-          <p:spPr>
-            <a:xfrm>
-              <a:off x="793422" y="6031991"/>
-              <a:ext cx="730578" cy="472440"/>
-            </a:xfrm>
-            <a:prstGeom prst="rect">
-              <a:avLst/>
-            </a:prstGeom>
-          </p:spPr>
-        </p:pic>
-        <p:sp>
-          <p:nvSpPr>
-            <p:cNvPr id="6" name="文字方塊 5"/>
-            <p:cNvSpPr txBox="1"/>
-            <p:nvPr/>
-          </p:nvSpPr>
-          <p:spPr>
-            <a:xfrm>
-              <a:off x="1524000" y="5945045"/>
-              <a:ext cx="3647152" cy="646331"/>
-            </a:xfrm>
-            <a:prstGeom prst="rect">
-              <a:avLst/>
-            </a:prstGeom>
-            <a:noFill/>
-          </p:spPr>
-          <p:txBody>
-            <a:bodyPr wrap="none" rtlCol="0">
-              <a:spAutoFit/>
-            </a:bodyPr>
-            <a:lstStyle/>
-            <a:p>
-              <a:r>
-                <a:rPr lang="zh-TW" altLang="en-US" dirty="0">
-                  <a:latin typeface="標楷體" panose="03000509000000000000" pitchFamily="65" charset="-120"/>
-                  <a:ea typeface="標楷體" panose="03000509000000000000" pitchFamily="65" charset="-120"/>
-                </a:rPr>
-                <a:t>國立虎尾科技大學</a:t>
-              </a:r>
-              <a:endParaRPr lang="en-US" altLang="zh-TW" dirty="0">
-                <a:latin typeface="標楷體" panose="03000509000000000000" pitchFamily="65" charset="-120"/>
-                <a:ea typeface="標楷體" panose="03000509000000000000" pitchFamily="65" charset="-120"/>
-              </a:endParaRPr>
-            </a:p>
-            <a:p>
-              <a:r>
-                <a:rPr lang="zh-TW" altLang="en-US" dirty="0">
-                  <a:latin typeface="標楷體" panose="03000509000000000000" pitchFamily="65" charset="-120"/>
-                  <a:ea typeface="標楷體" panose="03000509000000000000" pitchFamily="65" charset="-120"/>
-                </a:rPr>
-                <a:t>機械設計工程系暨精密機械工程科</a:t>
-              </a:r>
-            </a:p>
-          </p:txBody>
-        </p:sp>
-      </p:grpSp>
-    </p:spTree>
-    <p:extLst>
-      <p:ext uri="{BB962C8B-B14F-4D97-AF65-F5344CB8AC3E}">
-        <p14:creationId xmlns:p14="http://schemas.microsoft.com/office/powerpoint/2010/main" val="1003538388"/>
-      </p:ext>
-    </p:extLst>
-  </p:cSld>
-  <p:clrMapOvr>
-    <a:masterClrMapping/>
-  </p:clrMapOvr>
-</p:sld>
-</file>
-
-<file path=ppt/slides/slide20.xml><?xml version="1.0" encoding="utf-8"?>
+<file path=ppt/slides/slide12.xml><?xml version="1.0" encoding="utf-8"?>
 <p:sld xmlns:a="http://schemas.openxmlformats.org/drawingml/2006/main" xmlns:r="http://schemas.openxmlformats.org/officeDocument/2006/relationships" xmlns:p="http://schemas.openxmlformats.org/presentationml/2006/main">
   <p:cSld>
     <p:spTree>
@@ -8763,6 +3892,49 @@
           </a:prstGeom>
         </p:spPr>
       </p:pic>
+      <p:sp>
+        <p:nvSpPr>
+          <p:cNvPr id="5" name="文字方塊 4">
+            <a:extLst>
+              <a:ext uri="{FF2B5EF4-FFF2-40B4-BE49-F238E27FC236}">
+                <a16:creationId xmlns:a16="http://schemas.microsoft.com/office/drawing/2014/main" id="{7A265B31-61EE-473C-A63A-8F9C911A12DE}"/>
+              </a:ext>
+            </a:extLst>
+          </p:cNvPr>
+          <p:cNvSpPr txBox="1"/>
+          <p:nvPr/>
+        </p:nvSpPr>
+        <p:spPr>
+          <a:xfrm>
+            <a:off x="9311782" y="843241"/>
+            <a:ext cx="2361774" cy="369332"/>
+          </a:xfrm>
+          <a:prstGeom prst="rect">
+            <a:avLst/>
+          </a:prstGeom>
+          <a:noFill/>
+        </p:spPr>
+        <p:txBody>
+          <a:bodyPr wrap="square" rtlCol="0">
+            <a:spAutoFit/>
+          </a:bodyPr>
+          <a:lstStyle/>
+          <a:p>
+            <a:r>
+              <a:rPr lang="zh-TW" altLang="en-US" dirty="0">
+                <a:latin typeface="標楷體" panose="03000509000000000000" pitchFamily="65" charset="-120"/>
+                <a:ea typeface="標楷體" panose="03000509000000000000" pitchFamily="65" charset="-120"/>
+                <a:hlinkClick r:id="rId3"/>
+              </a:rPr>
+              <a:t>作動影片</a:t>
+            </a:r>
+            <a:endParaRPr lang="zh-TW" altLang="en-US" dirty="0">
+              <a:latin typeface="標楷體" panose="03000509000000000000" pitchFamily="65" charset="-120"/>
+              <a:ea typeface="標楷體" panose="03000509000000000000" pitchFamily="65" charset="-120"/>
+            </a:endParaRPr>
+          </a:p>
+        </p:txBody>
+      </p:sp>
     </p:spTree>
     <p:extLst>
       <p:ext uri="{BB962C8B-B14F-4D97-AF65-F5344CB8AC3E}">
@@ -8776,7 +3948,7 @@
 </p:sld>
 </file>
 
-<file path=ppt/slides/slide21.xml><?xml version="1.0" encoding="utf-8"?>
+<file path=ppt/slides/slide13.xml><?xml version="1.0" encoding="utf-8"?>
 <p:sld xmlns:a="http://schemas.openxmlformats.org/drawingml/2006/main" xmlns:r="http://schemas.openxmlformats.org/officeDocument/2006/relationships" xmlns:p="http://schemas.openxmlformats.org/presentationml/2006/main">
   <p:cSld>
     <p:spTree>
@@ -8858,6 +4030,49 @@
           </a:prstGeom>
         </p:spPr>
       </p:pic>
+      <p:sp>
+        <p:nvSpPr>
+          <p:cNvPr id="5" name="文字方塊 4">
+            <a:extLst>
+              <a:ext uri="{FF2B5EF4-FFF2-40B4-BE49-F238E27FC236}">
+                <a16:creationId xmlns:a16="http://schemas.microsoft.com/office/drawing/2014/main" id="{5894BB65-FFF3-45FB-90C3-015068971770}"/>
+              </a:ext>
+            </a:extLst>
+          </p:cNvPr>
+          <p:cNvSpPr txBox="1"/>
+          <p:nvPr/>
+        </p:nvSpPr>
+        <p:spPr>
+          <a:xfrm>
+            <a:off x="9311782" y="843241"/>
+            <a:ext cx="2361774" cy="369332"/>
+          </a:xfrm>
+          <a:prstGeom prst="rect">
+            <a:avLst/>
+          </a:prstGeom>
+          <a:noFill/>
+        </p:spPr>
+        <p:txBody>
+          <a:bodyPr wrap="square" rtlCol="0">
+            <a:spAutoFit/>
+          </a:bodyPr>
+          <a:lstStyle/>
+          <a:p>
+            <a:r>
+              <a:rPr lang="zh-TW" altLang="en-US" dirty="0">
+                <a:latin typeface="標楷體" panose="03000509000000000000" pitchFamily="65" charset="-120"/>
+                <a:ea typeface="標楷體" panose="03000509000000000000" pitchFamily="65" charset="-120"/>
+                <a:hlinkClick r:id="rId3"/>
+              </a:rPr>
+              <a:t>作動影片</a:t>
+            </a:r>
+            <a:endParaRPr lang="zh-TW" altLang="en-US" dirty="0">
+              <a:latin typeface="標楷體" panose="03000509000000000000" pitchFamily="65" charset="-120"/>
+              <a:ea typeface="標楷體" panose="03000509000000000000" pitchFamily="65" charset="-120"/>
+            </a:endParaRPr>
+          </a:p>
+        </p:txBody>
+      </p:sp>
     </p:spTree>
     <p:extLst>
       <p:ext uri="{BB962C8B-B14F-4D97-AF65-F5344CB8AC3E}">
@@ -8871,7 +4086,7 @@
 </p:sld>
 </file>
 
-<file path=ppt/slides/slide22.xml><?xml version="1.0" encoding="utf-8"?>
+<file path=ppt/slides/slide14.xml><?xml version="1.0" encoding="utf-8"?>
 <p:sld xmlns:a="http://schemas.openxmlformats.org/drawingml/2006/main" xmlns:r="http://schemas.openxmlformats.org/officeDocument/2006/relationships" xmlns:p="http://schemas.openxmlformats.org/presentationml/2006/main">
   <p:cSld>
     <p:spTree>
@@ -8953,6 +4168,49 @@
           </a:prstGeom>
         </p:spPr>
       </p:pic>
+      <p:sp>
+        <p:nvSpPr>
+          <p:cNvPr id="5" name="文字方塊 4">
+            <a:extLst>
+              <a:ext uri="{FF2B5EF4-FFF2-40B4-BE49-F238E27FC236}">
+                <a16:creationId xmlns:a16="http://schemas.microsoft.com/office/drawing/2014/main" id="{086154D1-CF73-4154-A789-495AAA27EB37}"/>
+              </a:ext>
+            </a:extLst>
+          </p:cNvPr>
+          <p:cNvSpPr txBox="1"/>
+          <p:nvPr/>
+        </p:nvSpPr>
+        <p:spPr>
+          <a:xfrm>
+            <a:off x="9311782" y="843241"/>
+            <a:ext cx="2361774" cy="369332"/>
+          </a:xfrm>
+          <a:prstGeom prst="rect">
+            <a:avLst/>
+          </a:prstGeom>
+          <a:noFill/>
+        </p:spPr>
+        <p:txBody>
+          <a:bodyPr wrap="square" rtlCol="0">
+            <a:spAutoFit/>
+          </a:bodyPr>
+          <a:lstStyle/>
+          <a:p>
+            <a:r>
+              <a:rPr lang="zh-TW" altLang="en-US" dirty="0">
+                <a:latin typeface="標楷體" panose="03000509000000000000" pitchFamily="65" charset="-120"/>
+                <a:ea typeface="標楷體" panose="03000509000000000000" pitchFamily="65" charset="-120"/>
+                <a:hlinkClick r:id="rId3"/>
+              </a:rPr>
+              <a:t>作動影片</a:t>
+            </a:r>
+            <a:endParaRPr lang="zh-TW" altLang="en-US" dirty="0">
+              <a:latin typeface="標楷體" panose="03000509000000000000" pitchFamily="65" charset="-120"/>
+              <a:ea typeface="標楷體" panose="03000509000000000000" pitchFamily="65" charset="-120"/>
+            </a:endParaRPr>
+          </a:p>
+        </p:txBody>
+      </p:sp>
     </p:spTree>
     <p:extLst>
       <p:ext uri="{BB962C8B-B14F-4D97-AF65-F5344CB8AC3E}">
@@ -8966,7 +4224,7 @@
 </p:sld>
 </file>
 
-<file path=ppt/slides/slide23.xml><?xml version="1.0" encoding="utf-8"?>
+<file path=ppt/slides/slide15.xml><?xml version="1.0" encoding="utf-8"?>
 <p:sld xmlns:a="http://schemas.openxmlformats.org/drawingml/2006/main" xmlns:r="http://schemas.openxmlformats.org/officeDocument/2006/relationships" xmlns:p="http://schemas.openxmlformats.org/presentationml/2006/main">
   <p:cSld>
     <p:spTree>
@@ -9048,6 +4306,49 @@
           </a:prstGeom>
         </p:spPr>
       </p:pic>
+      <p:sp>
+        <p:nvSpPr>
+          <p:cNvPr id="6" name="文字方塊 5">
+            <a:extLst>
+              <a:ext uri="{FF2B5EF4-FFF2-40B4-BE49-F238E27FC236}">
+                <a16:creationId xmlns:a16="http://schemas.microsoft.com/office/drawing/2014/main" id="{0DE33AA6-4313-460F-9E05-FC637175EEF5}"/>
+              </a:ext>
+            </a:extLst>
+          </p:cNvPr>
+          <p:cNvSpPr txBox="1"/>
+          <p:nvPr/>
+        </p:nvSpPr>
+        <p:spPr>
+          <a:xfrm>
+            <a:off x="9311782" y="843241"/>
+            <a:ext cx="2361774" cy="369332"/>
+          </a:xfrm>
+          <a:prstGeom prst="rect">
+            <a:avLst/>
+          </a:prstGeom>
+          <a:noFill/>
+        </p:spPr>
+        <p:txBody>
+          <a:bodyPr wrap="square" rtlCol="0">
+            <a:spAutoFit/>
+          </a:bodyPr>
+          <a:lstStyle/>
+          <a:p>
+            <a:r>
+              <a:rPr lang="zh-TW" altLang="en-US" dirty="0">
+                <a:latin typeface="標楷體" panose="03000509000000000000" pitchFamily="65" charset="-120"/>
+                <a:ea typeface="標楷體" panose="03000509000000000000" pitchFamily="65" charset="-120"/>
+                <a:hlinkClick r:id="rId3"/>
+              </a:rPr>
+              <a:t>作動影片</a:t>
+            </a:r>
+            <a:endParaRPr lang="zh-TW" altLang="en-US" dirty="0">
+              <a:latin typeface="標楷體" panose="03000509000000000000" pitchFamily="65" charset="-120"/>
+              <a:ea typeface="標楷體" panose="03000509000000000000" pitchFamily="65" charset="-120"/>
+            </a:endParaRPr>
+          </a:p>
+        </p:txBody>
+      </p:sp>
     </p:spTree>
     <p:extLst>
       <p:ext uri="{BB962C8B-B14F-4D97-AF65-F5344CB8AC3E}">
@@ -9061,7 +4362,7 @@
 </p:sld>
 </file>
 
-<file path=ppt/slides/slide24.xml><?xml version="1.0" encoding="utf-8"?>
+<file path=ppt/slides/slide16.xml><?xml version="1.0" encoding="utf-8"?>
 <p:sld xmlns:a="http://schemas.openxmlformats.org/drawingml/2006/main" xmlns:r="http://schemas.openxmlformats.org/officeDocument/2006/relationships" xmlns:p="http://schemas.openxmlformats.org/presentationml/2006/main">
   <p:cSld>
     <p:spTree>
@@ -9142,6 +4443,49 @@
           </a:prstGeom>
         </p:spPr>
       </p:pic>
+      <p:sp>
+        <p:nvSpPr>
+          <p:cNvPr id="5" name="文字方塊 4">
+            <a:extLst>
+              <a:ext uri="{FF2B5EF4-FFF2-40B4-BE49-F238E27FC236}">
+                <a16:creationId xmlns:a16="http://schemas.microsoft.com/office/drawing/2014/main" id="{AAE431B9-23CB-40C6-9096-3ED229C7A22A}"/>
+              </a:ext>
+            </a:extLst>
+          </p:cNvPr>
+          <p:cNvSpPr txBox="1"/>
+          <p:nvPr/>
+        </p:nvSpPr>
+        <p:spPr>
+          <a:xfrm>
+            <a:off x="9311782" y="843241"/>
+            <a:ext cx="2361774" cy="369332"/>
+          </a:xfrm>
+          <a:prstGeom prst="rect">
+            <a:avLst/>
+          </a:prstGeom>
+          <a:noFill/>
+        </p:spPr>
+        <p:txBody>
+          <a:bodyPr wrap="square" rtlCol="0">
+            <a:spAutoFit/>
+          </a:bodyPr>
+          <a:lstStyle/>
+          <a:p>
+            <a:r>
+              <a:rPr lang="zh-TW" altLang="en-US" dirty="0">
+                <a:latin typeface="標楷體" panose="03000509000000000000" pitchFamily="65" charset="-120"/>
+                <a:ea typeface="標楷體" panose="03000509000000000000" pitchFamily="65" charset="-120"/>
+                <a:hlinkClick r:id="rId3"/>
+              </a:rPr>
+              <a:t>作動影片</a:t>
+            </a:r>
+            <a:endParaRPr lang="zh-TW" altLang="en-US" dirty="0">
+              <a:latin typeface="標楷體" panose="03000509000000000000" pitchFamily="65" charset="-120"/>
+              <a:ea typeface="標楷體" panose="03000509000000000000" pitchFamily="65" charset="-120"/>
+            </a:endParaRPr>
+          </a:p>
+        </p:txBody>
+      </p:sp>
     </p:spTree>
     <p:extLst>
       <p:ext uri="{BB962C8B-B14F-4D97-AF65-F5344CB8AC3E}">
@@ -9155,7 +4499,7 @@
 </p:sld>
 </file>
 
-<file path=ppt/slides/slide25.xml><?xml version="1.0" encoding="utf-8"?>
+<file path=ppt/slides/slide17.xml><?xml version="1.0" encoding="utf-8"?>
 <p:sld xmlns:a="http://schemas.openxmlformats.org/drawingml/2006/main" xmlns:r="http://schemas.openxmlformats.org/officeDocument/2006/relationships" xmlns:p="http://schemas.openxmlformats.org/presentationml/2006/main">
   <p:cSld>
     <p:spTree>
@@ -9257,8 +4601,8 @@
           </a:p>
         </p:txBody>
       </p:sp>
-      <mc:AlternateContent xmlns:mc="http://schemas.openxmlformats.org/markup-compatibility/2006">
-        <mc:Choice xmlns:a14="http://schemas.microsoft.com/office/drawing/2010/main" Requires="a14">
+      <mc:AlternateContent xmlns:mc="http://schemas.openxmlformats.org/markup-compatibility/2006" xmlns:a14="http://schemas.microsoft.com/office/drawing/2010/main">
+        <mc:Choice Requires="a14">
           <p:sp>
             <p:nvSpPr>
               <p:cNvPr id="6" name="文字方塊 5"/>
@@ -9587,7 +4931,7 @@
             </p:txBody>
           </p:sp>
         </mc:Choice>
-        <mc:Fallback>
+        <mc:Fallback xmlns="">
           <p:sp>
             <p:nvSpPr>
               <p:cNvPr id="6" name="文字方塊 5"/>
@@ -9729,7 +5073,7 @@
 </p:sld>
 </file>
 
-<file path=ppt/slides/slide26.xml><?xml version="1.0" encoding="utf-8"?>
+<file path=ppt/slides/slide18.xml><?xml version="1.0" encoding="utf-8"?>
 <p:sld xmlns:a="http://schemas.openxmlformats.org/drawingml/2006/main" xmlns:r="http://schemas.openxmlformats.org/officeDocument/2006/relationships" xmlns:p="http://schemas.openxmlformats.org/presentationml/2006/main">
   <p:cSld>
     <p:spTree>
@@ -9822,7 +5166,7 @@
                 <a:ea typeface="標楷體" panose="03000509000000000000" pitchFamily="65" charset="-120"/>
                 <a:cs typeface="Times New Roman" panose="02020603050405020304" pitchFamily="18" charset="0"/>
               </a:rPr>
-              <a:t>在本次的專題中，我們使用</a:t>
+              <a:t>在本專題中，我們使用</a:t>
             </a:r>
             <a:r>
               <a:rPr lang="en-US" altLang="zh-TW" sz="2400" dirty="0">
@@ -9838,7 +5182,23 @@
                 <a:ea typeface="標楷體" panose="03000509000000000000" pitchFamily="65" charset="-120"/>
                 <a:cs typeface="Times New Roman" panose="02020603050405020304" pitchFamily="18" charset="0"/>
               </a:rPr>
-              <a:t>作為產品設計的基底。</a:t>
+              <a:t> </a:t>
+            </a:r>
+            <a:r>
+              <a:rPr lang="en-US" altLang="zh-TW" sz="2400" dirty="0">
+                <a:latin typeface="Times New Roman" panose="02020603050405020304" pitchFamily="18" charset="0"/>
+                <a:ea typeface="標楷體" panose="03000509000000000000" pitchFamily="65" charset="-120"/>
+                <a:cs typeface="Times New Roman" panose="02020603050405020304" pitchFamily="18" charset="0"/>
+              </a:rPr>
+              <a:t>PLM</a:t>
+            </a:r>
+            <a:r>
+              <a:rPr lang="zh-TW" altLang="en-US" sz="2400" dirty="0">
+                <a:latin typeface="Times New Roman" panose="02020603050405020304" pitchFamily="18" charset="0"/>
+                <a:ea typeface="標楷體" panose="03000509000000000000" pitchFamily="65" charset="-120"/>
+                <a:cs typeface="Times New Roman" panose="02020603050405020304" pitchFamily="18" charset="0"/>
+              </a:rPr>
+              <a:t>作為統整管理的工具。</a:t>
             </a:r>
             <a:endParaRPr lang="en-US" altLang="zh-TW" sz="2400" dirty="0">
               <a:latin typeface="Times New Roman" panose="02020603050405020304" pitchFamily="18" charset="0"/>
@@ -10134,7 +5494,7 @@
 </p:sld>
 </file>
 
-<file path=ppt/slides/slide3.xml><?xml version="1.0" encoding="utf-8"?>
+<file path=ppt/slides/slide2.xml><?xml version="1.0" encoding="utf-8"?>
 <p:sld xmlns:a="http://schemas.openxmlformats.org/drawingml/2006/main" xmlns:r="http://schemas.openxmlformats.org/officeDocument/2006/relationships" xmlns:p="http://schemas.openxmlformats.org/presentationml/2006/main">
   <p:cSld>
     <p:spTree>
@@ -10346,7 +5706,730 @@
 </p:sld>
 </file>
 
+<file path=ppt/slides/slide3.xml><?xml version="1.0" encoding="utf-8"?>
+<p:sld xmlns:a="http://schemas.openxmlformats.org/drawingml/2006/main" xmlns:r="http://schemas.openxmlformats.org/officeDocument/2006/relationships" xmlns:p="http://schemas.openxmlformats.org/presentationml/2006/main">
+  <p:cSld>
+    <p:spTree>
+      <p:nvGrpSpPr>
+        <p:cNvPr id="1" name=""/>
+        <p:cNvGrpSpPr/>
+        <p:nvPr/>
+      </p:nvGrpSpPr>
+      <p:grpSpPr>
+        <a:xfrm>
+          <a:off x="0" y="0"/>
+          <a:ext cx="0" cy="0"/>
+          <a:chOff x="0" y="0"/>
+          <a:chExt cx="0" cy="0"/>
+        </a:xfrm>
+      </p:grpSpPr>
+      <p:sp>
+        <p:nvSpPr>
+          <p:cNvPr id="2" name="標題 1">
+            <a:extLst>
+              <a:ext uri="{FF2B5EF4-FFF2-40B4-BE49-F238E27FC236}">
+                <a16:creationId xmlns:a16="http://schemas.microsoft.com/office/drawing/2014/main" id="{56AEE999-F9B2-42C7-AD4F-CDE7FF223DEF}"/>
+              </a:ext>
+            </a:extLst>
+          </p:cNvPr>
+          <p:cNvSpPr>
+            <a:spLocks noGrp="1"/>
+          </p:cNvSpPr>
+          <p:nvPr>
+            <p:ph type="title"/>
+          </p:nvPr>
+        </p:nvSpPr>
+        <p:spPr/>
+        <p:txBody>
+          <a:bodyPr/>
+          <a:lstStyle/>
+          <a:p>
+            <a:r>
+              <a:rPr lang="en-US" altLang="zh-TW" b="1" dirty="0">
+                <a:latin typeface="Times New Roman" panose="02020603050405020304" pitchFamily="18" charset="0"/>
+                <a:ea typeface="標楷體" panose="03000509000000000000" pitchFamily="65" charset="-120"/>
+                <a:cs typeface="Times New Roman" panose="02020603050405020304" pitchFamily="18" charset="0"/>
+                <a:hlinkClick r:id="rId2"/>
+              </a:rPr>
+              <a:t>ODOO PLM</a:t>
+            </a:r>
+            <a:r>
+              <a:rPr lang="zh-TW" altLang="en-US" b="1" dirty="0">
+                <a:latin typeface="Times New Roman" panose="02020603050405020304" pitchFamily="18" charset="0"/>
+                <a:ea typeface="標楷體" panose="03000509000000000000" pitchFamily="65" charset="-120"/>
+                <a:cs typeface="Times New Roman" panose="02020603050405020304" pitchFamily="18" charset="0"/>
+                <a:hlinkClick r:id="rId2"/>
+              </a:rPr>
+              <a:t>模組</a:t>
+            </a:r>
+            <a:endParaRPr lang="zh-TW" altLang="en-US" b="1" dirty="0">
+              <a:latin typeface="Times New Roman" panose="02020603050405020304" pitchFamily="18" charset="0"/>
+              <a:ea typeface="標楷體" panose="03000509000000000000" pitchFamily="65" charset="-120"/>
+              <a:cs typeface="Times New Roman" panose="02020603050405020304" pitchFamily="18" charset="0"/>
+            </a:endParaRPr>
+          </a:p>
+        </p:txBody>
+      </p:sp>
+      <p:sp>
+        <p:nvSpPr>
+          <p:cNvPr id="3" name="內容版面配置區 2">
+            <a:extLst>
+              <a:ext uri="{FF2B5EF4-FFF2-40B4-BE49-F238E27FC236}">
+                <a16:creationId xmlns:a16="http://schemas.microsoft.com/office/drawing/2014/main" id="{36B982BC-3A31-4F48-97A0-241B844D4B0E}"/>
+              </a:ext>
+            </a:extLst>
+          </p:cNvPr>
+          <p:cNvSpPr>
+            <a:spLocks noGrp="1"/>
+          </p:cNvSpPr>
+          <p:nvPr>
+            <p:ph idx="1"/>
+          </p:nvPr>
+        </p:nvSpPr>
+        <p:spPr>
+          <a:xfrm>
+            <a:off x="838200" y="1825625"/>
+            <a:ext cx="5257800" cy="4351338"/>
+          </a:xfrm>
+        </p:spPr>
+        <p:txBody>
+          <a:bodyPr>
+            <a:normAutofit/>
+          </a:bodyPr>
+          <a:lstStyle/>
+          <a:p>
+            <a:pPr marL="0" indent="0">
+              <a:buNone/>
+            </a:pPr>
+            <a:r>
+              <a:rPr lang="en-US" altLang="zh-TW" dirty="0">
+                <a:latin typeface="Times New Roman" panose="02020603050405020304" pitchFamily="18" charset="0"/>
+                <a:ea typeface="標楷體" panose="03000509000000000000" pitchFamily="65" charset="-120"/>
+                <a:cs typeface="Times New Roman" panose="02020603050405020304" pitchFamily="18" charset="0"/>
+              </a:rPr>
+              <a:t>	Odoo </a:t>
+            </a:r>
+            <a:r>
+              <a:rPr lang="zh-TW" altLang="en-US" dirty="0">
+                <a:latin typeface="Times New Roman" panose="02020603050405020304" pitchFamily="18" charset="0"/>
+                <a:ea typeface="標楷體" panose="03000509000000000000" pitchFamily="65" charset="-120"/>
+                <a:cs typeface="Times New Roman" panose="02020603050405020304" pitchFamily="18" charset="0"/>
+              </a:rPr>
+              <a:t>產品生命週期管理</a:t>
+            </a:r>
+            <a:r>
+              <a:rPr lang="en-US" altLang="zh-TW" dirty="0">
+                <a:latin typeface="Times New Roman" panose="02020603050405020304" pitchFamily="18" charset="0"/>
+                <a:ea typeface="標楷體" panose="03000509000000000000" pitchFamily="65" charset="-120"/>
+                <a:cs typeface="Times New Roman" panose="02020603050405020304" pitchFamily="18" charset="0"/>
+              </a:rPr>
+              <a:t>(PLM) </a:t>
+            </a:r>
+            <a:r>
+              <a:rPr lang="zh-TW" altLang="en-US" dirty="0">
+                <a:latin typeface="Times New Roman" panose="02020603050405020304" pitchFamily="18" charset="0"/>
+                <a:ea typeface="標楷體" panose="03000509000000000000" pitchFamily="65" charset="-120"/>
+                <a:cs typeface="Times New Roman" panose="02020603050405020304" pitchFamily="18" charset="0"/>
+              </a:rPr>
+              <a:t>模組可以幫助企業對於產品的生命週期管理：從客戶需求→ 設計開發→ 產品測試→ 大量生產→ 產品維護→ 產品停產下架。</a:t>
+            </a:r>
+          </a:p>
+        </p:txBody>
+      </p:sp>
+      <p:pic>
+        <p:nvPicPr>
+          <p:cNvPr id="5" name="圖片 4">
+            <a:extLst>
+              <a:ext uri="{FF2B5EF4-FFF2-40B4-BE49-F238E27FC236}">
+                <a16:creationId xmlns:a16="http://schemas.microsoft.com/office/drawing/2014/main" id="{FE121FB4-FD8D-4F65-83BE-1C8794F3EE04}"/>
+              </a:ext>
+            </a:extLst>
+          </p:cNvPr>
+          <p:cNvPicPr>
+            <a:picLocks noChangeAspect="1"/>
+          </p:cNvPicPr>
+          <p:nvPr/>
+        </p:nvPicPr>
+        <p:blipFill>
+          <a:blip r:embed="rId3">
+            <a:extLst>
+              <a:ext uri="{28A0092B-C50C-407E-A947-70E740481C1C}">
+                <a14:useLocalDpi xmlns:a14="http://schemas.microsoft.com/office/drawing/2010/main" val="0"/>
+              </a:ext>
+            </a:extLst>
+          </a:blip>
+          <a:stretch>
+            <a:fillRect/>
+          </a:stretch>
+        </p:blipFill>
+        <p:spPr>
+          <a:xfrm>
+            <a:off x="838200" y="4706074"/>
+            <a:ext cx="1663717" cy="1663717"/>
+          </a:xfrm>
+          <a:prstGeom prst="rect">
+            <a:avLst/>
+          </a:prstGeom>
+        </p:spPr>
+      </p:pic>
+      <p:sp>
+        <p:nvSpPr>
+          <p:cNvPr id="4" name="矩形 3">
+            <a:extLst>
+              <a:ext uri="{FF2B5EF4-FFF2-40B4-BE49-F238E27FC236}">
+                <a16:creationId xmlns:a16="http://schemas.microsoft.com/office/drawing/2014/main" id="{357FF524-B3A4-4A58-9DFD-74F8494762D8}"/>
+              </a:ext>
+            </a:extLst>
+          </p:cNvPr>
+          <p:cNvSpPr/>
+          <p:nvPr/>
+        </p:nvSpPr>
+        <p:spPr>
+          <a:xfrm>
+            <a:off x="2501917" y="5076268"/>
+            <a:ext cx="9034846" cy="923330"/>
+          </a:xfrm>
+          <a:prstGeom prst="rect">
+            <a:avLst/>
+          </a:prstGeom>
+          <a:noFill/>
+        </p:spPr>
+        <p:txBody>
+          <a:bodyPr wrap="none" lIns="91440" tIns="45720" rIns="91440" bIns="45720">
+            <a:spAutoFit/>
+          </a:bodyPr>
+          <a:lstStyle/>
+          <a:p>
+            <a:pPr algn="ctr"/>
+            <a:r>
+              <a:rPr lang="en-US" altLang="zh-TW" sz="5400" b="1" cap="none" spc="0" dirty="0">
+                <a:ln w="22225">
+                  <a:solidFill>
+                    <a:schemeClr val="accent2"/>
+                  </a:solidFill>
+                  <a:prstDash val="solid"/>
+                </a:ln>
+                <a:solidFill>
+                  <a:schemeClr val="accent2">
+                    <a:lumMod val="40000"/>
+                    <a:lumOff val="60000"/>
+                  </a:schemeClr>
+                </a:solidFill>
+                <a:effectLst/>
+              </a:rPr>
+              <a:t>Product Lifecycle Management</a:t>
+            </a:r>
+            <a:endParaRPr lang="zh-TW" altLang="en-US" sz="5400" b="1" cap="none" spc="0" dirty="0">
+              <a:ln w="22225">
+                <a:solidFill>
+                  <a:schemeClr val="accent2"/>
+                </a:solidFill>
+                <a:prstDash val="solid"/>
+              </a:ln>
+              <a:solidFill>
+                <a:schemeClr val="accent2">
+                  <a:lumMod val="40000"/>
+                  <a:lumOff val="60000"/>
+                </a:schemeClr>
+              </a:solidFill>
+              <a:effectLst/>
+            </a:endParaRPr>
+          </a:p>
+        </p:txBody>
+      </p:sp>
+      <p:pic>
+        <p:nvPicPr>
+          <p:cNvPr id="7" name="圖片 6">
+            <a:extLst>
+              <a:ext uri="{FF2B5EF4-FFF2-40B4-BE49-F238E27FC236}">
+                <a16:creationId xmlns:a16="http://schemas.microsoft.com/office/drawing/2014/main" id="{AC46AC89-F244-4CC0-BFBA-D6D0B3820CD0}"/>
+              </a:ext>
+            </a:extLst>
+          </p:cNvPr>
+          <p:cNvPicPr>
+            <a:picLocks noChangeAspect="1"/>
+          </p:cNvPicPr>
+          <p:nvPr/>
+        </p:nvPicPr>
+        <p:blipFill>
+          <a:blip r:embed="rId4" cstate="print">
+            <a:extLst>
+              <a:ext uri="{28A0092B-C50C-407E-A947-70E740481C1C}">
+                <a14:useLocalDpi xmlns:a14="http://schemas.microsoft.com/office/drawing/2010/main" val="0"/>
+              </a:ext>
+            </a:extLst>
+          </a:blip>
+          <a:stretch>
+            <a:fillRect/>
+          </a:stretch>
+        </p:blipFill>
+        <p:spPr>
+          <a:xfrm>
+            <a:off x="6096000" y="1449617"/>
+            <a:ext cx="5096666" cy="3397777"/>
+          </a:xfrm>
+          <a:prstGeom prst="rect">
+            <a:avLst/>
+          </a:prstGeom>
+        </p:spPr>
+      </p:pic>
+      <p:grpSp>
+        <p:nvGrpSpPr>
+          <p:cNvPr id="8" name="群組 7"/>
+          <p:cNvGrpSpPr/>
+          <p:nvPr/>
+        </p:nvGrpSpPr>
+        <p:grpSpPr>
+          <a:xfrm>
+            <a:off x="728583" y="6083025"/>
+            <a:ext cx="4377730" cy="646331"/>
+            <a:chOff x="793422" y="5945045"/>
+            <a:chExt cx="4377730" cy="646331"/>
+          </a:xfrm>
+        </p:grpSpPr>
+        <p:pic>
+          <p:nvPicPr>
+            <p:cNvPr id="9" name="圖片 8"/>
+            <p:cNvPicPr>
+              <a:picLocks noChangeAspect="1"/>
+            </p:cNvPicPr>
+            <p:nvPr/>
+          </p:nvPicPr>
+          <p:blipFill>
+            <a:blip r:embed="rId5" cstate="print">
+              <a:extLst>
+                <a:ext uri="{28A0092B-C50C-407E-A947-70E740481C1C}">
+                  <a14:useLocalDpi xmlns:a14="http://schemas.microsoft.com/office/drawing/2010/main" val="0"/>
+                </a:ext>
+              </a:extLst>
+            </a:blip>
+            <a:stretch>
+              <a:fillRect/>
+            </a:stretch>
+          </p:blipFill>
+          <p:spPr>
+            <a:xfrm>
+              <a:off x="793422" y="6031991"/>
+              <a:ext cx="730578" cy="472440"/>
+            </a:xfrm>
+            <a:prstGeom prst="rect">
+              <a:avLst/>
+            </a:prstGeom>
+          </p:spPr>
+        </p:pic>
+        <p:sp>
+          <p:nvSpPr>
+            <p:cNvPr id="10" name="文字方塊 9"/>
+            <p:cNvSpPr txBox="1"/>
+            <p:nvPr/>
+          </p:nvSpPr>
+          <p:spPr>
+            <a:xfrm>
+              <a:off x="1524000" y="5945045"/>
+              <a:ext cx="3647152" cy="646331"/>
+            </a:xfrm>
+            <a:prstGeom prst="rect">
+              <a:avLst/>
+            </a:prstGeom>
+            <a:noFill/>
+          </p:spPr>
+          <p:txBody>
+            <a:bodyPr wrap="none" rtlCol="0">
+              <a:spAutoFit/>
+            </a:bodyPr>
+            <a:lstStyle/>
+            <a:p>
+              <a:r>
+                <a:rPr lang="zh-TW" altLang="en-US" dirty="0">
+                  <a:latin typeface="標楷體" panose="03000509000000000000" pitchFamily="65" charset="-120"/>
+                  <a:ea typeface="標楷體" panose="03000509000000000000" pitchFamily="65" charset="-120"/>
+                </a:rPr>
+                <a:t>國立虎尾科技大學</a:t>
+              </a:r>
+              <a:endParaRPr lang="en-US" altLang="zh-TW" dirty="0">
+                <a:latin typeface="標楷體" panose="03000509000000000000" pitchFamily="65" charset="-120"/>
+                <a:ea typeface="標楷體" panose="03000509000000000000" pitchFamily="65" charset="-120"/>
+              </a:endParaRPr>
+            </a:p>
+            <a:p>
+              <a:r>
+                <a:rPr lang="zh-TW" altLang="en-US" dirty="0">
+                  <a:latin typeface="標楷體" panose="03000509000000000000" pitchFamily="65" charset="-120"/>
+                  <a:ea typeface="標楷體" panose="03000509000000000000" pitchFamily="65" charset="-120"/>
+                </a:rPr>
+                <a:t>機械設計工程系暨精密機械工程科</a:t>
+              </a:r>
+            </a:p>
+          </p:txBody>
+        </p:sp>
+      </p:grpSp>
+    </p:spTree>
+    <p:extLst>
+      <p:ext uri="{BB962C8B-B14F-4D97-AF65-F5344CB8AC3E}">
+        <p14:creationId xmlns:p14="http://schemas.microsoft.com/office/powerpoint/2010/main" val="3695143530"/>
+      </p:ext>
+    </p:extLst>
+  </p:cSld>
+  <p:clrMapOvr>
+    <a:masterClrMapping/>
+  </p:clrMapOvr>
+</p:sld>
+</file>
+
 <file path=ppt/slides/slide4.xml><?xml version="1.0" encoding="utf-8"?>
+<p:sld xmlns:a="http://schemas.openxmlformats.org/drawingml/2006/main" xmlns:r="http://schemas.openxmlformats.org/officeDocument/2006/relationships" xmlns:p="http://schemas.openxmlformats.org/presentationml/2006/main">
+  <p:cSld>
+    <p:spTree>
+      <p:nvGrpSpPr>
+        <p:cNvPr id="1" name=""/>
+        <p:cNvGrpSpPr/>
+        <p:nvPr/>
+      </p:nvGrpSpPr>
+      <p:grpSpPr>
+        <a:xfrm>
+          <a:off x="0" y="0"/>
+          <a:ext cx="0" cy="0"/>
+          <a:chOff x="0" y="0"/>
+          <a:chExt cx="0" cy="0"/>
+        </a:xfrm>
+      </p:grpSpPr>
+      <p:sp>
+        <p:nvSpPr>
+          <p:cNvPr id="2" name="標題 1">
+            <a:extLst>
+              <a:ext uri="{FF2B5EF4-FFF2-40B4-BE49-F238E27FC236}">
+                <a16:creationId xmlns:a16="http://schemas.microsoft.com/office/drawing/2014/main" id="{56AEE999-F9B2-42C7-AD4F-CDE7FF223DEF}"/>
+              </a:ext>
+            </a:extLst>
+          </p:cNvPr>
+          <p:cNvSpPr>
+            <a:spLocks noGrp="1"/>
+          </p:cNvSpPr>
+          <p:nvPr>
+            <p:ph type="title"/>
+          </p:nvPr>
+        </p:nvSpPr>
+        <p:spPr/>
+        <p:txBody>
+          <a:bodyPr/>
+          <a:lstStyle/>
+          <a:p>
+            <a:r>
+              <a:rPr lang="en-US" altLang="zh-TW" b="1" dirty="0">
+                <a:latin typeface="Times New Roman" panose="02020603050405020304" pitchFamily="18" charset="0"/>
+                <a:ea typeface="標楷體" panose="03000509000000000000" pitchFamily="65" charset="-120"/>
+                <a:cs typeface="Times New Roman" panose="02020603050405020304" pitchFamily="18" charset="0"/>
+                <a:hlinkClick r:id="rId2"/>
+              </a:rPr>
+              <a:t>ODOO PLM</a:t>
+            </a:r>
+            <a:r>
+              <a:rPr lang="zh-TW" altLang="en-US" b="1" dirty="0">
+                <a:latin typeface="Times New Roman" panose="02020603050405020304" pitchFamily="18" charset="0"/>
+                <a:ea typeface="標楷體" panose="03000509000000000000" pitchFamily="65" charset="-120"/>
+                <a:cs typeface="Times New Roman" panose="02020603050405020304" pitchFamily="18" charset="0"/>
+                <a:hlinkClick r:id="rId2"/>
+              </a:rPr>
+              <a:t>模組</a:t>
+            </a:r>
+            <a:endParaRPr lang="zh-TW" altLang="en-US" b="1" dirty="0">
+              <a:latin typeface="Times New Roman" panose="02020603050405020304" pitchFamily="18" charset="0"/>
+              <a:ea typeface="標楷體" panose="03000509000000000000" pitchFamily="65" charset="-120"/>
+              <a:cs typeface="Times New Roman" panose="02020603050405020304" pitchFamily="18" charset="0"/>
+            </a:endParaRPr>
+          </a:p>
+        </p:txBody>
+      </p:sp>
+      <p:sp>
+        <p:nvSpPr>
+          <p:cNvPr id="3" name="內容版面配置區 2">
+            <a:extLst>
+              <a:ext uri="{FF2B5EF4-FFF2-40B4-BE49-F238E27FC236}">
+                <a16:creationId xmlns:a16="http://schemas.microsoft.com/office/drawing/2014/main" id="{36B982BC-3A31-4F48-97A0-241B844D4B0E}"/>
+              </a:ext>
+            </a:extLst>
+          </p:cNvPr>
+          <p:cNvSpPr>
+            <a:spLocks noGrp="1"/>
+          </p:cNvSpPr>
+          <p:nvPr>
+            <p:ph idx="1"/>
+          </p:nvPr>
+        </p:nvSpPr>
+        <p:spPr>
+          <a:xfrm>
+            <a:off x="838201" y="1825625"/>
+            <a:ext cx="5006788" cy="4351338"/>
+          </a:xfrm>
+        </p:spPr>
+        <p:txBody>
+          <a:bodyPr>
+            <a:normAutofit/>
+          </a:bodyPr>
+          <a:lstStyle/>
+          <a:p>
+            <a:pPr marL="0" indent="0">
+              <a:buNone/>
+            </a:pPr>
+            <a:r>
+              <a:rPr lang="en-US" altLang="zh-TW" dirty="0">
+                <a:latin typeface="Times New Roman" panose="02020603050405020304" pitchFamily="18" charset="0"/>
+                <a:ea typeface="標楷體" panose="03000509000000000000" pitchFamily="65" charset="-120"/>
+                <a:cs typeface="Times New Roman" panose="02020603050405020304" pitchFamily="18" charset="0"/>
+              </a:rPr>
+              <a:t>	PLM </a:t>
+            </a:r>
+            <a:r>
+              <a:rPr lang="zh-TW" altLang="en-US" dirty="0">
+                <a:latin typeface="Times New Roman" panose="02020603050405020304" pitchFamily="18" charset="0"/>
+                <a:ea typeface="標楷體" panose="03000509000000000000" pitchFamily="65" charset="-120"/>
+                <a:cs typeface="Times New Roman" panose="02020603050405020304" pitchFamily="18" charset="0"/>
+              </a:rPr>
+              <a:t>模組中可以為這個工作項目指派負責人員以及完成所需時間，負責這個項目的人員就可以對進度進行提交、修改，每次項目提交都會以歷史紀錄保存，方便團隊追溯產品的修改紀錄。</a:t>
+            </a:r>
+          </a:p>
+        </p:txBody>
+      </p:sp>
+      <p:pic>
+        <p:nvPicPr>
+          <p:cNvPr id="5" name="圖片 4">
+            <a:extLst>
+              <a:ext uri="{FF2B5EF4-FFF2-40B4-BE49-F238E27FC236}">
+                <a16:creationId xmlns:a16="http://schemas.microsoft.com/office/drawing/2014/main" id="{FE121FB4-FD8D-4F65-83BE-1C8794F3EE04}"/>
+              </a:ext>
+            </a:extLst>
+          </p:cNvPr>
+          <p:cNvPicPr>
+            <a:picLocks noChangeAspect="1"/>
+          </p:cNvPicPr>
+          <p:nvPr/>
+        </p:nvPicPr>
+        <p:blipFill>
+          <a:blip r:embed="rId3">
+            <a:extLst>
+              <a:ext uri="{28A0092B-C50C-407E-A947-70E740481C1C}">
+                <a14:useLocalDpi xmlns:a14="http://schemas.microsoft.com/office/drawing/2010/main" val="0"/>
+              </a:ext>
+            </a:extLst>
+          </a:blip>
+          <a:stretch>
+            <a:fillRect/>
+          </a:stretch>
+        </p:blipFill>
+        <p:spPr>
+          <a:xfrm>
+            <a:off x="838200" y="4706083"/>
+            <a:ext cx="1663717" cy="1663717"/>
+          </a:xfrm>
+          <a:prstGeom prst="rect">
+            <a:avLst/>
+          </a:prstGeom>
+        </p:spPr>
+      </p:pic>
+      <p:sp>
+        <p:nvSpPr>
+          <p:cNvPr id="4" name="矩形 3">
+            <a:extLst>
+              <a:ext uri="{FF2B5EF4-FFF2-40B4-BE49-F238E27FC236}">
+                <a16:creationId xmlns:a16="http://schemas.microsoft.com/office/drawing/2014/main" id="{357FF524-B3A4-4A58-9DFD-74F8494762D8}"/>
+              </a:ext>
+            </a:extLst>
+          </p:cNvPr>
+          <p:cNvSpPr/>
+          <p:nvPr/>
+        </p:nvSpPr>
+        <p:spPr>
+          <a:xfrm>
+            <a:off x="2501917" y="5076277"/>
+            <a:ext cx="9034846" cy="923330"/>
+          </a:xfrm>
+          <a:prstGeom prst="rect">
+            <a:avLst/>
+          </a:prstGeom>
+          <a:noFill/>
+        </p:spPr>
+        <p:txBody>
+          <a:bodyPr wrap="none" lIns="91440" tIns="45720" rIns="91440" bIns="45720">
+            <a:spAutoFit/>
+          </a:bodyPr>
+          <a:lstStyle/>
+          <a:p>
+            <a:pPr algn="ctr"/>
+            <a:r>
+              <a:rPr lang="en-US" altLang="zh-TW" sz="5400" b="1" cap="none" spc="0" dirty="0">
+                <a:ln w="22225">
+                  <a:solidFill>
+                    <a:schemeClr val="accent2"/>
+                  </a:solidFill>
+                  <a:prstDash val="solid"/>
+                </a:ln>
+                <a:solidFill>
+                  <a:schemeClr val="accent2">
+                    <a:lumMod val="40000"/>
+                    <a:lumOff val="60000"/>
+                  </a:schemeClr>
+                </a:solidFill>
+                <a:effectLst/>
+              </a:rPr>
+              <a:t>Product Lifecycle Management</a:t>
+            </a:r>
+            <a:endParaRPr lang="zh-TW" altLang="en-US" sz="5400" b="1" cap="none" spc="0" dirty="0">
+              <a:ln w="22225">
+                <a:solidFill>
+                  <a:schemeClr val="accent2"/>
+                </a:solidFill>
+                <a:prstDash val="solid"/>
+              </a:ln>
+              <a:solidFill>
+                <a:schemeClr val="accent2">
+                  <a:lumMod val="40000"/>
+                  <a:lumOff val="60000"/>
+                </a:schemeClr>
+              </a:solidFill>
+              <a:effectLst/>
+            </a:endParaRPr>
+          </a:p>
+        </p:txBody>
+      </p:sp>
+      <p:pic>
+        <p:nvPicPr>
+          <p:cNvPr id="7" name="圖片 6">
+            <a:extLst>
+              <a:ext uri="{FF2B5EF4-FFF2-40B4-BE49-F238E27FC236}">
+                <a16:creationId xmlns:a16="http://schemas.microsoft.com/office/drawing/2014/main" id="{31458913-0BB3-45E2-A37C-00D69F243A5C}"/>
+              </a:ext>
+            </a:extLst>
+          </p:cNvPr>
+          <p:cNvPicPr>
+            <a:picLocks noChangeAspect="1"/>
+          </p:cNvPicPr>
+          <p:nvPr/>
+        </p:nvPicPr>
+        <p:blipFill rotWithShape="1">
+          <a:blip r:embed="rId4">
+            <a:extLst>
+              <a:ext uri="{28A0092B-C50C-407E-A947-70E740481C1C}">
+                <a14:useLocalDpi xmlns:a14="http://schemas.microsoft.com/office/drawing/2010/main" val="0"/>
+              </a:ext>
+            </a:extLst>
+          </a:blip>
+          <a:srcRect l="-1" t="-860" r="33584" b="41885"/>
+          <a:stretch/>
+        </p:blipFill>
+        <p:spPr>
+          <a:xfrm>
+            <a:off x="6096000" y="1825625"/>
+            <a:ext cx="5655735" cy="2661708"/>
+          </a:xfrm>
+          <a:prstGeom prst="rect">
+            <a:avLst/>
+          </a:prstGeom>
+        </p:spPr>
+      </p:pic>
+      <p:grpSp>
+        <p:nvGrpSpPr>
+          <p:cNvPr id="8" name="群組 7"/>
+          <p:cNvGrpSpPr/>
+          <p:nvPr/>
+        </p:nvGrpSpPr>
+        <p:grpSpPr>
+          <a:xfrm>
+            <a:off x="728583" y="6083025"/>
+            <a:ext cx="4377730" cy="646331"/>
+            <a:chOff x="793422" y="5945045"/>
+            <a:chExt cx="4377730" cy="646331"/>
+          </a:xfrm>
+        </p:grpSpPr>
+        <p:pic>
+          <p:nvPicPr>
+            <p:cNvPr id="9" name="圖片 8"/>
+            <p:cNvPicPr>
+              <a:picLocks noChangeAspect="1"/>
+            </p:cNvPicPr>
+            <p:nvPr/>
+          </p:nvPicPr>
+          <p:blipFill>
+            <a:blip r:embed="rId5" cstate="print">
+              <a:extLst>
+                <a:ext uri="{28A0092B-C50C-407E-A947-70E740481C1C}">
+                  <a14:useLocalDpi xmlns:a14="http://schemas.microsoft.com/office/drawing/2010/main" val="0"/>
+                </a:ext>
+              </a:extLst>
+            </a:blip>
+            <a:stretch>
+              <a:fillRect/>
+            </a:stretch>
+          </p:blipFill>
+          <p:spPr>
+            <a:xfrm>
+              <a:off x="793422" y="6031991"/>
+              <a:ext cx="730578" cy="472440"/>
+            </a:xfrm>
+            <a:prstGeom prst="rect">
+              <a:avLst/>
+            </a:prstGeom>
+          </p:spPr>
+        </p:pic>
+        <p:sp>
+          <p:nvSpPr>
+            <p:cNvPr id="10" name="文字方塊 9"/>
+            <p:cNvSpPr txBox="1"/>
+            <p:nvPr/>
+          </p:nvSpPr>
+          <p:spPr>
+            <a:xfrm>
+              <a:off x="1524000" y="5945045"/>
+              <a:ext cx="3647152" cy="646331"/>
+            </a:xfrm>
+            <a:prstGeom prst="rect">
+              <a:avLst/>
+            </a:prstGeom>
+            <a:noFill/>
+          </p:spPr>
+          <p:txBody>
+            <a:bodyPr wrap="none" rtlCol="0">
+              <a:spAutoFit/>
+            </a:bodyPr>
+            <a:lstStyle/>
+            <a:p>
+              <a:r>
+                <a:rPr lang="zh-TW" altLang="en-US" dirty="0">
+                  <a:latin typeface="標楷體" panose="03000509000000000000" pitchFamily="65" charset="-120"/>
+                  <a:ea typeface="標楷體" panose="03000509000000000000" pitchFamily="65" charset="-120"/>
+                </a:rPr>
+                <a:t>國立虎尾科技大學</a:t>
+              </a:r>
+              <a:endParaRPr lang="en-US" altLang="zh-TW" dirty="0">
+                <a:latin typeface="標楷體" panose="03000509000000000000" pitchFamily="65" charset="-120"/>
+                <a:ea typeface="標楷體" panose="03000509000000000000" pitchFamily="65" charset="-120"/>
+              </a:endParaRPr>
+            </a:p>
+            <a:p>
+              <a:r>
+                <a:rPr lang="zh-TW" altLang="en-US" dirty="0">
+                  <a:latin typeface="標楷體" panose="03000509000000000000" pitchFamily="65" charset="-120"/>
+                  <a:ea typeface="標楷體" panose="03000509000000000000" pitchFamily="65" charset="-120"/>
+                </a:rPr>
+                <a:t>機械設計工程系暨精密機械工程科</a:t>
+              </a:r>
+            </a:p>
+          </p:txBody>
+        </p:sp>
+      </p:grpSp>
+    </p:spTree>
+    <p:extLst>
+      <p:ext uri="{BB962C8B-B14F-4D97-AF65-F5344CB8AC3E}">
+        <p14:creationId xmlns:p14="http://schemas.microsoft.com/office/powerpoint/2010/main" val="894244134"/>
+      </p:ext>
+    </p:extLst>
+  </p:cSld>
+  <p:clrMapOvr>
+    <a:masterClrMapping/>
+  </p:clrMapOvr>
+</p:sld>
+</file>
+
+<file path=ppt/slides/slide5.xml><?xml version="1.0" encoding="utf-8"?>
 <p:sld xmlns:a="http://schemas.openxmlformats.org/drawingml/2006/main" xmlns:r="http://schemas.openxmlformats.org/officeDocument/2006/relationships" xmlns:p="http://schemas.openxmlformats.org/presentationml/2006/main">
   <p:cSld>
     <p:spTree>
@@ -10714,716 +6797,7 @@
 </p:sld>
 </file>
 
-<file path=ppt/slides/slide5.xml><?xml version="1.0" encoding="utf-8"?>
-<p:sld xmlns:a="http://schemas.openxmlformats.org/drawingml/2006/main" xmlns:r="http://schemas.openxmlformats.org/officeDocument/2006/relationships" xmlns:p="http://schemas.openxmlformats.org/presentationml/2006/main">
-  <p:cSld>
-    <p:spTree>
-      <p:nvGrpSpPr>
-        <p:cNvPr id="1" name=""/>
-        <p:cNvGrpSpPr/>
-        <p:nvPr/>
-      </p:nvGrpSpPr>
-      <p:grpSpPr>
-        <a:xfrm>
-          <a:off x="0" y="0"/>
-          <a:ext cx="0" cy="0"/>
-          <a:chOff x="0" y="0"/>
-          <a:chExt cx="0" cy="0"/>
-        </a:xfrm>
-      </p:grpSpPr>
-      <p:sp>
-        <p:nvSpPr>
-          <p:cNvPr id="2" name="標題 1">
-            <a:extLst>
-              <a:ext uri="{FF2B5EF4-FFF2-40B4-BE49-F238E27FC236}">
-                <a16:creationId xmlns:a16="http://schemas.microsoft.com/office/drawing/2014/main" id="{56AEE999-F9B2-42C7-AD4F-CDE7FF223DEF}"/>
-              </a:ext>
-            </a:extLst>
-          </p:cNvPr>
-          <p:cNvSpPr>
-            <a:spLocks noGrp="1"/>
-          </p:cNvSpPr>
-          <p:nvPr>
-            <p:ph type="title"/>
-          </p:nvPr>
-        </p:nvSpPr>
-        <p:spPr/>
-        <p:txBody>
-          <a:bodyPr/>
-          <a:lstStyle/>
-          <a:p>
-            <a:r>
-              <a:rPr lang="en-US" altLang="zh-TW" b="1" dirty="0">
-                <a:latin typeface="Times New Roman" panose="02020603050405020304" pitchFamily="18" charset="0"/>
-                <a:ea typeface="標楷體" panose="03000509000000000000" pitchFamily="65" charset="-120"/>
-                <a:cs typeface="Times New Roman" panose="02020603050405020304" pitchFamily="18" charset="0"/>
-              </a:rPr>
-              <a:t>ODOO PLM</a:t>
-            </a:r>
-            <a:r>
-              <a:rPr lang="zh-TW" altLang="en-US" b="1" dirty="0">
-                <a:latin typeface="Times New Roman" panose="02020603050405020304" pitchFamily="18" charset="0"/>
-                <a:ea typeface="標楷體" panose="03000509000000000000" pitchFamily="65" charset="-120"/>
-                <a:cs typeface="Times New Roman" panose="02020603050405020304" pitchFamily="18" charset="0"/>
-              </a:rPr>
-              <a:t>模組</a:t>
-            </a:r>
-          </a:p>
-        </p:txBody>
-      </p:sp>
-      <p:sp>
-        <p:nvSpPr>
-          <p:cNvPr id="3" name="內容版面配置區 2">
-            <a:extLst>
-              <a:ext uri="{FF2B5EF4-FFF2-40B4-BE49-F238E27FC236}">
-                <a16:creationId xmlns:a16="http://schemas.microsoft.com/office/drawing/2014/main" id="{36B982BC-3A31-4F48-97A0-241B844D4B0E}"/>
-              </a:ext>
-            </a:extLst>
-          </p:cNvPr>
-          <p:cNvSpPr>
-            <a:spLocks noGrp="1"/>
-          </p:cNvSpPr>
-          <p:nvPr>
-            <p:ph idx="1"/>
-          </p:nvPr>
-        </p:nvSpPr>
-        <p:spPr>
-          <a:xfrm>
-            <a:off x="838200" y="1825625"/>
-            <a:ext cx="5257800" cy="4351338"/>
-          </a:xfrm>
-        </p:spPr>
-        <p:txBody>
-          <a:bodyPr>
-            <a:normAutofit/>
-          </a:bodyPr>
-          <a:lstStyle/>
-          <a:p>
-            <a:pPr marL="0" indent="0">
-              <a:buNone/>
-            </a:pPr>
-            <a:r>
-              <a:rPr lang="en-US" altLang="zh-TW" dirty="0">
-                <a:latin typeface="Times New Roman" panose="02020603050405020304" pitchFamily="18" charset="0"/>
-                <a:ea typeface="標楷體" panose="03000509000000000000" pitchFamily="65" charset="-120"/>
-                <a:cs typeface="Times New Roman" panose="02020603050405020304" pitchFamily="18" charset="0"/>
-              </a:rPr>
-              <a:t>	Odoo </a:t>
-            </a:r>
-            <a:r>
-              <a:rPr lang="zh-TW" altLang="en-US" dirty="0">
-                <a:latin typeface="Times New Roman" panose="02020603050405020304" pitchFamily="18" charset="0"/>
-                <a:ea typeface="標楷體" panose="03000509000000000000" pitchFamily="65" charset="-120"/>
-                <a:cs typeface="Times New Roman" panose="02020603050405020304" pitchFamily="18" charset="0"/>
-              </a:rPr>
-              <a:t>產品生命週期管理</a:t>
-            </a:r>
-            <a:r>
-              <a:rPr lang="en-US" altLang="zh-TW" dirty="0">
-                <a:latin typeface="Times New Roman" panose="02020603050405020304" pitchFamily="18" charset="0"/>
-                <a:ea typeface="標楷體" panose="03000509000000000000" pitchFamily="65" charset="-120"/>
-                <a:cs typeface="Times New Roman" panose="02020603050405020304" pitchFamily="18" charset="0"/>
-              </a:rPr>
-              <a:t>(PLM) </a:t>
-            </a:r>
-            <a:r>
-              <a:rPr lang="zh-TW" altLang="en-US" dirty="0">
-                <a:latin typeface="Times New Roman" panose="02020603050405020304" pitchFamily="18" charset="0"/>
-                <a:ea typeface="標楷體" panose="03000509000000000000" pitchFamily="65" charset="-120"/>
-                <a:cs typeface="Times New Roman" panose="02020603050405020304" pitchFamily="18" charset="0"/>
-              </a:rPr>
-              <a:t>模組可以幫助企業對於產品的生命週期管理：從客戶需求→ 設計開發→ 產品測試→ 大量生產→ 產品維護→ 產品停產下架。</a:t>
-            </a:r>
-          </a:p>
-        </p:txBody>
-      </p:sp>
-      <p:pic>
-        <p:nvPicPr>
-          <p:cNvPr id="5" name="圖片 4">
-            <a:extLst>
-              <a:ext uri="{FF2B5EF4-FFF2-40B4-BE49-F238E27FC236}">
-                <a16:creationId xmlns:a16="http://schemas.microsoft.com/office/drawing/2014/main" id="{FE121FB4-FD8D-4F65-83BE-1C8794F3EE04}"/>
-              </a:ext>
-            </a:extLst>
-          </p:cNvPr>
-          <p:cNvPicPr>
-            <a:picLocks noChangeAspect="1"/>
-          </p:cNvPicPr>
-          <p:nvPr/>
-        </p:nvPicPr>
-        <p:blipFill>
-          <a:blip r:embed="rId2">
-            <a:extLst>
-              <a:ext uri="{28A0092B-C50C-407E-A947-70E740481C1C}">
-                <a14:useLocalDpi xmlns:a14="http://schemas.microsoft.com/office/drawing/2010/main" val="0"/>
-              </a:ext>
-            </a:extLst>
-          </a:blip>
-          <a:stretch>
-            <a:fillRect/>
-          </a:stretch>
-        </p:blipFill>
-        <p:spPr>
-          <a:xfrm>
-            <a:off x="838200" y="4706074"/>
-            <a:ext cx="1663717" cy="1663717"/>
-          </a:xfrm>
-          <a:prstGeom prst="rect">
-            <a:avLst/>
-          </a:prstGeom>
-        </p:spPr>
-      </p:pic>
-      <p:sp>
-        <p:nvSpPr>
-          <p:cNvPr id="4" name="矩形 3">
-            <a:extLst>
-              <a:ext uri="{FF2B5EF4-FFF2-40B4-BE49-F238E27FC236}">
-                <a16:creationId xmlns:a16="http://schemas.microsoft.com/office/drawing/2014/main" id="{357FF524-B3A4-4A58-9DFD-74F8494762D8}"/>
-              </a:ext>
-            </a:extLst>
-          </p:cNvPr>
-          <p:cNvSpPr/>
-          <p:nvPr/>
-        </p:nvSpPr>
-        <p:spPr>
-          <a:xfrm>
-            <a:off x="2501917" y="5076268"/>
-            <a:ext cx="9034846" cy="923330"/>
-          </a:xfrm>
-          <a:prstGeom prst="rect">
-            <a:avLst/>
-          </a:prstGeom>
-          <a:noFill/>
-        </p:spPr>
-        <p:txBody>
-          <a:bodyPr wrap="none" lIns="91440" tIns="45720" rIns="91440" bIns="45720">
-            <a:spAutoFit/>
-          </a:bodyPr>
-          <a:lstStyle/>
-          <a:p>
-            <a:pPr algn="ctr"/>
-            <a:r>
-              <a:rPr lang="en-US" altLang="zh-TW" sz="5400" b="1" cap="none" spc="0" dirty="0">
-                <a:ln w="22225">
-                  <a:solidFill>
-                    <a:schemeClr val="accent2"/>
-                  </a:solidFill>
-                  <a:prstDash val="solid"/>
-                </a:ln>
-                <a:solidFill>
-                  <a:schemeClr val="accent2">
-                    <a:lumMod val="40000"/>
-                    <a:lumOff val="60000"/>
-                  </a:schemeClr>
-                </a:solidFill>
-                <a:effectLst/>
-              </a:rPr>
-              <a:t>Product Lifecycle Management</a:t>
-            </a:r>
-            <a:endParaRPr lang="zh-TW" altLang="en-US" sz="5400" b="1" cap="none" spc="0" dirty="0">
-              <a:ln w="22225">
-                <a:solidFill>
-                  <a:schemeClr val="accent2"/>
-                </a:solidFill>
-                <a:prstDash val="solid"/>
-              </a:ln>
-              <a:solidFill>
-                <a:schemeClr val="accent2">
-                  <a:lumMod val="40000"/>
-                  <a:lumOff val="60000"/>
-                </a:schemeClr>
-              </a:solidFill>
-              <a:effectLst/>
-            </a:endParaRPr>
-          </a:p>
-        </p:txBody>
-      </p:sp>
-      <p:pic>
-        <p:nvPicPr>
-          <p:cNvPr id="7" name="圖片 6">
-            <a:extLst>
-              <a:ext uri="{FF2B5EF4-FFF2-40B4-BE49-F238E27FC236}">
-                <a16:creationId xmlns:a16="http://schemas.microsoft.com/office/drawing/2014/main" id="{AC46AC89-F244-4CC0-BFBA-D6D0B3820CD0}"/>
-              </a:ext>
-            </a:extLst>
-          </p:cNvPr>
-          <p:cNvPicPr>
-            <a:picLocks noChangeAspect="1"/>
-          </p:cNvPicPr>
-          <p:nvPr/>
-        </p:nvPicPr>
-        <p:blipFill>
-          <a:blip r:embed="rId3" cstate="print">
-            <a:extLst>
-              <a:ext uri="{28A0092B-C50C-407E-A947-70E740481C1C}">
-                <a14:useLocalDpi xmlns:a14="http://schemas.microsoft.com/office/drawing/2010/main" val="0"/>
-              </a:ext>
-            </a:extLst>
-          </a:blip>
-          <a:stretch>
-            <a:fillRect/>
-          </a:stretch>
-        </p:blipFill>
-        <p:spPr>
-          <a:xfrm>
-            <a:off x="6096000" y="1449617"/>
-            <a:ext cx="5096666" cy="3397777"/>
-          </a:xfrm>
-          <a:prstGeom prst="rect">
-            <a:avLst/>
-          </a:prstGeom>
-        </p:spPr>
-      </p:pic>
-      <p:grpSp>
-        <p:nvGrpSpPr>
-          <p:cNvPr id="8" name="群組 7"/>
-          <p:cNvGrpSpPr/>
-          <p:nvPr/>
-        </p:nvGrpSpPr>
-        <p:grpSpPr>
-          <a:xfrm>
-            <a:off x="728583" y="6083025"/>
-            <a:ext cx="4377730" cy="646331"/>
-            <a:chOff x="793422" y="5945045"/>
-            <a:chExt cx="4377730" cy="646331"/>
-          </a:xfrm>
-        </p:grpSpPr>
-        <p:pic>
-          <p:nvPicPr>
-            <p:cNvPr id="9" name="圖片 8"/>
-            <p:cNvPicPr>
-              <a:picLocks noChangeAspect="1"/>
-            </p:cNvPicPr>
-            <p:nvPr/>
-          </p:nvPicPr>
-          <p:blipFill>
-            <a:blip r:embed="rId4" cstate="print">
-              <a:extLst>
-                <a:ext uri="{28A0092B-C50C-407E-A947-70E740481C1C}">
-                  <a14:useLocalDpi xmlns:a14="http://schemas.microsoft.com/office/drawing/2010/main" val="0"/>
-                </a:ext>
-              </a:extLst>
-            </a:blip>
-            <a:stretch>
-              <a:fillRect/>
-            </a:stretch>
-          </p:blipFill>
-          <p:spPr>
-            <a:xfrm>
-              <a:off x="793422" y="6031991"/>
-              <a:ext cx="730578" cy="472440"/>
-            </a:xfrm>
-            <a:prstGeom prst="rect">
-              <a:avLst/>
-            </a:prstGeom>
-          </p:spPr>
-        </p:pic>
-        <p:sp>
-          <p:nvSpPr>
-            <p:cNvPr id="10" name="文字方塊 9"/>
-            <p:cNvSpPr txBox="1"/>
-            <p:nvPr/>
-          </p:nvSpPr>
-          <p:spPr>
-            <a:xfrm>
-              <a:off x="1524000" y="5945045"/>
-              <a:ext cx="3647152" cy="646331"/>
-            </a:xfrm>
-            <a:prstGeom prst="rect">
-              <a:avLst/>
-            </a:prstGeom>
-            <a:noFill/>
-          </p:spPr>
-          <p:txBody>
-            <a:bodyPr wrap="none" rtlCol="0">
-              <a:spAutoFit/>
-            </a:bodyPr>
-            <a:lstStyle/>
-            <a:p>
-              <a:r>
-                <a:rPr lang="zh-TW" altLang="en-US" dirty="0">
-                  <a:latin typeface="標楷體" panose="03000509000000000000" pitchFamily="65" charset="-120"/>
-                  <a:ea typeface="標楷體" panose="03000509000000000000" pitchFamily="65" charset="-120"/>
-                </a:rPr>
-                <a:t>國立虎尾科技大學</a:t>
-              </a:r>
-              <a:endParaRPr lang="en-US" altLang="zh-TW" dirty="0">
-                <a:latin typeface="標楷體" panose="03000509000000000000" pitchFamily="65" charset="-120"/>
-                <a:ea typeface="標楷體" panose="03000509000000000000" pitchFamily="65" charset="-120"/>
-              </a:endParaRPr>
-            </a:p>
-            <a:p>
-              <a:r>
-                <a:rPr lang="zh-TW" altLang="en-US" dirty="0">
-                  <a:latin typeface="標楷體" panose="03000509000000000000" pitchFamily="65" charset="-120"/>
-                  <a:ea typeface="標楷體" panose="03000509000000000000" pitchFamily="65" charset="-120"/>
-                </a:rPr>
-                <a:t>機械設計工程系暨精密機械工程科</a:t>
-              </a:r>
-            </a:p>
-          </p:txBody>
-        </p:sp>
-      </p:grpSp>
-    </p:spTree>
-    <p:extLst>
-      <p:ext uri="{BB962C8B-B14F-4D97-AF65-F5344CB8AC3E}">
-        <p14:creationId xmlns:p14="http://schemas.microsoft.com/office/powerpoint/2010/main" val="3695143530"/>
-      </p:ext>
-    </p:extLst>
-  </p:cSld>
-  <p:clrMapOvr>
-    <a:masterClrMapping/>
-  </p:clrMapOvr>
-</p:sld>
-</file>
-
 <file path=ppt/slides/slide6.xml><?xml version="1.0" encoding="utf-8"?>
-<p:sld xmlns:a="http://schemas.openxmlformats.org/drawingml/2006/main" xmlns:r="http://schemas.openxmlformats.org/officeDocument/2006/relationships" xmlns:p="http://schemas.openxmlformats.org/presentationml/2006/main">
-  <p:cSld>
-    <p:spTree>
-      <p:nvGrpSpPr>
-        <p:cNvPr id="1" name=""/>
-        <p:cNvGrpSpPr/>
-        <p:nvPr/>
-      </p:nvGrpSpPr>
-      <p:grpSpPr>
-        <a:xfrm>
-          <a:off x="0" y="0"/>
-          <a:ext cx="0" cy="0"/>
-          <a:chOff x="0" y="0"/>
-          <a:chExt cx="0" cy="0"/>
-        </a:xfrm>
-      </p:grpSpPr>
-      <p:sp>
-        <p:nvSpPr>
-          <p:cNvPr id="2" name="標題 1">
-            <a:extLst>
-              <a:ext uri="{FF2B5EF4-FFF2-40B4-BE49-F238E27FC236}">
-                <a16:creationId xmlns:a16="http://schemas.microsoft.com/office/drawing/2014/main" id="{56AEE999-F9B2-42C7-AD4F-CDE7FF223DEF}"/>
-              </a:ext>
-            </a:extLst>
-          </p:cNvPr>
-          <p:cNvSpPr>
-            <a:spLocks noGrp="1"/>
-          </p:cNvSpPr>
-          <p:nvPr>
-            <p:ph type="title"/>
-          </p:nvPr>
-        </p:nvSpPr>
-        <p:spPr/>
-        <p:txBody>
-          <a:bodyPr/>
-          <a:lstStyle/>
-          <a:p>
-            <a:r>
-              <a:rPr lang="en-US" altLang="zh-TW" b="1" dirty="0">
-                <a:latin typeface="Times New Roman" panose="02020603050405020304" pitchFamily="18" charset="0"/>
-                <a:ea typeface="標楷體" panose="03000509000000000000" pitchFamily="65" charset="-120"/>
-                <a:cs typeface="Times New Roman" panose="02020603050405020304" pitchFamily="18" charset="0"/>
-              </a:rPr>
-              <a:t>ODOO PLM</a:t>
-            </a:r>
-            <a:r>
-              <a:rPr lang="zh-TW" altLang="en-US" b="1" dirty="0">
-                <a:latin typeface="Times New Roman" panose="02020603050405020304" pitchFamily="18" charset="0"/>
-                <a:ea typeface="標楷體" panose="03000509000000000000" pitchFamily="65" charset="-120"/>
-                <a:cs typeface="Times New Roman" panose="02020603050405020304" pitchFamily="18" charset="0"/>
-              </a:rPr>
-              <a:t>模組</a:t>
-            </a:r>
-          </a:p>
-        </p:txBody>
-      </p:sp>
-      <p:sp>
-        <p:nvSpPr>
-          <p:cNvPr id="3" name="內容版面配置區 2">
-            <a:extLst>
-              <a:ext uri="{FF2B5EF4-FFF2-40B4-BE49-F238E27FC236}">
-                <a16:creationId xmlns:a16="http://schemas.microsoft.com/office/drawing/2014/main" id="{36B982BC-3A31-4F48-97A0-241B844D4B0E}"/>
-              </a:ext>
-            </a:extLst>
-          </p:cNvPr>
-          <p:cNvSpPr>
-            <a:spLocks noGrp="1"/>
-          </p:cNvSpPr>
-          <p:nvPr>
-            <p:ph idx="1"/>
-          </p:nvPr>
-        </p:nvSpPr>
-        <p:spPr>
-          <a:xfrm>
-            <a:off x="838201" y="1825625"/>
-            <a:ext cx="5006788" cy="4351338"/>
-          </a:xfrm>
-        </p:spPr>
-        <p:txBody>
-          <a:bodyPr>
-            <a:normAutofit/>
-          </a:bodyPr>
-          <a:lstStyle/>
-          <a:p>
-            <a:pPr marL="0" indent="0">
-              <a:buNone/>
-            </a:pPr>
-            <a:r>
-              <a:rPr lang="en-US" altLang="zh-TW" dirty="0">
-                <a:latin typeface="Times New Roman" panose="02020603050405020304" pitchFamily="18" charset="0"/>
-                <a:ea typeface="標楷體" panose="03000509000000000000" pitchFamily="65" charset="-120"/>
-                <a:cs typeface="Times New Roman" panose="02020603050405020304" pitchFamily="18" charset="0"/>
-              </a:rPr>
-              <a:t>	PLM </a:t>
-            </a:r>
-            <a:r>
-              <a:rPr lang="zh-TW" altLang="en-US" dirty="0">
-                <a:latin typeface="Times New Roman" panose="02020603050405020304" pitchFamily="18" charset="0"/>
-                <a:ea typeface="標楷體" panose="03000509000000000000" pitchFamily="65" charset="-120"/>
-                <a:cs typeface="Times New Roman" panose="02020603050405020304" pitchFamily="18" charset="0"/>
-              </a:rPr>
-              <a:t>模組中可以為這個工作項目指派負責人員以及完成所需時間，負責這個項目的人員就可以對進度進行提交、修改，每次項目提交都會以歷史紀錄保存，方便團隊追溯產品的修改紀錄。</a:t>
-            </a:r>
-          </a:p>
-        </p:txBody>
-      </p:sp>
-      <p:pic>
-        <p:nvPicPr>
-          <p:cNvPr id="5" name="圖片 4">
-            <a:extLst>
-              <a:ext uri="{FF2B5EF4-FFF2-40B4-BE49-F238E27FC236}">
-                <a16:creationId xmlns:a16="http://schemas.microsoft.com/office/drawing/2014/main" id="{FE121FB4-FD8D-4F65-83BE-1C8794F3EE04}"/>
-              </a:ext>
-            </a:extLst>
-          </p:cNvPr>
-          <p:cNvPicPr>
-            <a:picLocks noChangeAspect="1"/>
-          </p:cNvPicPr>
-          <p:nvPr/>
-        </p:nvPicPr>
-        <p:blipFill>
-          <a:blip r:embed="rId2">
-            <a:extLst>
-              <a:ext uri="{28A0092B-C50C-407E-A947-70E740481C1C}">
-                <a14:useLocalDpi xmlns:a14="http://schemas.microsoft.com/office/drawing/2010/main" val="0"/>
-              </a:ext>
-            </a:extLst>
-          </a:blip>
-          <a:stretch>
-            <a:fillRect/>
-          </a:stretch>
-        </p:blipFill>
-        <p:spPr>
-          <a:xfrm>
-            <a:off x="838200" y="4706083"/>
-            <a:ext cx="1663717" cy="1663717"/>
-          </a:xfrm>
-          <a:prstGeom prst="rect">
-            <a:avLst/>
-          </a:prstGeom>
-        </p:spPr>
-      </p:pic>
-      <p:sp>
-        <p:nvSpPr>
-          <p:cNvPr id="4" name="矩形 3">
-            <a:extLst>
-              <a:ext uri="{FF2B5EF4-FFF2-40B4-BE49-F238E27FC236}">
-                <a16:creationId xmlns:a16="http://schemas.microsoft.com/office/drawing/2014/main" id="{357FF524-B3A4-4A58-9DFD-74F8494762D8}"/>
-              </a:ext>
-            </a:extLst>
-          </p:cNvPr>
-          <p:cNvSpPr/>
-          <p:nvPr/>
-        </p:nvSpPr>
-        <p:spPr>
-          <a:xfrm>
-            <a:off x="2501917" y="5076277"/>
-            <a:ext cx="9034846" cy="923330"/>
-          </a:xfrm>
-          <a:prstGeom prst="rect">
-            <a:avLst/>
-          </a:prstGeom>
-          <a:noFill/>
-        </p:spPr>
-        <p:txBody>
-          <a:bodyPr wrap="none" lIns="91440" tIns="45720" rIns="91440" bIns="45720">
-            <a:spAutoFit/>
-          </a:bodyPr>
-          <a:lstStyle/>
-          <a:p>
-            <a:pPr algn="ctr"/>
-            <a:r>
-              <a:rPr lang="en-US" altLang="zh-TW" sz="5400" b="1" cap="none" spc="0" dirty="0">
-                <a:ln w="22225">
-                  <a:solidFill>
-                    <a:schemeClr val="accent2"/>
-                  </a:solidFill>
-                  <a:prstDash val="solid"/>
-                </a:ln>
-                <a:solidFill>
-                  <a:schemeClr val="accent2">
-                    <a:lumMod val="40000"/>
-                    <a:lumOff val="60000"/>
-                  </a:schemeClr>
-                </a:solidFill>
-                <a:effectLst/>
-              </a:rPr>
-              <a:t>Product Lifecycle Management</a:t>
-            </a:r>
-            <a:endParaRPr lang="zh-TW" altLang="en-US" sz="5400" b="1" cap="none" spc="0" dirty="0">
-              <a:ln w="22225">
-                <a:solidFill>
-                  <a:schemeClr val="accent2"/>
-                </a:solidFill>
-                <a:prstDash val="solid"/>
-              </a:ln>
-              <a:solidFill>
-                <a:schemeClr val="accent2">
-                  <a:lumMod val="40000"/>
-                  <a:lumOff val="60000"/>
-                </a:schemeClr>
-              </a:solidFill>
-              <a:effectLst/>
-            </a:endParaRPr>
-          </a:p>
-        </p:txBody>
-      </p:sp>
-      <p:pic>
-        <p:nvPicPr>
-          <p:cNvPr id="7" name="圖片 6">
-            <a:extLst>
-              <a:ext uri="{FF2B5EF4-FFF2-40B4-BE49-F238E27FC236}">
-                <a16:creationId xmlns:a16="http://schemas.microsoft.com/office/drawing/2014/main" id="{31458913-0BB3-45E2-A37C-00D69F243A5C}"/>
-              </a:ext>
-            </a:extLst>
-          </p:cNvPr>
-          <p:cNvPicPr>
-            <a:picLocks noChangeAspect="1"/>
-          </p:cNvPicPr>
-          <p:nvPr/>
-        </p:nvPicPr>
-        <p:blipFill rotWithShape="1">
-          <a:blip r:embed="rId3">
-            <a:extLst>
-              <a:ext uri="{28A0092B-C50C-407E-A947-70E740481C1C}">
-                <a14:useLocalDpi xmlns:a14="http://schemas.microsoft.com/office/drawing/2010/main" val="0"/>
-              </a:ext>
-            </a:extLst>
-          </a:blip>
-          <a:srcRect l="-1" t="-860" r="33584" b="41885"/>
-          <a:stretch/>
-        </p:blipFill>
-        <p:spPr>
-          <a:xfrm>
-            <a:off x="6096000" y="1825625"/>
-            <a:ext cx="5655735" cy="2661708"/>
-          </a:xfrm>
-          <a:prstGeom prst="rect">
-            <a:avLst/>
-          </a:prstGeom>
-        </p:spPr>
-      </p:pic>
-      <p:grpSp>
-        <p:nvGrpSpPr>
-          <p:cNvPr id="8" name="群組 7"/>
-          <p:cNvGrpSpPr/>
-          <p:nvPr/>
-        </p:nvGrpSpPr>
-        <p:grpSpPr>
-          <a:xfrm>
-            <a:off x="728583" y="6083025"/>
-            <a:ext cx="4377730" cy="646331"/>
-            <a:chOff x="793422" y="5945045"/>
-            <a:chExt cx="4377730" cy="646331"/>
-          </a:xfrm>
-        </p:grpSpPr>
-        <p:pic>
-          <p:nvPicPr>
-            <p:cNvPr id="9" name="圖片 8"/>
-            <p:cNvPicPr>
-              <a:picLocks noChangeAspect="1"/>
-            </p:cNvPicPr>
-            <p:nvPr/>
-          </p:nvPicPr>
-          <p:blipFill>
-            <a:blip r:embed="rId4" cstate="print">
-              <a:extLst>
-                <a:ext uri="{28A0092B-C50C-407E-A947-70E740481C1C}">
-                  <a14:useLocalDpi xmlns:a14="http://schemas.microsoft.com/office/drawing/2010/main" val="0"/>
-                </a:ext>
-              </a:extLst>
-            </a:blip>
-            <a:stretch>
-              <a:fillRect/>
-            </a:stretch>
-          </p:blipFill>
-          <p:spPr>
-            <a:xfrm>
-              <a:off x="793422" y="6031991"/>
-              <a:ext cx="730578" cy="472440"/>
-            </a:xfrm>
-            <a:prstGeom prst="rect">
-              <a:avLst/>
-            </a:prstGeom>
-          </p:spPr>
-        </p:pic>
-        <p:sp>
-          <p:nvSpPr>
-            <p:cNvPr id="10" name="文字方塊 9"/>
-            <p:cNvSpPr txBox="1"/>
-            <p:nvPr/>
-          </p:nvSpPr>
-          <p:spPr>
-            <a:xfrm>
-              <a:off x="1524000" y="5945045"/>
-              <a:ext cx="3647152" cy="646331"/>
-            </a:xfrm>
-            <a:prstGeom prst="rect">
-              <a:avLst/>
-            </a:prstGeom>
-            <a:noFill/>
-          </p:spPr>
-          <p:txBody>
-            <a:bodyPr wrap="none" rtlCol="0">
-              <a:spAutoFit/>
-            </a:bodyPr>
-            <a:lstStyle/>
-            <a:p>
-              <a:r>
-                <a:rPr lang="zh-TW" altLang="en-US" dirty="0">
-                  <a:latin typeface="標楷體" panose="03000509000000000000" pitchFamily="65" charset="-120"/>
-                  <a:ea typeface="標楷體" panose="03000509000000000000" pitchFamily="65" charset="-120"/>
-                </a:rPr>
-                <a:t>國立虎尾科技大學</a:t>
-              </a:r>
-              <a:endParaRPr lang="en-US" altLang="zh-TW" dirty="0">
-                <a:latin typeface="標楷體" panose="03000509000000000000" pitchFamily="65" charset="-120"/>
-                <a:ea typeface="標楷體" panose="03000509000000000000" pitchFamily="65" charset="-120"/>
-              </a:endParaRPr>
-            </a:p>
-            <a:p>
-              <a:r>
-                <a:rPr lang="zh-TW" altLang="en-US" dirty="0">
-                  <a:latin typeface="標楷體" panose="03000509000000000000" pitchFamily="65" charset="-120"/>
-                  <a:ea typeface="標楷體" panose="03000509000000000000" pitchFamily="65" charset="-120"/>
-                </a:rPr>
-                <a:t>機械設計工程系暨精密機械工程科</a:t>
-              </a:r>
-            </a:p>
-          </p:txBody>
-        </p:sp>
-      </p:grpSp>
-    </p:spTree>
-    <p:extLst>
-      <p:ext uri="{BB962C8B-B14F-4D97-AF65-F5344CB8AC3E}">
-        <p14:creationId xmlns:p14="http://schemas.microsoft.com/office/powerpoint/2010/main" val="894244134"/>
-      </p:ext>
-    </p:extLst>
-  </p:cSld>
-  <p:clrMapOvr>
-    <a:masterClrMapping/>
-  </p:clrMapOvr>
-</p:sld>
-</file>
-
-<file path=ppt/slides/slide7.xml><?xml version="1.0" encoding="utf-8"?>
 <p:sld xmlns:a="http://schemas.openxmlformats.org/drawingml/2006/main" xmlns:r="http://schemas.openxmlformats.org/officeDocument/2006/relationships" xmlns:p="http://schemas.openxmlformats.org/presentationml/2006/main">
   <p:cSld>
     <p:spTree>
@@ -11699,7 +7073,7 @@
 </p:sld>
 </file>
 
-<file path=ppt/slides/slide8.xml><?xml version="1.0" encoding="utf-8"?>
+<file path=ppt/slides/slide7.xml><?xml version="1.0" encoding="utf-8"?>
 <p:sld xmlns:a="http://schemas.openxmlformats.org/drawingml/2006/main" xmlns:r="http://schemas.openxmlformats.org/officeDocument/2006/relationships" xmlns:p="http://schemas.openxmlformats.org/presentationml/2006/main">
   <p:cSld>
     <p:spTree>
@@ -11732,7 +7106,12 @@
             <p:ph type="title"/>
           </p:nvPr>
         </p:nvSpPr>
-        <p:spPr/>
+        <p:spPr>
+          <a:xfrm>
+            <a:off x="728583" y="301177"/>
+            <a:ext cx="10515600" cy="1325563"/>
+          </a:xfrm>
+        </p:spPr>
         <p:txBody>
           <a:bodyPr/>
           <a:lstStyle/>
@@ -11982,7 +7361,7 @@
 </p:sld>
 </file>
 
-<file path=ppt/slides/slide9.xml><?xml version="1.0" encoding="utf-8"?>
+<file path=ppt/slides/slide8.xml><?xml version="1.0" encoding="utf-8"?>
 <p:sld xmlns:a="http://schemas.openxmlformats.org/drawingml/2006/main" xmlns:r="http://schemas.openxmlformats.org/officeDocument/2006/relationships" xmlns:p="http://schemas.openxmlformats.org/presentationml/2006/main">
   <p:cSld>
     <p:spTree>
@@ -12001,66 +7380,109 @@
       </p:grpSpPr>
       <p:sp>
         <p:nvSpPr>
-          <p:cNvPr id="2" name="標題 1">
+          <p:cNvPr id="4" name="標題 3"/>
+          <p:cNvSpPr>
+            <a:spLocks noGrp="1"/>
+          </p:cNvSpPr>
+          <p:nvPr>
+            <p:ph type="title"/>
+          </p:nvPr>
+        </p:nvSpPr>
+        <p:spPr/>
+        <p:txBody>
+          <a:bodyPr/>
+          <a:lstStyle/>
+          <a:p>
+            <a:r>
+              <a:rPr lang="zh-TW" altLang="en-US" b="1" dirty="0">
+                <a:latin typeface="標楷體" panose="03000509000000000000" pitchFamily="65" charset="-120"/>
+                <a:ea typeface="標楷體" panose="03000509000000000000" pitchFamily="65" charset="-120"/>
+              </a:rPr>
+              <a:t>運作方式</a:t>
+            </a:r>
+          </a:p>
+        </p:txBody>
+      </p:sp>
+      <p:pic>
+        <p:nvPicPr>
+          <p:cNvPr id="7" name="內容版面配置區 6"/>
+          <p:cNvPicPr>
+            <a:picLocks noGrp="1" noChangeAspect="1"/>
+          </p:cNvPicPr>
+          <p:nvPr>
+            <p:ph sz="half" idx="1"/>
+          </p:nvPr>
+        </p:nvPicPr>
+        <p:blipFill>
+          <a:blip r:embed="rId2">
             <a:extLst>
-              <a:ext uri="{FF2B5EF4-FFF2-40B4-BE49-F238E27FC236}">
-                <a16:creationId xmlns:a16="http://schemas.microsoft.com/office/drawing/2014/main" id="{36853F02-4021-4CE6-B683-E0F6C1B7E3D2}"/>
+              <a:ext uri="{28A0092B-C50C-407E-A947-70E740481C1C}">
+                <a14:useLocalDpi xmlns:a14="http://schemas.microsoft.com/office/drawing/2010/main" val="0"/>
               </a:ext>
             </a:extLst>
-          </p:cNvPr>
-          <p:cNvSpPr>
-            <a:spLocks noGrp="1"/>
-          </p:cNvSpPr>
-          <p:nvPr>
-            <p:ph type="title"/>
-          </p:nvPr>
-        </p:nvSpPr>
-        <p:spPr/>
-        <p:txBody>
-          <a:bodyPr/>
-          <a:lstStyle/>
-          <a:p>
-            <a:r>
-              <a:rPr lang="zh-TW" altLang="en-US" b="1" dirty="0">
-                <a:latin typeface="標楷體" panose="03000509000000000000" pitchFamily="65" charset="-120"/>
-                <a:ea typeface="標楷體" panose="03000509000000000000" pitchFamily="65" charset="-120"/>
-              </a:rPr>
-              <a:t>案例研究：鋼球平衡台的設計</a:t>
-            </a:r>
-          </a:p>
-        </p:txBody>
-      </p:sp>
-      <p:sp>
-        <p:nvSpPr>
-          <p:cNvPr id="3" name="內容版面配置區 2">
+          </a:blip>
+          <a:stretch>
+            <a:fillRect/>
+          </a:stretch>
+        </p:blipFill>
+        <p:spPr>
+          <a:xfrm>
+            <a:off x="838200" y="2212327"/>
+            <a:ext cx="5181600" cy="3899154"/>
+          </a:xfrm>
+        </p:spPr>
+      </p:pic>
+      <p:pic>
+        <p:nvPicPr>
+          <p:cNvPr id="8" name="內容版面配置區 7"/>
+          <p:cNvPicPr>
+            <a:picLocks noGrp="1" noChangeAspect="1"/>
+          </p:cNvPicPr>
+          <p:nvPr>
+            <p:ph sz="half" idx="2"/>
+          </p:nvPr>
+        </p:nvPicPr>
+        <p:blipFill>
+          <a:blip r:embed="rId3">
             <a:extLst>
-              <a:ext uri="{FF2B5EF4-FFF2-40B4-BE49-F238E27FC236}">
-                <a16:creationId xmlns:a16="http://schemas.microsoft.com/office/drawing/2014/main" id="{A7110421-A1C5-4D19-8663-88D457832922}"/>
+              <a:ext uri="{28A0092B-C50C-407E-A947-70E740481C1C}">
+                <a14:useLocalDpi xmlns:a14="http://schemas.microsoft.com/office/drawing/2010/main" val="0"/>
               </a:ext>
             </a:extLst>
-          </p:cNvPr>
-          <p:cNvSpPr>
-            <a:spLocks noGrp="1"/>
-          </p:cNvSpPr>
-          <p:nvPr>
-            <p:ph idx="1"/>
-          </p:nvPr>
-        </p:nvSpPr>
+          </a:blip>
+          <a:stretch>
+            <a:fillRect/>
+          </a:stretch>
+        </p:blipFill>
         <p:spPr>
           <a:xfrm>
-            <a:off x="838200" y="1825625"/>
-            <a:ext cx="10450484" cy="4351338"/>
+            <a:off x="6172200" y="2326478"/>
+            <a:ext cx="5181600" cy="3670852"/>
           </a:xfrm>
         </p:spPr>
-        <p:txBody>
-          <a:bodyPr>
-            <a:normAutofit lnSpcReduction="10000"/>
+      </p:pic>
+      <p:sp>
+        <p:nvSpPr>
+          <p:cNvPr id="9" name="文字方塊 8"/>
+          <p:cNvSpPr txBox="1"/>
+          <p:nvPr/>
+        </p:nvSpPr>
+        <p:spPr>
+          <a:xfrm>
+            <a:off x="836815" y="1424680"/>
+            <a:ext cx="10515600" cy="707886"/>
+          </a:xfrm>
+          <a:prstGeom prst="rect">
+            <a:avLst/>
+          </a:prstGeom>
+          <a:noFill/>
+        </p:spPr>
+        <p:txBody>
+          <a:bodyPr wrap="square" rtlCol="0">
+            <a:spAutoFit/>
           </a:bodyPr>
           <a:lstStyle/>
           <a:p>
-            <a:pPr marL="0" indent="0">
-              <a:buNone/>
-            </a:pPr>
             <a:r>
               <a:rPr lang="en-US" altLang="zh-TW" dirty="0">
                 <a:latin typeface="Times New Roman" panose="02020603050405020304" pitchFamily="18" charset="0"/>
@@ -12070,161 +7492,57 @@
               <a:t>	</a:t>
             </a:r>
             <a:r>
-              <a:rPr lang="zh-TW" altLang="en-US" dirty="0">
-                <a:latin typeface="Times New Roman" panose="02020603050405020304" pitchFamily="18" charset="0"/>
-                <a:ea typeface="標楷體" panose="03000509000000000000" pitchFamily="65" charset="-120"/>
-                <a:cs typeface="Times New Roman" panose="02020603050405020304" pitchFamily="18" charset="0"/>
-              </a:rPr>
-              <a:t>在鋼球平衡台中我們會用到兩種不同領域的理論，數學系統模型以牛頓力學推導運動方程式後使用拉氏轉換將時域轉變成頻域，而另外一項就是自動控制中常見的 </a:t>
-            </a:r>
-            <a:r>
-              <a:rPr lang="en-US" altLang="zh-TW" dirty="0">
-                <a:latin typeface="Times New Roman" panose="02020603050405020304" pitchFamily="18" charset="0"/>
-                <a:ea typeface="標楷體" panose="03000509000000000000" pitchFamily="65" charset="-120"/>
-                <a:cs typeface="Times New Roman" panose="02020603050405020304" pitchFamily="18" charset="0"/>
-              </a:rPr>
-              <a:t>PID </a:t>
-            </a:r>
-            <a:r>
-              <a:rPr lang="zh-TW" altLang="en-US" dirty="0">
-                <a:latin typeface="Times New Roman" panose="02020603050405020304" pitchFamily="18" charset="0"/>
-                <a:ea typeface="標楷體" panose="03000509000000000000" pitchFamily="65" charset="-120"/>
-                <a:cs typeface="Times New Roman" panose="02020603050405020304" pitchFamily="18" charset="0"/>
-              </a:rPr>
-              <a:t>控制器。</a:t>
-            </a:r>
-            <a:endParaRPr lang="en-US" altLang="zh-TW" dirty="0">
-              <a:latin typeface="Times New Roman" panose="02020603050405020304" pitchFamily="18" charset="0"/>
-              <a:ea typeface="標楷體" panose="03000509000000000000" pitchFamily="65" charset="-120"/>
-              <a:cs typeface="Times New Roman" panose="02020603050405020304" pitchFamily="18" charset="0"/>
-            </a:endParaRPr>
-          </a:p>
-          <a:p>
-            <a:pPr marL="0" indent="0">
-              <a:buNone/>
-            </a:pPr>
-            <a:r>
-              <a:rPr lang="en-US" altLang="zh-TW" b="1" dirty="0">
-                <a:latin typeface="Times New Roman" panose="02020603050405020304" pitchFamily="18" charset="0"/>
-                <a:ea typeface="標楷體" panose="03000509000000000000" pitchFamily="65" charset="-120"/>
-                <a:cs typeface="Times New Roman" panose="02020603050405020304" pitchFamily="18" charset="0"/>
-              </a:rPr>
-              <a:t>6.1 </a:t>
-            </a:r>
-            <a:r>
-              <a:rPr lang="zh-TW" altLang="en-US" b="1" dirty="0">
-                <a:latin typeface="Times New Roman" panose="02020603050405020304" pitchFamily="18" charset="0"/>
-                <a:ea typeface="標楷體" panose="03000509000000000000" pitchFamily="65" charset="-120"/>
-                <a:cs typeface="Times New Roman" panose="02020603050405020304" pitchFamily="18" charset="0"/>
-              </a:rPr>
-              <a:t>數學系統模型</a:t>
-            </a:r>
-            <a:endParaRPr lang="en-US" altLang="zh-TW" b="1" dirty="0">
-              <a:latin typeface="Times New Roman" panose="02020603050405020304" pitchFamily="18" charset="0"/>
-              <a:ea typeface="標楷體" panose="03000509000000000000" pitchFamily="65" charset="-120"/>
-              <a:cs typeface="Times New Roman" panose="02020603050405020304" pitchFamily="18" charset="0"/>
-            </a:endParaRPr>
-          </a:p>
-          <a:p>
-            <a:pPr marL="0" indent="0">
-              <a:buNone/>
-            </a:pPr>
-            <a:r>
-              <a:rPr lang="en-US" altLang="zh-TW" dirty="0">
-                <a:latin typeface="Times New Roman" panose="02020603050405020304" pitchFamily="18" charset="0"/>
-                <a:ea typeface="標楷體" panose="03000509000000000000" pitchFamily="65" charset="-120"/>
-                <a:cs typeface="Times New Roman" panose="02020603050405020304" pitchFamily="18" charset="0"/>
-              </a:rPr>
-              <a:t>	</a:t>
-            </a:r>
-            <a:r>
-              <a:rPr lang="zh-TW" altLang="en-US" dirty="0">
-                <a:latin typeface="Times New Roman" panose="02020603050405020304" pitchFamily="18" charset="0"/>
-                <a:ea typeface="標楷體" panose="03000509000000000000" pitchFamily="65" charset="-120"/>
-                <a:cs typeface="Times New Roman" panose="02020603050405020304" pitchFamily="18" charset="0"/>
-              </a:rPr>
-              <a:t>球體的動態是由物理定律推導出，以微分方程式來表達，我們將使用牛頓力學來得到球的運動方程式，並使用拉氏轉換解之。</a:t>
-            </a:r>
-            <a:endParaRPr lang="en-US" altLang="zh-TW" dirty="0">
-              <a:latin typeface="Times New Roman" panose="02020603050405020304" pitchFamily="18" charset="0"/>
-              <a:ea typeface="標楷體" panose="03000509000000000000" pitchFamily="65" charset="-120"/>
-              <a:cs typeface="Times New Roman" panose="02020603050405020304" pitchFamily="18" charset="0"/>
-            </a:endParaRPr>
-          </a:p>
-          <a:p>
-            <a:pPr marL="0" indent="0">
-              <a:buNone/>
-            </a:pPr>
-            <a:r>
-              <a:rPr lang="en-US" altLang="zh-TW" b="1" dirty="0">
-                <a:latin typeface="Times New Roman" panose="02020603050405020304" pitchFamily="18" charset="0"/>
-                <a:ea typeface="標楷體" panose="03000509000000000000" pitchFamily="65" charset="-120"/>
-                <a:cs typeface="Times New Roman" panose="02020603050405020304" pitchFamily="18" charset="0"/>
-              </a:rPr>
-              <a:t>6.1.1 </a:t>
-            </a:r>
-            <a:r>
-              <a:rPr lang="zh-TW" altLang="en-US" b="1" dirty="0">
-                <a:latin typeface="Times New Roman" panose="02020603050405020304" pitchFamily="18" charset="0"/>
-                <a:ea typeface="標楷體" panose="03000509000000000000" pitchFamily="65" charset="-120"/>
-                <a:cs typeface="Times New Roman" panose="02020603050405020304" pitchFamily="18" charset="0"/>
-              </a:rPr>
-              <a:t>簡化與假設</a:t>
-            </a:r>
-            <a:endParaRPr lang="en-US" altLang="zh-TW" b="1" dirty="0">
-              <a:latin typeface="Times New Roman" panose="02020603050405020304" pitchFamily="18" charset="0"/>
-              <a:ea typeface="標楷體" panose="03000509000000000000" pitchFamily="65" charset="-120"/>
-              <a:cs typeface="Times New Roman" panose="02020603050405020304" pitchFamily="18" charset="0"/>
-            </a:endParaRPr>
-          </a:p>
-          <a:p>
-            <a:pPr marL="0" indent="0">
-              <a:buNone/>
-            </a:pPr>
-            <a:r>
-              <a:rPr lang="en-US" altLang="zh-TW" dirty="0">
-                <a:latin typeface="Times New Roman" panose="02020603050405020304" pitchFamily="18" charset="0"/>
-                <a:ea typeface="標楷體" panose="03000509000000000000" pitchFamily="65" charset="-120"/>
-                <a:cs typeface="Times New Roman" panose="02020603050405020304" pitchFamily="18" charset="0"/>
-              </a:rPr>
-              <a:t>	</a:t>
-            </a:r>
-            <a:r>
-              <a:rPr lang="zh-TW" altLang="en-US" dirty="0">
-                <a:latin typeface="Times New Roman" panose="02020603050405020304" pitchFamily="18" charset="0"/>
-                <a:ea typeface="標楷體" panose="03000509000000000000" pitchFamily="65" charset="-120"/>
-                <a:cs typeface="Times New Roman" panose="02020603050405020304" pitchFamily="18" charset="0"/>
-              </a:rPr>
-              <a:t>為了得到球在平板上的運動方程式我們需假設球的幾何型態是完全球形且均質、球在平台上只在 </a:t>
-            </a:r>
-            <a:r>
-              <a:rPr lang="en-US" altLang="zh-TW" dirty="0">
-                <a:latin typeface="Times New Roman" panose="02020603050405020304" pitchFamily="18" charset="0"/>
-                <a:ea typeface="標楷體" panose="03000509000000000000" pitchFamily="65" charset="-120"/>
-                <a:cs typeface="Times New Roman" panose="02020603050405020304" pitchFamily="18" charset="0"/>
-              </a:rPr>
-              <a:t>X </a:t>
-            </a:r>
-            <a:r>
-              <a:rPr lang="zh-TW" altLang="en-US" dirty="0">
-                <a:latin typeface="Times New Roman" panose="02020603050405020304" pitchFamily="18" charset="0"/>
-                <a:ea typeface="標楷體" panose="03000509000000000000" pitchFamily="65" charset="-120"/>
-                <a:cs typeface="Times New Roman" panose="02020603050405020304" pitchFamily="18" charset="0"/>
-              </a:rPr>
-              <a:t>方向移動、球在平台上只做滾動無滑動並且不考慮摩擦力。</a:t>
+              <a:rPr lang="zh-TW" altLang="en-US" sz="2000" dirty="0">
+                <a:latin typeface="Times New Roman" panose="02020603050405020304" pitchFamily="18" charset="0"/>
+                <a:ea typeface="標楷體" panose="03000509000000000000" pitchFamily="65" charset="-120"/>
+                <a:cs typeface="Times New Roman" panose="02020603050405020304" pitchFamily="18" charset="0"/>
+              </a:rPr>
+              <a:t>我們以鋼球平衡台作為專題的主體，然後寫程式驅動雷射測距感測器當鋼球遠離時</a:t>
+            </a:r>
+            <a:r>
+              <a:rPr lang="en-US" altLang="zh-TW" sz="2000" dirty="0">
+                <a:latin typeface="Times New Roman" panose="02020603050405020304" pitchFamily="18" charset="0"/>
+                <a:ea typeface="標楷體" panose="03000509000000000000" pitchFamily="65" charset="-120"/>
+                <a:cs typeface="Times New Roman" panose="02020603050405020304" pitchFamily="18" charset="0"/>
+              </a:rPr>
+              <a:t>platform</a:t>
+            </a:r>
+            <a:r>
+              <a:rPr lang="zh-TW" altLang="en-US" sz="2000" dirty="0">
+                <a:latin typeface="Times New Roman" panose="02020603050405020304" pitchFamily="18" charset="0"/>
+                <a:ea typeface="標楷體" panose="03000509000000000000" pitchFamily="65" charset="-120"/>
+                <a:cs typeface="Times New Roman" panose="02020603050405020304" pitchFamily="18" charset="0"/>
+              </a:rPr>
+              <a:t>，當鋼球靠近時</a:t>
+            </a:r>
+            <a:r>
+              <a:rPr lang="en-US" altLang="zh-TW" sz="2000" dirty="0">
+                <a:latin typeface="Times New Roman" panose="02020603050405020304" pitchFamily="18" charset="0"/>
+                <a:ea typeface="標楷體" panose="03000509000000000000" pitchFamily="65" charset="-120"/>
+                <a:cs typeface="Times New Roman" panose="02020603050405020304" pitchFamily="18" charset="0"/>
+              </a:rPr>
+              <a:t>platform</a:t>
+            </a:r>
+            <a:r>
+              <a:rPr lang="zh-TW" altLang="en-US" sz="2000" dirty="0">
+                <a:latin typeface="Times New Roman" panose="02020603050405020304" pitchFamily="18" charset="0"/>
+                <a:ea typeface="標楷體" panose="03000509000000000000" pitchFamily="65" charset="-120"/>
+                <a:cs typeface="Times New Roman" panose="02020603050405020304" pitchFamily="18" charset="0"/>
+              </a:rPr>
+              <a:t>放下，重複此動作直至鋼球平衡台平衡。</a:t>
             </a:r>
           </a:p>
         </p:txBody>
       </p:sp>
       <p:grpSp>
         <p:nvGrpSpPr>
-          <p:cNvPr id="4" name="群組 3"/>
+          <p:cNvPr id="6" name="群組 5"/>
           <p:cNvGrpSpPr/>
           <p:nvPr/>
         </p:nvGrpSpPr>
         <p:grpSpPr>
           <a:xfrm>
-            <a:off x="728583" y="6083025"/>
+            <a:off x="728583" y="6132903"/>
             <a:ext cx="4377730" cy="646331"/>
             <a:chOff x="793422" y="5945045"/>
             <a:chExt cx="4377730" cy="646331"/>
@@ -12232,14 +7550,14 @@
         </p:grpSpPr>
         <p:pic>
           <p:nvPicPr>
-            <p:cNvPr id="5" name="圖片 4"/>
+            <p:cNvPr id="10" name="圖片 9"/>
             <p:cNvPicPr>
               <a:picLocks noChangeAspect="1"/>
             </p:cNvPicPr>
             <p:nvPr/>
           </p:nvPicPr>
           <p:blipFill>
-            <a:blip r:embed="rId2" cstate="print">
+            <a:blip r:embed="rId4" cstate="print">
               <a:extLst>
                 <a:ext uri="{28A0092B-C50C-407E-A947-70E740481C1C}">
                   <a14:useLocalDpi xmlns:a14="http://schemas.microsoft.com/office/drawing/2010/main" val="0"/>
@@ -12262,7 +7580,7 @@
         </p:pic>
         <p:sp>
           <p:nvSpPr>
-            <p:cNvPr id="6" name="文字方塊 5"/>
+            <p:cNvPr id="11" name="文字方塊 10"/>
             <p:cNvSpPr txBox="1"/>
             <p:nvPr/>
           </p:nvSpPr>
@@ -12309,7 +7627,308 @@
     </p:spTree>
     <p:extLst>
       <p:ext uri="{BB962C8B-B14F-4D97-AF65-F5344CB8AC3E}">
-        <p14:creationId xmlns:p14="http://schemas.microsoft.com/office/powerpoint/2010/main" val="3819059125"/>
+        <p14:creationId xmlns:p14="http://schemas.microsoft.com/office/powerpoint/2010/main" val="1495339243"/>
+      </p:ext>
+    </p:extLst>
+  </p:cSld>
+  <p:clrMapOvr>
+    <a:masterClrMapping/>
+  </p:clrMapOvr>
+</p:sld>
+</file>
+
+<file path=ppt/slides/slide9.xml><?xml version="1.0" encoding="utf-8"?>
+<p:sld xmlns:a="http://schemas.openxmlformats.org/drawingml/2006/main" xmlns:r="http://schemas.openxmlformats.org/officeDocument/2006/relationships" xmlns:p="http://schemas.openxmlformats.org/presentationml/2006/main">
+  <p:cSld>
+    <p:spTree>
+      <p:nvGrpSpPr>
+        <p:cNvPr id="1" name=""/>
+        <p:cNvGrpSpPr/>
+        <p:nvPr/>
+      </p:nvGrpSpPr>
+      <p:grpSpPr>
+        <a:xfrm>
+          <a:off x="0" y="0"/>
+          <a:ext cx="0" cy="0"/>
+          <a:chOff x="0" y="0"/>
+          <a:chExt cx="0" cy="0"/>
+        </a:xfrm>
+      </p:grpSpPr>
+      <p:sp>
+        <p:nvSpPr>
+          <p:cNvPr id="2" name="標題 1">
+            <a:extLst>
+              <a:ext uri="{FF2B5EF4-FFF2-40B4-BE49-F238E27FC236}">
+                <a16:creationId xmlns:a16="http://schemas.microsoft.com/office/drawing/2014/main" id="{BA46B84B-3164-467D-B0A5-4DED2127C172}"/>
+              </a:ext>
+            </a:extLst>
+          </p:cNvPr>
+          <p:cNvSpPr>
+            <a:spLocks noGrp="1"/>
+          </p:cNvSpPr>
+          <p:nvPr>
+            <p:ph type="title"/>
+          </p:nvPr>
+        </p:nvSpPr>
+        <p:spPr/>
+        <p:txBody>
+          <a:bodyPr/>
+          <a:lstStyle/>
+          <a:p>
+            <a:r>
+              <a:rPr lang="zh-TW" altLang="en-US" b="1" dirty="0">
+                <a:latin typeface="標楷體" panose="03000509000000000000" pitchFamily="65" charset="-120"/>
+                <a:ea typeface="標楷體" panose="03000509000000000000" pitchFamily="65" charset="-120"/>
+              </a:rPr>
+              <a:t>案例研究：鋼球平衡台的設計</a:t>
+            </a:r>
+          </a:p>
+        </p:txBody>
+      </p:sp>
+      <p:sp>
+        <p:nvSpPr>
+          <p:cNvPr id="3" name="內容版面配置區 2">
+            <a:extLst>
+              <a:ext uri="{FF2B5EF4-FFF2-40B4-BE49-F238E27FC236}">
+                <a16:creationId xmlns:a16="http://schemas.microsoft.com/office/drawing/2014/main" id="{E702452B-1EE4-4CC9-9E76-FE0BF691C245}"/>
+              </a:ext>
+            </a:extLst>
+          </p:cNvPr>
+          <p:cNvSpPr>
+            <a:spLocks noGrp="1"/>
+          </p:cNvSpPr>
+          <p:nvPr>
+            <p:ph idx="1"/>
+          </p:nvPr>
+        </p:nvSpPr>
+        <p:spPr/>
+        <p:txBody>
+          <a:bodyPr/>
+          <a:lstStyle/>
+          <a:p>
+            <a:pPr marL="0" indent="0">
+              <a:buNone/>
+            </a:pPr>
+            <a:r>
+              <a:rPr lang="zh-TW" altLang="en-US" dirty="0">
+                <a:latin typeface="標楷體" panose="03000509000000000000" pitchFamily="65" charset="-120"/>
+                <a:ea typeface="標楷體" panose="03000509000000000000" pitchFamily="65" charset="-120"/>
+              </a:rPr>
+              <a:t>我們利用 </a:t>
+            </a:r>
+            <a:r>
+              <a:rPr lang="en-US" altLang="zh-TW" dirty="0" err="1">
+                <a:latin typeface="Times New Roman" panose="02020603050405020304" pitchFamily="18" charset="0"/>
+                <a:ea typeface="標楷體" panose="03000509000000000000" pitchFamily="65" charset="-120"/>
+                <a:cs typeface="Times New Roman" panose="02020603050405020304" pitchFamily="18" charset="0"/>
+              </a:rPr>
+              <a:t>GeoGebra</a:t>
+            </a:r>
+            <a:r>
+              <a:rPr lang="en-US" altLang="zh-TW" dirty="0">
+                <a:latin typeface="標楷體" panose="03000509000000000000" pitchFamily="65" charset="-120"/>
+                <a:ea typeface="標楷體" panose="03000509000000000000" pitchFamily="65" charset="-120"/>
+              </a:rPr>
+              <a:t> </a:t>
+            </a:r>
+            <a:r>
+              <a:rPr lang="zh-TW" altLang="en-US" dirty="0">
+                <a:latin typeface="標楷體" panose="03000509000000000000" pitchFamily="65" charset="-120"/>
+                <a:ea typeface="標楷體" panose="03000509000000000000" pitchFamily="65" charset="-120"/>
+              </a:rPr>
+              <a:t>進行模擬得到馬達轉角和平台角度的關係圖。</a:t>
+            </a:r>
+            <a:endParaRPr lang="en-US" altLang="zh-TW" dirty="0">
+              <a:latin typeface="標楷體" panose="03000509000000000000" pitchFamily="65" charset="-120"/>
+              <a:ea typeface="標楷體" panose="03000509000000000000" pitchFamily="65" charset="-120"/>
+            </a:endParaRPr>
+          </a:p>
+          <a:p>
+            <a:pPr marL="0" indent="0">
+              <a:buNone/>
+            </a:pPr>
+            <a:r>
+              <a:rPr lang="zh-TW" altLang="en-US" dirty="0">
+                <a:latin typeface="標楷體" panose="03000509000000000000" pitchFamily="65" charset="-120"/>
+                <a:ea typeface="標楷體" panose="03000509000000000000" pitchFamily="65" charset="-120"/>
+              </a:rPr>
+              <a:t>可以觀察到，超過正</a:t>
+            </a:r>
+            <a:r>
+              <a:rPr lang="en-US" altLang="zh-TW" dirty="0">
+                <a:latin typeface="標楷體" panose="03000509000000000000" pitchFamily="65" charset="-120"/>
+                <a:ea typeface="標楷體" panose="03000509000000000000" pitchFamily="65" charset="-120"/>
+              </a:rPr>
+              <a:t>70</a:t>
+            </a:r>
+            <a:r>
+              <a:rPr lang="zh-TW" altLang="en-US" dirty="0">
+                <a:latin typeface="標楷體" panose="03000509000000000000" pitchFamily="65" charset="-120"/>
+                <a:ea typeface="標楷體" panose="03000509000000000000" pitchFamily="65" charset="-120"/>
+              </a:rPr>
+              <a:t>度的部分由於桿件設計反而造成平台角度下降，故在後續控制程式中將該段行程捨棄。</a:t>
+            </a:r>
+          </a:p>
+        </p:txBody>
+      </p:sp>
+      <p:pic>
+        <p:nvPicPr>
+          <p:cNvPr id="4" name="圖片 3"/>
+          <p:cNvPicPr>
+            <a:picLocks noChangeAspect="1"/>
+          </p:cNvPicPr>
+          <p:nvPr/>
+        </p:nvPicPr>
+        <p:blipFill>
+          <a:blip r:embed="rId2">
+            <a:extLst>
+              <a:ext uri="{28A0092B-C50C-407E-A947-70E740481C1C}">
+                <a14:useLocalDpi xmlns:a14="http://schemas.microsoft.com/office/drawing/2010/main" val="0"/>
+              </a:ext>
+            </a:extLst>
+          </a:blip>
+          <a:stretch>
+            <a:fillRect/>
+          </a:stretch>
+        </p:blipFill>
+        <p:spPr>
+          <a:xfrm>
+            <a:off x="5601852" y="3194507"/>
+            <a:ext cx="4713316" cy="3116680"/>
+          </a:xfrm>
+          <a:prstGeom prst="rect">
+            <a:avLst/>
+          </a:prstGeom>
+        </p:spPr>
+      </p:pic>
+      <p:sp>
+        <p:nvSpPr>
+          <p:cNvPr id="5" name="文字方塊 4"/>
+          <p:cNvSpPr txBox="1"/>
+          <p:nvPr/>
+        </p:nvSpPr>
+        <p:spPr>
+          <a:xfrm>
+            <a:off x="5922127" y="6311900"/>
+            <a:ext cx="3972098" cy="369332"/>
+          </a:xfrm>
+          <a:prstGeom prst="rect">
+            <a:avLst/>
+          </a:prstGeom>
+          <a:noFill/>
+        </p:spPr>
+        <p:txBody>
+          <a:bodyPr wrap="square" rtlCol="0">
+            <a:spAutoFit/>
+          </a:bodyPr>
+          <a:lstStyle/>
+          <a:p>
+            <a:pPr algn="ctr"/>
+            <a:r>
+              <a:rPr lang="zh-TW" altLang="en-US" dirty="0">
+                <a:latin typeface="標楷體" panose="03000509000000000000" pitchFamily="65" charset="-120"/>
+                <a:ea typeface="標楷體" panose="03000509000000000000" pitchFamily="65" charset="-120"/>
+              </a:rPr>
+              <a:t>馬達轉角和平台角度的關係圖</a:t>
+            </a:r>
+            <a:endParaRPr lang="zh-TW" altLang="en-US" dirty="0"/>
+          </a:p>
+        </p:txBody>
+      </p:sp>
+      <p:grpSp>
+        <p:nvGrpSpPr>
+          <p:cNvPr id="6" name="群組 5"/>
+          <p:cNvGrpSpPr/>
+          <p:nvPr/>
+        </p:nvGrpSpPr>
+        <p:grpSpPr>
+          <a:xfrm>
+            <a:off x="728583" y="6083025"/>
+            <a:ext cx="4377730" cy="646331"/>
+            <a:chOff x="793422" y="5945045"/>
+            <a:chExt cx="4377730" cy="646331"/>
+          </a:xfrm>
+        </p:grpSpPr>
+        <p:pic>
+          <p:nvPicPr>
+            <p:cNvPr id="7" name="圖片 6"/>
+            <p:cNvPicPr>
+              <a:picLocks noChangeAspect="1"/>
+            </p:cNvPicPr>
+            <p:nvPr/>
+          </p:nvPicPr>
+          <p:blipFill>
+            <a:blip r:embed="rId3" cstate="print">
+              <a:extLst>
+                <a:ext uri="{28A0092B-C50C-407E-A947-70E740481C1C}">
+                  <a14:useLocalDpi xmlns:a14="http://schemas.microsoft.com/office/drawing/2010/main" val="0"/>
+                </a:ext>
+              </a:extLst>
+            </a:blip>
+            <a:stretch>
+              <a:fillRect/>
+            </a:stretch>
+          </p:blipFill>
+          <p:spPr>
+            <a:xfrm>
+              <a:off x="793422" y="6031991"/>
+              <a:ext cx="730578" cy="472440"/>
+            </a:xfrm>
+            <a:prstGeom prst="rect">
+              <a:avLst/>
+            </a:prstGeom>
+          </p:spPr>
+        </p:pic>
+        <p:sp>
+          <p:nvSpPr>
+            <p:cNvPr id="8" name="文字方塊 7"/>
+            <p:cNvSpPr txBox="1"/>
+            <p:nvPr/>
+          </p:nvSpPr>
+          <p:spPr>
+            <a:xfrm>
+              <a:off x="1524000" y="5945045"/>
+              <a:ext cx="3647152" cy="646331"/>
+            </a:xfrm>
+            <a:prstGeom prst="rect">
+              <a:avLst/>
+            </a:prstGeom>
+            <a:noFill/>
+          </p:spPr>
+          <p:txBody>
+            <a:bodyPr wrap="none" rtlCol="0">
+              <a:spAutoFit/>
+            </a:bodyPr>
+            <a:lstStyle/>
+            <a:p>
+              <a:r>
+                <a:rPr lang="zh-TW" altLang="en-US" dirty="0">
+                  <a:latin typeface="標楷體" panose="03000509000000000000" pitchFamily="65" charset="-120"/>
+                  <a:ea typeface="標楷體" panose="03000509000000000000" pitchFamily="65" charset="-120"/>
+                </a:rPr>
+                <a:t>國立虎尾科技大學</a:t>
+              </a:r>
+              <a:endParaRPr lang="en-US" altLang="zh-TW" dirty="0">
+                <a:latin typeface="標楷體" panose="03000509000000000000" pitchFamily="65" charset="-120"/>
+                <a:ea typeface="標楷體" panose="03000509000000000000" pitchFamily="65" charset="-120"/>
+              </a:endParaRPr>
+            </a:p>
+            <a:p>
+              <a:r>
+                <a:rPr lang="zh-TW" altLang="en-US" dirty="0">
+                  <a:latin typeface="標楷體" panose="03000509000000000000" pitchFamily="65" charset="-120"/>
+                  <a:ea typeface="標楷體" panose="03000509000000000000" pitchFamily="65" charset="-120"/>
+                </a:rPr>
+                <a:t>機械設計工程系暨精密機械工程科</a:t>
+              </a:r>
+            </a:p>
+          </p:txBody>
+        </p:sp>
+      </p:grpSp>
+    </p:spTree>
+    <p:extLst>
+      <p:ext uri="{BB962C8B-B14F-4D97-AF65-F5344CB8AC3E}">
+        <p14:creationId xmlns:p14="http://schemas.microsoft.com/office/powerpoint/2010/main" val="4109478560"/>
       </p:ext>
     </p:extLst>
   </p:cSld>
